--- a/cmake notes.pptx
+++ b/cmake notes.pptx
@@ -5,7 +5,7 @@
     <p:sldMasterId id="2147483648" r:id="rId1"/>
   </p:sldMasterIdLst>
   <p:notesMasterIdLst>
-    <p:notesMasterId r:id="rId14"/>
+    <p:notesMasterId r:id="rId15"/>
   </p:notesMasterIdLst>
   <p:sldIdLst>
     <p:sldId id="256" r:id="rId2"/>
@@ -19,7 +19,8 @@
     <p:sldId id="262" r:id="rId10"/>
     <p:sldId id="265" r:id="rId11"/>
     <p:sldId id="266" r:id="rId12"/>
-    <p:sldId id="263" r:id="rId13"/>
+    <p:sldId id="268" r:id="rId13"/>
+    <p:sldId id="263" r:id="rId14"/>
   </p:sldIdLst>
   <p:sldSz cx="12192000" cy="6858000"/>
   <p:notesSz cx="6858000" cy="9144000"/>
@@ -879,11 +880,11 @@
           <a:lstStyle/>
           <a:p>
             <a:r>
-              <a:rPr lang="en-US" dirty="0">
-                <a:hlinkClick r:id="rId3"/>
-              </a:rPr>
-              <a:t>https://www.slideshare.net/oliora/introduction-to-cmake-in-30-minutes</a:t>
-            </a:r>
+              <a:rPr lang="en-US" dirty="0"/>
+              <a:t>https://cliutils.gitlab.io/modern-cmake/chapters/basics/variables.html</a:t>
+            </a:r>
+          </a:p>
+          <a:p>
             <a:endParaRPr lang="en-US" dirty="0"/>
           </a:p>
           <a:p>
@@ -906,28 +907,13 @@
             </a:pPr>
             <a:r>
               <a:rPr lang="en-US" dirty="0">
-                <a:hlinkClick r:id="rId4"/>
+                <a:hlinkClick r:id="rId3"/>
               </a:rPr>
-              <a:t>https://www.slideshare.net/DanielPfeifer1/cmake-48475415</a:t>
+              <a:t>https://preshing.com/20170522/learn-cmakes-scripting-language-in-15-minutes/</a:t>
             </a:r>
             <a:endParaRPr lang="en-US" dirty="0"/>
           </a:p>
           <a:p>
-            <a:r>
-              <a:rPr lang="en-US" dirty="0">
-                <a:hlinkClick r:id="rId5"/>
-              </a:rPr>
-              <a:t>https://myslide.cn/slides/12169</a:t>
-            </a:r>
-            <a:endParaRPr lang="en-US" dirty="0"/>
-          </a:p>
-          <a:p>
-            <a:r>
-              <a:rPr lang="en-US" dirty="0">
-                <a:hlinkClick r:id="rId6"/>
-              </a:rPr>
-              <a:t>https://zh.wikibooks.org/wiki/CMake_%E5%85%A5%E9%96%80/%E8%BC%B8%E5%87%BA%E4%BD%8D%E7%BD%AE%E8%88%87%E5%AE%89%E8%A3%9D</a:t>
-            </a:r>
             <a:endParaRPr lang="en-US" dirty="0"/>
           </a:p>
         </p:txBody>
@@ -949,7 +935,540 @@
           <a:p>
             <a:fld id="{B98D41D3-80D1-41B8-B9EF-F8F84EBADC06}" type="slidenum">
               <a:rPr lang="en-US" smtClean="0"/>
-              <a:t>12</a:t>
+              <a:t>8</a:t>
+            </a:fld>
+            <a:endParaRPr lang="en-US"/>
+          </a:p>
+        </p:txBody>
+      </p:sp>
+    </p:spTree>
+    <p:extLst>
+      <p:ext uri="{BB962C8B-B14F-4D97-AF65-F5344CB8AC3E}">
+        <p14:creationId xmlns:p14="http://schemas.microsoft.com/office/powerpoint/2010/main" val="1771750061"/>
+      </p:ext>
+    </p:extLst>
+  </p:cSld>
+  <p:clrMapOvr>
+    <a:masterClrMapping/>
+  </p:clrMapOvr>
+</p:notes>
+</file>
+
+<file path=ppt/notesSlides/notesSlide6.xml><?xml version="1.0" encoding="utf-8"?>
+<p:notes xmlns:a="http://schemas.openxmlformats.org/drawingml/2006/main" xmlns:r="http://schemas.openxmlformats.org/officeDocument/2006/relationships" xmlns:p="http://schemas.openxmlformats.org/presentationml/2006/main">
+  <p:cSld>
+    <p:spTree>
+      <p:nvGrpSpPr>
+        <p:cNvPr id="1" name=""/>
+        <p:cNvGrpSpPr/>
+        <p:nvPr/>
+      </p:nvGrpSpPr>
+      <p:grpSpPr>
+        <a:xfrm>
+          <a:off x="0" y="0"/>
+          <a:ext cx="0" cy="0"/>
+          <a:chOff x="0" y="0"/>
+          <a:chExt cx="0" cy="0"/>
+        </a:xfrm>
+      </p:grpSpPr>
+      <p:sp>
+        <p:nvSpPr>
+          <p:cNvPr id="2" name="投影片影像版面配置區 1"/>
+          <p:cNvSpPr>
+            <a:spLocks noGrp="1" noRot="1" noChangeAspect="1"/>
+          </p:cNvSpPr>
+          <p:nvPr>
+            <p:ph type="sldImg"/>
+          </p:nvPr>
+        </p:nvSpPr>
+        <p:spPr/>
+      </p:sp>
+      <p:sp>
+        <p:nvSpPr>
+          <p:cNvPr id="3" name="備忘稿版面配置區 2"/>
+          <p:cNvSpPr>
+            <a:spLocks noGrp="1"/>
+          </p:cNvSpPr>
+          <p:nvPr>
+            <p:ph type="body" idx="1"/>
+          </p:nvPr>
+        </p:nvSpPr>
+        <p:spPr/>
+        <p:txBody>
+          <a:bodyPr/>
+          <a:lstStyle/>
+          <a:p>
+            <a:r>
+              <a:rPr lang="en-US" altLang="zh-CN" dirty="0"/>
+              <a:t>https://zhuanlan.zhihu.com/p/76975231</a:t>
+            </a:r>
+          </a:p>
+          <a:p>
+            <a:endParaRPr lang="en-US" altLang="zh-CN" dirty="0"/>
+          </a:p>
+          <a:p>
+            <a:r>
+              <a:rPr lang="en-US" altLang="zh-CN" dirty="0"/>
+              <a:t>https://ukabuer.me/blog/more-modern-cmake/</a:t>
+            </a:r>
+          </a:p>
+          <a:p>
+            <a:endParaRPr lang="en-US" altLang="zh-CN" dirty="0"/>
+          </a:p>
+          <a:p>
+            <a:r>
+              <a:rPr lang="en-US" altLang="zh-CN" dirty="0"/>
+              <a:t>https://cmake.org/cmake/help/latest/manual/cmake-properties.7.html</a:t>
+            </a:r>
+          </a:p>
+          <a:p>
+            <a:r>
+              <a:rPr lang="en-US" altLang="zh-CN" dirty="0"/>
+              <a:t>https://cmake.org/cmake/help/latest/manual/cmake-commands.7.html</a:t>
+            </a:r>
+          </a:p>
+          <a:p>
+            <a:endParaRPr lang="en-US" altLang="zh-CN" dirty="0"/>
+          </a:p>
+          <a:p>
+            <a:r>
+              <a:rPr lang="zh-CN" altLang="en-US" dirty="0"/>
+              <a:t>现代化的</a:t>
+            </a:r>
+            <a:r>
+              <a:rPr lang="en-US" altLang="zh-CN" dirty="0" err="1"/>
+              <a:t>CMake</a:t>
+            </a:r>
+            <a:r>
+              <a:rPr lang="zh-CN" altLang="en-US" dirty="0"/>
+              <a:t>是围绕 </a:t>
+            </a:r>
+            <a:r>
+              <a:rPr lang="en-US" altLang="zh-CN" dirty="0"/>
+              <a:t>Target </a:t>
+            </a:r>
+            <a:r>
+              <a:rPr lang="zh-CN" altLang="en-US" dirty="0"/>
+              <a:t>和 </a:t>
+            </a:r>
+            <a:r>
+              <a:rPr lang="en-US" altLang="zh-CN" dirty="0"/>
+              <a:t>Property </a:t>
+            </a:r>
+            <a:r>
+              <a:rPr lang="zh-CN" altLang="en-US" dirty="0"/>
+              <a:t>来定义的，并且竭力避免出现变量</a:t>
+            </a:r>
+            <a:r>
+              <a:rPr lang="en-US" altLang="zh-CN" dirty="0"/>
+              <a:t>variable</a:t>
+            </a:r>
+            <a:r>
+              <a:rPr lang="zh-CN" altLang="en-US" dirty="0"/>
+              <a:t>的定义。</a:t>
+            </a:r>
+            <a:r>
+              <a:rPr lang="en-US" altLang="zh-CN" dirty="0"/>
+              <a:t>Variable</a:t>
+            </a:r>
+            <a:r>
+              <a:rPr lang="zh-CN" altLang="en-US" dirty="0"/>
+              <a:t>横行是典型</a:t>
+            </a:r>
+            <a:r>
+              <a:rPr lang="en-US" altLang="zh-CN" dirty="0"/>
+              <a:t>CMake2.8</a:t>
+            </a:r>
+            <a:r>
+              <a:rPr lang="zh-CN" altLang="en-US" dirty="0"/>
+              <a:t>时期的风格。现代版的</a:t>
+            </a:r>
+            <a:r>
+              <a:rPr lang="en-US" altLang="zh-CN" dirty="0" err="1"/>
+              <a:t>CMake</a:t>
+            </a:r>
+            <a:r>
+              <a:rPr lang="zh-CN" altLang="en-US" dirty="0"/>
+              <a:t>更像是在遵循</a:t>
+            </a:r>
+            <a:r>
+              <a:rPr lang="en-US" altLang="zh-CN" dirty="0"/>
+              <a:t>OOP</a:t>
+            </a:r>
+            <a:r>
+              <a:rPr lang="zh-CN" altLang="en-US" dirty="0"/>
+              <a:t>的规则，通过</a:t>
+            </a:r>
+            <a:r>
+              <a:rPr lang="en-US" altLang="zh-CN" dirty="0"/>
+              <a:t>target</a:t>
+            </a:r>
+            <a:r>
+              <a:rPr lang="zh-CN" altLang="en-US" dirty="0"/>
+              <a:t>来约束</a:t>
+            </a:r>
+            <a:r>
+              <a:rPr lang="en-US" altLang="zh-CN" dirty="0"/>
+              <a:t>link</a:t>
+            </a:r>
+            <a:r>
+              <a:rPr lang="zh-CN" altLang="en-US" dirty="0"/>
+              <a:t>、</a:t>
+            </a:r>
+            <a:r>
+              <a:rPr lang="en-US" altLang="zh-CN" dirty="0"/>
+              <a:t>compile</a:t>
+            </a:r>
+            <a:r>
+              <a:rPr lang="zh-CN" altLang="en-US" dirty="0"/>
+              <a:t>等相关属性的作用域。如果把一个</a:t>
+            </a:r>
+            <a:r>
+              <a:rPr lang="en-US" altLang="zh-CN" dirty="0"/>
+              <a:t>Target</a:t>
+            </a:r>
+            <a:r>
+              <a:rPr lang="zh-CN" altLang="en-US" dirty="0"/>
+              <a:t>想象成一个对象（</a:t>
+            </a:r>
+            <a:r>
+              <a:rPr lang="en-US" altLang="zh-CN" dirty="0"/>
+              <a:t>Object</a:t>
+            </a:r>
+            <a:r>
+              <a:rPr lang="zh-CN" altLang="en-US" dirty="0"/>
+              <a:t>），会发现两者的组织方式非常相似：</a:t>
+            </a:r>
+            <a:endParaRPr lang="en-US" dirty="0"/>
+          </a:p>
+        </p:txBody>
+      </p:sp>
+      <p:sp>
+        <p:nvSpPr>
+          <p:cNvPr id="4" name="投影片編號版面配置區 3"/>
+          <p:cNvSpPr>
+            <a:spLocks noGrp="1"/>
+          </p:cNvSpPr>
+          <p:nvPr>
+            <p:ph type="sldNum" sz="quarter" idx="5"/>
+          </p:nvPr>
+        </p:nvSpPr>
+        <p:spPr/>
+        <p:txBody>
+          <a:bodyPr/>
+          <a:lstStyle/>
+          <a:p>
+            <a:fld id="{B98D41D3-80D1-41B8-B9EF-F8F84EBADC06}" type="slidenum">
+              <a:rPr lang="en-US" smtClean="0"/>
+              <a:t>9</a:t>
+            </a:fld>
+            <a:endParaRPr lang="en-US"/>
+          </a:p>
+        </p:txBody>
+      </p:sp>
+    </p:spTree>
+    <p:extLst>
+      <p:ext uri="{BB962C8B-B14F-4D97-AF65-F5344CB8AC3E}">
+        <p14:creationId xmlns:p14="http://schemas.microsoft.com/office/powerpoint/2010/main" val="2956216541"/>
+      </p:ext>
+    </p:extLst>
+  </p:cSld>
+  <p:clrMapOvr>
+    <a:masterClrMapping/>
+  </p:clrMapOvr>
+</p:notes>
+</file>
+
+<file path=ppt/notesSlides/notesSlide7.xml><?xml version="1.0" encoding="utf-8"?>
+<p:notes xmlns:a="http://schemas.openxmlformats.org/drawingml/2006/main" xmlns:r="http://schemas.openxmlformats.org/officeDocument/2006/relationships" xmlns:p="http://schemas.openxmlformats.org/presentationml/2006/main">
+  <p:cSld>
+    <p:spTree>
+      <p:nvGrpSpPr>
+        <p:cNvPr id="1" name=""/>
+        <p:cNvGrpSpPr/>
+        <p:nvPr/>
+      </p:nvGrpSpPr>
+      <p:grpSpPr>
+        <a:xfrm>
+          <a:off x="0" y="0"/>
+          <a:ext cx="0" cy="0"/>
+          <a:chOff x="0" y="0"/>
+          <a:chExt cx="0" cy="0"/>
+        </a:xfrm>
+      </p:grpSpPr>
+      <p:sp>
+        <p:nvSpPr>
+          <p:cNvPr id="2" name="投影片影像版面配置區 1"/>
+          <p:cNvSpPr>
+            <a:spLocks noGrp="1" noRot="1" noChangeAspect="1"/>
+          </p:cNvSpPr>
+          <p:nvPr>
+            <p:ph type="sldImg"/>
+          </p:nvPr>
+        </p:nvSpPr>
+        <p:spPr/>
+      </p:sp>
+      <p:sp>
+        <p:nvSpPr>
+          <p:cNvPr id="3" name="備忘稿版面配置區 2"/>
+          <p:cNvSpPr>
+            <a:spLocks noGrp="1"/>
+          </p:cNvSpPr>
+          <p:nvPr>
+            <p:ph type="body" idx="1"/>
+          </p:nvPr>
+        </p:nvSpPr>
+        <p:spPr/>
+        <p:txBody>
+          <a:bodyPr/>
+          <a:lstStyle/>
+          <a:p>
+            <a:r>
+              <a:rPr lang="en-US" dirty="0"/>
+              <a:t>https://stackoverflow.com/questions/60317621/namespace-notation-in-cmakelists-txt</a:t>
+            </a:r>
+          </a:p>
+        </p:txBody>
+      </p:sp>
+      <p:sp>
+        <p:nvSpPr>
+          <p:cNvPr id="4" name="投影片編號版面配置區 3"/>
+          <p:cNvSpPr>
+            <a:spLocks noGrp="1"/>
+          </p:cNvSpPr>
+          <p:nvPr>
+            <p:ph type="sldNum" sz="quarter" idx="5"/>
+          </p:nvPr>
+        </p:nvSpPr>
+        <p:spPr/>
+        <p:txBody>
+          <a:bodyPr/>
+          <a:lstStyle/>
+          <a:p>
+            <a:fld id="{B98D41D3-80D1-41B8-B9EF-F8F84EBADC06}" type="slidenum">
+              <a:rPr lang="en-US" smtClean="0"/>
+              <a:t>10</a:t>
+            </a:fld>
+            <a:endParaRPr lang="en-US"/>
+          </a:p>
+        </p:txBody>
+      </p:sp>
+    </p:spTree>
+    <p:extLst>
+      <p:ext uri="{BB962C8B-B14F-4D97-AF65-F5344CB8AC3E}">
+        <p14:creationId xmlns:p14="http://schemas.microsoft.com/office/powerpoint/2010/main" val="2801612377"/>
+      </p:ext>
+    </p:extLst>
+  </p:cSld>
+  <p:clrMapOvr>
+    <a:masterClrMapping/>
+  </p:clrMapOvr>
+</p:notes>
+</file>
+
+<file path=ppt/notesSlides/notesSlide8.xml><?xml version="1.0" encoding="utf-8"?>
+<p:notes xmlns:a="http://schemas.openxmlformats.org/drawingml/2006/main" xmlns:r="http://schemas.openxmlformats.org/officeDocument/2006/relationships" xmlns:p="http://schemas.openxmlformats.org/presentationml/2006/main">
+  <p:cSld>
+    <p:spTree>
+      <p:nvGrpSpPr>
+        <p:cNvPr id="1" name=""/>
+        <p:cNvGrpSpPr/>
+        <p:nvPr/>
+      </p:nvGrpSpPr>
+      <p:grpSpPr>
+        <a:xfrm>
+          <a:off x="0" y="0"/>
+          <a:ext cx="0" cy="0"/>
+          <a:chOff x="0" y="0"/>
+          <a:chExt cx="0" cy="0"/>
+        </a:xfrm>
+      </p:grpSpPr>
+      <p:sp>
+        <p:nvSpPr>
+          <p:cNvPr id="2" name="投影片影像版面配置區 1"/>
+          <p:cNvSpPr>
+            <a:spLocks noGrp="1" noRot="1" noChangeAspect="1"/>
+          </p:cNvSpPr>
+          <p:nvPr>
+            <p:ph type="sldImg"/>
+          </p:nvPr>
+        </p:nvSpPr>
+        <p:spPr/>
+      </p:sp>
+      <p:sp>
+        <p:nvSpPr>
+          <p:cNvPr id="3" name="備忘稿版面配置區 2"/>
+          <p:cNvSpPr>
+            <a:spLocks noGrp="1"/>
+          </p:cNvSpPr>
+          <p:nvPr>
+            <p:ph type="body" idx="1"/>
+          </p:nvPr>
+        </p:nvSpPr>
+        <p:spPr/>
+        <p:txBody>
+          <a:bodyPr/>
+          <a:lstStyle/>
+          <a:p>
+            <a:r>
+              <a:rPr lang="en-US" dirty="0"/>
+              <a:t>https://cmake.org/cmake/help/v3.7/manual/cmake-language.7.html</a:t>
+            </a:r>
+          </a:p>
+        </p:txBody>
+      </p:sp>
+      <p:sp>
+        <p:nvSpPr>
+          <p:cNvPr id="4" name="投影片編號版面配置區 3"/>
+          <p:cNvSpPr>
+            <a:spLocks noGrp="1"/>
+          </p:cNvSpPr>
+          <p:nvPr>
+            <p:ph type="sldNum" sz="quarter" idx="5"/>
+          </p:nvPr>
+        </p:nvSpPr>
+        <p:spPr/>
+        <p:txBody>
+          <a:bodyPr/>
+          <a:lstStyle/>
+          <a:p>
+            <a:fld id="{B98D41D3-80D1-41B8-B9EF-F8F84EBADC06}" type="slidenum">
+              <a:rPr lang="en-US" smtClean="0"/>
+              <a:t>11</a:t>
+            </a:fld>
+            <a:endParaRPr lang="en-US"/>
+          </a:p>
+        </p:txBody>
+      </p:sp>
+    </p:spTree>
+    <p:extLst>
+      <p:ext uri="{BB962C8B-B14F-4D97-AF65-F5344CB8AC3E}">
+        <p14:creationId xmlns:p14="http://schemas.microsoft.com/office/powerpoint/2010/main" val="1652468921"/>
+      </p:ext>
+    </p:extLst>
+  </p:cSld>
+  <p:clrMapOvr>
+    <a:masterClrMapping/>
+  </p:clrMapOvr>
+</p:notes>
+</file>
+
+<file path=ppt/notesSlides/notesSlide9.xml><?xml version="1.0" encoding="utf-8"?>
+<p:notes xmlns:a="http://schemas.openxmlformats.org/drawingml/2006/main" xmlns:r="http://schemas.openxmlformats.org/officeDocument/2006/relationships" xmlns:p="http://schemas.openxmlformats.org/presentationml/2006/main">
+  <p:cSld>
+    <p:spTree>
+      <p:nvGrpSpPr>
+        <p:cNvPr id="1" name=""/>
+        <p:cNvGrpSpPr/>
+        <p:nvPr/>
+      </p:nvGrpSpPr>
+      <p:grpSpPr>
+        <a:xfrm>
+          <a:off x="0" y="0"/>
+          <a:ext cx="0" cy="0"/>
+          <a:chOff x="0" y="0"/>
+          <a:chExt cx="0" cy="0"/>
+        </a:xfrm>
+      </p:grpSpPr>
+      <p:sp>
+        <p:nvSpPr>
+          <p:cNvPr id="2" name="投影片影像版面配置區 1"/>
+          <p:cNvSpPr>
+            <a:spLocks noGrp="1" noRot="1" noChangeAspect="1"/>
+          </p:cNvSpPr>
+          <p:nvPr>
+            <p:ph type="sldImg"/>
+          </p:nvPr>
+        </p:nvSpPr>
+        <p:spPr/>
+      </p:sp>
+      <p:sp>
+        <p:nvSpPr>
+          <p:cNvPr id="3" name="備忘稿版面配置區 2"/>
+          <p:cNvSpPr>
+            <a:spLocks noGrp="1"/>
+          </p:cNvSpPr>
+          <p:nvPr>
+            <p:ph type="body" idx="1"/>
+          </p:nvPr>
+        </p:nvSpPr>
+        <p:spPr/>
+        <p:txBody>
+          <a:bodyPr/>
+          <a:lstStyle/>
+          <a:p>
+            <a:r>
+              <a:rPr lang="en-US" dirty="0">
+                <a:hlinkClick r:id="rId3"/>
+              </a:rPr>
+              <a:t>https://www.slideshare.net/oliora/introduction-to-cmake-in-30-minutes</a:t>
+            </a:r>
+            <a:endParaRPr lang="en-US" dirty="0"/>
+          </a:p>
+          <a:p>
+            <a:pPr marL="0" marR="0" lvl="0" indent="0" algn="l" defTabSz="914400" rtl="0" eaLnBrk="1" fontAlgn="auto" latinLnBrk="0" hangingPunct="1">
+              <a:lnSpc>
+                <a:spcPct val="100000"/>
+              </a:lnSpc>
+              <a:spcBef>
+                <a:spcPts val="0"/>
+              </a:spcBef>
+              <a:spcAft>
+                <a:spcPts val="0"/>
+              </a:spcAft>
+              <a:buClrTx/>
+              <a:buSzTx/>
+              <a:buFontTx/>
+              <a:buNone/>
+              <a:tabLst/>
+              <a:defRPr/>
+            </a:pPr>
+            <a:r>
+              <a:rPr lang="en-US" dirty="0">
+                <a:hlinkClick r:id="rId4"/>
+              </a:rPr>
+              <a:t>https://www.slideshare.net/DanielPfeifer1/cmake-48475415</a:t>
+            </a:r>
+            <a:endParaRPr lang="en-US" dirty="0"/>
+          </a:p>
+          <a:p>
+            <a:r>
+              <a:rPr lang="en-US" dirty="0">
+                <a:hlinkClick r:id="rId5"/>
+              </a:rPr>
+              <a:t>https://myslide.cn/slides/12169</a:t>
+            </a:r>
+            <a:endParaRPr lang="en-US" dirty="0"/>
+          </a:p>
+          <a:p>
+            <a:r>
+              <a:rPr lang="en-US" dirty="0">
+                <a:hlinkClick r:id="rId6"/>
+              </a:rPr>
+              <a:t>https://zh.wikibooks.org/wiki/CMake_%E5%85%A5%E9%96%80/%E8%BC%B8%E5%87%BA%E4%BD%8D%E7%BD%AE%E8%88%87%E5%AE%89%E8%A3%9D</a:t>
+            </a:r>
+            <a:endParaRPr lang="en-US" dirty="0"/>
+          </a:p>
+        </p:txBody>
+      </p:sp>
+      <p:sp>
+        <p:nvSpPr>
+          <p:cNvPr id="4" name="投影片編號版面配置區 3"/>
+          <p:cNvSpPr>
+            <a:spLocks noGrp="1"/>
+          </p:cNvSpPr>
+          <p:nvPr>
+            <p:ph type="sldNum" sz="quarter" idx="5"/>
+          </p:nvPr>
+        </p:nvSpPr>
+        <p:spPr/>
+        <p:txBody>
+          <a:bodyPr/>
+          <a:lstStyle/>
+          <a:p>
+            <a:fld id="{B98D41D3-80D1-41B8-B9EF-F8F84EBADC06}" type="slidenum">
+              <a:rPr lang="en-US" smtClean="0"/>
+              <a:t>13</a:t>
             </a:fld>
             <a:endParaRPr lang="en-US"/>
           </a:p>
@@ -4827,8 +5346,8 @@
         </p:nvSpPr>
         <p:spPr>
           <a:xfrm>
-            <a:off x="3365500" y="1854200"/>
-            <a:ext cx="1321900" cy="1477328"/>
+            <a:off x="6096000" y="1207363"/>
+            <a:ext cx="1754519" cy="2814617"/>
           </a:xfrm>
           <a:prstGeom prst="rect">
             <a:avLst/>
@@ -4841,31 +5360,136 @@
           </a:bodyPr>
           <a:lstStyle/>
           <a:p>
-            <a:r>
-              <a:rPr lang="en-US" dirty="0"/>
+            <a:pPr marL="285750" indent="-285750">
+              <a:lnSpc>
+                <a:spcPct val="150000"/>
+              </a:lnSpc>
+              <a:buFont typeface="Arial" panose="020B0604020202020204" pitchFamily="34" charset="0"/>
+              <a:buChar char="•"/>
+            </a:pPr>
+            <a:r>
+              <a:rPr lang="en-US" sz="2000" dirty="0"/>
+              <a:t>Control flow</a:t>
+            </a:r>
+          </a:p>
+          <a:p>
+            <a:pPr marL="285750" indent="-285750">
+              <a:lnSpc>
+                <a:spcPct val="150000"/>
+              </a:lnSpc>
+              <a:buFont typeface="Arial" panose="020B0604020202020204" pitchFamily="34" charset="0"/>
+              <a:buChar char="•"/>
+            </a:pPr>
+            <a:r>
+              <a:rPr lang="en-US" sz="2000" dirty="0"/>
+              <a:t>Function</a:t>
+            </a:r>
+          </a:p>
+          <a:p>
+            <a:pPr marL="285750" indent="-285750">
+              <a:lnSpc>
+                <a:spcPct val="150000"/>
+              </a:lnSpc>
+              <a:buFont typeface="Arial" panose="020B0604020202020204" pitchFamily="34" charset="0"/>
+              <a:buChar char="•"/>
+            </a:pPr>
+            <a:r>
+              <a:rPr lang="en-US" sz="2000" dirty="0"/>
+              <a:t>Macros</a:t>
+            </a:r>
+          </a:p>
+          <a:p>
+            <a:pPr marL="285750" indent="-285750">
+              <a:lnSpc>
+                <a:spcPct val="150000"/>
+              </a:lnSpc>
+              <a:buFont typeface="Arial" panose="020B0604020202020204" pitchFamily="34" charset="0"/>
+              <a:buChar char="•"/>
+            </a:pPr>
+            <a:r>
+              <a:rPr lang="en-US" sz="2000" dirty="0"/>
+              <a:t>math</a:t>
+            </a:r>
+          </a:p>
+          <a:p>
+            <a:pPr marL="285750" indent="-285750">
+              <a:lnSpc>
+                <a:spcPct val="150000"/>
+              </a:lnSpc>
+              <a:buFont typeface="Arial" panose="020B0604020202020204" pitchFamily="34" charset="0"/>
+              <a:buChar char="•"/>
+            </a:pPr>
+            <a:r>
+              <a:rPr lang="en-US" sz="2000" dirty="0"/>
               <a:t>message</a:t>
             </a:r>
           </a:p>
           <a:p>
-            <a:r>
-              <a:rPr lang="en-US" dirty="0"/>
-              <a:t>If statement</a:t>
-            </a:r>
-          </a:p>
-          <a:p>
-            <a:r>
-              <a:rPr lang="en-US" dirty="0"/>
-              <a:t>Function</a:t>
-            </a:r>
-          </a:p>
-          <a:p>
-            <a:r>
-              <a:rPr lang="en-US" dirty="0"/>
-              <a:t>Macros</a:t>
-            </a:r>
-          </a:p>
-          <a:p>
-            <a:endParaRPr lang="en-US" dirty="0"/>
+            <a:pPr marL="285750" indent="-285750">
+              <a:lnSpc>
+                <a:spcPct val="150000"/>
+              </a:lnSpc>
+              <a:buFont typeface="Arial" panose="020B0604020202020204" pitchFamily="34" charset="0"/>
+              <a:buChar char="•"/>
+            </a:pPr>
+            <a:endParaRPr lang="en-US" sz="2000" dirty="0"/>
+          </a:p>
+        </p:txBody>
+      </p:sp>
+      <p:sp>
+        <p:nvSpPr>
+          <p:cNvPr id="7" name="矩形 24">
+            <a:extLst>
+              <a:ext uri="{FF2B5EF4-FFF2-40B4-BE49-F238E27FC236}">
+                <a16:creationId xmlns:a16="http://schemas.microsoft.com/office/drawing/2014/main" id="{66989E6A-A82E-4C8B-A868-9653A8D40D6A}"/>
+              </a:ext>
+            </a:extLst>
+          </p:cNvPr>
+          <p:cNvSpPr/>
+          <p:nvPr/>
+        </p:nvSpPr>
+        <p:spPr>
+          <a:xfrm>
+            <a:off x="345058" y="1207363"/>
+            <a:ext cx="5265630" cy="5311424"/>
+          </a:xfrm>
+          <a:prstGeom prst="rect">
+            <a:avLst/>
+          </a:prstGeom>
+          <a:solidFill>
+            <a:schemeClr val="bg1">
+              <a:lumMod val="85000"/>
+            </a:schemeClr>
+          </a:solidFill>
+          <a:ln>
+            <a:noFill/>
+          </a:ln>
+        </p:spPr>
+        <p:style>
+          <a:lnRef idx="2">
+            <a:schemeClr val="accent1">
+              <a:shade val="50000"/>
+            </a:schemeClr>
+          </a:lnRef>
+          <a:fillRef idx="1">
+            <a:schemeClr val="accent1"/>
+          </a:fillRef>
+          <a:effectRef idx="0">
+            <a:schemeClr val="accent1"/>
+          </a:effectRef>
+          <a:fontRef idx="minor">
+            <a:schemeClr val="lt1"/>
+          </a:fontRef>
+        </p:style>
+        <p:txBody>
+          <a:bodyPr rtlCol="0" anchor="ctr"/>
+          <a:lstStyle/>
+          <a:p>
+            <a:endParaRPr lang="en-US" dirty="0">
+              <a:solidFill>
+                <a:schemeClr val="tx1"/>
+              </a:solidFill>
+            </a:endParaRPr>
           </a:p>
         </p:txBody>
       </p:sp>
@@ -4964,7 +5588,7 @@
                   <a:srgbClr val="2B63A8"/>
                 </a:solidFill>
                 <a:latin typeface="Trebuchet MS" panose="020B0603020202020204" pitchFamily="34" charset="0"/>
-                <a:hlinkClick r:id="rId2"/>
+                <a:hlinkClick r:id="rId3"/>
               </a:rPr>
               <a:t>Directories</a:t>
             </a:r>
@@ -5021,6 +5645,384 @@
 </file>
 
 <file path=ppt/slides/slide12.xml><?xml version="1.0" encoding="utf-8"?>
+<p:sld xmlns:a="http://schemas.openxmlformats.org/drawingml/2006/main" xmlns:r="http://schemas.openxmlformats.org/officeDocument/2006/relationships" xmlns:p="http://schemas.openxmlformats.org/presentationml/2006/main">
+  <p:cSld>
+    <p:spTree>
+      <p:nvGrpSpPr>
+        <p:cNvPr id="1" name=""/>
+        <p:cNvGrpSpPr/>
+        <p:nvPr/>
+      </p:nvGrpSpPr>
+      <p:grpSpPr>
+        <a:xfrm>
+          <a:off x="0" y="0"/>
+          <a:ext cx="0" cy="0"/>
+          <a:chOff x="0" y="0"/>
+          <a:chExt cx="0" cy="0"/>
+        </a:xfrm>
+      </p:grpSpPr>
+      <p:pic>
+        <p:nvPicPr>
+          <p:cNvPr id="4" name="圖片 4" descr="一張含有 螢幕擷取畫面 的圖片&#10;&#10;自動產生的描述">
+            <a:extLst>
+              <a:ext uri="{FF2B5EF4-FFF2-40B4-BE49-F238E27FC236}">
+                <a16:creationId xmlns:a16="http://schemas.microsoft.com/office/drawing/2014/main" id="{3377BE5D-643E-42FD-B78E-902884D54FB2}"/>
+              </a:ext>
+            </a:extLst>
+          </p:cNvPr>
+          <p:cNvPicPr>
+            <a:picLocks noChangeAspect="1"/>
+          </p:cNvPicPr>
+          <p:nvPr/>
+        </p:nvPicPr>
+        <p:blipFill>
+          <a:blip r:embed="rId2">
+            <a:extLst>
+              <a:ext uri="{28A0092B-C50C-407E-A947-70E740481C1C}">
+                <a14:useLocalDpi xmlns:a14="http://schemas.microsoft.com/office/drawing/2010/main" val="0"/>
+              </a:ext>
+            </a:extLst>
+          </a:blip>
+          <a:stretch>
+            <a:fillRect/>
+          </a:stretch>
+        </p:blipFill>
+        <p:spPr>
+          <a:xfrm>
+            <a:off x="-3269841" y="2699673"/>
+            <a:ext cx="2994454" cy="2245841"/>
+          </a:xfrm>
+          <a:prstGeom prst="rect">
+            <a:avLst/>
+          </a:prstGeom>
+          <a:solidFill>
+            <a:srgbClr val="FB8500"/>
+          </a:solidFill>
+        </p:spPr>
+      </p:pic>
+      <p:sp>
+        <p:nvSpPr>
+          <p:cNvPr id="5" name="Rectangle 4">
+            <a:extLst>
+              <a:ext uri="{FF2B5EF4-FFF2-40B4-BE49-F238E27FC236}">
+                <a16:creationId xmlns:a16="http://schemas.microsoft.com/office/drawing/2014/main" id="{C56CA4D6-4A6D-4AB8-89A6-2D5ADA9F21BB}"/>
+              </a:ext>
+            </a:extLst>
+          </p:cNvPr>
+          <p:cNvSpPr/>
+          <p:nvPr/>
+        </p:nvSpPr>
+        <p:spPr>
+          <a:xfrm>
+            <a:off x="1243781" y="852949"/>
+            <a:ext cx="9704439" cy="5152103"/>
+          </a:xfrm>
+          <a:prstGeom prst="rect">
+            <a:avLst/>
+          </a:prstGeom>
+          <a:solidFill>
+            <a:srgbClr val="219EBC"/>
+          </a:solidFill>
+          <a:ln>
+            <a:noFill/>
+          </a:ln>
+        </p:spPr>
+        <p:style>
+          <a:lnRef idx="2">
+            <a:schemeClr val="accent1">
+              <a:shade val="50000"/>
+            </a:schemeClr>
+          </a:lnRef>
+          <a:fillRef idx="1">
+            <a:schemeClr val="accent1"/>
+          </a:fillRef>
+          <a:effectRef idx="0">
+            <a:schemeClr val="accent1"/>
+          </a:effectRef>
+          <a:fontRef idx="minor">
+            <a:schemeClr val="lt1"/>
+          </a:fontRef>
+        </p:style>
+        <p:txBody>
+          <a:bodyPr rtlCol="0" anchor="ctr"/>
+          <a:lstStyle/>
+          <a:p>
+            <a:pPr algn="ctr"/>
+            <a:endParaRPr lang="en-US"/>
+          </a:p>
+        </p:txBody>
+      </p:sp>
+      <p:sp>
+        <p:nvSpPr>
+          <p:cNvPr id="6" name="TextBox 5">
+            <a:extLst>
+              <a:ext uri="{FF2B5EF4-FFF2-40B4-BE49-F238E27FC236}">
+                <a16:creationId xmlns:a16="http://schemas.microsoft.com/office/drawing/2014/main" id="{84FBB0F4-5302-47CE-B944-845B2C5F760F}"/>
+              </a:ext>
+            </a:extLst>
+          </p:cNvPr>
+          <p:cNvSpPr txBox="1"/>
+          <p:nvPr/>
+        </p:nvSpPr>
+        <p:spPr>
+          <a:xfrm flipH="1">
+            <a:off x="1666568" y="2459504"/>
+            <a:ext cx="8858864" cy="1938992"/>
+          </a:xfrm>
+          <a:prstGeom prst="rect">
+            <a:avLst/>
+          </a:prstGeom>
+          <a:noFill/>
+        </p:spPr>
+        <p:txBody>
+          <a:bodyPr wrap="square" rtlCol="0">
+            <a:spAutoFit/>
+          </a:bodyPr>
+          <a:lstStyle/>
+          <a:p>
+            <a:pPr algn="ctr"/>
+            <a:r>
+              <a:rPr lang="en-US" sz="5400" dirty="0"/>
+              <a:t>Let’s learn it by </a:t>
+            </a:r>
+          </a:p>
+          <a:p>
+            <a:pPr algn="ctr"/>
+            <a:r>
+              <a:rPr lang="en-US" sz="6600" b="1" dirty="0"/>
+              <a:t>Example.</a:t>
+            </a:r>
+          </a:p>
+        </p:txBody>
+      </p:sp>
+      <p:grpSp>
+        <p:nvGrpSpPr>
+          <p:cNvPr id="11" name="Group 10">
+            <a:extLst>
+              <a:ext uri="{FF2B5EF4-FFF2-40B4-BE49-F238E27FC236}">
+                <a16:creationId xmlns:a16="http://schemas.microsoft.com/office/drawing/2014/main" id="{9A735CC7-8879-4BFB-A5E0-CB46AACC52FA}"/>
+              </a:ext>
+            </a:extLst>
+          </p:cNvPr>
+          <p:cNvGrpSpPr/>
+          <p:nvPr/>
+        </p:nvGrpSpPr>
+        <p:grpSpPr>
+          <a:xfrm>
+            <a:off x="997974" y="1327355"/>
+            <a:ext cx="920371" cy="806246"/>
+            <a:chOff x="988142" y="953728"/>
+            <a:chExt cx="1229032" cy="1076633"/>
+          </a:xfrm>
+        </p:grpSpPr>
+        <p:cxnSp>
+          <p:nvCxnSpPr>
+            <p:cNvPr id="8" name="Straight Connector 7">
+              <a:extLst>
+                <a:ext uri="{FF2B5EF4-FFF2-40B4-BE49-F238E27FC236}">
+                  <a16:creationId xmlns:a16="http://schemas.microsoft.com/office/drawing/2014/main" id="{1722F842-D69D-4B10-909B-1FECB0923B59}"/>
+                </a:ext>
+              </a:extLst>
+            </p:cNvPr>
+            <p:cNvCxnSpPr>
+              <a:cxnSpLocks/>
+            </p:cNvCxnSpPr>
+            <p:nvPr/>
+          </p:nvCxnSpPr>
+          <p:spPr>
+            <a:xfrm flipH="1">
+              <a:off x="1115961" y="953728"/>
+              <a:ext cx="1101213" cy="717755"/>
+            </a:xfrm>
+            <a:prstGeom prst="line">
+              <a:avLst/>
+            </a:prstGeom>
+            <a:ln w="38100">
+              <a:solidFill>
+                <a:srgbClr val="FFB703"/>
+              </a:solidFill>
+            </a:ln>
+          </p:spPr>
+          <p:style>
+            <a:lnRef idx="1">
+              <a:schemeClr val="accent1"/>
+            </a:lnRef>
+            <a:fillRef idx="0">
+              <a:schemeClr val="accent1"/>
+            </a:fillRef>
+            <a:effectRef idx="0">
+              <a:schemeClr val="accent1"/>
+            </a:effectRef>
+            <a:fontRef idx="minor">
+              <a:schemeClr val="tx1"/>
+            </a:fontRef>
+          </p:style>
+        </p:cxnSp>
+        <p:cxnSp>
+          <p:nvCxnSpPr>
+            <p:cNvPr id="10" name="Straight Connector 9">
+              <a:extLst>
+                <a:ext uri="{FF2B5EF4-FFF2-40B4-BE49-F238E27FC236}">
+                  <a16:creationId xmlns:a16="http://schemas.microsoft.com/office/drawing/2014/main" id="{3E6346A6-8213-44A3-9D24-4A5C2AB84DE0}"/>
+                </a:ext>
+              </a:extLst>
+            </p:cNvPr>
+            <p:cNvCxnSpPr>
+              <a:cxnSpLocks/>
+            </p:cNvCxnSpPr>
+            <p:nvPr/>
+          </p:nvCxnSpPr>
+          <p:spPr>
+            <a:xfrm flipH="1">
+              <a:off x="988142" y="1312606"/>
+              <a:ext cx="1101213" cy="717755"/>
+            </a:xfrm>
+            <a:prstGeom prst="line">
+              <a:avLst/>
+            </a:prstGeom>
+            <a:ln w="38100">
+              <a:solidFill>
+                <a:srgbClr val="FFB703"/>
+              </a:solidFill>
+            </a:ln>
+          </p:spPr>
+          <p:style>
+            <a:lnRef idx="1">
+              <a:schemeClr val="accent1"/>
+            </a:lnRef>
+            <a:fillRef idx="0">
+              <a:schemeClr val="accent1"/>
+            </a:fillRef>
+            <a:effectRef idx="0">
+              <a:schemeClr val="accent1"/>
+            </a:effectRef>
+            <a:fontRef idx="minor">
+              <a:schemeClr val="tx1"/>
+            </a:fontRef>
+          </p:style>
+        </p:cxnSp>
+      </p:grpSp>
+      <p:grpSp>
+        <p:nvGrpSpPr>
+          <p:cNvPr id="13" name="Group 12">
+            <a:extLst>
+              <a:ext uri="{FF2B5EF4-FFF2-40B4-BE49-F238E27FC236}">
+                <a16:creationId xmlns:a16="http://schemas.microsoft.com/office/drawing/2014/main" id="{186CB62A-F7E9-4B8B-B556-A2F5E09AF545}"/>
+              </a:ext>
+            </a:extLst>
+          </p:cNvPr>
+          <p:cNvGrpSpPr/>
+          <p:nvPr/>
+        </p:nvGrpSpPr>
+        <p:grpSpPr>
+          <a:xfrm>
+            <a:off x="10382864" y="4871884"/>
+            <a:ext cx="920371" cy="806246"/>
+            <a:chOff x="988142" y="953728"/>
+            <a:chExt cx="1229032" cy="1076633"/>
+          </a:xfrm>
+        </p:grpSpPr>
+        <p:cxnSp>
+          <p:nvCxnSpPr>
+            <p:cNvPr id="14" name="Straight Connector 13">
+              <a:extLst>
+                <a:ext uri="{FF2B5EF4-FFF2-40B4-BE49-F238E27FC236}">
+                  <a16:creationId xmlns:a16="http://schemas.microsoft.com/office/drawing/2014/main" id="{6BE6CFC2-7D13-40DF-9F68-A81A044AA698}"/>
+                </a:ext>
+              </a:extLst>
+            </p:cNvPr>
+            <p:cNvCxnSpPr>
+              <a:cxnSpLocks/>
+            </p:cNvCxnSpPr>
+            <p:nvPr/>
+          </p:nvCxnSpPr>
+          <p:spPr>
+            <a:xfrm flipH="1">
+              <a:off x="1115961" y="953728"/>
+              <a:ext cx="1101213" cy="717755"/>
+            </a:xfrm>
+            <a:prstGeom prst="line">
+              <a:avLst/>
+            </a:prstGeom>
+            <a:ln w="38100">
+              <a:solidFill>
+                <a:srgbClr val="FFB703"/>
+              </a:solidFill>
+            </a:ln>
+          </p:spPr>
+          <p:style>
+            <a:lnRef idx="1">
+              <a:schemeClr val="accent1"/>
+            </a:lnRef>
+            <a:fillRef idx="0">
+              <a:schemeClr val="accent1"/>
+            </a:fillRef>
+            <a:effectRef idx="0">
+              <a:schemeClr val="accent1"/>
+            </a:effectRef>
+            <a:fontRef idx="minor">
+              <a:schemeClr val="tx1"/>
+            </a:fontRef>
+          </p:style>
+        </p:cxnSp>
+        <p:cxnSp>
+          <p:nvCxnSpPr>
+            <p:cNvPr id="15" name="Straight Connector 14">
+              <a:extLst>
+                <a:ext uri="{FF2B5EF4-FFF2-40B4-BE49-F238E27FC236}">
+                  <a16:creationId xmlns:a16="http://schemas.microsoft.com/office/drawing/2014/main" id="{29BBD057-784C-46BA-954F-D4ADA664C521}"/>
+                </a:ext>
+              </a:extLst>
+            </p:cNvPr>
+            <p:cNvCxnSpPr>
+              <a:cxnSpLocks/>
+            </p:cNvCxnSpPr>
+            <p:nvPr/>
+          </p:nvCxnSpPr>
+          <p:spPr>
+            <a:xfrm flipH="1">
+              <a:off x="988142" y="1312606"/>
+              <a:ext cx="1101213" cy="717755"/>
+            </a:xfrm>
+            <a:prstGeom prst="line">
+              <a:avLst/>
+            </a:prstGeom>
+            <a:ln w="38100">
+              <a:solidFill>
+                <a:srgbClr val="FFB703"/>
+              </a:solidFill>
+            </a:ln>
+          </p:spPr>
+          <p:style>
+            <a:lnRef idx="1">
+              <a:schemeClr val="accent1"/>
+            </a:lnRef>
+            <a:fillRef idx="0">
+              <a:schemeClr val="accent1"/>
+            </a:fillRef>
+            <a:effectRef idx="0">
+              <a:schemeClr val="accent1"/>
+            </a:effectRef>
+            <a:fontRef idx="minor">
+              <a:schemeClr val="tx1"/>
+            </a:fontRef>
+          </p:style>
+        </p:cxnSp>
+      </p:grpSp>
+    </p:spTree>
+    <p:extLst>
+      <p:ext uri="{BB962C8B-B14F-4D97-AF65-F5344CB8AC3E}">
+        <p14:creationId xmlns:p14="http://schemas.microsoft.com/office/powerpoint/2010/main" val="1037671710"/>
+      </p:ext>
+    </p:extLst>
+  </p:cSld>
+  <p:clrMapOvr>
+    <a:masterClrMapping/>
+  </p:clrMapOvr>
+</p:sld>
+</file>
+
+<file path=ppt/slides/slide13.xml><?xml version="1.0" encoding="utf-8"?>
 <p:sld xmlns:a="http://schemas.openxmlformats.org/drawingml/2006/main" xmlns:r="http://schemas.openxmlformats.org/officeDocument/2006/relationships" xmlns:p="http://schemas.openxmlformats.org/presentationml/2006/main">
   <p:cSld>
     <p:spTree>
@@ -7107,16 +8109,14 @@
         </p:nvSpPr>
         <p:spPr/>
         <p:txBody>
-          <a:bodyPr/>
+          <a:bodyPr>
+            <a:normAutofit/>
+          </a:bodyPr>
           <a:lstStyle/>
           <a:p>
             <a:r>
-              <a:rPr lang="en-US" dirty="0" err="1"/>
-              <a:t>CMake</a:t>
-            </a:r>
-            <a:r>
               <a:rPr lang="en-US" dirty="0"/>
-              <a:t> Workflow</a:t>
+              <a:t>Family of Software Development Tools</a:t>
             </a:r>
           </a:p>
         </p:txBody>
@@ -8101,7 +9101,7 @@
         <p:spPr>
           <a:xfrm>
             <a:off x="851439" y="1500210"/>
-            <a:ext cx="3109569" cy="461665"/>
+            <a:ext cx="3109569" cy="707886"/>
           </a:xfrm>
           <a:prstGeom prst="rect">
             <a:avLst/>
@@ -8116,10 +9116,10 @@
           <a:p>
             <a:pPr algn="ctr"/>
             <a:r>
-              <a:rPr lang="en-US" altLang="zh-TW" sz="2400" b="1" dirty="0" err="1"/>
+              <a:rPr lang="en-US" altLang="zh-TW" sz="4000" b="1" dirty="0" err="1"/>
               <a:t>CMake</a:t>
             </a:r>
-            <a:endParaRPr lang="en-US" sz="2400" b="1" dirty="0"/>
+            <a:endParaRPr lang="en-US" sz="4000" b="1" dirty="0"/>
           </a:p>
         </p:txBody>
       </p:sp>
@@ -8291,7 +9291,7 @@
             </a:r>
             <a:r>
               <a:rPr lang="en-US" dirty="0"/>
-              <a:t> Build Workflow</a:t>
+              <a:t> Workflow</a:t>
             </a:r>
           </a:p>
         </p:txBody>
@@ -9271,61 +10271,22 @@
           </a:p>
         </p:txBody>
       </p:sp>
-      <p:pic>
-        <p:nvPicPr>
-          <p:cNvPr id="2" name="圖片 1" descr="一張含有 螢幕擷取畫面 的圖片&#10;&#10;自動產生的描述">
-            <a:extLst>
-              <a:ext uri="{FF2B5EF4-FFF2-40B4-BE49-F238E27FC236}">
-                <a16:creationId xmlns:a16="http://schemas.microsoft.com/office/drawing/2014/main" id="{85FA8BC7-3EE9-48DA-8E55-B0A8CC0726D5}"/>
-              </a:ext>
-            </a:extLst>
-          </p:cNvPr>
-          <p:cNvPicPr>
-            <a:picLocks noChangeAspect="1"/>
-          </p:cNvPicPr>
+      <p:sp>
+        <p:nvSpPr>
+          <p:cNvPr id="5" name="TextBox 4">
+            <a:extLst>
+              <a:ext uri="{FF2B5EF4-FFF2-40B4-BE49-F238E27FC236}">
+                <a16:creationId xmlns:a16="http://schemas.microsoft.com/office/drawing/2014/main" id="{27DF1A88-AFD4-4403-BEC3-181D8169840F}"/>
+              </a:ext>
+            </a:extLst>
+          </p:cNvPr>
+          <p:cNvSpPr txBox="1"/>
           <p:nvPr/>
-        </p:nvPicPr>
-        <p:blipFill>
-          <a:blip r:embed="rId3">
-            <a:extLst>
-              <a:ext uri="{28A0092B-C50C-407E-A947-70E740481C1C}">
-                <a14:useLocalDpi xmlns:a14="http://schemas.microsoft.com/office/drawing/2010/main" val="0"/>
-              </a:ext>
-            </a:extLst>
-          </a:blip>
-          <a:stretch>
-            <a:fillRect/>
-          </a:stretch>
-        </p:blipFill>
+        </p:nvSpPr>
         <p:spPr>
           <a:xfrm>
-            <a:off x="-4371055" y="1775441"/>
-            <a:ext cx="2994454" cy="2245841"/>
-          </a:xfrm>
-          <a:prstGeom prst="rect">
-            <a:avLst/>
-          </a:prstGeom>
-          <a:solidFill>
-            <a:srgbClr val="FB8500"/>
-          </a:solidFill>
-        </p:spPr>
-      </p:pic>
-      <p:sp>
-        <p:nvSpPr>
-          <p:cNvPr id="3" name="TextBox 2">
-            <a:extLst>
-              <a:ext uri="{FF2B5EF4-FFF2-40B4-BE49-F238E27FC236}">
-                <a16:creationId xmlns:a16="http://schemas.microsoft.com/office/drawing/2014/main" id="{33815505-7322-48F2-A34F-A0EAF2BCDC90}"/>
-              </a:ext>
-            </a:extLst>
-          </p:cNvPr>
-          <p:cNvSpPr txBox="1"/>
-          <p:nvPr/>
-        </p:nvSpPr>
-        <p:spPr>
-          <a:xfrm>
-            <a:off x="-3205316" y="4733194"/>
-            <a:ext cx="3913238" cy="646331"/>
+            <a:off x="7578770" y="1195526"/>
+            <a:ext cx="4613228" cy="1711366"/>
           </a:xfrm>
           <a:prstGeom prst="rect">
             <a:avLst/>
@@ -9338,109 +10299,104 @@
           </a:bodyPr>
           <a:lstStyle/>
           <a:p>
-            <a:r>
-              <a:rPr lang="en-US" dirty="0"/>
-              <a:t>Reserves variable</a:t>
-            </a:r>
-          </a:p>
-          <a:p>
-            <a:r>
-              <a:rPr lang="en-US" dirty="0"/>
-              <a:t>Variable names are case-sensitive</a:t>
-            </a:r>
-          </a:p>
-        </p:txBody>
-      </p:sp>
-      <p:sp>
-        <p:nvSpPr>
-          <p:cNvPr id="5" name="TextBox 4">
-            <a:extLst>
-              <a:ext uri="{FF2B5EF4-FFF2-40B4-BE49-F238E27FC236}">
-                <a16:creationId xmlns:a16="http://schemas.microsoft.com/office/drawing/2014/main" id="{27DF1A88-AFD4-4403-BEC3-181D8169840F}"/>
-              </a:ext>
-            </a:extLst>
-          </p:cNvPr>
-          <p:cNvSpPr txBox="1"/>
-          <p:nvPr/>
-        </p:nvSpPr>
-        <p:spPr>
-          <a:xfrm>
-            <a:off x="6755704" y="1478475"/>
-            <a:ext cx="5436296" cy="2308324"/>
-          </a:xfrm>
-          <a:prstGeom prst="rect">
-            <a:avLst/>
-          </a:prstGeom>
-          <a:noFill/>
-        </p:spPr>
-        <p:txBody>
-          <a:bodyPr wrap="square" rtlCol="0">
-            <a:spAutoFit/>
-          </a:bodyPr>
-          <a:lstStyle/>
-          <a:p>
             <a:pPr marL="342900" indent="-342900">
+              <a:lnSpc>
+                <a:spcPct val="150000"/>
+              </a:lnSpc>
               <a:buFont typeface="Arial" panose="020B0604020202020204" pitchFamily="34" charset="0"/>
               <a:buChar char="•"/>
             </a:pPr>
             <a:r>
-              <a:rPr lang="en-US" sz="2400" dirty="0"/>
+              <a:rPr lang="en-US" dirty="0"/>
               <a:t>Variables are always </a:t>
             </a:r>
             <a:r>
-              <a:rPr lang="en-US" sz="2400" b="1" dirty="0"/>
+              <a:rPr lang="en-US" b="1" dirty="0"/>
               <a:t>string type</a:t>
             </a:r>
             <a:r>
-              <a:rPr lang="en-US" sz="2400" dirty="0"/>
+              <a:rPr lang="en-US" dirty="0"/>
               <a:t>.</a:t>
             </a:r>
           </a:p>
           <a:p>
             <a:pPr marL="342900" indent="-342900">
+              <a:lnSpc>
+                <a:spcPct val="150000"/>
+              </a:lnSpc>
               <a:buFont typeface="Arial" panose="020B0604020202020204" pitchFamily="34" charset="0"/>
               <a:buChar char="•"/>
             </a:pPr>
-            <a:endParaRPr lang="en-US" sz="2400" dirty="0"/>
+            <a:r>
+              <a:rPr lang="en-US" dirty="0"/>
+              <a:t>Variable names are </a:t>
+            </a:r>
+            <a:r>
+              <a:rPr lang="en-US" b="1" dirty="0"/>
+              <a:t>case-sensitive</a:t>
+            </a:r>
+            <a:r>
+              <a:rPr lang="en-US" dirty="0"/>
+              <a:t>.</a:t>
+            </a:r>
           </a:p>
           <a:p>
             <a:pPr marL="342900" indent="-342900">
+              <a:lnSpc>
+                <a:spcPct val="150000"/>
+              </a:lnSpc>
               <a:buFont typeface="Arial" panose="020B0604020202020204" pitchFamily="34" charset="0"/>
               <a:buChar char="•"/>
             </a:pPr>
             <a:r>
-              <a:rPr lang="en-US" sz="2400" dirty="0"/>
-              <a:t>Variable names are </a:t>
-            </a:r>
-            <a:r>
-              <a:rPr lang="en-US" sz="2400" b="1" dirty="0"/>
-              <a:t>case-sensitive</a:t>
-            </a:r>
-            <a:r>
-              <a:rPr lang="en-US" sz="2400" dirty="0"/>
-              <a:t>.</a:t>
+              <a:rPr lang="en-US" dirty="0"/>
+              <a:t>Access by </a:t>
+            </a:r>
+            <a:r>
+              <a:rPr lang="en-US" b="1" dirty="0">
+                <a:solidFill>
+                  <a:srgbClr val="219EBC"/>
+                </a:solidFill>
+              </a:rPr>
+              <a:t>${YOUR_VAR</a:t>
+            </a:r>
+            <a:r>
+              <a:rPr lang="en-US" dirty="0">
+                <a:solidFill>
+                  <a:srgbClr val="219EBC"/>
+                </a:solidFill>
+              </a:rPr>
+              <a:t>}</a:t>
+            </a:r>
+            <a:r>
+              <a:rPr lang="en-US" dirty="0"/>
+              <a:t> .</a:t>
             </a:r>
           </a:p>
           <a:p>
             <a:pPr marL="342900" indent="-342900">
+              <a:lnSpc>
+                <a:spcPct val="150000"/>
+              </a:lnSpc>
               <a:buFont typeface="Arial" panose="020B0604020202020204" pitchFamily="34" charset="0"/>
               <a:buChar char="•"/>
             </a:pPr>
-            <a:endParaRPr lang="en-US" sz="2400" dirty="0"/>
-          </a:p>
-          <a:p>
-            <a:pPr marL="342900" indent="-342900">
-              <a:buFont typeface="Arial" panose="020B0604020202020204" pitchFamily="34" charset="0"/>
-              <a:buChar char="•"/>
-            </a:pPr>
-            <a:endParaRPr lang="en-US" sz="2400" dirty="0"/>
-          </a:p>
-          <a:p>
-            <a:pPr marL="342900" indent="-342900">
-              <a:buFont typeface="Arial" panose="020B0604020202020204" pitchFamily="34" charset="0"/>
-              <a:buChar char="•"/>
-            </a:pPr>
-            <a:endParaRPr lang="en-US" sz="2400" dirty="0"/>
+            <a:r>
+              <a:rPr lang="en-US" dirty="0"/>
+              <a:t>Always use </a:t>
+            </a:r>
+            <a:r>
+              <a:rPr lang="en-US" b="1" dirty="0">
+                <a:solidFill>
+                  <a:srgbClr val="219EBC"/>
+                </a:solidFill>
+              </a:rPr>
+              <a:t>“${YOUR_PATH}”</a:t>
+            </a:r>
+            <a:r>
+              <a:rPr lang="en-US" dirty="0"/>
+              <a:t>.</a:t>
+            </a:r>
           </a:p>
         </p:txBody>
       </p:sp>
@@ -9458,8 +10414,8 @@
         </p:nvSpPr>
         <p:spPr>
           <a:xfrm>
-            <a:off x="345057" y="1478475"/>
-            <a:ext cx="5750943" cy="5040312"/>
+            <a:off x="345058" y="1207363"/>
+            <a:ext cx="5265630" cy="5311424"/>
           </a:xfrm>
           <a:prstGeom prst="rect">
             <a:avLst/>
@@ -9493,29 +10449,362 @@
           <a:bodyPr rtlCol="0" anchor="ctr"/>
           <a:lstStyle/>
           <a:p>
-            <a:r>
-              <a:rPr lang="en-US" b="1" dirty="0">
+            <a:endParaRPr lang="en-US" dirty="0">
+              <a:solidFill>
+                <a:schemeClr val="tx1"/>
+              </a:solidFill>
+            </a:endParaRPr>
+          </a:p>
+        </p:txBody>
+      </p:sp>
+      <p:sp>
+        <p:nvSpPr>
+          <p:cNvPr id="6" name="矩形 5">
+            <a:extLst>
+              <a:ext uri="{FF2B5EF4-FFF2-40B4-BE49-F238E27FC236}">
+                <a16:creationId xmlns:a16="http://schemas.microsoft.com/office/drawing/2014/main" id="{C2B55BA6-EDDD-4234-9944-B4CB71C38049}"/>
+              </a:ext>
+            </a:extLst>
+          </p:cNvPr>
+          <p:cNvSpPr/>
+          <p:nvPr/>
+        </p:nvSpPr>
+        <p:spPr>
+          <a:xfrm>
+            <a:off x="5853343" y="1207363"/>
+            <a:ext cx="1540233" cy="461639"/>
+          </a:xfrm>
+          <a:prstGeom prst="rect">
+            <a:avLst/>
+          </a:prstGeom>
+          <a:solidFill>
+            <a:srgbClr val="FFB703"/>
+          </a:solidFill>
+          <a:ln>
+            <a:noFill/>
+          </a:ln>
+        </p:spPr>
+        <p:style>
+          <a:lnRef idx="2">
+            <a:schemeClr val="accent1">
+              <a:shade val="50000"/>
+            </a:schemeClr>
+          </a:lnRef>
+          <a:fillRef idx="1">
+            <a:schemeClr val="accent1"/>
+          </a:fillRef>
+          <a:effectRef idx="0">
+            <a:schemeClr val="accent1"/>
+          </a:effectRef>
+          <a:fontRef idx="minor">
+            <a:schemeClr val="lt1"/>
+          </a:fontRef>
+        </p:style>
+        <p:txBody>
+          <a:bodyPr rtlCol="0" anchor="ctr"/>
+          <a:lstStyle/>
+          <a:p>
+            <a:pPr algn="ctr"/>
+            <a:r>
+              <a:rPr lang="en-US" sz="2000" b="1" dirty="0">
                 <a:solidFill>
                   <a:schemeClr val="tx1"/>
                 </a:solidFill>
               </a:rPr>
-              <a:t>&gt; </a:t>
-            </a:r>
-            <a:r>
-              <a:rPr lang="en-US" dirty="0" err="1">
+              <a:t>Normal</a:t>
+            </a:r>
+          </a:p>
+        </p:txBody>
+      </p:sp>
+      <p:sp>
+        <p:nvSpPr>
+          <p:cNvPr id="7" name="矩形 6">
+            <a:extLst>
+              <a:ext uri="{FF2B5EF4-FFF2-40B4-BE49-F238E27FC236}">
+                <a16:creationId xmlns:a16="http://schemas.microsoft.com/office/drawing/2014/main" id="{D97E6206-AD58-474F-AA14-6662FE41C716}"/>
+              </a:ext>
+            </a:extLst>
+          </p:cNvPr>
+          <p:cNvSpPr/>
+          <p:nvPr/>
+        </p:nvSpPr>
+        <p:spPr>
+          <a:xfrm>
+            <a:off x="5853341" y="5708751"/>
+            <a:ext cx="1540235" cy="461639"/>
+          </a:xfrm>
+          <a:prstGeom prst="rect">
+            <a:avLst/>
+          </a:prstGeom>
+          <a:solidFill>
+            <a:srgbClr val="FFB703"/>
+          </a:solidFill>
+          <a:ln>
+            <a:noFill/>
+          </a:ln>
+        </p:spPr>
+        <p:style>
+          <a:lnRef idx="2">
+            <a:schemeClr val="accent1">
+              <a:shade val="50000"/>
+            </a:schemeClr>
+          </a:lnRef>
+          <a:fillRef idx="1">
+            <a:schemeClr val="accent1"/>
+          </a:fillRef>
+          <a:effectRef idx="0">
+            <a:schemeClr val="accent1"/>
+          </a:effectRef>
+          <a:fontRef idx="minor">
+            <a:schemeClr val="lt1"/>
+          </a:fontRef>
+        </p:style>
+        <p:txBody>
+          <a:bodyPr rtlCol="0" anchor="ctr"/>
+          <a:lstStyle/>
+          <a:p>
+            <a:pPr algn="ctr"/>
+            <a:r>
+              <a:rPr lang="en-US" sz="2000" b="1" dirty="0">
                 <a:solidFill>
                   <a:schemeClr val="tx1"/>
                 </a:solidFill>
               </a:rPr>
-              <a:t>cmake</a:t>
-            </a:r>
-            <a:r>
-              <a:rPr lang="en-US" dirty="0">
+              <a:t>Environment</a:t>
+            </a:r>
+          </a:p>
+        </p:txBody>
+      </p:sp>
+      <p:sp>
+        <p:nvSpPr>
+          <p:cNvPr id="11" name="矩形 10">
+            <a:extLst>
+              <a:ext uri="{FF2B5EF4-FFF2-40B4-BE49-F238E27FC236}">
+                <a16:creationId xmlns:a16="http://schemas.microsoft.com/office/drawing/2014/main" id="{F0377879-D6CE-4537-B7E7-029FE6099C2F}"/>
+              </a:ext>
+            </a:extLst>
+          </p:cNvPr>
+          <p:cNvSpPr/>
+          <p:nvPr/>
+        </p:nvSpPr>
+        <p:spPr>
+          <a:xfrm>
+            <a:off x="5853343" y="3458057"/>
+            <a:ext cx="1540234" cy="461639"/>
+          </a:xfrm>
+          <a:prstGeom prst="rect">
+            <a:avLst/>
+          </a:prstGeom>
+          <a:solidFill>
+            <a:srgbClr val="FFB703"/>
+          </a:solidFill>
+          <a:ln>
+            <a:noFill/>
+          </a:ln>
+        </p:spPr>
+        <p:style>
+          <a:lnRef idx="2">
+            <a:schemeClr val="accent1">
+              <a:shade val="50000"/>
+            </a:schemeClr>
+          </a:lnRef>
+          <a:fillRef idx="1">
+            <a:schemeClr val="accent1"/>
+          </a:fillRef>
+          <a:effectRef idx="0">
+            <a:schemeClr val="accent1"/>
+          </a:effectRef>
+          <a:fontRef idx="minor">
+            <a:schemeClr val="lt1"/>
+          </a:fontRef>
+        </p:style>
+        <p:txBody>
+          <a:bodyPr rtlCol="0" anchor="ctr"/>
+          <a:lstStyle/>
+          <a:p>
+            <a:pPr algn="ctr"/>
+            <a:r>
+              <a:rPr lang="en-US" sz="2000" b="1" dirty="0">
                 <a:solidFill>
                   <a:schemeClr val="tx1"/>
                 </a:solidFill>
               </a:rPr>
-              <a:t> … </a:t>
+              <a:t>Cache</a:t>
+            </a:r>
+          </a:p>
+        </p:txBody>
+      </p:sp>
+      <p:sp>
+        <p:nvSpPr>
+          <p:cNvPr id="14" name="TextBox 4">
+            <a:extLst>
+              <a:ext uri="{FF2B5EF4-FFF2-40B4-BE49-F238E27FC236}">
+                <a16:creationId xmlns:a16="http://schemas.microsoft.com/office/drawing/2014/main" id="{D1C0CF82-1041-4C33-A3B3-9ED109E3C127}"/>
+              </a:ext>
+            </a:extLst>
+          </p:cNvPr>
+          <p:cNvSpPr txBox="1"/>
+          <p:nvPr/>
+        </p:nvSpPr>
+        <p:spPr>
+          <a:xfrm>
+            <a:off x="7578769" y="3407011"/>
+            <a:ext cx="4613229" cy="2126864"/>
+          </a:xfrm>
+          <a:prstGeom prst="rect">
+            <a:avLst/>
+          </a:prstGeom>
+          <a:noFill/>
+        </p:spPr>
+        <p:txBody>
+          <a:bodyPr wrap="square" rtlCol="0">
+            <a:spAutoFit/>
+          </a:bodyPr>
+          <a:lstStyle/>
+          <a:p>
+            <a:pPr marL="342900" indent="-342900">
+              <a:lnSpc>
+                <a:spcPct val="150000"/>
+              </a:lnSpc>
+              <a:buFont typeface="Arial" panose="020B0604020202020204" pitchFamily="34" charset="0"/>
+              <a:buChar char="•"/>
+            </a:pPr>
+            <a:r>
+              <a:rPr lang="en-US" dirty="0"/>
+              <a:t>Have global scope.</a:t>
+            </a:r>
+          </a:p>
+          <a:p>
+            <a:pPr marL="342900" indent="-342900">
+              <a:lnSpc>
+                <a:spcPct val="150000"/>
+              </a:lnSpc>
+              <a:buFont typeface="Arial" panose="020B0604020202020204" pitchFamily="34" charset="0"/>
+              <a:buChar char="•"/>
+            </a:pPr>
+            <a:r>
+              <a:rPr lang="en-US" dirty="0"/>
+              <a:t>Can be set from the command line and </a:t>
+            </a:r>
+            <a:r>
+              <a:rPr lang="en-US" dirty="0" err="1"/>
+              <a:t>Cmake</a:t>
+            </a:r>
+            <a:r>
+              <a:rPr lang="en-US" dirty="0"/>
+              <a:t> GUI.</a:t>
+            </a:r>
+          </a:p>
+          <a:p>
+            <a:pPr marL="342900" indent="-342900">
+              <a:lnSpc>
+                <a:spcPct val="150000"/>
+              </a:lnSpc>
+              <a:buFont typeface="Arial" panose="020B0604020202020204" pitchFamily="34" charset="0"/>
+              <a:buChar char="•"/>
+            </a:pPr>
+            <a:r>
+              <a:rPr lang="en-US" dirty="0"/>
+              <a:t>Have </a:t>
+            </a:r>
+            <a:r>
+              <a:rPr lang="en-US" b="1" dirty="0"/>
+              <a:t>type</a:t>
+            </a:r>
+            <a:r>
+              <a:rPr lang="en-US" dirty="0"/>
+              <a:t> and </a:t>
+            </a:r>
+            <a:r>
+              <a:rPr lang="en-US" b="1" dirty="0"/>
+              <a:t>docstring </a:t>
+            </a:r>
+            <a:r>
+              <a:rPr lang="en-US" dirty="0"/>
+              <a:t>(used in </a:t>
+            </a:r>
+            <a:r>
+              <a:rPr lang="en-US" dirty="0" err="1"/>
+              <a:t>CMake</a:t>
+            </a:r>
+            <a:r>
+              <a:rPr lang="en-US" dirty="0"/>
+              <a:t> GUI).</a:t>
+            </a:r>
+          </a:p>
+        </p:txBody>
+      </p:sp>
+      <p:sp>
+        <p:nvSpPr>
+          <p:cNvPr id="16" name="TextBox 4">
+            <a:extLst>
+              <a:ext uri="{FF2B5EF4-FFF2-40B4-BE49-F238E27FC236}">
+                <a16:creationId xmlns:a16="http://schemas.microsoft.com/office/drawing/2014/main" id="{A06F1F89-EAB6-4E1B-A2C1-C96A326D764F}"/>
+              </a:ext>
+            </a:extLst>
+          </p:cNvPr>
+          <p:cNvSpPr txBox="1"/>
+          <p:nvPr/>
+        </p:nvSpPr>
+        <p:spPr>
+          <a:xfrm>
+            <a:off x="7578768" y="5708751"/>
+            <a:ext cx="4613230" cy="880369"/>
+          </a:xfrm>
+          <a:prstGeom prst="rect">
+            <a:avLst/>
+          </a:prstGeom>
+          <a:noFill/>
+        </p:spPr>
+        <p:txBody>
+          <a:bodyPr wrap="square" rtlCol="0">
+            <a:spAutoFit/>
+          </a:bodyPr>
+          <a:lstStyle/>
+          <a:p>
+            <a:pPr marL="342900" indent="-342900">
+              <a:lnSpc>
+                <a:spcPct val="150000"/>
+              </a:lnSpc>
+              <a:buFont typeface="Arial" panose="020B0604020202020204" pitchFamily="34" charset="0"/>
+              <a:buChar char="•"/>
+            </a:pPr>
+            <a:r>
+              <a:rPr lang="en-US" dirty="0"/>
+              <a:t>Have global scope.</a:t>
+            </a:r>
+          </a:p>
+          <a:p>
+            <a:pPr marL="342900" indent="-342900">
+              <a:lnSpc>
+                <a:spcPct val="150000"/>
+              </a:lnSpc>
+              <a:buFont typeface="Arial" panose="020B0604020202020204" pitchFamily="34" charset="0"/>
+              <a:buChar char="•"/>
+            </a:pPr>
+            <a:r>
+              <a:rPr lang="en-US" dirty="0"/>
+              <a:t>Access by </a:t>
+            </a:r>
+            <a:r>
+              <a:rPr lang="en-US" b="1" dirty="0">
+                <a:solidFill>
+                  <a:srgbClr val="219EBC"/>
+                </a:solidFill>
+              </a:rPr>
+              <a:t>$ENV{VAR</a:t>
+            </a:r>
+            <a:r>
+              <a:rPr lang="en-US" dirty="0">
+                <a:solidFill>
+                  <a:srgbClr val="219EBC"/>
+                </a:solidFill>
+              </a:rPr>
+              <a:t>}</a:t>
+            </a:r>
+            <a:r>
+              <a:rPr lang="en-US" dirty="0"/>
+              <a:t>.</a:t>
             </a:r>
           </a:p>
         </p:txBody>
@@ -9552,6 +10841,63 @@
       </p:grpSpPr>
       <p:sp>
         <p:nvSpPr>
+          <p:cNvPr id="3" name="矩形 24">
+            <a:extLst>
+              <a:ext uri="{FF2B5EF4-FFF2-40B4-BE49-F238E27FC236}">
+                <a16:creationId xmlns:a16="http://schemas.microsoft.com/office/drawing/2014/main" id="{ED4A7E61-BD70-4832-B708-45022BBC1C4B}"/>
+              </a:ext>
+            </a:extLst>
+          </p:cNvPr>
+          <p:cNvSpPr/>
+          <p:nvPr/>
+        </p:nvSpPr>
+        <p:spPr>
+          <a:xfrm>
+            <a:off x="345058" y="1207363"/>
+            <a:ext cx="5265630" cy="5311424"/>
+          </a:xfrm>
+          <a:prstGeom prst="rect">
+            <a:avLst/>
+          </a:prstGeom>
+          <a:solidFill>
+            <a:schemeClr val="bg1">
+              <a:lumMod val="85000"/>
+            </a:schemeClr>
+          </a:solidFill>
+          <a:ln>
+            <a:noFill/>
+          </a:ln>
+        </p:spPr>
+        <p:style>
+          <a:lnRef idx="2">
+            <a:schemeClr val="accent1">
+              <a:shade val="50000"/>
+            </a:schemeClr>
+          </a:lnRef>
+          <a:fillRef idx="1">
+            <a:schemeClr val="accent1"/>
+          </a:fillRef>
+          <a:effectRef idx="0">
+            <a:schemeClr val="accent1"/>
+          </a:effectRef>
+          <a:fontRef idx="minor">
+            <a:schemeClr val="lt1"/>
+          </a:fontRef>
+        </p:style>
+        <p:txBody>
+          <a:bodyPr rtlCol="0" anchor="ctr"/>
+          <a:lstStyle/>
+          <a:p>
+            <a:endParaRPr lang="en-US" dirty="0">
+              <a:solidFill>
+                <a:schemeClr val="tx1"/>
+              </a:solidFill>
+            </a:endParaRPr>
+          </a:p>
+        </p:txBody>
+      </p:sp>
+      <p:sp>
+        <p:nvSpPr>
           <p:cNvPr id="4" name="標題 3">
             <a:extLst>
               <a:ext uri="{FF2B5EF4-FFF2-40B4-BE49-F238E27FC236}">
@@ -9582,161 +10928,377 @@
           </a:p>
         </p:txBody>
       </p:sp>
-      <p:sp>
-        <p:nvSpPr>
-          <p:cNvPr id="6" name="文字方塊 5">
-            <a:extLst>
-              <a:ext uri="{FF2B5EF4-FFF2-40B4-BE49-F238E27FC236}">
-                <a16:creationId xmlns:a16="http://schemas.microsoft.com/office/drawing/2014/main" id="{169BA246-4180-494C-9F2E-421E5C6EC2A9}"/>
-              </a:ext>
-            </a:extLst>
-          </p:cNvPr>
-          <p:cNvSpPr txBox="1"/>
+      <p:grpSp>
+        <p:nvGrpSpPr>
+          <p:cNvPr id="19" name="群組 18">
+            <a:extLst>
+              <a:ext uri="{FF2B5EF4-FFF2-40B4-BE49-F238E27FC236}">
+                <a16:creationId xmlns:a16="http://schemas.microsoft.com/office/drawing/2014/main" id="{927D384F-0DFE-41EA-AE3C-C1F6037BFE8F}"/>
+              </a:ext>
+            </a:extLst>
+          </p:cNvPr>
+          <p:cNvGrpSpPr/>
           <p:nvPr/>
-        </p:nvSpPr>
-        <p:spPr>
+        </p:nvGrpSpPr>
+        <p:grpSpPr>
           <a:xfrm>
-            <a:off x="3048000" y="3105835"/>
-            <a:ext cx="6096000" cy="646331"/>
+            <a:off x="6096000" y="1207363"/>
+            <a:ext cx="4953995" cy="1209312"/>
+            <a:chOff x="5853342" y="1207363"/>
+            <a:chExt cx="4953995" cy="1209312"/>
           </a:xfrm>
-          <a:prstGeom prst="rect">
-            <a:avLst/>
-          </a:prstGeom>
-          <a:noFill/>
-        </p:spPr>
-        <p:txBody>
-          <a:bodyPr wrap="square">
-            <a:spAutoFit/>
-          </a:bodyPr>
-          <a:lstStyle/>
-          <a:p>
-            <a:r>
-              <a:rPr lang="en-US" dirty="0">
-                <a:hlinkClick r:id="rId2"/>
-              </a:rPr>
-              <a:t>https://preshing.com/20170522/learn-cmakes-scripting-language-in-15-minutes/</a:t>
-            </a:r>
-            <a:endParaRPr lang="en-US" dirty="0"/>
-          </a:p>
-        </p:txBody>
-      </p:sp>
-      <p:sp>
-        <p:nvSpPr>
-          <p:cNvPr id="2" name="TextBox 1">
-            <a:extLst>
-              <a:ext uri="{FF2B5EF4-FFF2-40B4-BE49-F238E27FC236}">
-                <a16:creationId xmlns:a16="http://schemas.microsoft.com/office/drawing/2014/main" id="{07637015-F59C-4B67-B6D8-6EFB6F34FF2B}"/>
-              </a:ext>
-            </a:extLst>
-          </p:cNvPr>
-          <p:cNvSpPr txBox="1"/>
+        </p:grpSpPr>
+        <p:sp>
+          <p:nvSpPr>
+            <p:cNvPr id="9" name="矩形 8">
+              <a:extLst>
+                <a:ext uri="{FF2B5EF4-FFF2-40B4-BE49-F238E27FC236}">
+                  <a16:creationId xmlns:a16="http://schemas.microsoft.com/office/drawing/2014/main" id="{DFB6C0FF-7D1C-4752-93EF-0E32AC4EE540}"/>
+                </a:ext>
+              </a:extLst>
+            </p:cNvPr>
+            <p:cNvSpPr/>
+            <p:nvPr/>
+          </p:nvSpPr>
+          <p:spPr>
+            <a:xfrm>
+              <a:off x="5853344" y="1207363"/>
+              <a:ext cx="2019204" cy="461639"/>
+            </a:xfrm>
+            <a:prstGeom prst="rect">
+              <a:avLst/>
+            </a:prstGeom>
+            <a:solidFill>
+              <a:srgbClr val="FFB703"/>
+            </a:solidFill>
+            <a:ln>
+              <a:noFill/>
+            </a:ln>
+          </p:spPr>
+          <p:style>
+            <a:lnRef idx="2">
+              <a:schemeClr val="accent1">
+                <a:shade val="50000"/>
+              </a:schemeClr>
+            </a:lnRef>
+            <a:fillRef idx="1">
+              <a:schemeClr val="accent1"/>
+            </a:fillRef>
+            <a:effectRef idx="0">
+              <a:schemeClr val="accent1"/>
+            </a:effectRef>
+            <a:fontRef idx="minor">
+              <a:schemeClr val="lt1"/>
+            </a:fontRef>
+          </p:style>
+          <p:txBody>
+            <a:bodyPr rtlCol="0" anchor="ctr"/>
+            <a:lstStyle/>
+            <a:p>
+              <a:pPr algn="ctr"/>
+              <a:r>
+                <a:rPr lang="en-US" sz="2000" b="1" dirty="0">
+                  <a:solidFill>
+                    <a:schemeClr val="tx1"/>
+                  </a:solidFill>
+                </a:rPr>
+                <a:t>Function Scope</a:t>
+              </a:r>
+            </a:p>
+          </p:txBody>
+        </p:sp>
+        <p:sp>
+          <p:nvSpPr>
+            <p:cNvPr id="14" name="文字方塊 13">
+              <a:extLst>
+                <a:ext uri="{FF2B5EF4-FFF2-40B4-BE49-F238E27FC236}">
+                  <a16:creationId xmlns:a16="http://schemas.microsoft.com/office/drawing/2014/main" id="{1116D655-AB80-4E55-92DE-2DDA928566E0}"/>
+                </a:ext>
+              </a:extLst>
+            </p:cNvPr>
+            <p:cNvSpPr txBox="1"/>
+            <p:nvPr/>
+          </p:nvSpPr>
+          <p:spPr>
+            <a:xfrm>
+              <a:off x="5853342" y="1770344"/>
+              <a:ext cx="4953995" cy="646331"/>
+            </a:xfrm>
+            <a:prstGeom prst="rect">
+              <a:avLst/>
+            </a:prstGeom>
+            <a:noFill/>
+          </p:spPr>
+          <p:txBody>
+            <a:bodyPr wrap="square" rtlCol="0">
+              <a:spAutoFit/>
+            </a:bodyPr>
+            <a:lstStyle/>
+            <a:p>
+              <a:r>
+                <a:rPr lang="en-US" dirty="0"/>
+                <a:t>A variable set in a function is visible for the </a:t>
+              </a:r>
+              <a:r>
+                <a:rPr lang="en-US" b="1" dirty="0"/>
+                <a:t>current function</a:t>
+              </a:r>
+              <a:r>
+                <a:rPr lang="en-US" dirty="0"/>
+                <a:t> and </a:t>
+              </a:r>
+              <a:r>
+                <a:rPr lang="en-US" b="1" dirty="0"/>
+                <a:t>any nested call within it</a:t>
+              </a:r>
+              <a:r>
+                <a:rPr lang="en-US" dirty="0"/>
+                <a:t>.</a:t>
+              </a:r>
+            </a:p>
+          </p:txBody>
+        </p:sp>
+      </p:grpSp>
+      <p:grpSp>
+        <p:nvGrpSpPr>
+          <p:cNvPr id="20" name="群組 19">
+            <a:extLst>
+              <a:ext uri="{FF2B5EF4-FFF2-40B4-BE49-F238E27FC236}">
+                <a16:creationId xmlns:a16="http://schemas.microsoft.com/office/drawing/2014/main" id="{0D638BAD-21E5-433C-AC49-59738A248778}"/>
+              </a:ext>
+            </a:extLst>
+          </p:cNvPr>
+          <p:cNvGrpSpPr/>
           <p:nvPr/>
-        </p:nvSpPr>
-        <p:spPr>
-          <a:xfrm flipH="1">
-            <a:off x="1776246" y="2051037"/>
-            <a:ext cx="2984290" cy="646331"/>
+        </p:nvGrpSpPr>
+        <p:grpSpPr>
+          <a:xfrm>
+            <a:off x="6095999" y="2844028"/>
+            <a:ext cx="4953995" cy="1763310"/>
+            <a:chOff x="5853341" y="3024760"/>
+            <a:chExt cx="4953995" cy="1763310"/>
           </a:xfrm>
-          <a:prstGeom prst="rect">
-            <a:avLst/>
-          </a:prstGeom>
-          <a:noFill/>
-        </p:spPr>
-        <p:txBody>
-          <a:bodyPr wrap="square" rtlCol="0">
-            <a:spAutoFit/>
-          </a:bodyPr>
-          <a:lstStyle/>
-          <a:p>
-            <a:r>
-              <a:rPr lang="en-US" dirty="0"/>
-              <a:t>Function Scope</a:t>
-            </a:r>
-          </a:p>
-          <a:p>
-            <a:r>
-              <a:rPr lang="en-US" dirty="0"/>
-              <a:t>Directory Scope</a:t>
-            </a:r>
-          </a:p>
-        </p:txBody>
-      </p:sp>
-      <p:sp>
-        <p:nvSpPr>
-          <p:cNvPr id="5" name="Rectangle 4">
-            <a:extLst>
-              <a:ext uri="{FF2B5EF4-FFF2-40B4-BE49-F238E27FC236}">
-                <a16:creationId xmlns:a16="http://schemas.microsoft.com/office/drawing/2014/main" id="{6D24CD20-83D9-4633-ACF9-B6619941D2EE}"/>
-              </a:ext>
-            </a:extLst>
-          </p:cNvPr>
-          <p:cNvSpPr/>
+        </p:grpSpPr>
+        <p:sp>
+          <p:nvSpPr>
+            <p:cNvPr id="13" name="矩形 12">
+              <a:extLst>
+                <a:ext uri="{FF2B5EF4-FFF2-40B4-BE49-F238E27FC236}">
+                  <a16:creationId xmlns:a16="http://schemas.microsoft.com/office/drawing/2014/main" id="{86695876-29DC-44E9-8131-FBC169F93989}"/>
+                </a:ext>
+              </a:extLst>
+            </p:cNvPr>
+            <p:cNvSpPr/>
+            <p:nvPr/>
+          </p:nvSpPr>
+          <p:spPr>
+            <a:xfrm>
+              <a:off x="5853343" y="3024760"/>
+              <a:ext cx="2019206" cy="461639"/>
+            </a:xfrm>
+            <a:prstGeom prst="rect">
+              <a:avLst/>
+            </a:prstGeom>
+            <a:solidFill>
+              <a:srgbClr val="FFB703"/>
+            </a:solidFill>
+            <a:ln>
+              <a:noFill/>
+            </a:ln>
+          </p:spPr>
+          <p:style>
+            <a:lnRef idx="2">
+              <a:schemeClr val="accent1">
+                <a:shade val="50000"/>
+              </a:schemeClr>
+            </a:lnRef>
+            <a:fillRef idx="1">
+              <a:schemeClr val="accent1"/>
+            </a:fillRef>
+            <a:effectRef idx="0">
+              <a:schemeClr val="accent1"/>
+            </a:effectRef>
+            <a:fontRef idx="minor">
+              <a:schemeClr val="lt1"/>
+            </a:fontRef>
+          </p:style>
+          <p:txBody>
+            <a:bodyPr rtlCol="0" anchor="ctr"/>
+            <a:lstStyle/>
+            <a:p>
+              <a:pPr algn="ctr"/>
+              <a:r>
+                <a:rPr lang="en-US" sz="2000" b="1" dirty="0">
+                  <a:solidFill>
+                    <a:schemeClr val="tx1"/>
+                  </a:solidFill>
+                </a:rPr>
+                <a:t>Directory Scope</a:t>
+              </a:r>
+            </a:p>
+          </p:txBody>
+        </p:sp>
+        <p:sp>
+          <p:nvSpPr>
+            <p:cNvPr id="16" name="文字方塊 15">
+              <a:extLst>
+                <a:ext uri="{FF2B5EF4-FFF2-40B4-BE49-F238E27FC236}">
+                  <a16:creationId xmlns:a16="http://schemas.microsoft.com/office/drawing/2014/main" id="{AE063AF9-6340-4EA5-A75D-1A779F17B4C1}"/>
+                </a:ext>
+              </a:extLst>
+            </p:cNvPr>
+            <p:cNvSpPr txBox="1"/>
+            <p:nvPr/>
+          </p:nvSpPr>
+          <p:spPr>
+            <a:xfrm>
+              <a:off x="5853341" y="3587741"/>
+              <a:ext cx="4953995" cy="1200329"/>
+            </a:xfrm>
+            <a:prstGeom prst="rect">
+              <a:avLst/>
+            </a:prstGeom>
+            <a:noFill/>
+          </p:spPr>
+          <p:txBody>
+            <a:bodyPr wrap="square" rtlCol="0">
+              <a:spAutoFit/>
+            </a:bodyPr>
+            <a:lstStyle/>
+            <a:p>
+              <a:pPr algn="just"/>
+              <a:r>
+                <a:rPr lang="en-US" dirty="0"/>
+                <a:t>Before processing the CMakeLists.txt file in the directory. Copy all variable bindings defined in the parent directory and initialize the </a:t>
+              </a:r>
+              <a:r>
+                <a:rPr lang="en-US" b="1" dirty="0"/>
+                <a:t>new directory scope</a:t>
+              </a:r>
+              <a:r>
+                <a:rPr lang="en-US" dirty="0"/>
+                <a:t>.</a:t>
+              </a:r>
+            </a:p>
+          </p:txBody>
+        </p:sp>
+      </p:grpSp>
+      <p:grpSp>
+        <p:nvGrpSpPr>
+          <p:cNvPr id="21" name="群組 20">
+            <a:extLst>
+              <a:ext uri="{FF2B5EF4-FFF2-40B4-BE49-F238E27FC236}">
+                <a16:creationId xmlns:a16="http://schemas.microsoft.com/office/drawing/2014/main" id="{4D5872F3-0D6B-40C3-8CDE-E07AF32BA3C6}"/>
+              </a:ext>
+            </a:extLst>
+          </p:cNvPr>
+          <p:cNvGrpSpPr/>
           <p:nvPr/>
-        </p:nvSpPr>
-        <p:spPr>
+        </p:nvGrpSpPr>
+        <p:grpSpPr>
           <a:xfrm>
-            <a:off x="1509234" y="5026000"/>
-            <a:ext cx="1311578" cy="923330"/>
+            <a:off x="6095999" y="5034691"/>
+            <a:ext cx="4953995" cy="1006359"/>
+            <a:chOff x="5853341" y="5034691"/>
+            <a:chExt cx="4953995" cy="1006359"/>
           </a:xfrm>
-          <a:prstGeom prst="rect">
-            <a:avLst/>
-          </a:prstGeom>
-        </p:spPr>
-        <p:txBody>
-          <a:bodyPr wrap="none">
-            <a:spAutoFit/>
-          </a:bodyPr>
-          <a:lstStyle/>
-          <a:p>
-            <a:r>
-              <a:rPr lang="en-US" u="sng" dirty="0">
-                <a:solidFill>
-                  <a:srgbClr val="2B63A8"/>
-                </a:solidFill>
-                <a:latin typeface="Trebuchet MS" panose="020B0603020202020204" pitchFamily="34" charset="0"/>
-                <a:hlinkClick r:id="rId3"/>
-              </a:rPr>
-              <a:t>Directories</a:t>
-            </a:r>
-            <a:endParaRPr lang="en-US" u="sng" dirty="0">
-              <a:solidFill>
-                <a:srgbClr val="2B63A8"/>
-              </a:solidFill>
-              <a:latin typeface="Trebuchet MS" panose="020B0603020202020204" pitchFamily="34" charset="0"/>
-            </a:endParaRPr>
-          </a:p>
-          <a:p>
-            <a:r>
-              <a:rPr lang="en-US" b="0" i="0" dirty="0">
-                <a:solidFill>
-                  <a:srgbClr val="003564"/>
-                </a:solidFill>
-                <a:effectLst/>
-                <a:latin typeface="Trebuchet MS" panose="020B0603020202020204" pitchFamily="34" charset="0"/>
-              </a:rPr>
-              <a:t>script</a:t>
-            </a:r>
-          </a:p>
-          <a:p>
-            <a:r>
-              <a:rPr lang="en-US" dirty="0">
-                <a:solidFill>
-                  <a:srgbClr val="003564"/>
-                </a:solidFill>
-                <a:latin typeface="Trebuchet MS" panose="020B0603020202020204" pitchFamily="34" charset="0"/>
-              </a:rPr>
-              <a:t>module</a:t>
-            </a:r>
-            <a:endParaRPr lang="en-US" b="0" i="0" dirty="0">
-              <a:solidFill>
-                <a:srgbClr val="003564"/>
-              </a:solidFill>
-              <a:effectLst/>
-              <a:latin typeface="Trebuchet MS" panose="020B0603020202020204" pitchFamily="34" charset="0"/>
-            </a:endParaRPr>
-          </a:p>
-        </p:txBody>
-      </p:sp>
+        </p:grpSpPr>
+        <p:sp>
+          <p:nvSpPr>
+            <p:cNvPr id="11" name="矩形 10">
+              <a:extLst>
+                <a:ext uri="{FF2B5EF4-FFF2-40B4-BE49-F238E27FC236}">
+                  <a16:creationId xmlns:a16="http://schemas.microsoft.com/office/drawing/2014/main" id="{09EB9184-9C1F-4EC2-9BE1-B3287244E961}"/>
+                </a:ext>
+              </a:extLst>
+            </p:cNvPr>
+            <p:cNvSpPr/>
+            <p:nvPr/>
+          </p:nvSpPr>
+          <p:spPr>
+            <a:xfrm>
+              <a:off x="5853341" y="5034691"/>
+              <a:ext cx="2019207" cy="461639"/>
+            </a:xfrm>
+            <a:prstGeom prst="rect">
+              <a:avLst/>
+            </a:prstGeom>
+            <a:solidFill>
+              <a:srgbClr val="FFB703"/>
+            </a:solidFill>
+            <a:ln>
+              <a:noFill/>
+            </a:ln>
+          </p:spPr>
+          <p:style>
+            <a:lnRef idx="2">
+              <a:schemeClr val="accent1">
+                <a:shade val="50000"/>
+              </a:schemeClr>
+            </a:lnRef>
+            <a:fillRef idx="1">
+              <a:schemeClr val="accent1"/>
+            </a:fillRef>
+            <a:effectRef idx="0">
+              <a:schemeClr val="accent1"/>
+            </a:effectRef>
+            <a:fontRef idx="minor">
+              <a:schemeClr val="lt1"/>
+            </a:fontRef>
+          </p:style>
+          <p:txBody>
+            <a:bodyPr rtlCol="0" anchor="ctr"/>
+            <a:lstStyle/>
+            <a:p>
+              <a:pPr algn="ctr"/>
+              <a:r>
+                <a:rPr lang="en-US" sz="2000" b="1" dirty="0">
+                  <a:solidFill>
+                    <a:schemeClr val="tx1"/>
+                  </a:solidFill>
+                </a:rPr>
+                <a:t>Persistent Cache</a:t>
+              </a:r>
+            </a:p>
+          </p:txBody>
+        </p:sp>
+        <p:sp>
+          <p:nvSpPr>
+            <p:cNvPr id="18" name="文字方塊 17">
+              <a:extLst>
+                <a:ext uri="{FF2B5EF4-FFF2-40B4-BE49-F238E27FC236}">
+                  <a16:creationId xmlns:a16="http://schemas.microsoft.com/office/drawing/2014/main" id="{7289587E-C3A2-4696-820B-64591511B01C}"/>
+                </a:ext>
+              </a:extLst>
+            </p:cNvPr>
+            <p:cNvSpPr txBox="1"/>
+            <p:nvPr/>
+          </p:nvSpPr>
+          <p:spPr>
+            <a:xfrm>
+              <a:off x="5853341" y="5671718"/>
+              <a:ext cx="4953995" cy="369332"/>
+            </a:xfrm>
+            <a:prstGeom prst="rect">
+              <a:avLst/>
+            </a:prstGeom>
+            <a:noFill/>
+          </p:spPr>
+          <p:txBody>
+            <a:bodyPr wrap="square" rtlCol="0">
+              <a:spAutoFit/>
+            </a:bodyPr>
+            <a:lstStyle/>
+            <a:p>
+              <a:pPr algn="just"/>
+              <a:r>
+                <a:rPr lang="en-US" dirty="0"/>
+                <a:t>Cache variables bindings are stored. Their</a:t>
+              </a:r>
+            </a:p>
+          </p:txBody>
+        </p:sp>
+      </p:grpSp>
     </p:spTree>
     <p:extLst>
       <p:ext uri="{BB962C8B-B14F-4D97-AF65-F5344CB8AC3E}">
@@ -9794,36 +11356,630 @@
             </a:r>
             <a:r>
               <a:rPr lang="en-US" dirty="0"/>
-              <a:t> Language (2) Targets &amp; Properties</a:t>
-            </a:r>
-          </a:p>
-        </p:txBody>
-      </p:sp>
-      <p:sp>
-        <p:nvSpPr>
-          <p:cNvPr id="5" name="內容版面配置區 4">
-            <a:extLst>
-              <a:ext uri="{FF2B5EF4-FFF2-40B4-BE49-F238E27FC236}">
-                <a16:creationId xmlns:a16="http://schemas.microsoft.com/office/drawing/2014/main" id="{769A1708-53F3-41EC-83B8-1F868498B072}"/>
-              </a:ext>
-            </a:extLst>
-          </p:cNvPr>
-          <p:cNvSpPr>
-            <a:spLocks noGrp="1"/>
-          </p:cNvSpPr>
-          <p:nvPr>
-            <p:ph idx="1"/>
-          </p:nvPr>
-        </p:nvSpPr>
-        <p:spPr/>
-        <p:txBody>
-          <a:bodyPr/>
+              <a:t> Language (2) Targets &amp; Target</a:t>
+            </a:r>
+            <a:r>
+              <a:rPr lang="en-US" b="1" dirty="0"/>
+              <a:t> </a:t>
+            </a:r>
+            <a:r>
+              <a:rPr lang="en-US" dirty="0"/>
+              <a:t>Properties</a:t>
+            </a:r>
+          </a:p>
+        </p:txBody>
+      </p:sp>
+      <p:sp>
+        <p:nvSpPr>
+          <p:cNvPr id="3" name="矩形 2">
+            <a:extLst>
+              <a:ext uri="{FF2B5EF4-FFF2-40B4-BE49-F238E27FC236}">
+                <a16:creationId xmlns:a16="http://schemas.microsoft.com/office/drawing/2014/main" id="{87A70F33-55B7-4461-957B-72697DE418EF}"/>
+              </a:ext>
+            </a:extLst>
+          </p:cNvPr>
+          <p:cNvSpPr/>
+          <p:nvPr/>
+        </p:nvSpPr>
+        <p:spPr>
+          <a:xfrm>
+            <a:off x="706631" y="1207362"/>
+            <a:ext cx="2019204" cy="461639"/>
+          </a:xfrm>
+          <a:prstGeom prst="rect">
+            <a:avLst/>
+          </a:prstGeom>
+          <a:solidFill>
+            <a:srgbClr val="FFB703"/>
+          </a:solidFill>
+          <a:ln>
+            <a:noFill/>
+          </a:ln>
+        </p:spPr>
+        <p:style>
+          <a:lnRef idx="2">
+            <a:schemeClr val="accent1">
+              <a:shade val="50000"/>
+            </a:schemeClr>
+          </a:lnRef>
+          <a:fillRef idx="1">
+            <a:schemeClr val="accent1"/>
+          </a:fillRef>
+          <a:effectRef idx="0">
+            <a:schemeClr val="accent1"/>
+          </a:effectRef>
+          <a:fontRef idx="minor">
+            <a:schemeClr val="lt1"/>
+          </a:fontRef>
+        </p:style>
+        <p:txBody>
+          <a:bodyPr rtlCol="0" anchor="ctr"/>
           <a:lstStyle/>
           <a:p>
-            <a:endParaRPr lang="en-US"/>
-          </a:p>
-        </p:txBody>
-      </p:sp>
+            <a:pPr algn="ctr"/>
+            <a:r>
+              <a:rPr lang="en-US" altLang="zh-TW" sz="2000" b="1" dirty="0">
+                <a:solidFill>
+                  <a:schemeClr val="tx1"/>
+                </a:solidFill>
+              </a:rPr>
+              <a:t>C</a:t>
+            </a:r>
+            <a:endParaRPr lang="en-US" sz="2000" b="1" dirty="0">
+              <a:solidFill>
+                <a:schemeClr val="tx1"/>
+              </a:solidFill>
+            </a:endParaRPr>
+          </a:p>
+        </p:txBody>
+      </p:sp>
+      <p:sp>
+        <p:nvSpPr>
+          <p:cNvPr id="9" name="矩形 24">
+            <a:extLst>
+              <a:ext uri="{FF2B5EF4-FFF2-40B4-BE49-F238E27FC236}">
+                <a16:creationId xmlns:a16="http://schemas.microsoft.com/office/drawing/2014/main" id="{C8E57751-435A-4429-9A14-3BDF7F8B67BC}"/>
+              </a:ext>
+            </a:extLst>
+          </p:cNvPr>
+          <p:cNvSpPr/>
+          <p:nvPr/>
+        </p:nvSpPr>
+        <p:spPr>
+          <a:xfrm>
+            <a:off x="345058" y="1207363"/>
+            <a:ext cx="5265630" cy="5311424"/>
+          </a:xfrm>
+          <a:prstGeom prst="rect">
+            <a:avLst/>
+          </a:prstGeom>
+          <a:solidFill>
+            <a:schemeClr val="bg1">
+              <a:lumMod val="85000"/>
+            </a:schemeClr>
+          </a:solidFill>
+          <a:ln>
+            <a:noFill/>
+          </a:ln>
+        </p:spPr>
+        <p:style>
+          <a:lnRef idx="2">
+            <a:schemeClr val="accent1">
+              <a:shade val="50000"/>
+            </a:schemeClr>
+          </a:lnRef>
+          <a:fillRef idx="1">
+            <a:schemeClr val="accent1"/>
+          </a:fillRef>
+          <a:effectRef idx="0">
+            <a:schemeClr val="accent1"/>
+          </a:effectRef>
+          <a:fontRef idx="minor">
+            <a:schemeClr val="lt1"/>
+          </a:fontRef>
+        </p:style>
+        <p:txBody>
+          <a:bodyPr rtlCol="0" anchor="ctr"/>
+          <a:lstStyle/>
+          <a:p>
+            <a:endParaRPr lang="en-US" dirty="0">
+              <a:solidFill>
+                <a:schemeClr val="tx1"/>
+              </a:solidFill>
+            </a:endParaRPr>
+          </a:p>
+        </p:txBody>
+      </p:sp>
+      <p:sp>
+        <p:nvSpPr>
+          <p:cNvPr id="10" name="文字方塊 9">
+            <a:extLst>
+              <a:ext uri="{FF2B5EF4-FFF2-40B4-BE49-F238E27FC236}">
+                <a16:creationId xmlns:a16="http://schemas.microsoft.com/office/drawing/2014/main" id="{AB324298-8530-4ECF-940D-0D396371CF97}"/>
+              </a:ext>
+            </a:extLst>
+          </p:cNvPr>
+          <p:cNvSpPr txBox="1"/>
+          <p:nvPr/>
+        </p:nvSpPr>
+        <p:spPr>
+          <a:xfrm>
+            <a:off x="-1483743" y="5595457"/>
+            <a:ext cx="1828800" cy="923330"/>
+          </a:xfrm>
+          <a:prstGeom prst="rect">
+            <a:avLst/>
+          </a:prstGeom>
+          <a:noFill/>
+        </p:spPr>
+        <p:txBody>
+          <a:bodyPr wrap="square" rtlCol="0">
+            <a:spAutoFit/>
+          </a:bodyPr>
+          <a:lstStyle/>
+          <a:p>
+            <a:r>
+              <a:rPr lang="en-US" dirty="0"/>
+              <a:t>Confliction between target and variable?</a:t>
+            </a:r>
+          </a:p>
+        </p:txBody>
+      </p:sp>
+      <p:grpSp>
+        <p:nvGrpSpPr>
+          <p:cNvPr id="15" name="群組 14">
+            <a:extLst>
+              <a:ext uri="{FF2B5EF4-FFF2-40B4-BE49-F238E27FC236}">
+                <a16:creationId xmlns:a16="http://schemas.microsoft.com/office/drawing/2014/main" id="{10D0F56A-A801-4AAE-B72B-0ACC510C329F}"/>
+              </a:ext>
+            </a:extLst>
+          </p:cNvPr>
+          <p:cNvGrpSpPr/>
+          <p:nvPr/>
+        </p:nvGrpSpPr>
+        <p:grpSpPr>
+          <a:xfrm>
+            <a:off x="6096002" y="1207362"/>
+            <a:ext cx="4953995" cy="1443350"/>
+            <a:chOff x="5853342" y="1207363"/>
+            <a:chExt cx="4953995" cy="1443350"/>
+          </a:xfrm>
+        </p:grpSpPr>
+        <p:sp>
+          <p:nvSpPr>
+            <p:cNvPr id="16" name="矩形 15">
+              <a:extLst>
+                <a:ext uri="{FF2B5EF4-FFF2-40B4-BE49-F238E27FC236}">
+                  <a16:creationId xmlns:a16="http://schemas.microsoft.com/office/drawing/2014/main" id="{E607C03B-6F9D-4D0D-8812-52636036F937}"/>
+                </a:ext>
+              </a:extLst>
+            </p:cNvPr>
+            <p:cNvSpPr/>
+            <p:nvPr/>
+          </p:nvSpPr>
+          <p:spPr>
+            <a:xfrm>
+              <a:off x="5853343" y="1207363"/>
+              <a:ext cx="2510726" cy="461639"/>
+            </a:xfrm>
+            <a:prstGeom prst="rect">
+              <a:avLst/>
+            </a:prstGeom>
+            <a:solidFill>
+              <a:srgbClr val="FFB703"/>
+            </a:solidFill>
+            <a:ln>
+              <a:noFill/>
+            </a:ln>
+          </p:spPr>
+          <p:style>
+            <a:lnRef idx="2">
+              <a:schemeClr val="accent1">
+                <a:shade val="50000"/>
+              </a:schemeClr>
+            </a:lnRef>
+            <a:fillRef idx="1">
+              <a:schemeClr val="accent1"/>
+            </a:fillRef>
+            <a:effectRef idx="0">
+              <a:schemeClr val="accent1"/>
+            </a:effectRef>
+            <a:fontRef idx="minor">
+              <a:schemeClr val="lt1"/>
+            </a:fontRef>
+          </p:style>
+          <p:txBody>
+            <a:bodyPr rtlCol="0" anchor="ctr"/>
+            <a:lstStyle/>
+            <a:p>
+              <a:pPr algn="ctr"/>
+              <a:r>
+                <a:rPr lang="en-US" sz="2000" b="1" dirty="0">
+                  <a:solidFill>
+                    <a:schemeClr val="tx1"/>
+                  </a:solidFill>
+                </a:rPr>
+                <a:t>Create Target</a:t>
+              </a:r>
+            </a:p>
+          </p:txBody>
+        </p:sp>
+        <p:sp>
+          <p:nvSpPr>
+            <p:cNvPr id="17" name="文字方塊 16">
+              <a:extLst>
+                <a:ext uri="{FF2B5EF4-FFF2-40B4-BE49-F238E27FC236}">
+                  <a16:creationId xmlns:a16="http://schemas.microsoft.com/office/drawing/2014/main" id="{EF29336D-279A-4CE7-9687-B97B5226FA69}"/>
+                </a:ext>
+              </a:extLst>
+            </p:cNvPr>
+            <p:cNvSpPr txBox="1"/>
+            <p:nvPr/>
+          </p:nvSpPr>
+          <p:spPr>
+            <a:xfrm>
+              <a:off x="5853342" y="1770344"/>
+              <a:ext cx="4953995" cy="880369"/>
+            </a:xfrm>
+            <a:prstGeom prst="rect">
+              <a:avLst/>
+            </a:prstGeom>
+            <a:noFill/>
+          </p:spPr>
+          <p:txBody>
+            <a:bodyPr wrap="square" rtlCol="0">
+              <a:spAutoFit/>
+            </a:bodyPr>
+            <a:lstStyle/>
+            <a:p>
+              <a:pPr marL="285750" indent="-285750">
+                <a:lnSpc>
+                  <a:spcPct val="150000"/>
+                </a:lnSpc>
+                <a:buFont typeface="Arial" panose="020B0604020202020204" pitchFamily="34" charset="0"/>
+                <a:buChar char="•"/>
+              </a:pPr>
+              <a:r>
+                <a:rPr lang="en-US" dirty="0" err="1"/>
+                <a:t>add_library</a:t>
+              </a:r>
+              <a:r>
+                <a:rPr lang="en-US" dirty="0"/>
+                <a:t> ()</a:t>
+              </a:r>
+            </a:p>
+            <a:p>
+              <a:pPr marL="285750" indent="-285750">
+                <a:lnSpc>
+                  <a:spcPct val="150000"/>
+                </a:lnSpc>
+                <a:buFont typeface="Arial" panose="020B0604020202020204" pitchFamily="34" charset="0"/>
+                <a:buChar char="•"/>
+              </a:pPr>
+              <a:r>
+                <a:rPr lang="en-US" dirty="0" err="1"/>
+                <a:t>add_executable</a:t>
+              </a:r>
+              <a:r>
+                <a:rPr lang="en-US" dirty="0"/>
+                <a:t> ()</a:t>
+              </a:r>
+            </a:p>
+          </p:txBody>
+        </p:sp>
+      </p:grpSp>
+      <p:grpSp>
+        <p:nvGrpSpPr>
+          <p:cNvPr id="20" name="群組 19">
+            <a:extLst>
+              <a:ext uri="{FF2B5EF4-FFF2-40B4-BE49-F238E27FC236}">
+                <a16:creationId xmlns:a16="http://schemas.microsoft.com/office/drawing/2014/main" id="{1CAC39E0-859D-477B-937B-E6D6A2423CAC}"/>
+              </a:ext>
+            </a:extLst>
+          </p:cNvPr>
+          <p:cNvGrpSpPr/>
+          <p:nvPr/>
+        </p:nvGrpSpPr>
+        <p:grpSpPr>
+          <a:xfrm>
+            <a:off x="6096001" y="2988339"/>
+            <a:ext cx="4953995" cy="1858849"/>
+            <a:chOff x="5853342" y="1207363"/>
+            <a:chExt cx="4953995" cy="1858849"/>
+          </a:xfrm>
+        </p:grpSpPr>
+        <p:sp>
+          <p:nvSpPr>
+            <p:cNvPr id="21" name="矩形 20">
+              <a:extLst>
+                <a:ext uri="{FF2B5EF4-FFF2-40B4-BE49-F238E27FC236}">
+                  <a16:creationId xmlns:a16="http://schemas.microsoft.com/office/drawing/2014/main" id="{0A383E17-A775-4902-9F87-F421944997DC}"/>
+                </a:ext>
+              </a:extLst>
+            </p:cNvPr>
+            <p:cNvSpPr/>
+            <p:nvPr/>
+          </p:nvSpPr>
+          <p:spPr>
+            <a:xfrm>
+              <a:off x="5853343" y="1207363"/>
+              <a:ext cx="2510727" cy="461639"/>
+            </a:xfrm>
+            <a:prstGeom prst="rect">
+              <a:avLst/>
+            </a:prstGeom>
+            <a:solidFill>
+              <a:srgbClr val="FFB703"/>
+            </a:solidFill>
+            <a:ln>
+              <a:noFill/>
+            </a:ln>
+          </p:spPr>
+          <p:style>
+            <a:lnRef idx="2">
+              <a:schemeClr val="accent1">
+                <a:shade val="50000"/>
+              </a:schemeClr>
+            </a:lnRef>
+            <a:fillRef idx="1">
+              <a:schemeClr val="accent1"/>
+            </a:fillRef>
+            <a:effectRef idx="0">
+              <a:schemeClr val="accent1"/>
+            </a:effectRef>
+            <a:fontRef idx="minor">
+              <a:schemeClr val="lt1"/>
+            </a:fontRef>
+          </p:style>
+          <p:txBody>
+            <a:bodyPr rtlCol="0" anchor="ctr"/>
+            <a:lstStyle/>
+            <a:p>
+              <a:pPr algn="ctr"/>
+              <a:r>
+                <a:rPr lang="en-US" sz="2000" b="1" dirty="0">
+                  <a:solidFill>
+                    <a:schemeClr val="tx1"/>
+                  </a:solidFill>
+                </a:rPr>
+                <a:t>Set Target </a:t>
+              </a:r>
+              <a:r>
+                <a:rPr lang="en-US" sz="2000" b="1" dirty="0" err="1">
+                  <a:solidFill>
+                    <a:schemeClr val="tx1"/>
+                  </a:solidFill>
+                </a:rPr>
+                <a:t>Propertise</a:t>
+              </a:r>
+              <a:endParaRPr lang="en-US" sz="2000" b="1" dirty="0">
+                <a:solidFill>
+                  <a:schemeClr val="tx1"/>
+                </a:solidFill>
+              </a:endParaRPr>
+            </a:p>
+          </p:txBody>
+        </p:sp>
+        <p:sp>
+          <p:nvSpPr>
+            <p:cNvPr id="22" name="文字方塊 21">
+              <a:extLst>
+                <a:ext uri="{FF2B5EF4-FFF2-40B4-BE49-F238E27FC236}">
+                  <a16:creationId xmlns:a16="http://schemas.microsoft.com/office/drawing/2014/main" id="{9F40D1CE-B2DC-4CA4-81A9-2ADB5EA90EB9}"/>
+                </a:ext>
+              </a:extLst>
+            </p:cNvPr>
+            <p:cNvSpPr txBox="1"/>
+            <p:nvPr/>
+          </p:nvSpPr>
+          <p:spPr>
+            <a:xfrm>
+              <a:off x="5853342" y="1770344"/>
+              <a:ext cx="4953995" cy="1295868"/>
+            </a:xfrm>
+            <a:prstGeom prst="rect">
+              <a:avLst/>
+            </a:prstGeom>
+            <a:noFill/>
+          </p:spPr>
+          <p:txBody>
+            <a:bodyPr wrap="square" rtlCol="0">
+              <a:spAutoFit/>
+            </a:bodyPr>
+            <a:lstStyle/>
+            <a:p>
+              <a:pPr marL="285750" indent="-285750">
+                <a:lnSpc>
+                  <a:spcPct val="150000"/>
+                </a:lnSpc>
+                <a:buFont typeface="Arial" panose="020B0604020202020204" pitchFamily="34" charset="0"/>
+                <a:buChar char="•"/>
+              </a:pPr>
+              <a:r>
+                <a:rPr lang="en-US" dirty="0" err="1"/>
+                <a:t>set_target_properties</a:t>
+              </a:r>
+              <a:r>
+                <a:rPr lang="en-US" dirty="0"/>
+                <a:t> ()</a:t>
+              </a:r>
+            </a:p>
+            <a:p>
+              <a:pPr marL="285750" indent="-285750">
+                <a:lnSpc>
+                  <a:spcPct val="150000"/>
+                </a:lnSpc>
+                <a:buFont typeface="Arial" panose="020B0604020202020204" pitchFamily="34" charset="0"/>
+                <a:buChar char="•"/>
+              </a:pPr>
+              <a:r>
+                <a:rPr lang="en-US" dirty="0" err="1"/>
+                <a:t>target_link_directories</a:t>
+              </a:r>
+              <a:r>
+                <a:rPr lang="en-US" dirty="0"/>
+                <a:t> ()</a:t>
+              </a:r>
+            </a:p>
+            <a:p>
+              <a:pPr marL="285750" indent="-285750">
+                <a:lnSpc>
+                  <a:spcPct val="150000"/>
+                </a:lnSpc>
+                <a:buFont typeface="Arial" panose="020B0604020202020204" pitchFamily="34" charset="0"/>
+                <a:buChar char="•"/>
+              </a:pPr>
+              <a:r>
+                <a:rPr lang="en-US" dirty="0" err="1"/>
+                <a:t>target_include_directories</a:t>
+              </a:r>
+              <a:r>
+                <a:rPr lang="en-US" dirty="0"/>
+                <a:t> ()</a:t>
+              </a:r>
+            </a:p>
+          </p:txBody>
+        </p:sp>
+      </p:grpSp>
+      <p:grpSp>
+        <p:nvGrpSpPr>
+          <p:cNvPr id="23" name="群組 22">
+            <a:extLst>
+              <a:ext uri="{FF2B5EF4-FFF2-40B4-BE49-F238E27FC236}">
+                <a16:creationId xmlns:a16="http://schemas.microsoft.com/office/drawing/2014/main" id="{408D74C6-F128-46DE-8D31-98AB5BDAF8A4}"/>
+              </a:ext>
+            </a:extLst>
+          </p:cNvPr>
+          <p:cNvGrpSpPr/>
+          <p:nvPr/>
+        </p:nvGrpSpPr>
+        <p:grpSpPr>
+          <a:xfrm>
+            <a:off x="6096000" y="5184814"/>
+            <a:ext cx="4953995" cy="1027852"/>
+            <a:chOff x="5853342" y="1207363"/>
+            <a:chExt cx="4953995" cy="1027852"/>
+          </a:xfrm>
+        </p:grpSpPr>
+        <p:sp>
+          <p:nvSpPr>
+            <p:cNvPr id="24" name="矩形 23">
+              <a:extLst>
+                <a:ext uri="{FF2B5EF4-FFF2-40B4-BE49-F238E27FC236}">
+                  <a16:creationId xmlns:a16="http://schemas.microsoft.com/office/drawing/2014/main" id="{78C25311-5CF5-429A-9322-DE437C284206}"/>
+                </a:ext>
+              </a:extLst>
+            </p:cNvPr>
+            <p:cNvSpPr/>
+            <p:nvPr/>
+          </p:nvSpPr>
+          <p:spPr>
+            <a:xfrm>
+              <a:off x="5853343" y="1207363"/>
+              <a:ext cx="2510728" cy="461639"/>
+            </a:xfrm>
+            <a:prstGeom prst="rect">
+              <a:avLst/>
+            </a:prstGeom>
+            <a:solidFill>
+              <a:srgbClr val="FFB703"/>
+            </a:solidFill>
+            <a:ln>
+              <a:noFill/>
+            </a:ln>
+          </p:spPr>
+          <p:style>
+            <a:lnRef idx="2">
+              <a:schemeClr val="accent1">
+                <a:shade val="50000"/>
+              </a:schemeClr>
+            </a:lnRef>
+            <a:fillRef idx="1">
+              <a:schemeClr val="accent1"/>
+            </a:fillRef>
+            <a:effectRef idx="0">
+              <a:schemeClr val="accent1"/>
+            </a:effectRef>
+            <a:fontRef idx="minor">
+              <a:schemeClr val="lt1"/>
+            </a:fontRef>
+          </p:style>
+          <p:txBody>
+            <a:bodyPr rtlCol="0" anchor="ctr"/>
+            <a:lstStyle/>
+            <a:p>
+              <a:pPr algn="ctr"/>
+              <a:r>
+                <a:rPr lang="en-US" sz="2000" b="1" dirty="0">
+                  <a:solidFill>
+                    <a:schemeClr val="tx1"/>
+                  </a:solidFill>
+                </a:rPr>
+                <a:t>Get Target </a:t>
+              </a:r>
+              <a:r>
+                <a:rPr lang="en-US" sz="2000" b="1" dirty="0" err="1">
+                  <a:solidFill>
+                    <a:schemeClr val="tx1"/>
+                  </a:solidFill>
+                </a:rPr>
+                <a:t>Propertise</a:t>
+              </a:r>
+              <a:endParaRPr lang="en-US" sz="2000" b="1" dirty="0">
+                <a:solidFill>
+                  <a:schemeClr val="tx1"/>
+                </a:solidFill>
+              </a:endParaRPr>
+            </a:p>
+          </p:txBody>
+        </p:sp>
+        <p:sp>
+          <p:nvSpPr>
+            <p:cNvPr id="25" name="文字方塊 24">
+              <a:extLst>
+                <a:ext uri="{FF2B5EF4-FFF2-40B4-BE49-F238E27FC236}">
+                  <a16:creationId xmlns:a16="http://schemas.microsoft.com/office/drawing/2014/main" id="{32B0ADA9-20FE-457A-B479-405A2BE967F2}"/>
+                </a:ext>
+              </a:extLst>
+            </p:cNvPr>
+            <p:cNvSpPr txBox="1"/>
+            <p:nvPr/>
+          </p:nvSpPr>
+          <p:spPr>
+            <a:xfrm>
+              <a:off x="5853342" y="1770344"/>
+              <a:ext cx="4953995" cy="464871"/>
+            </a:xfrm>
+            <a:prstGeom prst="rect">
+              <a:avLst/>
+            </a:prstGeom>
+            <a:noFill/>
+          </p:spPr>
+          <p:txBody>
+            <a:bodyPr wrap="square" rtlCol="0">
+              <a:spAutoFit/>
+            </a:bodyPr>
+            <a:lstStyle/>
+            <a:p>
+              <a:pPr marL="285750" indent="-285750">
+                <a:lnSpc>
+                  <a:spcPct val="150000"/>
+                </a:lnSpc>
+                <a:buFont typeface="Arial" panose="020B0604020202020204" pitchFamily="34" charset="0"/>
+                <a:buChar char="•"/>
+              </a:pPr>
+              <a:r>
+                <a:rPr lang="en-US" dirty="0" err="1"/>
+                <a:t>get_target_property</a:t>
+              </a:r>
+              <a:r>
+                <a:rPr lang="en-US" dirty="0"/>
+                <a:t> ()</a:t>
+              </a:r>
+            </a:p>
+          </p:txBody>
+        </p:sp>
+      </p:grpSp>
     </p:spTree>
     <p:extLst>
       <p:ext uri="{BB962C8B-B14F-4D97-AF65-F5344CB8AC3E}">

--- a/cmake notes.pptx
+++ b/cmake notes.pptx
@@ -5,7 +5,7 @@
     <p:sldMasterId id="2147483648" r:id="rId1"/>
   </p:sldMasterIdLst>
   <p:notesMasterIdLst>
-    <p:notesMasterId r:id="rId15"/>
+    <p:notesMasterId r:id="rId19"/>
   </p:notesMasterIdLst>
   <p:sldIdLst>
     <p:sldId id="256" r:id="rId2"/>
@@ -21,6 +21,10 @@
     <p:sldId id="266" r:id="rId12"/>
     <p:sldId id="268" r:id="rId13"/>
     <p:sldId id="263" r:id="rId14"/>
+    <p:sldId id="269" r:id="rId15"/>
+    <p:sldId id="271" r:id="rId16"/>
+    <p:sldId id="270" r:id="rId17"/>
+    <p:sldId id="272" r:id="rId18"/>
   </p:sldIdLst>
   <p:sldSz cx="12192000" cy="6858000"/>
   <p:notesSz cx="6858000" cy="9144000"/>
@@ -209,7 +213,7 @@
           <a:p>
             <a:fld id="{C3A0BED4-E6FD-4935-BDDC-43A309B75F06}" type="datetimeFigureOut">
               <a:rPr lang="en-US" smtClean="0"/>
-              <a:t>9/6/2020</a:t>
+              <a:t>9/7/2020</a:t>
             </a:fld>
             <a:endParaRPr lang="en-US"/>
           </a:p>
@@ -567,6 +571,429 @@
 </p:notes>
 </file>
 
+<file path=ppt/notesSlides/notesSlide10.xml><?xml version="1.0" encoding="utf-8"?>
+<p:notes xmlns:a="http://schemas.openxmlformats.org/drawingml/2006/main" xmlns:r="http://schemas.openxmlformats.org/officeDocument/2006/relationships" xmlns:p="http://schemas.openxmlformats.org/presentationml/2006/main">
+  <p:cSld>
+    <p:spTree>
+      <p:nvGrpSpPr>
+        <p:cNvPr id="1" name=""/>
+        <p:cNvGrpSpPr/>
+        <p:nvPr/>
+      </p:nvGrpSpPr>
+      <p:grpSpPr>
+        <a:xfrm>
+          <a:off x="0" y="0"/>
+          <a:ext cx="0" cy="0"/>
+          <a:chOff x="0" y="0"/>
+          <a:chExt cx="0" cy="0"/>
+        </a:xfrm>
+      </p:grpSpPr>
+      <p:sp>
+        <p:nvSpPr>
+          <p:cNvPr id="2" name="投影片影像版面配置區 1"/>
+          <p:cNvSpPr>
+            <a:spLocks noGrp="1" noRot="1" noChangeAspect="1"/>
+          </p:cNvSpPr>
+          <p:nvPr>
+            <p:ph type="sldImg"/>
+          </p:nvPr>
+        </p:nvSpPr>
+        <p:spPr/>
+      </p:sp>
+      <p:sp>
+        <p:nvSpPr>
+          <p:cNvPr id="3" name="備忘稿版面配置區 2"/>
+          <p:cNvSpPr>
+            <a:spLocks noGrp="1"/>
+          </p:cNvSpPr>
+          <p:nvPr>
+            <p:ph type="body" idx="1"/>
+          </p:nvPr>
+        </p:nvSpPr>
+        <p:spPr/>
+        <p:txBody>
+          <a:bodyPr/>
+          <a:lstStyle/>
+          <a:p>
+            <a:r>
+              <a:rPr lang="en-US" dirty="0">
+                <a:hlinkClick r:id="rId3"/>
+              </a:rPr>
+              <a:t>https://www.slideshare.net/oliora/introduction-to-cmake-in-30-minutes</a:t>
+            </a:r>
+            <a:endParaRPr lang="en-US" dirty="0"/>
+          </a:p>
+          <a:p>
+            <a:pPr marL="0" marR="0" lvl="0" indent="0" algn="l" defTabSz="914400" rtl="0" eaLnBrk="1" fontAlgn="auto" latinLnBrk="0" hangingPunct="1">
+              <a:lnSpc>
+                <a:spcPct val="100000"/>
+              </a:lnSpc>
+              <a:spcBef>
+                <a:spcPts val="0"/>
+              </a:spcBef>
+              <a:spcAft>
+                <a:spcPts val="0"/>
+              </a:spcAft>
+              <a:buClrTx/>
+              <a:buSzTx/>
+              <a:buFontTx/>
+              <a:buNone/>
+              <a:tabLst/>
+              <a:defRPr/>
+            </a:pPr>
+            <a:r>
+              <a:rPr lang="en-US" dirty="0">
+                <a:hlinkClick r:id="rId4"/>
+              </a:rPr>
+              <a:t>https://www.slideshare.net/DanielPfeifer1/cmake-48475415</a:t>
+            </a:r>
+            <a:endParaRPr lang="en-US" dirty="0"/>
+          </a:p>
+          <a:p>
+            <a:r>
+              <a:rPr lang="en-US" dirty="0">
+                <a:hlinkClick r:id="rId5"/>
+              </a:rPr>
+              <a:t>https://myslide.cn/slides/12169</a:t>
+            </a:r>
+            <a:endParaRPr lang="en-US" dirty="0"/>
+          </a:p>
+          <a:p>
+            <a:r>
+              <a:rPr lang="en-US" dirty="0">
+                <a:hlinkClick r:id="rId6"/>
+              </a:rPr>
+              <a:t>https://zh.wikibooks.org/wiki/CMake_%E5%85%A5%E9%96%80/%E8%BC%B8%E5%87%BA%E4%BD%8D%E7%BD%AE%E8%88%87%E5%AE%89%E8%A3%9D</a:t>
+            </a:r>
+            <a:endParaRPr lang="en-US" dirty="0"/>
+          </a:p>
+          <a:p>
+            <a:r>
+              <a:rPr lang="en-US" dirty="0"/>
+              <a:t>https://code.egym.de/refactoring-a-cmake-build-system-9898c2030c3a</a:t>
+            </a:r>
+          </a:p>
+          <a:p>
+            <a:r>
+              <a:rPr lang="en-US" dirty="0"/>
+              <a:t>https://code.egym.de/how-to-use-modern-cmake-for-an-app-lib-project-3c2ee6018cde</a:t>
+            </a:r>
+          </a:p>
+          <a:p>
+            <a:endParaRPr lang="en-US" dirty="0"/>
+          </a:p>
+          <a:p>
+            <a:r>
+              <a:rPr lang="en-US" dirty="0"/>
+              <a:t>http://www.stablecoder.ca/2019/03/15/sorting-you-dependency-graph.html</a:t>
+            </a:r>
+          </a:p>
+        </p:txBody>
+      </p:sp>
+      <p:sp>
+        <p:nvSpPr>
+          <p:cNvPr id="4" name="投影片編號版面配置區 3"/>
+          <p:cNvSpPr>
+            <a:spLocks noGrp="1"/>
+          </p:cNvSpPr>
+          <p:nvPr>
+            <p:ph type="sldNum" sz="quarter" idx="5"/>
+          </p:nvPr>
+        </p:nvSpPr>
+        <p:spPr/>
+        <p:txBody>
+          <a:bodyPr/>
+          <a:lstStyle/>
+          <a:p>
+            <a:fld id="{B98D41D3-80D1-41B8-B9EF-F8F84EBADC06}" type="slidenum">
+              <a:rPr lang="en-US" smtClean="0"/>
+              <a:t>15</a:t>
+            </a:fld>
+            <a:endParaRPr lang="en-US"/>
+          </a:p>
+        </p:txBody>
+      </p:sp>
+    </p:spTree>
+    <p:extLst>
+      <p:ext uri="{BB962C8B-B14F-4D97-AF65-F5344CB8AC3E}">
+        <p14:creationId xmlns:p14="http://schemas.microsoft.com/office/powerpoint/2010/main" val="3273976994"/>
+      </p:ext>
+    </p:extLst>
+  </p:cSld>
+  <p:clrMapOvr>
+    <a:masterClrMapping/>
+  </p:clrMapOvr>
+</p:notes>
+</file>
+
+<file path=ppt/notesSlides/notesSlide11.xml><?xml version="1.0" encoding="utf-8"?>
+<p:notes xmlns:a="http://schemas.openxmlformats.org/drawingml/2006/main" xmlns:r="http://schemas.openxmlformats.org/officeDocument/2006/relationships" xmlns:p="http://schemas.openxmlformats.org/presentationml/2006/main">
+  <p:cSld>
+    <p:spTree>
+      <p:nvGrpSpPr>
+        <p:cNvPr id="1" name=""/>
+        <p:cNvGrpSpPr/>
+        <p:nvPr/>
+      </p:nvGrpSpPr>
+      <p:grpSpPr>
+        <a:xfrm>
+          <a:off x="0" y="0"/>
+          <a:ext cx="0" cy="0"/>
+          <a:chOff x="0" y="0"/>
+          <a:chExt cx="0" cy="0"/>
+        </a:xfrm>
+      </p:grpSpPr>
+      <p:sp>
+        <p:nvSpPr>
+          <p:cNvPr id="2" name="投影片影像版面配置區 1"/>
+          <p:cNvSpPr>
+            <a:spLocks noGrp="1" noRot="1" noChangeAspect="1"/>
+          </p:cNvSpPr>
+          <p:nvPr>
+            <p:ph type="sldImg"/>
+          </p:nvPr>
+        </p:nvSpPr>
+        <p:spPr/>
+      </p:sp>
+      <p:sp>
+        <p:nvSpPr>
+          <p:cNvPr id="3" name="備忘稿版面配置區 2"/>
+          <p:cNvSpPr>
+            <a:spLocks noGrp="1"/>
+          </p:cNvSpPr>
+          <p:nvPr>
+            <p:ph type="body" idx="1"/>
+          </p:nvPr>
+        </p:nvSpPr>
+        <p:spPr/>
+        <p:txBody>
+          <a:bodyPr/>
+          <a:lstStyle/>
+          <a:p>
+            <a:r>
+              <a:rPr lang="en-US" dirty="0">
+                <a:hlinkClick r:id="rId3"/>
+              </a:rPr>
+              <a:t>https://www.slideshare.net/oliora/introduction-to-cmake-in-30-minutes</a:t>
+            </a:r>
+            <a:endParaRPr lang="en-US" dirty="0"/>
+          </a:p>
+          <a:p>
+            <a:pPr marL="0" marR="0" lvl="0" indent="0" algn="l" defTabSz="914400" rtl="0" eaLnBrk="1" fontAlgn="auto" latinLnBrk="0" hangingPunct="1">
+              <a:lnSpc>
+                <a:spcPct val="100000"/>
+              </a:lnSpc>
+              <a:spcBef>
+                <a:spcPts val="0"/>
+              </a:spcBef>
+              <a:spcAft>
+                <a:spcPts val="0"/>
+              </a:spcAft>
+              <a:buClrTx/>
+              <a:buSzTx/>
+              <a:buFontTx/>
+              <a:buNone/>
+              <a:tabLst/>
+              <a:defRPr/>
+            </a:pPr>
+            <a:r>
+              <a:rPr lang="en-US" dirty="0">
+                <a:hlinkClick r:id="rId4"/>
+              </a:rPr>
+              <a:t>https://www.slideshare.net/DanielPfeifer1/cmake-48475415</a:t>
+            </a:r>
+            <a:endParaRPr lang="en-US" dirty="0"/>
+          </a:p>
+          <a:p>
+            <a:r>
+              <a:rPr lang="en-US" dirty="0">
+                <a:hlinkClick r:id="rId5"/>
+              </a:rPr>
+              <a:t>https://myslide.cn/slides/12169</a:t>
+            </a:r>
+            <a:endParaRPr lang="en-US" dirty="0"/>
+          </a:p>
+          <a:p>
+            <a:r>
+              <a:rPr lang="en-US" dirty="0">
+                <a:hlinkClick r:id="rId6"/>
+              </a:rPr>
+              <a:t>https://zh.wikibooks.org/wiki/CMake_%E5%85%A5%E9%96%80/%E8%BC%B8%E5%87%BA%E4%BD%8D%E7%BD%AE%E8%88%87%E5%AE%89%E8%A3%9D</a:t>
+            </a:r>
+            <a:endParaRPr lang="en-US" dirty="0"/>
+          </a:p>
+        </p:txBody>
+      </p:sp>
+      <p:sp>
+        <p:nvSpPr>
+          <p:cNvPr id="4" name="投影片編號版面配置區 3"/>
+          <p:cNvSpPr>
+            <a:spLocks noGrp="1"/>
+          </p:cNvSpPr>
+          <p:nvPr>
+            <p:ph type="sldNum" sz="quarter" idx="5"/>
+          </p:nvPr>
+        </p:nvSpPr>
+        <p:spPr/>
+        <p:txBody>
+          <a:bodyPr/>
+          <a:lstStyle/>
+          <a:p>
+            <a:fld id="{B98D41D3-80D1-41B8-B9EF-F8F84EBADC06}" type="slidenum">
+              <a:rPr lang="en-US" smtClean="0"/>
+              <a:t>16</a:t>
+            </a:fld>
+            <a:endParaRPr lang="en-US"/>
+          </a:p>
+        </p:txBody>
+      </p:sp>
+    </p:spTree>
+    <p:extLst>
+      <p:ext uri="{BB962C8B-B14F-4D97-AF65-F5344CB8AC3E}">
+        <p14:creationId xmlns:p14="http://schemas.microsoft.com/office/powerpoint/2010/main" val="3223663988"/>
+      </p:ext>
+    </p:extLst>
+  </p:cSld>
+  <p:clrMapOvr>
+    <a:masterClrMapping/>
+  </p:clrMapOvr>
+</p:notes>
+</file>
+
+<file path=ppt/notesSlides/notesSlide12.xml><?xml version="1.0" encoding="utf-8"?>
+<p:notes xmlns:a="http://schemas.openxmlformats.org/drawingml/2006/main" xmlns:r="http://schemas.openxmlformats.org/officeDocument/2006/relationships" xmlns:p="http://schemas.openxmlformats.org/presentationml/2006/main">
+  <p:cSld>
+    <p:spTree>
+      <p:nvGrpSpPr>
+        <p:cNvPr id="1" name=""/>
+        <p:cNvGrpSpPr/>
+        <p:nvPr/>
+      </p:nvGrpSpPr>
+      <p:grpSpPr>
+        <a:xfrm>
+          <a:off x="0" y="0"/>
+          <a:ext cx="0" cy="0"/>
+          <a:chOff x="0" y="0"/>
+          <a:chExt cx="0" cy="0"/>
+        </a:xfrm>
+      </p:grpSpPr>
+      <p:sp>
+        <p:nvSpPr>
+          <p:cNvPr id="2" name="投影片影像版面配置區 1"/>
+          <p:cNvSpPr>
+            <a:spLocks noGrp="1" noRot="1" noChangeAspect="1"/>
+          </p:cNvSpPr>
+          <p:nvPr>
+            <p:ph type="sldImg"/>
+          </p:nvPr>
+        </p:nvSpPr>
+        <p:spPr/>
+      </p:sp>
+      <p:sp>
+        <p:nvSpPr>
+          <p:cNvPr id="3" name="備忘稿版面配置區 2"/>
+          <p:cNvSpPr>
+            <a:spLocks noGrp="1"/>
+          </p:cNvSpPr>
+          <p:nvPr>
+            <p:ph type="body" idx="1"/>
+          </p:nvPr>
+        </p:nvSpPr>
+        <p:spPr/>
+        <p:txBody>
+          <a:bodyPr/>
+          <a:lstStyle/>
+          <a:p>
+            <a:r>
+              <a:rPr lang="en-US" dirty="0">
+                <a:hlinkClick r:id="rId3"/>
+              </a:rPr>
+              <a:t>https://www.slideshare.net/oliora/introduction-to-cmake-in-30-minutes</a:t>
+            </a:r>
+            <a:endParaRPr lang="en-US" dirty="0"/>
+          </a:p>
+          <a:p>
+            <a:pPr marL="0" marR="0" lvl="0" indent="0" algn="l" defTabSz="914400" rtl="0" eaLnBrk="1" fontAlgn="auto" latinLnBrk="0" hangingPunct="1">
+              <a:lnSpc>
+                <a:spcPct val="100000"/>
+              </a:lnSpc>
+              <a:spcBef>
+                <a:spcPts val="0"/>
+              </a:spcBef>
+              <a:spcAft>
+                <a:spcPts val="0"/>
+              </a:spcAft>
+              <a:buClrTx/>
+              <a:buSzTx/>
+              <a:buFontTx/>
+              <a:buNone/>
+              <a:tabLst/>
+              <a:defRPr/>
+            </a:pPr>
+            <a:r>
+              <a:rPr lang="en-US" dirty="0">
+                <a:hlinkClick r:id="rId4"/>
+              </a:rPr>
+              <a:t>https://www.slideshare.net/DanielPfeifer1/cmake-48475415</a:t>
+            </a:r>
+            <a:endParaRPr lang="en-US" dirty="0"/>
+          </a:p>
+          <a:p>
+            <a:r>
+              <a:rPr lang="en-US" dirty="0">
+                <a:hlinkClick r:id="rId5"/>
+              </a:rPr>
+              <a:t>https://myslide.cn/slides/12169</a:t>
+            </a:r>
+            <a:endParaRPr lang="en-US" dirty="0"/>
+          </a:p>
+          <a:p>
+            <a:r>
+              <a:rPr lang="en-US" dirty="0">
+                <a:hlinkClick r:id="rId6"/>
+              </a:rPr>
+              <a:t>https://zh.wikibooks.org/wiki/CMake_%E5%85%A5%E9%96%80/%E8%BC%B8%E5%87%BA%E4%BD%8D%E7%BD%AE%E8%88%87%E5%AE%89%E8%A3%9D</a:t>
+            </a:r>
+            <a:endParaRPr lang="en-US" dirty="0"/>
+          </a:p>
+        </p:txBody>
+      </p:sp>
+      <p:sp>
+        <p:nvSpPr>
+          <p:cNvPr id="4" name="投影片編號版面配置區 3"/>
+          <p:cNvSpPr>
+            <a:spLocks noGrp="1"/>
+          </p:cNvSpPr>
+          <p:nvPr>
+            <p:ph type="sldNum" sz="quarter" idx="5"/>
+          </p:nvPr>
+        </p:nvSpPr>
+        <p:spPr/>
+        <p:txBody>
+          <a:bodyPr/>
+          <a:lstStyle/>
+          <a:p>
+            <a:fld id="{B98D41D3-80D1-41B8-B9EF-F8F84EBADC06}" type="slidenum">
+              <a:rPr lang="en-US" smtClean="0"/>
+              <a:t>17</a:t>
+            </a:fld>
+            <a:endParaRPr lang="en-US"/>
+          </a:p>
+        </p:txBody>
+      </p:sp>
+    </p:spTree>
+    <p:extLst>
+      <p:ext uri="{BB962C8B-B14F-4D97-AF65-F5344CB8AC3E}">
+        <p14:creationId xmlns:p14="http://schemas.microsoft.com/office/powerpoint/2010/main" val="3363875125"/>
+      </p:ext>
+    </p:extLst>
+  </p:cSld>
+  <p:clrMapOvr>
+    <a:masterClrMapping/>
+  </p:clrMapOvr>
+</p:notes>
+</file>
+
 <file path=ppt/notesSlides/notesSlide2.xml><?xml version="1.0" encoding="utf-8"?>
 <p:notes xmlns:a="http://schemas.openxmlformats.org/drawingml/2006/main" xmlns:r="http://schemas.openxmlformats.org/officeDocument/2006/relationships" xmlns:p="http://schemas.openxmlformats.org/presentationml/2006/main">
   <p:cSld>
@@ -1314,6 +1741,12 @@
               <a:rPr lang="en-US" dirty="0"/>
               <a:t>https://cmake.org/cmake/help/v3.7/manual/cmake-language.7.html</a:t>
             </a:r>
+          </a:p>
+          <a:p>
+            <a:endParaRPr lang="en-US" dirty="0"/>
+          </a:p>
+          <a:p>
+            <a:endParaRPr lang="en-US" dirty="0"/>
           </a:p>
         </p:txBody>
       </p:sp>
@@ -1636,7 +2069,7 @@
           <a:p>
             <a:fld id="{FE48B3A6-4442-4618-BE4D-B5675E38C8ED}" type="datetimeFigureOut">
               <a:rPr lang="en-US" smtClean="0"/>
-              <a:t>9/6/2020</a:t>
+              <a:t>9/7/2020</a:t>
             </a:fld>
             <a:endParaRPr lang="en-US"/>
           </a:p>
@@ -2033,7 +2466,7 @@
           <a:p>
             <a:fld id="{FE48B3A6-4442-4618-BE4D-B5675E38C8ED}" type="datetimeFigureOut">
               <a:rPr lang="en-US" smtClean="0"/>
-              <a:t>9/6/2020</a:t>
+              <a:t>9/7/2020</a:t>
             </a:fld>
             <a:endParaRPr lang="en-US"/>
           </a:p>
@@ -2233,7 +2666,7 @@
           <a:p>
             <a:fld id="{FE48B3A6-4442-4618-BE4D-B5675E38C8ED}" type="datetimeFigureOut">
               <a:rPr lang="en-US" smtClean="0"/>
-              <a:t>9/6/2020</a:t>
+              <a:t>9/7/2020</a:t>
             </a:fld>
             <a:endParaRPr lang="en-US"/>
           </a:p>
@@ -2443,7 +2876,7 @@
           <a:p>
             <a:fld id="{FE48B3A6-4442-4618-BE4D-B5675E38C8ED}" type="datetimeFigureOut">
               <a:rPr lang="en-US" smtClean="0"/>
-              <a:t>9/6/2020</a:t>
+              <a:t>9/7/2020</a:t>
             </a:fld>
             <a:endParaRPr lang="en-US"/>
           </a:p>
@@ -2585,7 +3018,7 @@
           <a:p>
             <a:fld id="{FE48B3A6-4442-4618-BE4D-B5675E38C8ED}" type="datetimeFigureOut">
               <a:rPr lang="en-US" smtClean="0"/>
-              <a:t>9/6/2020</a:t>
+              <a:t>9/7/2020</a:t>
             </a:fld>
             <a:endParaRPr lang="en-US"/>
           </a:p>
@@ -2913,7 +3346,7 @@
           <a:p>
             <a:fld id="{FE48B3A6-4442-4618-BE4D-B5675E38C8ED}" type="datetimeFigureOut">
               <a:rPr lang="en-US" smtClean="0"/>
-              <a:t>9/6/2020</a:t>
+              <a:t>9/7/2020</a:t>
             </a:fld>
             <a:endParaRPr lang="en-US"/>
           </a:p>
@@ -3189,7 +3622,7 @@
           <a:p>
             <a:fld id="{FE48B3A6-4442-4618-BE4D-B5675E38C8ED}" type="datetimeFigureOut">
               <a:rPr lang="en-US" smtClean="0"/>
-              <a:t>9/6/2020</a:t>
+              <a:t>9/7/2020</a:t>
             </a:fld>
             <a:endParaRPr lang="en-US"/>
           </a:p>
@@ -3457,7 +3890,7 @@
           <a:p>
             <a:fld id="{FE48B3A6-4442-4618-BE4D-B5675E38C8ED}" type="datetimeFigureOut">
               <a:rPr lang="en-US" smtClean="0"/>
-              <a:t>9/6/2020</a:t>
+              <a:t>9/7/2020</a:t>
             </a:fld>
             <a:endParaRPr lang="en-US"/>
           </a:p>
@@ -3872,7 +4305,7 @@
           <a:p>
             <a:fld id="{FE48B3A6-4442-4618-BE4D-B5675E38C8ED}" type="datetimeFigureOut">
               <a:rPr lang="en-US" smtClean="0"/>
-              <a:t>9/6/2020</a:t>
+              <a:t>9/7/2020</a:t>
             </a:fld>
             <a:endParaRPr lang="en-US"/>
           </a:p>
@@ -4014,7 +4447,7 @@
           <a:p>
             <a:fld id="{FE48B3A6-4442-4618-BE4D-B5675E38C8ED}" type="datetimeFigureOut">
               <a:rPr lang="en-US" smtClean="0"/>
-              <a:t>9/6/2020</a:t>
+              <a:t>9/7/2020</a:t>
             </a:fld>
             <a:endParaRPr lang="en-US"/>
           </a:p>
@@ -4127,7 +4560,7 @@
           <a:p>
             <a:fld id="{FE48B3A6-4442-4618-BE4D-B5675E38C8ED}" type="datetimeFigureOut">
               <a:rPr lang="en-US" smtClean="0"/>
-              <a:t>9/6/2020</a:t>
+              <a:t>9/7/2020</a:t>
             </a:fld>
             <a:endParaRPr lang="en-US"/>
           </a:p>
@@ -4440,7 +4873,7 @@
           <a:p>
             <a:fld id="{FE48B3A6-4442-4618-BE4D-B5675E38C8ED}" type="datetimeFigureOut">
               <a:rPr lang="en-US" smtClean="0"/>
-              <a:t>9/6/2020</a:t>
+              <a:t>9/7/2020</a:t>
             </a:fld>
             <a:endParaRPr lang="en-US"/>
           </a:p>
@@ -4683,7 +5116,7 @@
           <a:p>
             <a:fld id="{FE48B3A6-4442-4618-BE4D-B5675E38C8ED}" type="datetimeFigureOut">
               <a:rPr lang="en-US" smtClean="0"/>
-              <a:t>9/6/2020</a:t>
+              <a:t>9/7/2020</a:t>
             </a:fld>
             <a:endParaRPr lang="en-US"/>
           </a:p>
@@ -6206,6 +6639,854 @@
 </p:sld>
 </file>
 
+<file path=ppt/slides/slide14.xml><?xml version="1.0" encoding="utf-8"?>
+<p:sld xmlns:a="http://schemas.openxmlformats.org/drawingml/2006/main" xmlns:r="http://schemas.openxmlformats.org/officeDocument/2006/relationships" xmlns:p="http://schemas.openxmlformats.org/presentationml/2006/main">
+  <p:cSld>
+    <p:spTree>
+      <p:nvGrpSpPr>
+        <p:cNvPr id="1" name=""/>
+        <p:cNvGrpSpPr/>
+        <p:nvPr/>
+      </p:nvGrpSpPr>
+      <p:grpSpPr>
+        <a:xfrm>
+          <a:off x="0" y="0"/>
+          <a:ext cx="0" cy="0"/>
+          <a:chOff x="0" y="0"/>
+          <a:chExt cx="0" cy="0"/>
+        </a:xfrm>
+      </p:grpSpPr>
+      <p:pic>
+        <p:nvPicPr>
+          <p:cNvPr id="4" name="圖片 4" descr="一張含有 螢幕擷取畫面 的圖片&#10;&#10;自動產生的描述">
+            <a:extLst>
+              <a:ext uri="{FF2B5EF4-FFF2-40B4-BE49-F238E27FC236}">
+                <a16:creationId xmlns:a16="http://schemas.microsoft.com/office/drawing/2014/main" id="{3377BE5D-643E-42FD-B78E-902884D54FB2}"/>
+              </a:ext>
+            </a:extLst>
+          </p:cNvPr>
+          <p:cNvPicPr>
+            <a:picLocks noChangeAspect="1"/>
+          </p:cNvPicPr>
+          <p:nvPr/>
+        </p:nvPicPr>
+        <p:blipFill>
+          <a:blip r:embed="rId2">
+            <a:extLst>
+              <a:ext uri="{28A0092B-C50C-407E-A947-70E740481C1C}">
+                <a14:useLocalDpi xmlns:a14="http://schemas.microsoft.com/office/drawing/2010/main" val="0"/>
+              </a:ext>
+            </a:extLst>
+          </a:blip>
+          <a:stretch>
+            <a:fillRect/>
+          </a:stretch>
+        </p:blipFill>
+        <p:spPr>
+          <a:xfrm>
+            <a:off x="-3269841" y="2699673"/>
+            <a:ext cx="2994454" cy="2245841"/>
+          </a:xfrm>
+          <a:prstGeom prst="rect">
+            <a:avLst/>
+          </a:prstGeom>
+          <a:solidFill>
+            <a:srgbClr val="FB8500"/>
+          </a:solidFill>
+        </p:spPr>
+      </p:pic>
+      <p:sp>
+        <p:nvSpPr>
+          <p:cNvPr id="5" name="Rectangle 4">
+            <a:extLst>
+              <a:ext uri="{FF2B5EF4-FFF2-40B4-BE49-F238E27FC236}">
+                <a16:creationId xmlns:a16="http://schemas.microsoft.com/office/drawing/2014/main" id="{C56CA4D6-4A6D-4AB8-89A6-2D5ADA9F21BB}"/>
+              </a:ext>
+            </a:extLst>
+          </p:cNvPr>
+          <p:cNvSpPr/>
+          <p:nvPr/>
+        </p:nvSpPr>
+        <p:spPr>
+          <a:xfrm>
+            <a:off x="1243781" y="852949"/>
+            <a:ext cx="9704439" cy="5152103"/>
+          </a:xfrm>
+          <a:prstGeom prst="rect">
+            <a:avLst/>
+          </a:prstGeom>
+          <a:solidFill>
+            <a:srgbClr val="219EBC"/>
+          </a:solidFill>
+          <a:ln>
+            <a:noFill/>
+          </a:ln>
+        </p:spPr>
+        <p:style>
+          <a:lnRef idx="2">
+            <a:schemeClr val="accent1">
+              <a:shade val="50000"/>
+            </a:schemeClr>
+          </a:lnRef>
+          <a:fillRef idx="1">
+            <a:schemeClr val="accent1"/>
+          </a:fillRef>
+          <a:effectRef idx="0">
+            <a:schemeClr val="accent1"/>
+          </a:effectRef>
+          <a:fontRef idx="minor">
+            <a:schemeClr val="lt1"/>
+          </a:fontRef>
+        </p:style>
+        <p:txBody>
+          <a:bodyPr rtlCol="0" anchor="ctr"/>
+          <a:lstStyle/>
+          <a:p>
+            <a:pPr algn="ctr"/>
+            <a:endParaRPr lang="en-US"/>
+          </a:p>
+        </p:txBody>
+      </p:sp>
+      <p:sp>
+        <p:nvSpPr>
+          <p:cNvPr id="6" name="TextBox 5">
+            <a:extLst>
+              <a:ext uri="{FF2B5EF4-FFF2-40B4-BE49-F238E27FC236}">
+                <a16:creationId xmlns:a16="http://schemas.microsoft.com/office/drawing/2014/main" id="{84FBB0F4-5302-47CE-B944-845B2C5F760F}"/>
+              </a:ext>
+            </a:extLst>
+          </p:cNvPr>
+          <p:cNvSpPr txBox="1"/>
+          <p:nvPr/>
+        </p:nvSpPr>
+        <p:spPr>
+          <a:xfrm flipH="1">
+            <a:off x="1666568" y="2459504"/>
+            <a:ext cx="8858864" cy="1938992"/>
+          </a:xfrm>
+          <a:prstGeom prst="rect">
+            <a:avLst/>
+          </a:prstGeom>
+          <a:noFill/>
+        </p:spPr>
+        <p:txBody>
+          <a:bodyPr wrap="square" rtlCol="0">
+            <a:spAutoFit/>
+          </a:bodyPr>
+          <a:lstStyle/>
+          <a:p>
+            <a:pPr algn="ctr"/>
+            <a:r>
+              <a:rPr lang="en-US" sz="5400" dirty="0"/>
+              <a:t>Improve our </a:t>
+            </a:r>
+          </a:p>
+          <a:p>
+            <a:pPr algn="ctr"/>
+            <a:r>
+              <a:rPr lang="en-US" sz="6600" b="1" dirty="0"/>
+              <a:t>Building System.</a:t>
+            </a:r>
+          </a:p>
+        </p:txBody>
+      </p:sp>
+      <p:grpSp>
+        <p:nvGrpSpPr>
+          <p:cNvPr id="11" name="Group 10">
+            <a:extLst>
+              <a:ext uri="{FF2B5EF4-FFF2-40B4-BE49-F238E27FC236}">
+                <a16:creationId xmlns:a16="http://schemas.microsoft.com/office/drawing/2014/main" id="{9A735CC7-8879-4BFB-A5E0-CB46AACC52FA}"/>
+              </a:ext>
+            </a:extLst>
+          </p:cNvPr>
+          <p:cNvGrpSpPr/>
+          <p:nvPr/>
+        </p:nvGrpSpPr>
+        <p:grpSpPr>
+          <a:xfrm>
+            <a:off x="997974" y="1327355"/>
+            <a:ext cx="920371" cy="806246"/>
+            <a:chOff x="988142" y="953728"/>
+            <a:chExt cx="1229032" cy="1076633"/>
+          </a:xfrm>
+        </p:grpSpPr>
+        <p:cxnSp>
+          <p:nvCxnSpPr>
+            <p:cNvPr id="8" name="Straight Connector 7">
+              <a:extLst>
+                <a:ext uri="{FF2B5EF4-FFF2-40B4-BE49-F238E27FC236}">
+                  <a16:creationId xmlns:a16="http://schemas.microsoft.com/office/drawing/2014/main" id="{1722F842-D69D-4B10-909B-1FECB0923B59}"/>
+                </a:ext>
+              </a:extLst>
+            </p:cNvPr>
+            <p:cNvCxnSpPr>
+              <a:cxnSpLocks/>
+            </p:cNvCxnSpPr>
+            <p:nvPr/>
+          </p:nvCxnSpPr>
+          <p:spPr>
+            <a:xfrm flipH="1">
+              <a:off x="1115961" y="953728"/>
+              <a:ext cx="1101213" cy="717755"/>
+            </a:xfrm>
+            <a:prstGeom prst="line">
+              <a:avLst/>
+            </a:prstGeom>
+            <a:ln w="38100">
+              <a:solidFill>
+                <a:srgbClr val="FFB703"/>
+              </a:solidFill>
+            </a:ln>
+          </p:spPr>
+          <p:style>
+            <a:lnRef idx="1">
+              <a:schemeClr val="accent1"/>
+            </a:lnRef>
+            <a:fillRef idx="0">
+              <a:schemeClr val="accent1"/>
+            </a:fillRef>
+            <a:effectRef idx="0">
+              <a:schemeClr val="accent1"/>
+            </a:effectRef>
+            <a:fontRef idx="minor">
+              <a:schemeClr val="tx1"/>
+            </a:fontRef>
+          </p:style>
+        </p:cxnSp>
+        <p:cxnSp>
+          <p:nvCxnSpPr>
+            <p:cNvPr id="10" name="Straight Connector 9">
+              <a:extLst>
+                <a:ext uri="{FF2B5EF4-FFF2-40B4-BE49-F238E27FC236}">
+                  <a16:creationId xmlns:a16="http://schemas.microsoft.com/office/drawing/2014/main" id="{3E6346A6-8213-44A3-9D24-4A5C2AB84DE0}"/>
+                </a:ext>
+              </a:extLst>
+            </p:cNvPr>
+            <p:cNvCxnSpPr>
+              <a:cxnSpLocks/>
+            </p:cNvCxnSpPr>
+            <p:nvPr/>
+          </p:nvCxnSpPr>
+          <p:spPr>
+            <a:xfrm flipH="1">
+              <a:off x="988142" y="1312606"/>
+              <a:ext cx="1101213" cy="717755"/>
+            </a:xfrm>
+            <a:prstGeom prst="line">
+              <a:avLst/>
+            </a:prstGeom>
+            <a:ln w="38100">
+              <a:solidFill>
+                <a:srgbClr val="FFB703"/>
+              </a:solidFill>
+            </a:ln>
+          </p:spPr>
+          <p:style>
+            <a:lnRef idx="1">
+              <a:schemeClr val="accent1"/>
+            </a:lnRef>
+            <a:fillRef idx="0">
+              <a:schemeClr val="accent1"/>
+            </a:fillRef>
+            <a:effectRef idx="0">
+              <a:schemeClr val="accent1"/>
+            </a:effectRef>
+            <a:fontRef idx="minor">
+              <a:schemeClr val="tx1"/>
+            </a:fontRef>
+          </p:style>
+        </p:cxnSp>
+      </p:grpSp>
+      <p:grpSp>
+        <p:nvGrpSpPr>
+          <p:cNvPr id="13" name="Group 12">
+            <a:extLst>
+              <a:ext uri="{FF2B5EF4-FFF2-40B4-BE49-F238E27FC236}">
+                <a16:creationId xmlns:a16="http://schemas.microsoft.com/office/drawing/2014/main" id="{186CB62A-F7E9-4B8B-B556-A2F5E09AF545}"/>
+              </a:ext>
+            </a:extLst>
+          </p:cNvPr>
+          <p:cNvGrpSpPr/>
+          <p:nvPr/>
+        </p:nvGrpSpPr>
+        <p:grpSpPr>
+          <a:xfrm>
+            <a:off x="10382864" y="4871884"/>
+            <a:ext cx="920371" cy="806246"/>
+            <a:chOff x="988142" y="953728"/>
+            <a:chExt cx="1229032" cy="1076633"/>
+          </a:xfrm>
+        </p:grpSpPr>
+        <p:cxnSp>
+          <p:nvCxnSpPr>
+            <p:cNvPr id="14" name="Straight Connector 13">
+              <a:extLst>
+                <a:ext uri="{FF2B5EF4-FFF2-40B4-BE49-F238E27FC236}">
+                  <a16:creationId xmlns:a16="http://schemas.microsoft.com/office/drawing/2014/main" id="{6BE6CFC2-7D13-40DF-9F68-A81A044AA698}"/>
+                </a:ext>
+              </a:extLst>
+            </p:cNvPr>
+            <p:cNvCxnSpPr>
+              <a:cxnSpLocks/>
+            </p:cNvCxnSpPr>
+            <p:nvPr/>
+          </p:nvCxnSpPr>
+          <p:spPr>
+            <a:xfrm flipH="1">
+              <a:off x="1115961" y="953728"/>
+              <a:ext cx="1101213" cy="717755"/>
+            </a:xfrm>
+            <a:prstGeom prst="line">
+              <a:avLst/>
+            </a:prstGeom>
+            <a:ln w="38100">
+              <a:solidFill>
+                <a:srgbClr val="FFB703"/>
+              </a:solidFill>
+            </a:ln>
+          </p:spPr>
+          <p:style>
+            <a:lnRef idx="1">
+              <a:schemeClr val="accent1"/>
+            </a:lnRef>
+            <a:fillRef idx="0">
+              <a:schemeClr val="accent1"/>
+            </a:fillRef>
+            <a:effectRef idx="0">
+              <a:schemeClr val="accent1"/>
+            </a:effectRef>
+            <a:fontRef idx="minor">
+              <a:schemeClr val="tx1"/>
+            </a:fontRef>
+          </p:style>
+        </p:cxnSp>
+        <p:cxnSp>
+          <p:nvCxnSpPr>
+            <p:cNvPr id="15" name="Straight Connector 14">
+              <a:extLst>
+                <a:ext uri="{FF2B5EF4-FFF2-40B4-BE49-F238E27FC236}">
+                  <a16:creationId xmlns:a16="http://schemas.microsoft.com/office/drawing/2014/main" id="{29BBD057-784C-46BA-954F-D4ADA664C521}"/>
+                </a:ext>
+              </a:extLst>
+            </p:cNvPr>
+            <p:cNvCxnSpPr>
+              <a:cxnSpLocks/>
+            </p:cNvCxnSpPr>
+            <p:nvPr/>
+          </p:nvCxnSpPr>
+          <p:spPr>
+            <a:xfrm flipH="1">
+              <a:off x="988142" y="1312606"/>
+              <a:ext cx="1101213" cy="717755"/>
+            </a:xfrm>
+            <a:prstGeom prst="line">
+              <a:avLst/>
+            </a:prstGeom>
+            <a:ln w="38100">
+              <a:solidFill>
+                <a:srgbClr val="FFB703"/>
+              </a:solidFill>
+            </a:ln>
+          </p:spPr>
+          <p:style>
+            <a:lnRef idx="1">
+              <a:schemeClr val="accent1"/>
+            </a:lnRef>
+            <a:fillRef idx="0">
+              <a:schemeClr val="accent1"/>
+            </a:fillRef>
+            <a:effectRef idx="0">
+              <a:schemeClr val="accent1"/>
+            </a:effectRef>
+            <a:fontRef idx="minor">
+              <a:schemeClr val="tx1"/>
+            </a:fontRef>
+          </p:style>
+        </p:cxnSp>
+      </p:grpSp>
+    </p:spTree>
+    <p:extLst>
+      <p:ext uri="{BB962C8B-B14F-4D97-AF65-F5344CB8AC3E}">
+        <p14:creationId xmlns:p14="http://schemas.microsoft.com/office/powerpoint/2010/main" val="3928208791"/>
+      </p:ext>
+    </p:extLst>
+  </p:cSld>
+  <p:clrMapOvr>
+    <a:masterClrMapping/>
+  </p:clrMapOvr>
+</p:sld>
+</file>
+
+<file path=ppt/slides/slide15.xml><?xml version="1.0" encoding="utf-8"?>
+<p:sld xmlns:a="http://schemas.openxmlformats.org/drawingml/2006/main" xmlns:r="http://schemas.openxmlformats.org/officeDocument/2006/relationships" xmlns:p="http://schemas.openxmlformats.org/presentationml/2006/main">
+  <p:cSld>
+    <p:spTree>
+      <p:nvGrpSpPr>
+        <p:cNvPr id="1" name=""/>
+        <p:cNvGrpSpPr/>
+        <p:nvPr/>
+      </p:nvGrpSpPr>
+      <p:grpSpPr>
+        <a:xfrm>
+          <a:off x="0" y="0"/>
+          <a:ext cx="0" cy="0"/>
+          <a:chOff x="0" y="0"/>
+          <a:chExt cx="0" cy="0"/>
+        </a:xfrm>
+      </p:grpSpPr>
+      <p:sp>
+        <p:nvSpPr>
+          <p:cNvPr id="4" name="標題 3">
+            <a:extLst>
+              <a:ext uri="{FF2B5EF4-FFF2-40B4-BE49-F238E27FC236}">
+                <a16:creationId xmlns:a16="http://schemas.microsoft.com/office/drawing/2014/main" id="{A974775A-EC56-4AF5-B534-DA5CF3AE2D19}"/>
+              </a:ext>
+            </a:extLst>
+          </p:cNvPr>
+          <p:cNvSpPr>
+            <a:spLocks noGrp="1"/>
+          </p:cNvSpPr>
+          <p:nvPr>
+            <p:ph type="title"/>
+          </p:nvPr>
+        </p:nvSpPr>
+        <p:spPr/>
+        <p:txBody>
+          <a:bodyPr/>
+          <a:lstStyle/>
+          <a:p>
+            <a:r>
+              <a:rPr lang="en-US" dirty="0"/>
+              <a:t>Handle Dependencies Around Targets</a:t>
+            </a:r>
+          </a:p>
+        </p:txBody>
+      </p:sp>
+      <p:sp>
+        <p:nvSpPr>
+          <p:cNvPr id="2" name="文字方塊 1">
+            <a:extLst>
+              <a:ext uri="{FF2B5EF4-FFF2-40B4-BE49-F238E27FC236}">
+                <a16:creationId xmlns:a16="http://schemas.microsoft.com/office/drawing/2014/main" id="{A76828C2-972E-4613-9E56-ABF59971DEBF}"/>
+              </a:ext>
+            </a:extLst>
+          </p:cNvPr>
+          <p:cNvSpPr txBox="1"/>
+          <p:nvPr/>
+        </p:nvSpPr>
+        <p:spPr>
+          <a:xfrm>
+            <a:off x="4165600" y="2120900"/>
+            <a:ext cx="2579617" cy="369332"/>
+          </a:xfrm>
+          <a:prstGeom prst="rect">
+            <a:avLst/>
+          </a:prstGeom>
+          <a:noFill/>
+        </p:spPr>
+        <p:txBody>
+          <a:bodyPr wrap="none" rtlCol="0">
+            <a:spAutoFit/>
+          </a:bodyPr>
+          <a:lstStyle/>
+          <a:p>
+            <a:r>
+              <a:rPr lang="en-US" dirty="0"/>
+              <a:t>Source &amp; binary directory</a:t>
+            </a:r>
+          </a:p>
+        </p:txBody>
+      </p:sp>
+      <p:sp>
+        <p:nvSpPr>
+          <p:cNvPr id="3" name="文字方塊 2">
+            <a:extLst>
+              <a:ext uri="{FF2B5EF4-FFF2-40B4-BE49-F238E27FC236}">
+                <a16:creationId xmlns:a16="http://schemas.microsoft.com/office/drawing/2014/main" id="{EE80F98D-258D-4F43-B969-01CBA857F251}"/>
+              </a:ext>
+            </a:extLst>
+          </p:cNvPr>
+          <p:cNvSpPr txBox="1"/>
+          <p:nvPr/>
+        </p:nvSpPr>
+        <p:spPr>
+          <a:xfrm>
+            <a:off x="4165600" y="2705100"/>
+            <a:ext cx="1989455" cy="369332"/>
+          </a:xfrm>
+          <a:prstGeom prst="rect">
+            <a:avLst/>
+          </a:prstGeom>
+          <a:noFill/>
+        </p:spPr>
+        <p:txBody>
+          <a:bodyPr wrap="none" rtlCol="0">
+            <a:spAutoFit/>
+          </a:bodyPr>
+          <a:lstStyle/>
+          <a:p>
+            <a:r>
+              <a:rPr lang="en-US" dirty="0"/>
+              <a:t>Build Configuration</a:t>
+            </a:r>
+          </a:p>
+        </p:txBody>
+      </p:sp>
+      <p:sp>
+        <p:nvSpPr>
+          <p:cNvPr id="5" name="文字方塊 4">
+            <a:extLst>
+              <a:ext uri="{FF2B5EF4-FFF2-40B4-BE49-F238E27FC236}">
+                <a16:creationId xmlns:a16="http://schemas.microsoft.com/office/drawing/2014/main" id="{AE3FF0E0-D3E7-40BD-A1CD-9EAFD4DF2977}"/>
+              </a:ext>
+            </a:extLst>
+          </p:cNvPr>
+          <p:cNvSpPr txBox="1"/>
+          <p:nvPr/>
+        </p:nvSpPr>
+        <p:spPr>
+          <a:xfrm>
+            <a:off x="4315146" y="3678148"/>
+            <a:ext cx="2904000" cy="369332"/>
+          </a:xfrm>
+          <a:prstGeom prst="rect">
+            <a:avLst/>
+          </a:prstGeom>
+          <a:noFill/>
+        </p:spPr>
+        <p:txBody>
+          <a:bodyPr wrap="none" rtlCol="0">
+            <a:spAutoFit/>
+          </a:bodyPr>
+          <a:lstStyle/>
+          <a:p>
+            <a:r>
+              <a:rPr lang="en-US" dirty="0" err="1"/>
+              <a:t>Generrator</a:t>
+            </a:r>
+            <a:r>
+              <a:rPr lang="en-US" dirty="0"/>
+              <a:t> type </a:t>
+            </a:r>
+            <a:r>
+              <a:rPr lang="en-US" dirty="0" err="1"/>
+              <a:t>msvc</a:t>
+            </a:r>
+            <a:r>
+              <a:rPr lang="en-US" dirty="0"/>
+              <a:t> </a:t>
+            </a:r>
+            <a:r>
+              <a:rPr lang="en-US" dirty="0" err="1"/>
+              <a:t>mingw</a:t>
+            </a:r>
+            <a:endParaRPr lang="en-US" dirty="0"/>
+          </a:p>
+        </p:txBody>
+      </p:sp>
+    </p:spTree>
+    <p:extLst>
+      <p:ext uri="{BB962C8B-B14F-4D97-AF65-F5344CB8AC3E}">
+        <p14:creationId xmlns:p14="http://schemas.microsoft.com/office/powerpoint/2010/main" val="619578966"/>
+      </p:ext>
+    </p:extLst>
+  </p:cSld>
+  <p:clrMapOvr>
+    <a:masterClrMapping/>
+  </p:clrMapOvr>
+</p:sld>
+</file>
+
+<file path=ppt/slides/slide16.xml><?xml version="1.0" encoding="utf-8"?>
+<p:sld xmlns:a="http://schemas.openxmlformats.org/drawingml/2006/main" xmlns:r="http://schemas.openxmlformats.org/officeDocument/2006/relationships" xmlns:p="http://schemas.openxmlformats.org/presentationml/2006/main">
+  <p:cSld>
+    <p:spTree>
+      <p:nvGrpSpPr>
+        <p:cNvPr id="1" name=""/>
+        <p:cNvGrpSpPr/>
+        <p:nvPr/>
+      </p:nvGrpSpPr>
+      <p:grpSpPr>
+        <a:xfrm>
+          <a:off x="0" y="0"/>
+          <a:ext cx="0" cy="0"/>
+          <a:chOff x="0" y="0"/>
+          <a:chExt cx="0" cy="0"/>
+        </a:xfrm>
+      </p:grpSpPr>
+      <p:sp>
+        <p:nvSpPr>
+          <p:cNvPr id="4" name="標題 3">
+            <a:extLst>
+              <a:ext uri="{FF2B5EF4-FFF2-40B4-BE49-F238E27FC236}">
+                <a16:creationId xmlns:a16="http://schemas.microsoft.com/office/drawing/2014/main" id="{A974775A-EC56-4AF5-B534-DA5CF3AE2D19}"/>
+              </a:ext>
+            </a:extLst>
+          </p:cNvPr>
+          <p:cNvSpPr>
+            <a:spLocks noGrp="1"/>
+          </p:cNvSpPr>
+          <p:nvPr>
+            <p:ph type="title"/>
+          </p:nvPr>
+        </p:nvSpPr>
+        <p:spPr/>
+        <p:txBody>
+          <a:bodyPr/>
+          <a:lstStyle/>
+          <a:p>
+            <a:r>
+              <a:rPr lang="en-US" dirty="0"/>
+              <a:t>Use </a:t>
+            </a:r>
+            <a:r>
+              <a:rPr lang="en-US" dirty="0" err="1"/>
+              <a:t>add_subdirectory</a:t>
+            </a:r>
+            <a:r>
+              <a:rPr lang="en-US"/>
+              <a:t>( )</a:t>
+            </a:r>
+            <a:endParaRPr lang="en-US" dirty="0"/>
+          </a:p>
+        </p:txBody>
+      </p:sp>
+      <p:sp>
+        <p:nvSpPr>
+          <p:cNvPr id="2" name="文字方塊 1">
+            <a:extLst>
+              <a:ext uri="{FF2B5EF4-FFF2-40B4-BE49-F238E27FC236}">
+                <a16:creationId xmlns:a16="http://schemas.microsoft.com/office/drawing/2014/main" id="{A76828C2-972E-4613-9E56-ABF59971DEBF}"/>
+              </a:ext>
+            </a:extLst>
+          </p:cNvPr>
+          <p:cNvSpPr txBox="1"/>
+          <p:nvPr/>
+        </p:nvSpPr>
+        <p:spPr>
+          <a:xfrm>
+            <a:off x="4165600" y="2120900"/>
+            <a:ext cx="2579617" cy="369332"/>
+          </a:xfrm>
+          <a:prstGeom prst="rect">
+            <a:avLst/>
+          </a:prstGeom>
+          <a:noFill/>
+        </p:spPr>
+        <p:txBody>
+          <a:bodyPr wrap="none" rtlCol="0">
+            <a:spAutoFit/>
+          </a:bodyPr>
+          <a:lstStyle/>
+          <a:p>
+            <a:r>
+              <a:rPr lang="en-US" dirty="0"/>
+              <a:t>Source &amp; binary directory</a:t>
+            </a:r>
+          </a:p>
+        </p:txBody>
+      </p:sp>
+      <p:sp>
+        <p:nvSpPr>
+          <p:cNvPr id="3" name="文字方塊 2">
+            <a:extLst>
+              <a:ext uri="{FF2B5EF4-FFF2-40B4-BE49-F238E27FC236}">
+                <a16:creationId xmlns:a16="http://schemas.microsoft.com/office/drawing/2014/main" id="{EE80F98D-258D-4F43-B969-01CBA857F251}"/>
+              </a:ext>
+            </a:extLst>
+          </p:cNvPr>
+          <p:cNvSpPr txBox="1"/>
+          <p:nvPr/>
+        </p:nvSpPr>
+        <p:spPr>
+          <a:xfrm>
+            <a:off x="4165600" y="2705100"/>
+            <a:ext cx="1989455" cy="369332"/>
+          </a:xfrm>
+          <a:prstGeom prst="rect">
+            <a:avLst/>
+          </a:prstGeom>
+          <a:noFill/>
+        </p:spPr>
+        <p:txBody>
+          <a:bodyPr wrap="none" rtlCol="0">
+            <a:spAutoFit/>
+          </a:bodyPr>
+          <a:lstStyle/>
+          <a:p>
+            <a:r>
+              <a:rPr lang="en-US" dirty="0"/>
+              <a:t>Build Configuration</a:t>
+            </a:r>
+          </a:p>
+        </p:txBody>
+      </p:sp>
+      <p:sp>
+        <p:nvSpPr>
+          <p:cNvPr id="5" name="文字方塊 4">
+            <a:extLst>
+              <a:ext uri="{FF2B5EF4-FFF2-40B4-BE49-F238E27FC236}">
+                <a16:creationId xmlns:a16="http://schemas.microsoft.com/office/drawing/2014/main" id="{AE3FF0E0-D3E7-40BD-A1CD-9EAFD4DF2977}"/>
+              </a:ext>
+            </a:extLst>
+          </p:cNvPr>
+          <p:cNvSpPr txBox="1"/>
+          <p:nvPr/>
+        </p:nvSpPr>
+        <p:spPr>
+          <a:xfrm>
+            <a:off x="4315146" y="3678148"/>
+            <a:ext cx="2904000" cy="369332"/>
+          </a:xfrm>
+          <a:prstGeom prst="rect">
+            <a:avLst/>
+          </a:prstGeom>
+          <a:noFill/>
+        </p:spPr>
+        <p:txBody>
+          <a:bodyPr wrap="none" rtlCol="0">
+            <a:spAutoFit/>
+          </a:bodyPr>
+          <a:lstStyle/>
+          <a:p>
+            <a:r>
+              <a:rPr lang="en-US" dirty="0" err="1"/>
+              <a:t>Generrator</a:t>
+            </a:r>
+            <a:r>
+              <a:rPr lang="en-US" dirty="0"/>
+              <a:t> type </a:t>
+            </a:r>
+            <a:r>
+              <a:rPr lang="en-US" dirty="0" err="1"/>
+              <a:t>msvc</a:t>
+            </a:r>
+            <a:r>
+              <a:rPr lang="en-US" dirty="0"/>
+              <a:t> </a:t>
+            </a:r>
+            <a:r>
+              <a:rPr lang="en-US" dirty="0" err="1"/>
+              <a:t>mingw</a:t>
+            </a:r>
+            <a:endParaRPr lang="en-US" dirty="0"/>
+          </a:p>
+        </p:txBody>
+      </p:sp>
+    </p:spTree>
+    <p:extLst>
+      <p:ext uri="{BB962C8B-B14F-4D97-AF65-F5344CB8AC3E}">
+        <p14:creationId xmlns:p14="http://schemas.microsoft.com/office/powerpoint/2010/main" val="852518284"/>
+      </p:ext>
+    </p:extLst>
+  </p:cSld>
+  <p:clrMapOvr>
+    <a:masterClrMapping/>
+  </p:clrMapOvr>
+</p:sld>
+</file>
+
+<file path=ppt/slides/slide17.xml><?xml version="1.0" encoding="utf-8"?>
+<p:sld xmlns:a="http://schemas.openxmlformats.org/drawingml/2006/main" xmlns:r="http://schemas.openxmlformats.org/officeDocument/2006/relationships" xmlns:p="http://schemas.openxmlformats.org/presentationml/2006/main">
+  <p:cSld>
+    <p:spTree>
+      <p:nvGrpSpPr>
+        <p:cNvPr id="1" name=""/>
+        <p:cNvGrpSpPr/>
+        <p:nvPr/>
+      </p:nvGrpSpPr>
+      <p:grpSpPr>
+        <a:xfrm>
+          <a:off x="0" y="0"/>
+          <a:ext cx="0" cy="0"/>
+          <a:chOff x="0" y="0"/>
+          <a:chExt cx="0" cy="0"/>
+        </a:xfrm>
+      </p:grpSpPr>
+      <p:sp>
+        <p:nvSpPr>
+          <p:cNvPr id="4" name="標題 3">
+            <a:extLst>
+              <a:ext uri="{FF2B5EF4-FFF2-40B4-BE49-F238E27FC236}">
+                <a16:creationId xmlns:a16="http://schemas.microsoft.com/office/drawing/2014/main" id="{A974775A-EC56-4AF5-B534-DA5CF3AE2D19}"/>
+              </a:ext>
+            </a:extLst>
+          </p:cNvPr>
+          <p:cNvSpPr>
+            <a:spLocks noGrp="1"/>
+          </p:cNvSpPr>
+          <p:nvPr>
+            <p:ph type="title"/>
+          </p:nvPr>
+        </p:nvSpPr>
+        <p:spPr/>
+        <p:txBody>
+          <a:bodyPr/>
+          <a:lstStyle/>
+          <a:p>
+            <a:r>
+              <a:rPr lang="en-US" dirty="0"/>
+              <a:t>Use </a:t>
+            </a:r>
+            <a:r>
+              <a:rPr lang="en-US" dirty="0" err="1"/>
+              <a:t>add_subdirectory</a:t>
+            </a:r>
+            <a:r>
+              <a:rPr lang="en-US"/>
+              <a:t>( )</a:t>
+            </a:r>
+            <a:endParaRPr lang="en-US" dirty="0"/>
+          </a:p>
+        </p:txBody>
+      </p:sp>
+      <p:sp>
+        <p:nvSpPr>
+          <p:cNvPr id="6" name="Rectangle 5">
+            <a:extLst>
+              <a:ext uri="{FF2B5EF4-FFF2-40B4-BE49-F238E27FC236}">
+                <a16:creationId xmlns:a16="http://schemas.microsoft.com/office/drawing/2014/main" id="{D83B330C-22AF-48FD-AEDE-41D8917D4A97}"/>
+              </a:ext>
+            </a:extLst>
+          </p:cNvPr>
+          <p:cNvSpPr/>
+          <p:nvPr/>
+        </p:nvSpPr>
+        <p:spPr>
+          <a:xfrm>
+            <a:off x="2572987" y="4540287"/>
+            <a:ext cx="6096000" cy="646331"/>
+          </a:xfrm>
+          <a:prstGeom prst="rect">
+            <a:avLst/>
+          </a:prstGeom>
+        </p:spPr>
+        <p:txBody>
+          <a:bodyPr>
+            <a:spAutoFit/>
+          </a:bodyPr>
+          <a:lstStyle/>
+          <a:p>
+            <a:r>
+              <a:rPr lang="en-US" dirty="0"/>
+              <a:t>http://mesos.apache.org/documentation/latest/cmake-examples/</a:t>
+            </a:r>
+          </a:p>
+        </p:txBody>
+      </p:sp>
+    </p:spTree>
+    <p:extLst>
+      <p:ext uri="{BB962C8B-B14F-4D97-AF65-F5344CB8AC3E}">
+        <p14:creationId xmlns:p14="http://schemas.microsoft.com/office/powerpoint/2010/main" val="3476618971"/>
+      </p:ext>
+    </p:extLst>
+  </p:cSld>
+  <p:clrMapOvr>
+    <a:masterClrMapping/>
+  </p:clrMapOvr>
+</p:sld>
+</file>
+
 <file path=ppt/slides/slide2.xml><?xml version="1.0" encoding="utf-8"?>
 <p:sld xmlns:a="http://schemas.openxmlformats.org/drawingml/2006/main" xmlns:r="http://schemas.openxmlformats.org/officeDocument/2006/relationships" xmlns:p="http://schemas.openxmlformats.org/presentationml/2006/main">
   <p:cSld>
@@ -8023,6 +9304,45 @@
           </a:p>
         </p:txBody>
       </p:sp>
+      <p:pic>
+        <p:nvPicPr>
+          <p:cNvPr id="35" name="圖片 15" descr="一張含有 螢幕擷取畫面 的圖片&#10;&#10;自動產生的描述">
+            <a:extLst>
+              <a:ext uri="{FF2B5EF4-FFF2-40B4-BE49-F238E27FC236}">
+                <a16:creationId xmlns:a16="http://schemas.microsoft.com/office/drawing/2014/main" id="{830F32DB-15B1-4C32-83CD-5EB189841C4D}"/>
+              </a:ext>
+            </a:extLst>
+          </p:cNvPr>
+          <p:cNvPicPr>
+            <a:picLocks noChangeAspect="1"/>
+          </p:cNvPicPr>
+          <p:nvPr/>
+        </p:nvPicPr>
+        <p:blipFill>
+          <a:blip r:embed="rId3">
+            <a:extLst>
+              <a:ext uri="{28A0092B-C50C-407E-A947-70E740481C1C}">
+                <a14:useLocalDpi xmlns:a14="http://schemas.microsoft.com/office/drawing/2010/main" val="0"/>
+              </a:ext>
+            </a:extLst>
+          </a:blip>
+          <a:stretch>
+            <a:fillRect/>
+          </a:stretch>
+        </p:blipFill>
+        <p:spPr>
+          <a:xfrm>
+            <a:off x="-3627033" y="3095193"/>
+            <a:ext cx="2994454" cy="2245841"/>
+          </a:xfrm>
+          <a:prstGeom prst="rect">
+            <a:avLst/>
+          </a:prstGeom>
+          <a:solidFill>
+            <a:srgbClr val="FB8500"/>
+          </a:solidFill>
+        </p:spPr>
+      </p:pic>
     </p:spTree>
     <p:extLst>
       <p:ext uri="{BB962C8B-B14F-4D97-AF65-F5344CB8AC3E}">
@@ -10446,9 +11766,216 @@
           </a:fontRef>
         </p:style>
         <p:txBody>
-          <a:bodyPr rtlCol="0" anchor="ctr"/>
+          <a:bodyPr rtlCol="0" anchor="t"/>
           <a:lstStyle/>
           <a:p>
+            <a:r>
+              <a:rPr lang="en-US" dirty="0">
+                <a:solidFill>
+                  <a:schemeClr val="tx1"/>
+                </a:solidFill>
+              </a:rPr>
+              <a:t>set(FOO "x")</a:t>
+            </a:r>
+          </a:p>
+          <a:p>
+            <a:endParaRPr lang="en-US" dirty="0">
+              <a:solidFill>
+                <a:schemeClr val="tx1"/>
+              </a:solidFill>
+            </a:endParaRPr>
+          </a:p>
+          <a:p>
+            <a:r>
+              <a:rPr lang="en-US" dirty="0">
+                <a:solidFill>
+                  <a:schemeClr val="tx1"/>
+                </a:solidFill>
+              </a:rPr>
+              <a:t>message(“FOO &gt;&gt;  ${FOO} ")</a:t>
+            </a:r>
+          </a:p>
+          <a:p>
+            <a:endParaRPr lang="en-US" dirty="0">
+              <a:solidFill>
+                <a:schemeClr val="tx1"/>
+              </a:solidFill>
+            </a:endParaRPr>
+          </a:p>
+          <a:p>
+            <a:endParaRPr lang="en-US" dirty="0">
+              <a:solidFill>
+                <a:schemeClr val="tx1"/>
+              </a:solidFill>
+            </a:endParaRPr>
+          </a:p>
+          <a:p>
+            <a:endParaRPr lang="en-US" dirty="0">
+              <a:solidFill>
+                <a:schemeClr val="tx1"/>
+              </a:solidFill>
+            </a:endParaRPr>
+          </a:p>
+          <a:p>
+            <a:endParaRPr lang="en-US" dirty="0">
+              <a:solidFill>
+                <a:schemeClr val="tx1"/>
+              </a:solidFill>
+            </a:endParaRPr>
+          </a:p>
+          <a:p>
+            <a:r>
+              <a:rPr lang="en-US" dirty="0">
+                <a:solidFill>
+                  <a:schemeClr val="tx1"/>
+                </a:solidFill>
+              </a:rPr>
+              <a:t>set(CACHE</a:t>
+            </a:r>
+            <a:r>
+              <a:rPr lang="en-US" altLang="zh-TW" dirty="0">
+                <a:solidFill>
+                  <a:schemeClr val="tx1"/>
+                </a:solidFill>
+              </a:rPr>
+              <a:t>_BOOL</a:t>
+            </a:r>
+            <a:r>
+              <a:rPr lang="en-US" dirty="0">
+                <a:solidFill>
+                  <a:schemeClr val="tx1"/>
+                </a:solidFill>
+              </a:rPr>
+              <a:t> "ON" </a:t>
+            </a:r>
+            <a:r>
+              <a:rPr lang="en-US" b="1" dirty="0">
+                <a:solidFill>
+                  <a:schemeClr val="tx1"/>
+                </a:solidFill>
+              </a:rPr>
+              <a:t>CACHE</a:t>
+            </a:r>
+            <a:r>
+              <a:rPr lang="en-US" dirty="0">
+                <a:solidFill>
+                  <a:schemeClr val="tx1"/>
+                </a:solidFill>
+              </a:rPr>
+              <a:t> </a:t>
+            </a:r>
+            <a:r>
+              <a:rPr lang="en-US" b="1" dirty="0">
+                <a:solidFill>
+                  <a:schemeClr val="tx1"/>
+                </a:solidFill>
+              </a:rPr>
+              <a:t>BOOL</a:t>
+            </a:r>
+            <a:r>
+              <a:rPr lang="en-US" dirty="0">
+                <a:solidFill>
+                  <a:schemeClr val="tx1"/>
+                </a:solidFill>
+              </a:rPr>
+              <a:t> "a cache bool" )</a:t>
+            </a:r>
+          </a:p>
+          <a:p>
+            <a:endParaRPr lang="en-US" dirty="0">
+              <a:solidFill>
+                <a:schemeClr val="tx1"/>
+              </a:solidFill>
+            </a:endParaRPr>
+          </a:p>
+          <a:p>
+            <a:r>
+              <a:rPr lang="en-US" dirty="0">
+                <a:solidFill>
+                  <a:schemeClr val="tx1"/>
+                </a:solidFill>
+              </a:rPr>
+              <a:t>message(“CACHE</a:t>
+            </a:r>
+            <a:r>
+              <a:rPr lang="en-US" altLang="zh-TW" dirty="0">
+                <a:solidFill>
+                  <a:schemeClr val="tx1"/>
+                </a:solidFill>
+              </a:rPr>
+              <a:t>_BOOL</a:t>
+            </a:r>
+            <a:r>
+              <a:rPr lang="en-US" dirty="0">
+                <a:solidFill>
+                  <a:schemeClr val="tx1"/>
+                </a:solidFill>
+              </a:rPr>
+              <a:t>  &gt;&gt;  ${CACHE</a:t>
+            </a:r>
+            <a:r>
+              <a:rPr lang="en-US" altLang="zh-TW" dirty="0">
+                <a:solidFill>
+                  <a:schemeClr val="tx1"/>
+                </a:solidFill>
+              </a:rPr>
+              <a:t>_BOOL</a:t>
+            </a:r>
+            <a:r>
+              <a:rPr lang="en-US" dirty="0">
+                <a:solidFill>
+                  <a:schemeClr val="tx1"/>
+                </a:solidFill>
+              </a:rPr>
+              <a:t>} ")</a:t>
+            </a:r>
+          </a:p>
+          <a:p>
+            <a:endParaRPr lang="en-US" dirty="0">
+              <a:solidFill>
+                <a:schemeClr val="tx1"/>
+              </a:solidFill>
+            </a:endParaRPr>
+          </a:p>
+          <a:p>
+            <a:endParaRPr lang="en-US" dirty="0">
+              <a:solidFill>
+                <a:schemeClr val="tx1"/>
+              </a:solidFill>
+            </a:endParaRPr>
+          </a:p>
+          <a:p>
+            <a:endParaRPr lang="en-US" dirty="0">
+              <a:solidFill>
+                <a:schemeClr val="tx1"/>
+              </a:solidFill>
+            </a:endParaRPr>
+          </a:p>
+          <a:p>
+            <a:endParaRPr lang="en-US" dirty="0">
+              <a:solidFill>
+                <a:schemeClr val="tx1"/>
+              </a:solidFill>
+            </a:endParaRPr>
+          </a:p>
+          <a:p>
+            <a:r>
+              <a:rPr lang="en-US" dirty="0">
+                <a:solidFill>
+                  <a:schemeClr val="tx1"/>
+                </a:solidFill>
+              </a:rPr>
+              <a:t>message("ENV_PATH &gt;&gt;  $ENV{path}")</a:t>
+            </a:r>
+          </a:p>
+          <a:p>
+            <a:br>
+              <a:rPr lang="en-US" dirty="0">
+                <a:solidFill>
+                  <a:schemeClr val="tx1"/>
+                </a:solidFill>
+              </a:rPr>
+            </a:br>
             <a:endParaRPr lang="en-US" dirty="0">
               <a:solidFill>
                 <a:schemeClr val="tx1"/>
@@ -10841,10 +12368,10 @@
       </p:grpSpPr>
       <p:sp>
         <p:nvSpPr>
-          <p:cNvPr id="3" name="矩形 24">
-            <a:extLst>
-              <a:ext uri="{FF2B5EF4-FFF2-40B4-BE49-F238E27FC236}">
-                <a16:creationId xmlns:a16="http://schemas.microsoft.com/office/drawing/2014/main" id="{ED4A7E61-BD70-4832-B708-45022BBC1C4B}"/>
+          <p:cNvPr id="67" name="矩形: 圓角 30">
+            <a:extLst>
+              <a:ext uri="{FF2B5EF4-FFF2-40B4-BE49-F238E27FC236}">
+                <a16:creationId xmlns:a16="http://schemas.microsoft.com/office/drawing/2014/main" id="{C1252DB2-C3F9-4FE3-A399-AB050B65C151}"/>
               </a:ext>
             </a:extLst>
           </p:cNvPr>
@@ -10853,16 +12380,16 @@
         </p:nvSpPr>
         <p:spPr>
           <a:xfrm>
-            <a:off x="345058" y="1207363"/>
-            <a:ext cx="5265630" cy="5311424"/>
+            <a:off x="132072" y="938680"/>
+            <a:ext cx="5508708" cy="5653589"/>
           </a:xfrm>
-          <a:prstGeom prst="rect">
-            <a:avLst/>
+          <a:prstGeom prst="roundRect">
+            <a:avLst>
+              <a:gd name="adj" fmla="val 3230"/>
+            </a:avLst>
           </a:prstGeom>
           <a:solidFill>
-            <a:schemeClr val="bg1">
-              <a:lumMod val="85000"/>
-            </a:schemeClr>
+            <a:srgbClr val="D9D9D9"/>
           </a:solidFill>
           <a:ln>
             <a:noFill/>
@@ -10888,9 +12415,10 @@
           <a:bodyPr rtlCol="0" anchor="ctr"/>
           <a:lstStyle/>
           <a:p>
-            <a:endParaRPr lang="en-US" dirty="0">
+            <a:pPr algn="ctr"/>
+            <a:endParaRPr lang="en-US" sz="1600" dirty="0">
               <a:solidFill>
-                <a:schemeClr val="tx1"/>
+                <a:schemeClr val="bg1"/>
               </a:solidFill>
             </a:endParaRPr>
           </a:p>
@@ -10912,7 +12440,12 @@
             <p:ph type="title"/>
           </p:nvPr>
         </p:nvSpPr>
-        <p:spPr/>
+        <p:spPr>
+          <a:xfrm>
+            <a:off x="345057" y="0"/>
+            <a:ext cx="9238890" cy="802257"/>
+          </a:xfrm>
+        </p:spPr>
         <p:txBody>
           <a:bodyPr/>
           <a:lstStyle/>
@@ -11073,7 +12606,7 @@
         </p:nvGrpSpPr>
         <p:grpSpPr>
           <a:xfrm>
-            <a:off x="6095999" y="2844028"/>
+            <a:off x="6095999" y="3035680"/>
             <a:ext cx="4953995" cy="1763310"/>
             <a:chOff x="5853341" y="3024760"/>
             <a:chExt cx="4953995" cy="1763310"/>
@@ -11197,7 +12730,7 @@
         </p:nvGrpSpPr>
         <p:grpSpPr>
           <a:xfrm>
-            <a:off x="6095999" y="5034691"/>
+            <a:off x="6095999" y="5420278"/>
             <a:ext cx="4953995" cy="1006359"/>
             <a:chOff x="5853341" y="5034691"/>
             <a:chExt cx="4953995" cy="1006359"/>
@@ -11299,6 +12832,1288 @@
           </p:txBody>
         </p:sp>
       </p:grpSp>
+      <p:pic>
+        <p:nvPicPr>
+          <p:cNvPr id="1026" name="Picture 2" descr="Learn CMake's Scripting Language in 15 Minutes">
+            <a:extLst>
+              <a:ext uri="{FF2B5EF4-FFF2-40B4-BE49-F238E27FC236}">
+                <a16:creationId xmlns:a16="http://schemas.microsoft.com/office/drawing/2014/main" id="{494EFCAD-329D-4121-BFE0-6E32C6DFFFF0}"/>
+              </a:ext>
+            </a:extLst>
+          </p:cNvPr>
+          <p:cNvPicPr>
+            <a:picLocks noChangeAspect="1" noChangeArrowheads="1"/>
+          </p:cNvPicPr>
+          <p:nvPr/>
+        </p:nvPicPr>
+        <p:blipFill>
+          <a:blip r:embed="rId3">
+            <a:extLst>
+              <a:ext uri="{28A0092B-C50C-407E-A947-70E740481C1C}">
+                <a14:useLocalDpi xmlns:a14="http://schemas.microsoft.com/office/drawing/2010/main" val="0"/>
+              </a:ext>
+            </a:extLst>
+          </a:blip>
+          <a:srcRect/>
+          <a:stretch>
+            <a:fillRect/>
+          </a:stretch>
+        </p:blipFill>
+        <p:spPr bwMode="auto">
+          <a:xfrm>
+            <a:off x="-3885834" y="1460298"/>
+            <a:ext cx="3590925" cy="4276725"/>
+          </a:xfrm>
+          <a:prstGeom prst="rect">
+            <a:avLst/>
+          </a:prstGeom>
+          <a:noFill/>
+          <a:extLst>
+            <a:ext uri="{909E8E84-426E-40DD-AFC4-6F175D3DCCD1}">
+              <a14:hiddenFill xmlns:a14="http://schemas.microsoft.com/office/drawing/2010/main">
+                <a:solidFill>
+                  <a:srgbClr val="FFFFFF"/>
+                </a:solidFill>
+              </a14:hiddenFill>
+            </a:ext>
+          </a:extLst>
+        </p:spPr>
+      </p:pic>
+      <p:pic>
+        <p:nvPicPr>
+          <p:cNvPr id="17" name="圖片 15" descr="一張含有 螢幕擷取畫面 的圖片&#10;&#10;自動產生的描述">
+            <a:extLst>
+              <a:ext uri="{FF2B5EF4-FFF2-40B4-BE49-F238E27FC236}">
+                <a16:creationId xmlns:a16="http://schemas.microsoft.com/office/drawing/2014/main" id="{16AC3F1E-7321-4391-AFC6-981542460380}"/>
+              </a:ext>
+            </a:extLst>
+          </p:cNvPr>
+          <p:cNvPicPr>
+            <a:picLocks noChangeAspect="1"/>
+          </p:cNvPicPr>
+          <p:nvPr/>
+        </p:nvPicPr>
+        <p:blipFill>
+          <a:blip r:embed="rId4">
+            <a:extLst>
+              <a:ext uri="{28A0092B-C50C-407E-A947-70E740481C1C}">
+                <a14:useLocalDpi xmlns:a14="http://schemas.microsoft.com/office/drawing/2010/main" val="0"/>
+              </a:ext>
+            </a:extLst>
+          </a:blip>
+          <a:stretch>
+            <a:fillRect/>
+          </a:stretch>
+        </p:blipFill>
+        <p:spPr>
+          <a:xfrm>
+            <a:off x="-3609867" y="5326877"/>
+            <a:ext cx="2994454" cy="2245841"/>
+          </a:xfrm>
+          <a:prstGeom prst="rect">
+            <a:avLst/>
+          </a:prstGeom>
+          <a:solidFill>
+            <a:srgbClr val="FB8500"/>
+          </a:solidFill>
+        </p:spPr>
+      </p:pic>
+      <p:sp>
+        <p:nvSpPr>
+          <p:cNvPr id="5" name="TextBox 4">
+            <a:extLst>
+              <a:ext uri="{FF2B5EF4-FFF2-40B4-BE49-F238E27FC236}">
+                <a16:creationId xmlns:a16="http://schemas.microsoft.com/office/drawing/2014/main" id="{79278098-47C4-45EB-8CFE-6C09E79DBC30}"/>
+              </a:ext>
+            </a:extLst>
+          </p:cNvPr>
+          <p:cNvSpPr txBox="1"/>
+          <p:nvPr/>
+        </p:nvSpPr>
+        <p:spPr>
+          <a:xfrm>
+            <a:off x="168888" y="6592270"/>
+            <a:ext cx="2144385" cy="265730"/>
+          </a:xfrm>
+          <a:prstGeom prst="rect">
+            <a:avLst/>
+          </a:prstGeom>
+          <a:noFill/>
+        </p:spPr>
+        <p:txBody>
+          <a:bodyPr wrap="square" rtlCol="0">
+            <a:spAutoFit/>
+          </a:bodyPr>
+          <a:lstStyle/>
+          <a:p>
+            <a:r>
+              <a:rPr lang="en-US" sz="1100" dirty="0">
+                <a:solidFill>
+                  <a:schemeClr val="tx1">
+                    <a:lumMod val="50000"/>
+                    <a:lumOff val="50000"/>
+                  </a:schemeClr>
+                </a:solidFill>
+              </a:rPr>
+              <a:t>Icons made by Vitaly Gorbachev</a:t>
+            </a:r>
+          </a:p>
+        </p:txBody>
+      </p:sp>
+      <p:grpSp>
+        <p:nvGrpSpPr>
+          <p:cNvPr id="29" name="Group 28">
+            <a:extLst>
+              <a:ext uri="{FF2B5EF4-FFF2-40B4-BE49-F238E27FC236}">
+                <a16:creationId xmlns:a16="http://schemas.microsoft.com/office/drawing/2014/main" id="{7D11E8F3-7F8F-4F05-9B6B-AC7971A64CD8}"/>
+              </a:ext>
+            </a:extLst>
+          </p:cNvPr>
+          <p:cNvGrpSpPr/>
+          <p:nvPr/>
+        </p:nvGrpSpPr>
+        <p:grpSpPr>
+          <a:xfrm>
+            <a:off x="3313215" y="4561710"/>
+            <a:ext cx="2035300" cy="1862836"/>
+            <a:chOff x="2742956" y="4395460"/>
+            <a:chExt cx="2035300" cy="1862836"/>
+          </a:xfrm>
+        </p:grpSpPr>
+        <p:sp>
+          <p:nvSpPr>
+            <p:cNvPr id="31" name="矩形: 圓角 30">
+              <a:extLst>
+                <a:ext uri="{FF2B5EF4-FFF2-40B4-BE49-F238E27FC236}">
+                  <a16:creationId xmlns:a16="http://schemas.microsoft.com/office/drawing/2014/main" id="{05EF1593-806B-48F4-8F26-AE15DD170508}"/>
+                </a:ext>
+              </a:extLst>
+            </p:cNvPr>
+            <p:cNvSpPr/>
+            <p:nvPr/>
+          </p:nvSpPr>
+          <p:spPr>
+            <a:xfrm>
+              <a:off x="2742956" y="4395460"/>
+              <a:ext cx="1956500" cy="1862836"/>
+            </a:xfrm>
+            <a:prstGeom prst="roundRect">
+              <a:avLst>
+                <a:gd name="adj" fmla="val 6600"/>
+              </a:avLst>
+            </a:prstGeom>
+            <a:solidFill>
+              <a:srgbClr val="8ECAE6"/>
+            </a:solidFill>
+            <a:ln>
+              <a:noFill/>
+            </a:ln>
+          </p:spPr>
+          <p:style>
+            <a:lnRef idx="2">
+              <a:schemeClr val="accent1">
+                <a:shade val="50000"/>
+              </a:schemeClr>
+            </a:lnRef>
+            <a:fillRef idx="1">
+              <a:schemeClr val="accent1"/>
+            </a:fillRef>
+            <a:effectRef idx="0">
+              <a:schemeClr val="accent1"/>
+            </a:effectRef>
+            <a:fontRef idx="minor">
+              <a:schemeClr val="lt1"/>
+            </a:fontRef>
+          </p:style>
+          <p:txBody>
+            <a:bodyPr rtlCol="0" anchor="ctr"/>
+            <a:lstStyle/>
+            <a:p>
+              <a:pPr algn="ctr"/>
+              <a:endParaRPr lang="en-US" sz="1600" dirty="0">
+                <a:solidFill>
+                  <a:schemeClr val="bg1"/>
+                </a:solidFill>
+              </a:endParaRPr>
+            </a:p>
+          </p:txBody>
+        </p:sp>
+        <p:grpSp>
+          <p:nvGrpSpPr>
+            <p:cNvPr id="32" name="Group 31">
+              <a:extLst>
+                <a:ext uri="{FF2B5EF4-FFF2-40B4-BE49-F238E27FC236}">
+                  <a16:creationId xmlns:a16="http://schemas.microsoft.com/office/drawing/2014/main" id="{87BC409B-A742-4AD6-9AE0-DF98812B63C5}"/>
+                </a:ext>
+              </a:extLst>
+            </p:cNvPr>
+            <p:cNvGrpSpPr/>
+            <p:nvPr/>
+          </p:nvGrpSpPr>
+          <p:grpSpPr>
+            <a:xfrm>
+              <a:off x="2875383" y="4976289"/>
+              <a:ext cx="705520" cy="705520"/>
+              <a:chOff x="2293283" y="1855010"/>
+              <a:chExt cx="2895731" cy="2895731"/>
+            </a:xfrm>
+          </p:grpSpPr>
+          <p:sp>
+            <p:nvSpPr>
+              <p:cNvPr id="37" name="Rectangle: Single Corner Snipped 36">
+                <a:extLst>
+                  <a:ext uri="{FF2B5EF4-FFF2-40B4-BE49-F238E27FC236}">
+                    <a16:creationId xmlns:a16="http://schemas.microsoft.com/office/drawing/2014/main" id="{B4DD082B-A5FC-4309-A1B9-BFDF3AC9EEF9}"/>
+                  </a:ext>
+                </a:extLst>
+              </p:cNvPr>
+              <p:cNvSpPr/>
+              <p:nvPr/>
+            </p:nvSpPr>
+            <p:spPr>
+              <a:xfrm>
+                <a:off x="2591152" y="1914353"/>
+                <a:ext cx="2277731" cy="2699750"/>
+              </a:xfrm>
+              <a:prstGeom prst="snip1Rect">
+                <a:avLst>
+                  <a:gd name="adj" fmla="val 24487"/>
+                </a:avLst>
+              </a:prstGeom>
+              <a:solidFill>
+                <a:schemeClr val="bg1"/>
+              </a:solidFill>
+              <a:ln>
+                <a:noFill/>
+              </a:ln>
+            </p:spPr>
+            <p:style>
+              <a:lnRef idx="2">
+                <a:schemeClr val="accent1">
+                  <a:shade val="50000"/>
+                </a:schemeClr>
+              </a:lnRef>
+              <a:fillRef idx="1">
+                <a:schemeClr val="accent1"/>
+              </a:fillRef>
+              <a:effectRef idx="0">
+                <a:schemeClr val="accent1"/>
+              </a:effectRef>
+              <a:fontRef idx="minor">
+                <a:schemeClr val="lt1"/>
+              </a:fontRef>
+            </p:style>
+            <p:txBody>
+              <a:bodyPr rtlCol="0" anchor="ctr"/>
+              <a:lstStyle/>
+              <a:p>
+                <a:pPr algn="ctr"/>
+                <a:endParaRPr lang="en-US"/>
+              </a:p>
+            </p:txBody>
+          </p:sp>
+          <p:pic>
+            <p:nvPicPr>
+              <p:cNvPr id="38" name="Picture 37">
+                <a:extLst>
+                  <a:ext uri="{FF2B5EF4-FFF2-40B4-BE49-F238E27FC236}">
+                    <a16:creationId xmlns:a16="http://schemas.microsoft.com/office/drawing/2014/main" id="{3F0E335B-2A6C-49A1-9485-171D7A5CB800}"/>
+                  </a:ext>
+                </a:extLst>
+              </p:cNvPr>
+              <p:cNvPicPr>
+                <a:picLocks noChangeAspect="1"/>
+              </p:cNvPicPr>
+              <p:nvPr/>
+            </p:nvPicPr>
+            <p:blipFill>
+              <a:blip r:embed="rId5">
+                <a:extLst>
+                  <a:ext uri="{28A0092B-C50C-407E-A947-70E740481C1C}">
+                    <a14:useLocalDpi xmlns:a14="http://schemas.microsoft.com/office/drawing/2010/main" val="0"/>
+                  </a:ext>
+                </a:extLst>
+              </a:blip>
+              <a:stretch>
+                <a:fillRect/>
+              </a:stretch>
+            </p:blipFill>
+            <p:spPr>
+              <a:xfrm>
+                <a:off x="2293283" y="1855010"/>
+                <a:ext cx="2895731" cy="2895731"/>
+              </a:xfrm>
+              <a:prstGeom prst="rect">
+                <a:avLst/>
+              </a:prstGeom>
+            </p:spPr>
+          </p:pic>
+        </p:grpSp>
+        <p:sp>
+          <p:nvSpPr>
+            <p:cNvPr id="34" name="TextBox 33">
+              <a:extLst>
+                <a:ext uri="{FF2B5EF4-FFF2-40B4-BE49-F238E27FC236}">
+                  <a16:creationId xmlns:a16="http://schemas.microsoft.com/office/drawing/2014/main" id="{5F273AFC-37C4-4DCE-823B-B54BE2CF663C}"/>
+                </a:ext>
+              </a:extLst>
+            </p:cNvPr>
+            <p:cNvSpPr txBox="1"/>
+            <p:nvPr/>
+          </p:nvSpPr>
+          <p:spPr>
+            <a:xfrm>
+              <a:off x="2875383" y="4449761"/>
+              <a:ext cx="1902873" cy="369332"/>
+            </a:xfrm>
+            <a:prstGeom prst="rect">
+              <a:avLst/>
+            </a:prstGeom>
+            <a:noFill/>
+          </p:spPr>
+          <p:txBody>
+            <a:bodyPr wrap="square" rtlCol="0">
+              <a:spAutoFit/>
+            </a:bodyPr>
+            <a:lstStyle/>
+            <a:p>
+              <a:r>
+                <a:rPr lang="en-US" b="1" dirty="0">
+                  <a:solidFill>
+                    <a:schemeClr val="bg1"/>
+                  </a:solidFill>
+                </a:rPr>
+                <a:t>Directory Scope</a:t>
+              </a:r>
+            </a:p>
+          </p:txBody>
+        </p:sp>
+        <p:sp>
+          <p:nvSpPr>
+            <p:cNvPr id="35" name="TextBox 34">
+              <a:extLst>
+                <a:ext uri="{FF2B5EF4-FFF2-40B4-BE49-F238E27FC236}">
+                  <a16:creationId xmlns:a16="http://schemas.microsoft.com/office/drawing/2014/main" id="{D59ACAFD-2709-4EFF-9344-3E7F595F229D}"/>
+                </a:ext>
+              </a:extLst>
+            </p:cNvPr>
+            <p:cNvSpPr txBox="1"/>
+            <p:nvPr/>
+          </p:nvSpPr>
+          <p:spPr>
+            <a:xfrm>
+              <a:off x="2875383" y="5814452"/>
+              <a:ext cx="1287131" cy="307777"/>
+            </a:xfrm>
+            <a:prstGeom prst="rect">
+              <a:avLst/>
+            </a:prstGeom>
+            <a:noFill/>
+          </p:spPr>
+          <p:txBody>
+            <a:bodyPr wrap="square" rtlCol="0">
+              <a:spAutoFit/>
+            </a:bodyPr>
+            <a:lstStyle/>
+            <a:p>
+              <a:r>
+                <a:rPr lang="en-US" sz="1400" b="1" dirty="0"/>
+                <a:t>CMakeLists.txt</a:t>
+              </a:r>
+            </a:p>
+          </p:txBody>
+        </p:sp>
+      </p:grpSp>
+      <p:grpSp>
+        <p:nvGrpSpPr>
+          <p:cNvPr id="40" name="Group 39">
+            <a:extLst>
+              <a:ext uri="{FF2B5EF4-FFF2-40B4-BE49-F238E27FC236}">
+                <a16:creationId xmlns:a16="http://schemas.microsoft.com/office/drawing/2014/main" id="{E3898578-C297-4167-9EED-4FD2D7C78AC5}"/>
+              </a:ext>
+            </a:extLst>
+          </p:cNvPr>
+          <p:cNvGrpSpPr/>
+          <p:nvPr/>
+        </p:nvGrpSpPr>
+        <p:grpSpPr>
+          <a:xfrm>
+            <a:off x="951923" y="4531247"/>
+            <a:ext cx="2035300" cy="1862836"/>
+            <a:chOff x="2742956" y="4395460"/>
+            <a:chExt cx="2035300" cy="1862836"/>
+          </a:xfrm>
+        </p:grpSpPr>
+        <p:sp>
+          <p:nvSpPr>
+            <p:cNvPr id="41" name="矩形: 圓角 30">
+              <a:extLst>
+                <a:ext uri="{FF2B5EF4-FFF2-40B4-BE49-F238E27FC236}">
+                  <a16:creationId xmlns:a16="http://schemas.microsoft.com/office/drawing/2014/main" id="{1FBE95CF-FB98-4AE3-BC0F-714D48C62725}"/>
+                </a:ext>
+              </a:extLst>
+            </p:cNvPr>
+            <p:cNvSpPr/>
+            <p:nvPr/>
+          </p:nvSpPr>
+          <p:spPr>
+            <a:xfrm>
+              <a:off x="2742956" y="4395460"/>
+              <a:ext cx="1956500" cy="1862836"/>
+            </a:xfrm>
+            <a:prstGeom prst="roundRect">
+              <a:avLst>
+                <a:gd name="adj" fmla="val 6600"/>
+              </a:avLst>
+            </a:prstGeom>
+            <a:solidFill>
+              <a:srgbClr val="8ECAE6"/>
+            </a:solidFill>
+            <a:ln>
+              <a:noFill/>
+            </a:ln>
+          </p:spPr>
+          <p:style>
+            <a:lnRef idx="2">
+              <a:schemeClr val="accent1">
+                <a:shade val="50000"/>
+              </a:schemeClr>
+            </a:lnRef>
+            <a:fillRef idx="1">
+              <a:schemeClr val="accent1"/>
+            </a:fillRef>
+            <a:effectRef idx="0">
+              <a:schemeClr val="accent1"/>
+            </a:effectRef>
+            <a:fontRef idx="minor">
+              <a:schemeClr val="lt1"/>
+            </a:fontRef>
+          </p:style>
+          <p:txBody>
+            <a:bodyPr rtlCol="0" anchor="ctr"/>
+            <a:lstStyle/>
+            <a:p>
+              <a:pPr algn="ctr"/>
+              <a:endParaRPr lang="en-US" sz="1600" dirty="0">
+                <a:solidFill>
+                  <a:schemeClr val="bg1"/>
+                </a:solidFill>
+              </a:endParaRPr>
+            </a:p>
+          </p:txBody>
+        </p:sp>
+        <p:grpSp>
+          <p:nvGrpSpPr>
+            <p:cNvPr id="42" name="Group 41">
+              <a:extLst>
+                <a:ext uri="{FF2B5EF4-FFF2-40B4-BE49-F238E27FC236}">
+                  <a16:creationId xmlns:a16="http://schemas.microsoft.com/office/drawing/2014/main" id="{636553A3-A630-485A-BE3E-E1FF28E824D4}"/>
+                </a:ext>
+              </a:extLst>
+            </p:cNvPr>
+            <p:cNvGrpSpPr/>
+            <p:nvPr/>
+          </p:nvGrpSpPr>
+          <p:grpSpPr>
+            <a:xfrm>
+              <a:off x="2875383" y="4976289"/>
+              <a:ext cx="705520" cy="705520"/>
+              <a:chOff x="2293283" y="1855010"/>
+              <a:chExt cx="2895731" cy="2895731"/>
+            </a:xfrm>
+          </p:grpSpPr>
+          <p:sp>
+            <p:nvSpPr>
+              <p:cNvPr id="45" name="Rectangle: Single Corner Snipped 44">
+                <a:extLst>
+                  <a:ext uri="{FF2B5EF4-FFF2-40B4-BE49-F238E27FC236}">
+                    <a16:creationId xmlns:a16="http://schemas.microsoft.com/office/drawing/2014/main" id="{67571F95-A166-4BD5-A4CD-DD88325396A2}"/>
+                  </a:ext>
+                </a:extLst>
+              </p:cNvPr>
+              <p:cNvSpPr/>
+              <p:nvPr/>
+            </p:nvSpPr>
+            <p:spPr>
+              <a:xfrm>
+                <a:off x="2591152" y="1914353"/>
+                <a:ext cx="2277731" cy="2699750"/>
+              </a:xfrm>
+              <a:prstGeom prst="snip1Rect">
+                <a:avLst>
+                  <a:gd name="adj" fmla="val 24487"/>
+                </a:avLst>
+              </a:prstGeom>
+              <a:solidFill>
+                <a:schemeClr val="bg1"/>
+              </a:solidFill>
+              <a:ln>
+                <a:noFill/>
+              </a:ln>
+            </p:spPr>
+            <p:style>
+              <a:lnRef idx="2">
+                <a:schemeClr val="accent1">
+                  <a:shade val="50000"/>
+                </a:schemeClr>
+              </a:lnRef>
+              <a:fillRef idx="1">
+                <a:schemeClr val="accent1"/>
+              </a:fillRef>
+              <a:effectRef idx="0">
+                <a:schemeClr val="accent1"/>
+              </a:effectRef>
+              <a:fontRef idx="minor">
+                <a:schemeClr val="lt1"/>
+              </a:fontRef>
+            </p:style>
+            <p:txBody>
+              <a:bodyPr rtlCol="0" anchor="ctr"/>
+              <a:lstStyle/>
+              <a:p>
+                <a:pPr algn="ctr"/>
+                <a:endParaRPr lang="en-US"/>
+              </a:p>
+            </p:txBody>
+          </p:sp>
+          <p:pic>
+            <p:nvPicPr>
+              <p:cNvPr id="46" name="Picture 45">
+                <a:extLst>
+                  <a:ext uri="{FF2B5EF4-FFF2-40B4-BE49-F238E27FC236}">
+                    <a16:creationId xmlns:a16="http://schemas.microsoft.com/office/drawing/2014/main" id="{756DCB55-EB10-47D9-96F2-A67078642F28}"/>
+                  </a:ext>
+                </a:extLst>
+              </p:cNvPr>
+              <p:cNvPicPr>
+                <a:picLocks noChangeAspect="1"/>
+              </p:cNvPicPr>
+              <p:nvPr/>
+            </p:nvPicPr>
+            <p:blipFill>
+              <a:blip r:embed="rId5">
+                <a:extLst>
+                  <a:ext uri="{28A0092B-C50C-407E-A947-70E740481C1C}">
+                    <a14:useLocalDpi xmlns:a14="http://schemas.microsoft.com/office/drawing/2010/main" val="0"/>
+                  </a:ext>
+                </a:extLst>
+              </a:blip>
+              <a:stretch>
+                <a:fillRect/>
+              </a:stretch>
+            </p:blipFill>
+            <p:spPr>
+              <a:xfrm>
+                <a:off x="2293283" y="1855010"/>
+                <a:ext cx="2895731" cy="2895731"/>
+              </a:xfrm>
+              <a:prstGeom prst="rect">
+                <a:avLst/>
+              </a:prstGeom>
+            </p:spPr>
+          </p:pic>
+        </p:grpSp>
+        <p:sp>
+          <p:nvSpPr>
+            <p:cNvPr id="43" name="TextBox 42">
+              <a:extLst>
+                <a:ext uri="{FF2B5EF4-FFF2-40B4-BE49-F238E27FC236}">
+                  <a16:creationId xmlns:a16="http://schemas.microsoft.com/office/drawing/2014/main" id="{01B8FF22-685C-4728-B4EF-B052EDF89F2A}"/>
+                </a:ext>
+              </a:extLst>
+            </p:cNvPr>
+            <p:cNvSpPr txBox="1"/>
+            <p:nvPr/>
+          </p:nvSpPr>
+          <p:spPr>
+            <a:xfrm>
+              <a:off x="2875383" y="4449761"/>
+              <a:ext cx="1902873" cy="369332"/>
+            </a:xfrm>
+            <a:prstGeom prst="rect">
+              <a:avLst/>
+            </a:prstGeom>
+            <a:noFill/>
+          </p:spPr>
+          <p:txBody>
+            <a:bodyPr wrap="square" rtlCol="0">
+              <a:spAutoFit/>
+            </a:bodyPr>
+            <a:lstStyle/>
+            <a:p>
+              <a:r>
+                <a:rPr lang="en-US" b="1" dirty="0">
+                  <a:solidFill>
+                    <a:schemeClr val="bg1"/>
+                  </a:solidFill>
+                </a:rPr>
+                <a:t>Directory Scope</a:t>
+              </a:r>
+            </a:p>
+          </p:txBody>
+        </p:sp>
+        <p:sp>
+          <p:nvSpPr>
+            <p:cNvPr id="44" name="TextBox 43">
+              <a:extLst>
+                <a:ext uri="{FF2B5EF4-FFF2-40B4-BE49-F238E27FC236}">
+                  <a16:creationId xmlns:a16="http://schemas.microsoft.com/office/drawing/2014/main" id="{B077E410-6409-4A8F-8A7C-54EF0FF61416}"/>
+                </a:ext>
+              </a:extLst>
+            </p:cNvPr>
+            <p:cNvSpPr txBox="1"/>
+            <p:nvPr/>
+          </p:nvSpPr>
+          <p:spPr>
+            <a:xfrm>
+              <a:off x="2875383" y="5814452"/>
+              <a:ext cx="1287131" cy="307777"/>
+            </a:xfrm>
+            <a:prstGeom prst="rect">
+              <a:avLst/>
+            </a:prstGeom>
+            <a:noFill/>
+          </p:spPr>
+          <p:txBody>
+            <a:bodyPr wrap="square" rtlCol="0">
+              <a:spAutoFit/>
+            </a:bodyPr>
+            <a:lstStyle/>
+            <a:p>
+              <a:r>
+                <a:rPr lang="en-US" sz="1400" b="1" dirty="0"/>
+                <a:t>CMakeLists.txt</a:t>
+              </a:r>
+            </a:p>
+          </p:txBody>
+        </p:sp>
+      </p:grpSp>
+      <p:cxnSp>
+        <p:nvCxnSpPr>
+          <p:cNvPr id="48" name="Connector: Elbow 47">
+            <a:extLst>
+              <a:ext uri="{FF2B5EF4-FFF2-40B4-BE49-F238E27FC236}">
+                <a16:creationId xmlns:a16="http://schemas.microsoft.com/office/drawing/2014/main" id="{1CCFCB43-D95A-450F-B6FA-49402B9AD3B2}"/>
+              </a:ext>
+            </a:extLst>
+          </p:cNvPr>
+          <p:cNvCxnSpPr>
+            <a:cxnSpLocks/>
+            <a:stCxn id="15" idx="1"/>
+            <a:endCxn id="31" idx="0"/>
+          </p:cNvCxnSpPr>
+          <p:nvPr/>
+        </p:nvCxnSpPr>
+        <p:spPr>
+          <a:xfrm rot="10800000" flipH="1" flipV="1">
+            <a:off x="511307" y="2593606"/>
+            <a:ext cx="3780158" cy="1968103"/>
+          </a:xfrm>
+          <a:prstGeom prst="bentConnector4">
+            <a:avLst>
+              <a:gd name="adj1" fmla="val -6047"/>
+              <a:gd name="adj2" fmla="val 81503"/>
+            </a:avLst>
+          </a:prstGeom>
+          <a:ln w="28575">
+            <a:solidFill>
+              <a:schemeClr val="tx1"/>
+            </a:solidFill>
+            <a:tailEnd type="triangle"/>
+          </a:ln>
+        </p:spPr>
+        <p:style>
+          <a:lnRef idx="1">
+            <a:schemeClr val="accent1"/>
+          </a:lnRef>
+          <a:fillRef idx="0">
+            <a:schemeClr val="accent1"/>
+          </a:fillRef>
+          <a:effectRef idx="0">
+            <a:schemeClr val="accent1"/>
+          </a:effectRef>
+          <a:fontRef idx="minor">
+            <a:schemeClr val="tx1"/>
+          </a:fontRef>
+        </p:style>
+      </p:cxnSp>
+      <p:cxnSp>
+        <p:nvCxnSpPr>
+          <p:cNvPr id="50" name="Connector: Elbow 49">
+            <a:extLst>
+              <a:ext uri="{FF2B5EF4-FFF2-40B4-BE49-F238E27FC236}">
+                <a16:creationId xmlns:a16="http://schemas.microsoft.com/office/drawing/2014/main" id="{FC2A6E60-38DE-4E26-A27F-C1F8C4438152}"/>
+              </a:ext>
+            </a:extLst>
+          </p:cNvPr>
+          <p:cNvCxnSpPr>
+            <a:cxnSpLocks/>
+            <a:stCxn id="15" idx="1"/>
+            <a:endCxn id="41" idx="1"/>
+          </p:cNvCxnSpPr>
+          <p:nvPr/>
+        </p:nvCxnSpPr>
+        <p:spPr>
+          <a:xfrm rot="10800000" flipH="1" flipV="1">
+            <a:off x="511307" y="2593607"/>
+            <a:ext cx="440616" cy="2869058"/>
+          </a:xfrm>
+          <a:prstGeom prst="bentConnector3">
+            <a:avLst>
+              <a:gd name="adj1" fmla="val -51882"/>
+            </a:avLst>
+          </a:prstGeom>
+          <a:ln w="28575">
+            <a:solidFill>
+              <a:schemeClr val="tx1"/>
+            </a:solidFill>
+            <a:tailEnd type="triangle"/>
+          </a:ln>
+        </p:spPr>
+        <p:style>
+          <a:lnRef idx="1">
+            <a:schemeClr val="accent1"/>
+          </a:lnRef>
+          <a:fillRef idx="0">
+            <a:schemeClr val="accent1"/>
+          </a:fillRef>
+          <a:effectRef idx="0">
+            <a:schemeClr val="accent1"/>
+          </a:effectRef>
+          <a:fontRef idx="minor">
+            <a:schemeClr val="tx1"/>
+          </a:fontRef>
+        </p:style>
+      </p:cxnSp>
+      <p:grpSp>
+        <p:nvGrpSpPr>
+          <p:cNvPr id="70" name="Group 69">
+            <a:extLst>
+              <a:ext uri="{FF2B5EF4-FFF2-40B4-BE49-F238E27FC236}">
+                <a16:creationId xmlns:a16="http://schemas.microsoft.com/office/drawing/2014/main" id="{90ED167A-BDBD-4CF5-A070-8B2AE8666424}"/>
+              </a:ext>
+            </a:extLst>
+          </p:cNvPr>
+          <p:cNvGrpSpPr/>
+          <p:nvPr/>
+        </p:nvGrpSpPr>
+        <p:grpSpPr>
+          <a:xfrm>
+            <a:off x="511307" y="1353595"/>
+            <a:ext cx="4354398" cy="2480024"/>
+            <a:chOff x="511307" y="1234845"/>
+            <a:chExt cx="4354398" cy="2480024"/>
+          </a:xfrm>
+        </p:grpSpPr>
+        <p:sp>
+          <p:nvSpPr>
+            <p:cNvPr id="15" name="矩形: 圓角 30">
+              <a:extLst>
+                <a:ext uri="{FF2B5EF4-FFF2-40B4-BE49-F238E27FC236}">
+                  <a16:creationId xmlns:a16="http://schemas.microsoft.com/office/drawing/2014/main" id="{14B091A4-37DE-4DE8-8CA9-13E7F3437C71}"/>
+                </a:ext>
+              </a:extLst>
+            </p:cNvPr>
+            <p:cNvSpPr/>
+            <p:nvPr/>
+          </p:nvSpPr>
+          <p:spPr>
+            <a:xfrm>
+              <a:off x="511307" y="1234845"/>
+              <a:ext cx="4354398" cy="2480024"/>
+            </a:xfrm>
+            <a:prstGeom prst="roundRect">
+              <a:avLst>
+                <a:gd name="adj" fmla="val 6600"/>
+              </a:avLst>
+            </a:prstGeom>
+            <a:solidFill>
+              <a:srgbClr val="8ECAE6"/>
+            </a:solidFill>
+            <a:ln>
+              <a:noFill/>
+            </a:ln>
+          </p:spPr>
+          <p:style>
+            <a:lnRef idx="2">
+              <a:schemeClr val="accent1">
+                <a:shade val="50000"/>
+              </a:schemeClr>
+            </a:lnRef>
+            <a:fillRef idx="1">
+              <a:schemeClr val="accent1"/>
+            </a:fillRef>
+            <a:effectRef idx="0">
+              <a:schemeClr val="accent1"/>
+            </a:effectRef>
+            <a:fontRef idx="minor">
+              <a:schemeClr val="lt1"/>
+            </a:fontRef>
+          </p:style>
+          <p:txBody>
+            <a:bodyPr rtlCol="0" anchor="ctr"/>
+            <a:lstStyle/>
+            <a:p>
+              <a:pPr algn="ctr"/>
+              <a:endParaRPr lang="en-US" sz="1600" dirty="0">
+                <a:solidFill>
+                  <a:schemeClr val="bg1"/>
+                </a:solidFill>
+              </a:endParaRPr>
+            </a:p>
+          </p:txBody>
+        </p:sp>
+        <p:grpSp>
+          <p:nvGrpSpPr>
+            <p:cNvPr id="23" name="Group 22">
+              <a:extLst>
+                <a:ext uri="{FF2B5EF4-FFF2-40B4-BE49-F238E27FC236}">
+                  <a16:creationId xmlns:a16="http://schemas.microsoft.com/office/drawing/2014/main" id="{CBABB5A5-5691-4961-A6DD-7BB016C034FA}"/>
+                </a:ext>
+              </a:extLst>
+            </p:cNvPr>
+            <p:cNvGrpSpPr/>
+            <p:nvPr/>
+          </p:nvGrpSpPr>
+          <p:grpSpPr>
+            <a:xfrm>
+              <a:off x="706742" y="1895917"/>
+              <a:ext cx="933521" cy="908742"/>
+              <a:chOff x="2293283" y="1855010"/>
+              <a:chExt cx="2895731" cy="2895731"/>
+            </a:xfrm>
+          </p:grpSpPr>
+          <p:sp>
+            <p:nvSpPr>
+              <p:cNvPr id="10" name="Rectangle: Single Corner Snipped 9">
+                <a:extLst>
+                  <a:ext uri="{FF2B5EF4-FFF2-40B4-BE49-F238E27FC236}">
+                    <a16:creationId xmlns:a16="http://schemas.microsoft.com/office/drawing/2014/main" id="{9F4B6F47-F397-40BD-9DC7-207E13406876}"/>
+                  </a:ext>
+                </a:extLst>
+              </p:cNvPr>
+              <p:cNvSpPr/>
+              <p:nvPr/>
+            </p:nvSpPr>
+            <p:spPr>
+              <a:xfrm>
+                <a:off x="2591152" y="1914353"/>
+                <a:ext cx="2277731" cy="2699750"/>
+              </a:xfrm>
+              <a:prstGeom prst="snip1Rect">
+                <a:avLst>
+                  <a:gd name="adj" fmla="val 24487"/>
+                </a:avLst>
+              </a:prstGeom>
+              <a:solidFill>
+                <a:schemeClr val="bg1"/>
+              </a:solidFill>
+              <a:ln>
+                <a:noFill/>
+              </a:ln>
+            </p:spPr>
+            <p:style>
+              <a:lnRef idx="2">
+                <a:schemeClr val="accent1">
+                  <a:shade val="50000"/>
+                </a:schemeClr>
+              </a:lnRef>
+              <a:fillRef idx="1">
+                <a:schemeClr val="accent1"/>
+              </a:fillRef>
+              <a:effectRef idx="0">
+                <a:schemeClr val="accent1"/>
+              </a:effectRef>
+              <a:fontRef idx="minor">
+                <a:schemeClr val="lt1"/>
+              </a:fontRef>
+            </p:style>
+            <p:txBody>
+              <a:bodyPr rtlCol="0" anchor="ctr"/>
+              <a:lstStyle/>
+              <a:p>
+                <a:pPr algn="ctr"/>
+                <a:endParaRPr lang="en-US"/>
+              </a:p>
+            </p:txBody>
+          </p:sp>
+          <p:pic>
+            <p:nvPicPr>
+              <p:cNvPr id="7" name="Picture 6">
+                <a:extLst>
+                  <a:ext uri="{FF2B5EF4-FFF2-40B4-BE49-F238E27FC236}">
+                    <a16:creationId xmlns:a16="http://schemas.microsoft.com/office/drawing/2014/main" id="{4FAFFA98-9EDA-4818-BA1C-0D763144A2CC}"/>
+                  </a:ext>
+                </a:extLst>
+              </p:cNvPr>
+              <p:cNvPicPr>
+                <a:picLocks noChangeAspect="1"/>
+              </p:cNvPicPr>
+              <p:nvPr/>
+            </p:nvPicPr>
+            <p:blipFill>
+              <a:blip r:embed="rId5">
+                <a:extLst>
+                  <a:ext uri="{28A0092B-C50C-407E-A947-70E740481C1C}">
+                    <a14:useLocalDpi xmlns:a14="http://schemas.microsoft.com/office/drawing/2010/main" val="0"/>
+                  </a:ext>
+                </a:extLst>
+              </a:blip>
+              <a:stretch>
+                <a:fillRect/>
+              </a:stretch>
+            </p:blipFill>
+            <p:spPr>
+              <a:xfrm>
+                <a:off x="2293283" y="1855010"/>
+                <a:ext cx="2895731" cy="2895731"/>
+              </a:xfrm>
+              <a:prstGeom prst="rect">
+                <a:avLst/>
+              </a:prstGeom>
+            </p:spPr>
+          </p:pic>
+        </p:grpSp>
+        <p:sp>
+          <p:nvSpPr>
+            <p:cNvPr id="22" name="矩形: 圓角 30">
+              <a:extLst>
+                <a:ext uri="{FF2B5EF4-FFF2-40B4-BE49-F238E27FC236}">
+                  <a16:creationId xmlns:a16="http://schemas.microsoft.com/office/drawing/2014/main" id="{616992A1-1F01-404C-88C0-237093EA94F2}"/>
+                </a:ext>
+              </a:extLst>
+            </p:cNvPr>
+            <p:cNvSpPr/>
+            <p:nvPr/>
+          </p:nvSpPr>
+          <p:spPr>
+            <a:xfrm>
+              <a:off x="2365398" y="2160892"/>
+              <a:ext cx="2104483" cy="1314156"/>
+            </a:xfrm>
+            <a:prstGeom prst="roundRect">
+              <a:avLst>
+                <a:gd name="adj" fmla="val 6600"/>
+              </a:avLst>
+            </a:prstGeom>
+            <a:solidFill>
+              <a:srgbClr val="219EBC"/>
+            </a:solidFill>
+            <a:ln>
+              <a:noFill/>
+            </a:ln>
+          </p:spPr>
+          <p:style>
+            <a:lnRef idx="2">
+              <a:schemeClr val="accent1">
+                <a:shade val="50000"/>
+              </a:schemeClr>
+            </a:lnRef>
+            <a:fillRef idx="1">
+              <a:schemeClr val="accent1"/>
+            </a:fillRef>
+            <a:effectRef idx="0">
+              <a:schemeClr val="accent1"/>
+            </a:effectRef>
+            <a:fontRef idx="minor">
+              <a:schemeClr val="lt1"/>
+            </a:fontRef>
+          </p:style>
+          <p:txBody>
+            <a:bodyPr rtlCol="0" anchor="ctr"/>
+            <a:lstStyle/>
+            <a:p>
+              <a:pPr algn="ctr"/>
+              <a:endParaRPr lang="en-US" sz="1600" dirty="0">
+                <a:solidFill>
+                  <a:schemeClr val="bg1"/>
+                </a:solidFill>
+              </a:endParaRPr>
+            </a:p>
+          </p:txBody>
+        </p:sp>
+        <p:sp>
+          <p:nvSpPr>
+            <p:cNvPr id="26" name="TextBox 25">
+              <a:extLst>
+                <a:ext uri="{FF2B5EF4-FFF2-40B4-BE49-F238E27FC236}">
+                  <a16:creationId xmlns:a16="http://schemas.microsoft.com/office/drawing/2014/main" id="{60291BAF-2AC7-4DAA-87B8-A8581182C05E}"/>
+                </a:ext>
+              </a:extLst>
+            </p:cNvPr>
+            <p:cNvSpPr txBox="1"/>
+            <p:nvPr/>
+          </p:nvSpPr>
+          <p:spPr>
+            <a:xfrm>
+              <a:off x="647345" y="1289146"/>
+              <a:ext cx="1954759" cy="369332"/>
+            </a:xfrm>
+            <a:prstGeom prst="rect">
+              <a:avLst/>
+            </a:prstGeom>
+            <a:noFill/>
+          </p:spPr>
+          <p:txBody>
+            <a:bodyPr wrap="square" rtlCol="0">
+              <a:spAutoFit/>
+            </a:bodyPr>
+            <a:lstStyle/>
+            <a:p>
+              <a:r>
+                <a:rPr lang="en-US" b="1" dirty="0">
+                  <a:solidFill>
+                    <a:schemeClr val="bg1"/>
+                  </a:solidFill>
+                </a:rPr>
+                <a:t>Directory Scope</a:t>
+              </a:r>
+            </a:p>
+          </p:txBody>
+        </p:sp>
+        <p:sp>
+          <p:nvSpPr>
+            <p:cNvPr id="27" name="TextBox 26">
+              <a:extLst>
+                <a:ext uri="{FF2B5EF4-FFF2-40B4-BE49-F238E27FC236}">
+                  <a16:creationId xmlns:a16="http://schemas.microsoft.com/office/drawing/2014/main" id="{CC777032-5DBF-4ABB-B1CC-7C9DE9313B5D}"/>
+                </a:ext>
+              </a:extLst>
+            </p:cNvPr>
+            <p:cNvSpPr txBox="1"/>
+            <p:nvPr/>
+          </p:nvSpPr>
+          <p:spPr>
+            <a:xfrm>
+              <a:off x="647346" y="2923433"/>
+              <a:ext cx="1322227" cy="307777"/>
+            </a:xfrm>
+            <a:prstGeom prst="rect">
+              <a:avLst/>
+            </a:prstGeom>
+            <a:noFill/>
+          </p:spPr>
+          <p:txBody>
+            <a:bodyPr wrap="square" rtlCol="0">
+              <a:spAutoFit/>
+            </a:bodyPr>
+            <a:lstStyle/>
+            <a:p>
+              <a:r>
+                <a:rPr lang="en-US" sz="1400" b="1" dirty="0"/>
+                <a:t>CMakeLists.txt</a:t>
+              </a:r>
+            </a:p>
+          </p:txBody>
+        </p:sp>
+        <p:sp>
+          <p:nvSpPr>
+            <p:cNvPr id="28" name="TextBox 27">
+              <a:extLst>
+                <a:ext uri="{FF2B5EF4-FFF2-40B4-BE49-F238E27FC236}">
+                  <a16:creationId xmlns:a16="http://schemas.microsoft.com/office/drawing/2014/main" id="{A55CD42B-A840-4532-B999-B28C14D5BB0D}"/>
+                </a:ext>
+              </a:extLst>
+            </p:cNvPr>
+            <p:cNvSpPr txBox="1"/>
+            <p:nvPr/>
+          </p:nvSpPr>
+          <p:spPr>
+            <a:xfrm>
+              <a:off x="2275604" y="2165368"/>
+              <a:ext cx="1954759" cy="369332"/>
+            </a:xfrm>
+            <a:prstGeom prst="rect">
+              <a:avLst/>
+            </a:prstGeom>
+            <a:noFill/>
+          </p:spPr>
+          <p:txBody>
+            <a:bodyPr wrap="square" rtlCol="0">
+              <a:spAutoFit/>
+            </a:bodyPr>
+            <a:lstStyle/>
+            <a:p>
+              <a:pPr algn="ctr"/>
+              <a:r>
+                <a:rPr lang="en-US" b="1" dirty="0">
+                  <a:solidFill>
+                    <a:schemeClr val="bg1"/>
+                  </a:solidFill>
+                </a:rPr>
+                <a:t>Function Scope</a:t>
+              </a:r>
+            </a:p>
+          </p:txBody>
+        </p:sp>
+        <p:cxnSp>
+          <p:nvCxnSpPr>
+            <p:cNvPr id="58" name="Straight Connector 57">
+              <a:extLst>
+                <a:ext uri="{FF2B5EF4-FFF2-40B4-BE49-F238E27FC236}">
+                  <a16:creationId xmlns:a16="http://schemas.microsoft.com/office/drawing/2014/main" id="{632B1365-FCDF-481C-9E61-B4ED6F8C706B}"/>
+                </a:ext>
+              </a:extLst>
+            </p:cNvPr>
+            <p:cNvCxnSpPr>
+              <a:stCxn id="7" idx="3"/>
+              <a:endCxn id="28" idx="1"/>
+            </p:cNvCxnSpPr>
+            <p:nvPr/>
+          </p:nvCxnSpPr>
+          <p:spPr>
+            <a:xfrm flipV="1">
+              <a:off x="1640263" y="2350034"/>
+              <a:ext cx="635341" cy="254"/>
+            </a:xfrm>
+            <a:prstGeom prst="line">
+              <a:avLst/>
+            </a:prstGeom>
+            <a:ln w="38100">
+              <a:solidFill>
+                <a:schemeClr val="tx1"/>
+              </a:solidFill>
+              <a:headEnd type="none" w="med" len="med"/>
+              <a:tailEnd type="triangle" w="med" len="med"/>
+            </a:ln>
+          </p:spPr>
+          <p:style>
+            <a:lnRef idx="1">
+              <a:schemeClr val="dk1"/>
+            </a:lnRef>
+            <a:fillRef idx="0">
+              <a:schemeClr val="dk1"/>
+            </a:fillRef>
+            <a:effectRef idx="0">
+              <a:schemeClr val="dk1"/>
+            </a:effectRef>
+            <a:fontRef idx="minor">
+              <a:schemeClr val="tx1"/>
+            </a:fontRef>
+          </p:style>
+        </p:cxnSp>
+        <p:sp>
+          <p:nvSpPr>
+            <p:cNvPr id="62" name="TextBox 61">
+              <a:extLst>
+                <a:ext uri="{FF2B5EF4-FFF2-40B4-BE49-F238E27FC236}">
+                  <a16:creationId xmlns:a16="http://schemas.microsoft.com/office/drawing/2014/main" id="{C8F4126C-EF3E-4879-9E89-F05BBE822AC6}"/>
+                </a:ext>
+              </a:extLst>
+            </p:cNvPr>
+            <p:cNvSpPr txBox="1"/>
+            <p:nvPr/>
+          </p:nvSpPr>
+          <p:spPr>
+            <a:xfrm>
+              <a:off x="1640263" y="1804730"/>
+              <a:ext cx="2063183" cy="338554"/>
+            </a:xfrm>
+            <a:prstGeom prst="rect">
+              <a:avLst/>
+            </a:prstGeom>
+            <a:noFill/>
+          </p:spPr>
+          <p:txBody>
+            <a:bodyPr wrap="square" rtlCol="0">
+              <a:spAutoFit/>
+            </a:bodyPr>
+            <a:lstStyle/>
+            <a:p>
+              <a:r>
+                <a:rPr lang="en-US" sz="1600" dirty="0">
+                  <a:solidFill>
+                    <a:srgbClr val="FF0000"/>
+                  </a:solidFill>
+                </a:rPr>
+                <a:t>function()</a:t>
+              </a:r>
+            </a:p>
+          </p:txBody>
+        </p:sp>
+      </p:grpSp>
+      <p:sp>
+        <p:nvSpPr>
+          <p:cNvPr id="64" name="TextBox 63">
+            <a:extLst>
+              <a:ext uri="{FF2B5EF4-FFF2-40B4-BE49-F238E27FC236}">
+                <a16:creationId xmlns:a16="http://schemas.microsoft.com/office/drawing/2014/main" id="{2876C265-A2AD-4A66-BEAE-082118ECC29D}"/>
+              </a:ext>
+            </a:extLst>
+          </p:cNvPr>
+          <p:cNvSpPr txBox="1"/>
+          <p:nvPr/>
+        </p:nvSpPr>
+        <p:spPr>
+          <a:xfrm>
+            <a:off x="317654" y="3822158"/>
+            <a:ext cx="2063183" cy="338554"/>
+          </a:xfrm>
+          <a:prstGeom prst="rect">
+            <a:avLst/>
+          </a:prstGeom>
+          <a:noFill/>
+        </p:spPr>
+        <p:txBody>
+          <a:bodyPr wrap="square" rtlCol="0">
+            <a:spAutoFit/>
+          </a:bodyPr>
+          <a:lstStyle/>
+          <a:p>
+            <a:r>
+              <a:rPr lang="en-US" sz="1600" dirty="0" err="1">
+                <a:solidFill>
+                  <a:srgbClr val="FF0000"/>
+                </a:solidFill>
+              </a:rPr>
+              <a:t>add_subdirectory</a:t>
+            </a:r>
+            <a:r>
+              <a:rPr lang="en-US" sz="1600" dirty="0">
+                <a:solidFill>
+                  <a:srgbClr val="FF0000"/>
+                </a:solidFill>
+              </a:rPr>
+              <a:t>()</a:t>
+            </a:r>
+          </a:p>
+        </p:txBody>
+      </p:sp>
+      <p:sp>
+        <p:nvSpPr>
+          <p:cNvPr id="66" name="Rectangle 65">
+            <a:extLst>
+              <a:ext uri="{FF2B5EF4-FFF2-40B4-BE49-F238E27FC236}">
+                <a16:creationId xmlns:a16="http://schemas.microsoft.com/office/drawing/2014/main" id="{E4F914F9-B59C-47CD-9004-5D0D7978E7E6}"/>
+              </a:ext>
+            </a:extLst>
+          </p:cNvPr>
+          <p:cNvSpPr/>
+          <p:nvPr/>
+        </p:nvSpPr>
+        <p:spPr>
+          <a:xfrm>
+            <a:off x="368808" y="928757"/>
+            <a:ext cx="1752788" cy="369332"/>
+          </a:xfrm>
+          <a:prstGeom prst="rect">
+            <a:avLst/>
+          </a:prstGeom>
+        </p:spPr>
+        <p:txBody>
+          <a:bodyPr wrap="none">
+            <a:spAutoFit/>
+          </a:bodyPr>
+          <a:lstStyle/>
+          <a:p>
+            <a:pPr algn="ctr"/>
+            <a:r>
+              <a:rPr lang="en-US" b="1" dirty="0"/>
+              <a:t>Persistent Cache</a:t>
+            </a:r>
+          </a:p>
+        </p:txBody>
+      </p:sp>
     </p:spTree>
     <p:extLst>
       <p:ext uri="{BB962C8B-B14F-4D97-AF65-F5344CB8AC3E}">
@@ -11504,7 +14319,7 @@
         </p:nvSpPr>
         <p:spPr>
           <a:xfrm>
-            <a:off x="-1483743" y="5595457"/>
+            <a:off x="-2362517" y="5595457"/>
             <a:ext cx="1828800" cy="923330"/>
           </a:xfrm>
           <a:prstGeom prst="rect">

--- a/cmake notes.pptx
+++ b/cmake notes.pptx
@@ -5,7 +5,7 @@
     <p:sldMasterId id="2147483648" r:id="rId1"/>
   </p:sldMasterIdLst>
   <p:notesMasterIdLst>
-    <p:notesMasterId r:id="rId19"/>
+    <p:notesMasterId r:id="rId18"/>
   </p:notesMasterIdLst>
   <p:sldIdLst>
     <p:sldId id="256" r:id="rId2"/>
@@ -22,9 +22,8 @@
     <p:sldId id="268" r:id="rId13"/>
     <p:sldId id="263" r:id="rId14"/>
     <p:sldId id="269" r:id="rId15"/>
-    <p:sldId id="271" r:id="rId16"/>
-    <p:sldId id="270" r:id="rId17"/>
-    <p:sldId id="272" r:id="rId18"/>
+    <p:sldId id="270" r:id="rId16"/>
+    <p:sldId id="271" r:id="rId17"/>
   </p:sldIdLst>
   <p:sldSz cx="12192000" cy="6858000"/>
   <p:notesSz cx="6858000" cy="9144000"/>
@@ -525,12 +524,29 @@
           <a:bodyPr/>
           <a:lstStyle/>
           <a:p>
-            <a:r>
-              <a:rPr lang="en-US" dirty="0">
-                <a:hlinkClick r:id="rId3"/>
-              </a:rPr>
+            <a:pPr marL="0" marR="0" lvl="0" indent="0" algn="l" defTabSz="914400" rtl="0" eaLnBrk="1" fontAlgn="auto" latinLnBrk="0" hangingPunct="1">
+              <a:lnSpc>
+                <a:spcPct val="100000"/>
+              </a:lnSpc>
+              <a:spcBef>
+                <a:spcPts val="0"/>
+              </a:spcBef>
+              <a:spcAft>
+                <a:spcPts val="0"/>
+              </a:spcAft>
+              <a:buClrTx/>
+              <a:buSzTx/>
+              <a:buFontTx/>
+              <a:buNone/>
+              <a:tabLst/>
+              <a:defRPr/>
+            </a:pPr>
+            <a:r>
+              <a:rPr lang="en-US" dirty="0"/>
               <a:t>https://stackoverflow.com/questions/25789644/difference-between-using-makefile-and-cmake-to-compile-the-code</a:t>
             </a:r>
+          </a:p>
+          <a:p>
             <a:endParaRPr lang="en-US" dirty="0"/>
           </a:p>
         </p:txBody>
@@ -552,7 +568,7 @@
           <a:p>
             <a:fld id="{B98D41D3-80D1-41B8-B9EF-F8F84EBADC06}" type="slidenum">
               <a:rPr lang="en-US" smtClean="0"/>
-              <a:t>3</a:t>
+              <a:t>2</a:t>
             </a:fld>
             <a:endParaRPr lang="en-US"/>
           </a:p>
@@ -561,7 +577,7 @@
     </p:spTree>
     <p:extLst>
       <p:ext uri="{BB962C8B-B14F-4D97-AF65-F5344CB8AC3E}">
-        <p14:creationId xmlns:p14="http://schemas.microsoft.com/office/powerpoint/2010/main" val="3412503010"/>
+        <p14:creationId xmlns:p14="http://schemas.microsoft.com/office/powerpoint/2010/main" val="2285002043"/>
       </p:ext>
     </p:extLst>
   </p:cSld>
@@ -667,27 +683,6 @@
             </a:r>
             <a:endParaRPr lang="en-US" dirty="0"/>
           </a:p>
-          <a:p>
-            <a:r>
-              <a:rPr lang="en-US" dirty="0"/>
-              <a:t>https://code.egym.de/refactoring-a-cmake-build-system-9898c2030c3a</a:t>
-            </a:r>
-          </a:p>
-          <a:p>
-            <a:r>
-              <a:rPr lang="en-US" dirty="0"/>
-              <a:t>https://code.egym.de/how-to-use-modern-cmake-for-an-app-lib-project-3c2ee6018cde</a:t>
-            </a:r>
-          </a:p>
-          <a:p>
-            <a:endParaRPr lang="en-US" dirty="0"/>
-          </a:p>
-          <a:p>
-            <a:r>
-              <a:rPr lang="en-US" dirty="0"/>
-              <a:t>http://www.stablecoder.ca/2019/03/15/sorting-you-dependency-graph.html</a:t>
-            </a:r>
-          </a:p>
         </p:txBody>
       </p:sp>
       <p:sp>
@@ -707,7 +702,7 @@
           <a:p>
             <a:fld id="{B98D41D3-80D1-41B8-B9EF-F8F84EBADC06}" type="slidenum">
               <a:rPr lang="en-US" smtClean="0"/>
-              <a:t>15</a:t>
+              <a:t>13</a:t>
             </a:fld>
             <a:endParaRPr lang="en-US"/>
           </a:p>
@@ -716,7 +711,7 @@
     </p:spTree>
     <p:extLst>
       <p:ext uri="{BB962C8B-B14F-4D97-AF65-F5344CB8AC3E}">
-        <p14:creationId xmlns:p14="http://schemas.microsoft.com/office/powerpoint/2010/main" val="3273976994"/>
+        <p14:creationId xmlns:p14="http://schemas.microsoft.com/office/powerpoint/2010/main" val="2882470297"/>
       </p:ext>
     </p:extLst>
   </p:cSld>
@@ -841,7 +836,7 @@
           <a:p>
             <a:fld id="{B98D41D3-80D1-41B8-B9EF-F8F84EBADC06}" type="slidenum">
               <a:rPr lang="en-US" smtClean="0"/>
-              <a:t>16</a:t>
+              <a:t>15</a:t>
             </a:fld>
             <a:endParaRPr lang="en-US"/>
           </a:p>
@@ -956,6 +951,27 @@
             </a:r>
             <a:endParaRPr lang="en-US" dirty="0"/>
           </a:p>
+          <a:p>
+            <a:r>
+              <a:rPr lang="en-US" dirty="0"/>
+              <a:t>https://code.egym.de/refactoring-a-cmake-build-system-9898c2030c3a</a:t>
+            </a:r>
+          </a:p>
+          <a:p>
+            <a:r>
+              <a:rPr lang="en-US" dirty="0"/>
+              <a:t>https://code.egym.de/how-to-use-modern-cmake-for-an-app-lib-project-3c2ee6018cde</a:t>
+            </a:r>
+          </a:p>
+          <a:p>
+            <a:endParaRPr lang="en-US" dirty="0"/>
+          </a:p>
+          <a:p>
+            <a:r>
+              <a:rPr lang="en-US" dirty="0"/>
+              <a:t>http://www.stablecoder.ca/2019/03/15/sorting-you-dependency-graph.html</a:t>
+            </a:r>
+          </a:p>
         </p:txBody>
       </p:sp>
       <p:sp>
@@ -975,7 +991,7 @@
           <a:p>
             <a:fld id="{B98D41D3-80D1-41B8-B9EF-F8F84EBADC06}" type="slidenum">
               <a:rPr lang="en-US" smtClean="0"/>
-              <a:t>17</a:t>
+              <a:t>16</a:t>
             </a:fld>
             <a:endParaRPr lang="en-US"/>
           </a:p>
@@ -984,7 +1000,7 @@
     </p:spTree>
     <p:extLst>
       <p:ext uri="{BB962C8B-B14F-4D97-AF65-F5344CB8AC3E}">
-        <p14:creationId xmlns:p14="http://schemas.microsoft.com/office/powerpoint/2010/main" val="3363875125"/>
+        <p14:creationId xmlns:p14="http://schemas.microsoft.com/office/powerpoint/2010/main" val="3273976994"/>
       </p:ext>
     </p:extLst>
   </p:cSld>
@@ -1042,9 +1058,18 @@
               <a:rPr lang="en-US" dirty="0">
                 <a:hlinkClick r:id="rId3"/>
               </a:rPr>
-              <a:t>https://cgold.readthedocs.io/en/latest/overview/cmake-can.html</a:t>
+              <a:t>https://stackoverflow.com/questions/25789644/difference-between-using-makefile-and-cmake-to-compile-the-code</a:t>
             </a:r>
             <a:endParaRPr lang="en-US" dirty="0"/>
+          </a:p>
+          <a:p>
+            <a:endParaRPr lang="en-US" dirty="0"/>
+          </a:p>
+          <a:p>
+            <a:r>
+              <a:rPr lang="en-US" dirty="0"/>
+              <a:t>https://cmake.org/cmake/help/v3.4/manual/cmake-buildsystem.7.html#runtime-output-artifacts</a:t>
+            </a:r>
           </a:p>
         </p:txBody>
       </p:sp>
@@ -1065,7 +1090,7 @@
           <a:p>
             <a:fld id="{B98D41D3-80D1-41B8-B9EF-F8F84EBADC06}" type="slidenum">
               <a:rPr lang="en-US" smtClean="0"/>
-              <a:t>4</a:t>
+              <a:t>3</a:t>
             </a:fld>
             <a:endParaRPr lang="en-US"/>
           </a:p>
@@ -1074,7 +1099,7 @@
     </p:spTree>
     <p:extLst>
       <p:ext uri="{BB962C8B-B14F-4D97-AF65-F5344CB8AC3E}">
-        <p14:creationId xmlns:p14="http://schemas.microsoft.com/office/powerpoint/2010/main" val="1125134035"/>
+        <p14:creationId xmlns:p14="http://schemas.microsoft.com/office/powerpoint/2010/main" val="3412503010"/>
       </p:ext>
     </p:extLst>
   </p:cSld>
@@ -1129,13 +1154,12 @@
           <a:lstStyle/>
           <a:p>
             <a:r>
-              <a:rPr lang="en-US" dirty="0" err="1"/>
-              <a:t>Cmake</a:t>
-            </a:r>
-            <a:r>
-              <a:rPr lang="en-US" dirty="0"/>
-              <a:t>/help/latest/manual/cmake.1.html</a:t>
-            </a:r>
+              <a:rPr lang="en-US" dirty="0">
+                <a:hlinkClick r:id="rId3"/>
+              </a:rPr>
+              <a:t>https://cgold.readthedocs.io/en/latest/overview/cmake-can.html</a:t>
+            </a:r>
+            <a:endParaRPr lang="en-US" dirty="0"/>
           </a:p>
         </p:txBody>
       </p:sp>
@@ -1156,7 +1180,7 @@
           <a:p>
             <a:fld id="{B98D41D3-80D1-41B8-B9EF-F8F84EBADC06}" type="slidenum">
               <a:rPr lang="en-US" smtClean="0"/>
-              <a:t>5</a:t>
+              <a:t>4</a:t>
             </a:fld>
             <a:endParaRPr lang="en-US"/>
           </a:p>
@@ -1165,7 +1189,7 @@
     </p:spTree>
     <p:extLst>
       <p:ext uri="{BB962C8B-B14F-4D97-AF65-F5344CB8AC3E}">
-        <p14:creationId xmlns:p14="http://schemas.microsoft.com/office/powerpoint/2010/main" val="34302326"/>
+        <p14:creationId xmlns:p14="http://schemas.microsoft.com/office/powerpoint/2010/main" val="1125134035"/>
       </p:ext>
     </p:extLst>
   </p:cSld>
@@ -1194,7 +1218,7 @@
       </p:grpSpPr>
       <p:sp>
         <p:nvSpPr>
-          <p:cNvPr id="2" name="Slide Image Placeholder 1"/>
+          <p:cNvPr id="2" name="投影片影像版面配置區 1"/>
           <p:cNvSpPr>
             <a:spLocks noGrp="1" noRot="1" noChangeAspect="1"/>
           </p:cNvSpPr>
@@ -1206,7 +1230,7 @@
       </p:sp>
       <p:sp>
         <p:nvSpPr>
-          <p:cNvPr id="3" name="Notes Placeholder 2"/>
+          <p:cNvPr id="3" name="備忘稿版面配置區 2"/>
           <p:cNvSpPr>
             <a:spLocks noGrp="1"/>
           </p:cNvSpPr>
@@ -1220,15 +1244,19 @@
           <a:lstStyle/>
           <a:p>
             <a:r>
-              <a:rPr lang="en-US" b="1" dirty="0"/>
-              <a:t>https://stackoverflow.com/questions/31037882/whats-the-cmake-syntax-to-set-and-use-variables</a:t>
+              <a:rPr lang="en-US" dirty="0" err="1"/>
+              <a:t>Cmake</a:t>
+            </a:r>
+            <a:r>
+              <a:rPr lang="en-US" dirty="0"/>
+              <a:t>/help/latest/manual/cmake.1.html</a:t>
             </a:r>
           </a:p>
         </p:txBody>
       </p:sp>
       <p:sp>
         <p:nvSpPr>
-          <p:cNvPr id="4" name="Slide Number Placeholder 3"/>
+          <p:cNvPr id="4" name="投影片編號版面配置區 3"/>
           <p:cNvSpPr>
             <a:spLocks noGrp="1"/>
           </p:cNvSpPr>
@@ -1243,7 +1271,7 @@
           <a:p>
             <a:fld id="{B98D41D3-80D1-41B8-B9EF-F8F84EBADC06}" type="slidenum">
               <a:rPr lang="en-US" smtClean="0"/>
-              <a:t>7</a:t>
+              <a:t>5</a:t>
             </a:fld>
             <a:endParaRPr lang="en-US"/>
           </a:p>
@@ -1252,7 +1280,7 @@
     </p:spTree>
     <p:extLst>
       <p:ext uri="{BB962C8B-B14F-4D97-AF65-F5344CB8AC3E}">
-        <p14:creationId xmlns:p14="http://schemas.microsoft.com/office/powerpoint/2010/main" val="3485913306"/>
+        <p14:creationId xmlns:p14="http://schemas.microsoft.com/office/powerpoint/2010/main" val="34302326"/>
       </p:ext>
     </p:extLst>
   </p:cSld>
@@ -1281,7 +1309,7 @@
       </p:grpSpPr>
       <p:sp>
         <p:nvSpPr>
-          <p:cNvPr id="2" name="投影片影像版面配置區 1"/>
+          <p:cNvPr id="2" name="Slide Image Placeholder 1"/>
           <p:cNvSpPr>
             <a:spLocks noGrp="1" noRot="1" noChangeAspect="1"/>
           </p:cNvSpPr>
@@ -1293,7 +1321,7 @@
       </p:sp>
       <p:sp>
         <p:nvSpPr>
-          <p:cNvPr id="3" name="備忘稿版面配置區 2"/>
+          <p:cNvPr id="3" name="Notes Placeholder 2"/>
           <p:cNvSpPr>
             <a:spLocks noGrp="1"/>
           </p:cNvSpPr>
@@ -1307,47 +1335,15 @@
           <a:lstStyle/>
           <a:p>
             <a:r>
-              <a:rPr lang="en-US" dirty="0"/>
-              <a:t>https://cliutils.gitlab.io/modern-cmake/chapters/basics/variables.html</a:t>
-            </a:r>
-          </a:p>
-          <a:p>
-            <a:endParaRPr lang="en-US" dirty="0"/>
-          </a:p>
-          <a:p>
-            <a:pPr marL="0" marR="0" lvl="0" indent="0" algn="l" defTabSz="914400" rtl="0" eaLnBrk="1" fontAlgn="auto" latinLnBrk="0" hangingPunct="1">
-              <a:lnSpc>
-                <a:spcPct val="100000"/>
-              </a:lnSpc>
-              <a:spcBef>
-                <a:spcPts val="0"/>
-              </a:spcBef>
-              <a:spcAft>
-                <a:spcPts val="0"/>
-              </a:spcAft>
-              <a:buClrTx/>
-              <a:buSzTx/>
-              <a:buFontTx/>
-              <a:buNone/>
-              <a:tabLst/>
-              <a:defRPr/>
-            </a:pPr>
-            <a:r>
-              <a:rPr lang="en-US" dirty="0">
-                <a:hlinkClick r:id="rId3"/>
-              </a:rPr>
-              <a:t>https://preshing.com/20170522/learn-cmakes-scripting-language-in-15-minutes/</a:t>
-            </a:r>
-            <a:endParaRPr lang="en-US" dirty="0"/>
-          </a:p>
-          <a:p>
-            <a:endParaRPr lang="en-US" dirty="0"/>
+              <a:rPr lang="en-US" b="1" dirty="0"/>
+              <a:t>https://stackoverflow.com/questions/31037882/whats-the-cmake-syntax-to-set-and-use-variables</a:t>
+            </a:r>
           </a:p>
         </p:txBody>
       </p:sp>
       <p:sp>
         <p:nvSpPr>
-          <p:cNvPr id="4" name="投影片編號版面配置區 3"/>
+          <p:cNvPr id="4" name="Slide Number Placeholder 3"/>
           <p:cNvSpPr>
             <a:spLocks noGrp="1"/>
           </p:cNvSpPr>
@@ -1362,7 +1358,7 @@
           <a:p>
             <a:fld id="{B98D41D3-80D1-41B8-B9EF-F8F84EBADC06}" type="slidenum">
               <a:rPr lang="en-US" smtClean="0"/>
-              <a:t>8</a:t>
+              <a:t>7</a:t>
             </a:fld>
             <a:endParaRPr lang="en-US"/>
           </a:p>
@@ -1371,7 +1367,7 @@
     </p:spTree>
     <p:extLst>
       <p:ext uri="{BB962C8B-B14F-4D97-AF65-F5344CB8AC3E}">
-        <p14:creationId xmlns:p14="http://schemas.microsoft.com/office/powerpoint/2010/main" val="1771750061"/>
+        <p14:creationId xmlns:p14="http://schemas.microsoft.com/office/powerpoint/2010/main" val="3485913306"/>
       </p:ext>
     </p:extLst>
   </p:cSld>
@@ -1426,146 +1422,40 @@
           <a:lstStyle/>
           <a:p>
             <a:r>
-              <a:rPr lang="en-US" altLang="zh-CN" dirty="0"/>
-              <a:t>https://zhuanlan.zhihu.com/p/76975231</a:t>
-            </a:r>
-          </a:p>
-          <a:p>
-            <a:endParaRPr lang="en-US" altLang="zh-CN" dirty="0"/>
-          </a:p>
-          <a:p>
-            <a:r>
-              <a:rPr lang="en-US" altLang="zh-CN" dirty="0"/>
-              <a:t>https://ukabuer.me/blog/more-modern-cmake/</a:t>
-            </a:r>
-          </a:p>
-          <a:p>
-            <a:endParaRPr lang="en-US" altLang="zh-CN" dirty="0"/>
-          </a:p>
-          <a:p>
-            <a:r>
-              <a:rPr lang="en-US" altLang="zh-CN" dirty="0"/>
-              <a:t>https://cmake.org/cmake/help/latest/manual/cmake-properties.7.html</a:t>
-            </a:r>
-          </a:p>
-          <a:p>
-            <a:r>
-              <a:rPr lang="en-US" altLang="zh-CN" dirty="0"/>
-              <a:t>https://cmake.org/cmake/help/latest/manual/cmake-commands.7.html</a:t>
-            </a:r>
-          </a:p>
-          <a:p>
-            <a:endParaRPr lang="en-US" altLang="zh-CN" dirty="0"/>
-          </a:p>
-          <a:p>
-            <a:r>
-              <a:rPr lang="zh-CN" altLang="en-US" dirty="0"/>
-              <a:t>现代化的</a:t>
-            </a:r>
-            <a:r>
-              <a:rPr lang="en-US" altLang="zh-CN" dirty="0" err="1"/>
-              <a:t>CMake</a:t>
-            </a:r>
-            <a:r>
-              <a:rPr lang="zh-CN" altLang="en-US" dirty="0"/>
-              <a:t>是围绕 </a:t>
-            </a:r>
-            <a:r>
-              <a:rPr lang="en-US" altLang="zh-CN" dirty="0"/>
-              <a:t>Target </a:t>
-            </a:r>
-            <a:r>
-              <a:rPr lang="zh-CN" altLang="en-US" dirty="0"/>
-              <a:t>和 </a:t>
-            </a:r>
-            <a:r>
-              <a:rPr lang="en-US" altLang="zh-CN" dirty="0"/>
-              <a:t>Property </a:t>
-            </a:r>
-            <a:r>
-              <a:rPr lang="zh-CN" altLang="en-US" dirty="0"/>
-              <a:t>来定义的，并且竭力避免出现变量</a:t>
-            </a:r>
-            <a:r>
-              <a:rPr lang="en-US" altLang="zh-CN" dirty="0"/>
-              <a:t>variable</a:t>
-            </a:r>
-            <a:r>
-              <a:rPr lang="zh-CN" altLang="en-US" dirty="0"/>
-              <a:t>的定义。</a:t>
-            </a:r>
-            <a:r>
-              <a:rPr lang="en-US" altLang="zh-CN" dirty="0"/>
-              <a:t>Variable</a:t>
-            </a:r>
-            <a:r>
-              <a:rPr lang="zh-CN" altLang="en-US" dirty="0"/>
-              <a:t>横行是典型</a:t>
-            </a:r>
-            <a:r>
-              <a:rPr lang="en-US" altLang="zh-CN" dirty="0"/>
-              <a:t>CMake2.8</a:t>
-            </a:r>
-            <a:r>
-              <a:rPr lang="zh-CN" altLang="en-US" dirty="0"/>
-              <a:t>时期的风格。现代版的</a:t>
-            </a:r>
-            <a:r>
-              <a:rPr lang="en-US" altLang="zh-CN" dirty="0" err="1"/>
-              <a:t>CMake</a:t>
-            </a:r>
-            <a:r>
-              <a:rPr lang="zh-CN" altLang="en-US" dirty="0"/>
-              <a:t>更像是在遵循</a:t>
-            </a:r>
-            <a:r>
-              <a:rPr lang="en-US" altLang="zh-CN" dirty="0"/>
-              <a:t>OOP</a:t>
-            </a:r>
-            <a:r>
-              <a:rPr lang="zh-CN" altLang="en-US" dirty="0"/>
-              <a:t>的规则，通过</a:t>
-            </a:r>
-            <a:r>
-              <a:rPr lang="en-US" altLang="zh-CN" dirty="0"/>
-              <a:t>target</a:t>
-            </a:r>
-            <a:r>
-              <a:rPr lang="zh-CN" altLang="en-US" dirty="0"/>
-              <a:t>来约束</a:t>
-            </a:r>
-            <a:r>
-              <a:rPr lang="en-US" altLang="zh-CN" dirty="0"/>
-              <a:t>link</a:t>
-            </a:r>
-            <a:r>
-              <a:rPr lang="zh-CN" altLang="en-US" dirty="0"/>
-              <a:t>、</a:t>
-            </a:r>
-            <a:r>
-              <a:rPr lang="en-US" altLang="zh-CN" dirty="0"/>
-              <a:t>compile</a:t>
-            </a:r>
-            <a:r>
-              <a:rPr lang="zh-CN" altLang="en-US" dirty="0"/>
-              <a:t>等相关属性的作用域。如果把一个</a:t>
-            </a:r>
-            <a:r>
-              <a:rPr lang="en-US" altLang="zh-CN" dirty="0"/>
-              <a:t>Target</a:t>
-            </a:r>
-            <a:r>
-              <a:rPr lang="zh-CN" altLang="en-US" dirty="0"/>
-              <a:t>想象成一个对象（</a:t>
-            </a:r>
-            <a:r>
-              <a:rPr lang="en-US" altLang="zh-CN" dirty="0"/>
-              <a:t>Object</a:t>
-            </a:r>
-            <a:r>
-              <a:rPr lang="zh-CN" altLang="en-US" dirty="0"/>
-              <a:t>），会发现两者的组织方式非常相似：</a:t>
-            </a:r>
+              <a:rPr lang="en-US" dirty="0"/>
+              <a:t>https://cliutils.gitlab.io/modern-cmake/chapters/basics/variables.html</a:t>
+            </a:r>
+          </a:p>
+          <a:p>
+            <a:endParaRPr lang="en-US" dirty="0"/>
+          </a:p>
+          <a:p>
+            <a:pPr marL="0" marR="0" lvl="0" indent="0" algn="l" defTabSz="914400" rtl="0" eaLnBrk="1" fontAlgn="auto" latinLnBrk="0" hangingPunct="1">
+              <a:lnSpc>
+                <a:spcPct val="100000"/>
+              </a:lnSpc>
+              <a:spcBef>
+                <a:spcPts val="0"/>
+              </a:spcBef>
+              <a:spcAft>
+                <a:spcPts val="0"/>
+              </a:spcAft>
+              <a:buClrTx/>
+              <a:buSzTx/>
+              <a:buFontTx/>
+              <a:buNone/>
+              <a:tabLst/>
+              <a:defRPr/>
+            </a:pPr>
+            <a:r>
+              <a:rPr lang="en-US" dirty="0">
+                <a:hlinkClick r:id="rId3"/>
+              </a:rPr>
+              <a:t>https://preshing.com/20170522/learn-cmakes-scripting-language-in-15-minutes/</a:t>
+            </a:r>
+            <a:endParaRPr lang="en-US" dirty="0"/>
+          </a:p>
+          <a:p>
             <a:endParaRPr lang="en-US" dirty="0"/>
           </a:p>
         </p:txBody>
@@ -1587,7 +1477,7 @@
           <a:p>
             <a:fld id="{B98D41D3-80D1-41B8-B9EF-F8F84EBADC06}" type="slidenum">
               <a:rPr lang="en-US" smtClean="0"/>
-              <a:t>9</a:t>
+              <a:t>8</a:t>
             </a:fld>
             <a:endParaRPr lang="en-US"/>
           </a:p>
@@ -1596,7 +1486,7 @@
     </p:spTree>
     <p:extLst>
       <p:ext uri="{BB962C8B-B14F-4D97-AF65-F5344CB8AC3E}">
-        <p14:creationId xmlns:p14="http://schemas.microsoft.com/office/powerpoint/2010/main" val="2956216541"/>
+        <p14:creationId xmlns:p14="http://schemas.microsoft.com/office/powerpoint/2010/main" val="1771750061"/>
       </p:ext>
     </p:extLst>
   </p:cSld>
@@ -1651,9 +1541,147 @@
           <a:lstStyle/>
           <a:p>
             <a:r>
-              <a:rPr lang="en-US" dirty="0"/>
-              <a:t>https://stackoverflow.com/questions/60317621/namespace-notation-in-cmakelists-txt</a:t>
-            </a:r>
+              <a:rPr lang="en-US" altLang="zh-CN" dirty="0"/>
+              <a:t>https://zhuanlan.zhihu.com/p/76975231</a:t>
+            </a:r>
+          </a:p>
+          <a:p>
+            <a:endParaRPr lang="en-US" altLang="zh-CN" dirty="0"/>
+          </a:p>
+          <a:p>
+            <a:r>
+              <a:rPr lang="en-US" altLang="zh-CN" dirty="0"/>
+              <a:t>https://ukabuer.me/blog/more-modern-cmake/</a:t>
+            </a:r>
+          </a:p>
+          <a:p>
+            <a:endParaRPr lang="en-US" altLang="zh-CN" dirty="0"/>
+          </a:p>
+          <a:p>
+            <a:r>
+              <a:rPr lang="en-US" altLang="zh-CN" dirty="0"/>
+              <a:t>https://cmake.org/cmake/help/latest/manual/cmake-properties.7.html</a:t>
+            </a:r>
+          </a:p>
+          <a:p>
+            <a:r>
+              <a:rPr lang="en-US" altLang="zh-CN" dirty="0"/>
+              <a:t>https://cmake.org/cmake/help/latest/manual/cmake-commands.7.html</a:t>
+            </a:r>
+          </a:p>
+          <a:p>
+            <a:endParaRPr lang="en-US" altLang="zh-CN" dirty="0"/>
+          </a:p>
+          <a:p>
+            <a:r>
+              <a:rPr lang="zh-CN" altLang="en-US" dirty="0"/>
+              <a:t>现代化的</a:t>
+            </a:r>
+            <a:r>
+              <a:rPr lang="en-US" altLang="zh-CN" dirty="0" err="1"/>
+              <a:t>CMake</a:t>
+            </a:r>
+            <a:r>
+              <a:rPr lang="zh-CN" altLang="en-US" dirty="0"/>
+              <a:t>是围绕 </a:t>
+            </a:r>
+            <a:r>
+              <a:rPr lang="en-US" altLang="zh-CN" dirty="0"/>
+              <a:t>Target </a:t>
+            </a:r>
+            <a:r>
+              <a:rPr lang="zh-CN" altLang="en-US" dirty="0"/>
+              <a:t>和 </a:t>
+            </a:r>
+            <a:r>
+              <a:rPr lang="en-US" altLang="zh-CN" dirty="0"/>
+              <a:t>Property </a:t>
+            </a:r>
+            <a:r>
+              <a:rPr lang="zh-CN" altLang="en-US" dirty="0"/>
+              <a:t>来定义的，并且竭力避免出现变量</a:t>
+            </a:r>
+            <a:r>
+              <a:rPr lang="en-US" altLang="zh-CN" dirty="0"/>
+              <a:t>variable</a:t>
+            </a:r>
+            <a:r>
+              <a:rPr lang="zh-CN" altLang="en-US" dirty="0"/>
+              <a:t>的定义。</a:t>
+            </a:r>
+            <a:r>
+              <a:rPr lang="en-US" altLang="zh-CN" dirty="0"/>
+              <a:t>Variable</a:t>
+            </a:r>
+            <a:r>
+              <a:rPr lang="zh-CN" altLang="en-US" dirty="0"/>
+              <a:t>横行是典型</a:t>
+            </a:r>
+            <a:r>
+              <a:rPr lang="en-US" altLang="zh-CN" dirty="0"/>
+              <a:t>CMake2.8</a:t>
+            </a:r>
+            <a:r>
+              <a:rPr lang="zh-CN" altLang="en-US" dirty="0"/>
+              <a:t>时期的风格。现代版的</a:t>
+            </a:r>
+            <a:r>
+              <a:rPr lang="en-US" altLang="zh-CN" dirty="0" err="1"/>
+              <a:t>CMake</a:t>
+            </a:r>
+            <a:r>
+              <a:rPr lang="zh-CN" altLang="en-US" dirty="0"/>
+              <a:t>更像是在遵循</a:t>
+            </a:r>
+            <a:r>
+              <a:rPr lang="en-US" altLang="zh-CN" dirty="0"/>
+              <a:t>OOP</a:t>
+            </a:r>
+            <a:r>
+              <a:rPr lang="zh-CN" altLang="en-US" dirty="0"/>
+              <a:t>的规则，通过</a:t>
+            </a:r>
+            <a:r>
+              <a:rPr lang="en-US" altLang="zh-CN" dirty="0"/>
+              <a:t>target</a:t>
+            </a:r>
+            <a:r>
+              <a:rPr lang="zh-CN" altLang="en-US" dirty="0"/>
+              <a:t>来约束</a:t>
+            </a:r>
+            <a:r>
+              <a:rPr lang="en-US" altLang="zh-CN" dirty="0"/>
+              <a:t>link</a:t>
+            </a:r>
+            <a:r>
+              <a:rPr lang="zh-CN" altLang="en-US" dirty="0"/>
+              <a:t>、</a:t>
+            </a:r>
+            <a:r>
+              <a:rPr lang="en-US" altLang="zh-CN" dirty="0"/>
+              <a:t>compile</a:t>
+            </a:r>
+            <a:r>
+              <a:rPr lang="zh-CN" altLang="en-US" dirty="0"/>
+              <a:t>等相关属性的作用域。如果把一个</a:t>
+            </a:r>
+            <a:r>
+              <a:rPr lang="en-US" altLang="zh-CN" dirty="0"/>
+              <a:t>Target</a:t>
+            </a:r>
+            <a:r>
+              <a:rPr lang="zh-CN" altLang="en-US" dirty="0"/>
+              <a:t>想象成一个对象（</a:t>
+            </a:r>
+            <a:r>
+              <a:rPr lang="en-US" altLang="zh-CN" dirty="0"/>
+              <a:t>Object</a:t>
+            </a:r>
+            <a:r>
+              <a:rPr lang="zh-CN" altLang="en-US" dirty="0"/>
+              <a:t>），会发现两者的组织方式非常相似：</a:t>
+            </a:r>
+            <a:endParaRPr lang="en-US" dirty="0"/>
           </a:p>
         </p:txBody>
       </p:sp>
@@ -1674,7 +1702,7 @@
           <a:p>
             <a:fld id="{B98D41D3-80D1-41B8-B9EF-F8F84EBADC06}" type="slidenum">
               <a:rPr lang="en-US" smtClean="0"/>
-              <a:t>10</a:t>
+              <a:t>9</a:t>
             </a:fld>
             <a:endParaRPr lang="en-US"/>
           </a:p>
@@ -1683,7 +1711,7 @@
     </p:spTree>
     <p:extLst>
       <p:ext uri="{BB962C8B-B14F-4D97-AF65-F5344CB8AC3E}">
-        <p14:creationId xmlns:p14="http://schemas.microsoft.com/office/powerpoint/2010/main" val="2801612377"/>
+        <p14:creationId xmlns:p14="http://schemas.microsoft.com/office/powerpoint/2010/main" val="2956216541"/>
       </p:ext>
     </p:extLst>
   </p:cSld>
@@ -1739,14 +1767,8 @@
           <a:p>
             <a:r>
               <a:rPr lang="en-US" dirty="0"/>
-              <a:t>https://cmake.org/cmake/help/v3.7/manual/cmake-language.7.html</a:t>
-            </a:r>
-          </a:p>
-          <a:p>
-            <a:endParaRPr lang="en-US" dirty="0"/>
-          </a:p>
-          <a:p>
-            <a:endParaRPr lang="en-US" dirty="0"/>
+              <a:t>https://stackoverflow.com/questions/60317621/namespace-notation-in-cmakelists-txt</a:t>
+            </a:r>
           </a:p>
         </p:txBody>
       </p:sp>
@@ -1767,7 +1789,7 @@
           <a:p>
             <a:fld id="{B98D41D3-80D1-41B8-B9EF-F8F84EBADC06}" type="slidenum">
               <a:rPr lang="en-US" smtClean="0"/>
-              <a:t>11</a:t>
+              <a:t>10</a:t>
             </a:fld>
             <a:endParaRPr lang="en-US"/>
           </a:p>
@@ -1776,7 +1798,7 @@
     </p:spTree>
     <p:extLst>
       <p:ext uri="{BB962C8B-B14F-4D97-AF65-F5344CB8AC3E}">
-        <p14:creationId xmlns:p14="http://schemas.microsoft.com/office/powerpoint/2010/main" val="1652468921"/>
+        <p14:creationId xmlns:p14="http://schemas.microsoft.com/office/powerpoint/2010/main" val="2801612377"/>
       </p:ext>
     </p:extLst>
   </p:cSld>
@@ -1831,55 +1853,14 @@
           <a:lstStyle/>
           <a:p>
             <a:r>
-              <a:rPr lang="en-US" dirty="0">
-                <a:hlinkClick r:id="rId3"/>
-              </a:rPr>
-              <a:t>https://www.slideshare.net/oliora/introduction-to-cmake-in-30-minutes</a:t>
-            </a:r>
+              <a:rPr lang="en-US" dirty="0"/>
+              <a:t>https://cmake.org/cmake/help/v3.7/manual/cmake-language.7.html</a:t>
+            </a:r>
+          </a:p>
+          <a:p>
             <a:endParaRPr lang="en-US" dirty="0"/>
           </a:p>
           <a:p>
-            <a:pPr marL="0" marR="0" lvl="0" indent="0" algn="l" defTabSz="914400" rtl="0" eaLnBrk="1" fontAlgn="auto" latinLnBrk="0" hangingPunct="1">
-              <a:lnSpc>
-                <a:spcPct val="100000"/>
-              </a:lnSpc>
-              <a:spcBef>
-                <a:spcPts val="0"/>
-              </a:spcBef>
-              <a:spcAft>
-                <a:spcPts val="0"/>
-              </a:spcAft>
-              <a:buClrTx/>
-              <a:buSzTx/>
-              <a:buFontTx/>
-              <a:buNone/>
-              <a:tabLst/>
-              <a:defRPr/>
-            </a:pPr>
-            <a:r>
-              <a:rPr lang="en-US" dirty="0">
-                <a:hlinkClick r:id="rId4"/>
-              </a:rPr>
-              <a:t>https://www.slideshare.net/DanielPfeifer1/cmake-48475415</a:t>
-            </a:r>
-            <a:endParaRPr lang="en-US" dirty="0"/>
-          </a:p>
-          <a:p>
-            <a:r>
-              <a:rPr lang="en-US" dirty="0">
-                <a:hlinkClick r:id="rId5"/>
-              </a:rPr>
-              <a:t>https://myslide.cn/slides/12169</a:t>
-            </a:r>
-            <a:endParaRPr lang="en-US" dirty="0"/>
-          </a:p>
-          <a:p>
-            <a:r>
-              <a:rPr lang="en-US" dirty="0">
-                <a:hlinkClick r:id="rId6"/>
-              </a:rPr>
-              <a:t>https://zh.wikibooks.org/wiki/CMake_%E5%85%A5%E9%96%80/%E8%BC%B8%E5%87%BA%E4%BD%8D%E7%BD%AE%E8%88%87%E5%AE%89%E8%A3%9D</a:t>
-            </a:r>
             <a:endParaRPr lang="en-US" dirty="0"/>
           </a:p>
         </p:txBody>
@@ -1901,7 +1882,7 @@
           <a:p>
             <a:fld id="{B98D41D3-80D1-41B8-B9EF-F8F84EBADC06}" type="slidenum">
               <a:rPr lang="en-US" smtClean="0"/>
-              <a:t>13</a:t>
+              <a:t>11</a:t>
             </a:fld>
             <a:endParaRPr lang="en-US"/>
           </a:p>
@@ -1910,7 +1891,7 @@
     </p:spTree>
     <p:extLst>
       <p:ext uri="{BB962C8B-B14F-4D97-AF65-F5344CB8AC3E}">
-        <p14:creationId xmlns:p14="http://schemas.microsoft.com/office/powerpoint/2010/main" val="2882470297"/>
+        <p14:creationId xmlns:p14="http://schemas.microsoft.com/office/powerpoint/2010/main" val="1652468921"/>
       </p:ext>
     </p:extLst>
   </p:cSld>
@@ -5703,6 +5684,45 @@
           </a:p>
         </p:txBody>
       </p:sp>
+      <p:pic>
+        <p:nvPicPr>
+          <p:cNvPr id="2" name="圖片 15" descr="一張含有 螢幕擷取畫面 的圖片&#10;&#10;自動產生的描述">
+            <a:extLst>
+              <a:ext uri="{FF2B5EF4-FFF2-40B4-BE49-F238E27FC236}">
+                <a16:creationId xmlns:a16="http://schemas.microsoft.com/office/drawing/2014/main" id="{89D2858E-A7A3-406C-BFFF-7A2054FF3886}"/>
+              </a:ext>
+            </a:extLst>
+          </p:cNvPr>
+          <p:cNvPicPr>
+            <a:picLocks noChangeAspect="1"/>
+          </p:cNvPicPr>
+          <p:nvPr/>
+        </p:nvPicPr>
+        <p:blipFill>
+          <a:blip r:embed="rId3">
+            <a:extLst>
+              <a:ext uri="{28A0092B-C50C-407E-A947-70E740481C1C}">
+                <a14:useLocalDpi xmlns:a14="http://schemas.microsoft.com/office/drawing/2010/main" val="0"/>
+              </a:ext>
+            </a:extLst>
+          </a:blip>
+          <a:stretch>
+            <a:fillRect/>
+          </a:stretch>
+        </p:blipFill>
+        <p:spPr>
+          <a:xfrm>
+            <a:off x="-3585600" y="2790393"/>
+            <a:ext cx="2994454" cy="2245841"/>
+          </a:xfrm>
+          <a:prstGeom prst="rect">
+            <a:avLst/>
+          </a:prstGeom>
+          <a:solidFill>
+            <a:srgbClr val="FB8500"/>
+          </a:solidFill>
+        </p:spPr>
+      </p:pic>
     </p:spTree>
     <p:extLst>
       <p:ext uri="{BB962C8B-B14F-4D97-AF65-F5344CB8AC3E}">
@@ -5780,7 +5800,7 @@
         <p:spPr>
           <a:xfrm>
             <a:off x="6096000" y="1207363"/>
-            <a:ext cx="1754519" cy="2814617"/>
+            <a:ext cx="1754519" cy="3276282"/>
           </a:xfrm>
           <a:prstGeom prst="rect">
             <a:avLst/>
@@ -5802,7 +5822,7 @@
             </a:pPr>
             <a:r>
               <a:rPr lang="en-US" sz="2000" dirty="0"/>
-              <a:t>Control flow</a:t>
+              <a:t>message</a:t>
             </a:r>
           </a:p>
           <a:p>
@@ -5815,7 +5835,7 @@
             </a:pPr>
             <a:r>
               <a:rPr lang="en-US" sz="2000" dirty="0"/>
-              <a:t>Function</a:t>
+              <a:t>Control flow</a:t>
             </a:r>
           </a:p>
           <a:p>
@@ -5828,7 +5848,7 @@
             </a:pPr>
             <a:r>
               <a:rPr lang="en-US" sz="2000" dirty="0"/>
-              <a:t>Macros</a:t>
+              <a:t>Function</a:t>
             </a:r>
           </a:p>
           <a:p>
@@ -5841,7 +5861,7 @@
             </a:pPr>
             <a:r>
               <a:rPr lang="en-US" sz="2000" dirty="0"/>
-              <a:t>math</a:t>
+              <a:t>Macros</a:t>
             </a:r>
           </a:p>
           <a:p>
@@ -5854,7 +5874,20 @@
             </a:pPr>
             <a:r>
               <a:rPr lang="en-US" sz="2000" dirty="0"/>
-              <a:t>message</a:t>
+              <a:t>Math</a:t>
+            </a:r>
+          </a:p>
+          <a:p>
+            <a:pPr marL="285750" indent="-285750">
+              <a:lnSpc>
+                <a:spcPct val="150000"/>
+              </a:lnSpc>
+              <a:buFont typeface="Arial" panose="020B0604020202020204" pitchFamily="34" charset="0"/>
+              <a:buChar char="•"/>
+            </a:pPr>
+            <a:r>
+              <a:rPr lang="en-US" sz="2000" dirty="0"/>
+              <a:t>…</a:t>
             </a:r>
           </a:p>
           <a:p>
@@ -5915,8 +5948,42 @@
           </a:fontRef>
         </p:style>
         <p:txBody>
-          <a:bodyPr rtlCol="0" anchor="ctr"/>
+          <a:bodyPr rtlCol="0" anchor="t"/>
           <a:lstStyle/>
+          <a:p>
+            <a:r>
+              <a:rPr lang="en-US" b="1" dirty="0">
+                <a:solidFill>
+                  <a:schemeClr val="tx1"/>
+                </a:solidFill>
+              </a:rPr>
+              <a:t>message</a:t>
+            </a:r>
+            <a:r>
+              <a:rPr lang="en-US" dirty="0">
+                <a:solidFill>
+                  <a:schemeClr val="tx1"/>
+                </a:solidFill>
+              </a:rPr>
+              <a:t>(</a:t>
+            </a:r>
+            <a:r>
+              <a:rPr lang="en-US" dirty="0" err="1">
+                <a:solidFill>
+                  <a:schemeClr val="tx1"/>
+                </a:solidFill>
+              </a:rPr>
+              <a:t>helloworld</a:t>
+            </a:r>
+            <a:r>
+              <a:rPr lang="en-US" dirty="0">
+                <a:solidFill>
+                  <a:schemeClr val="tx1"/>
+                </a:solidFill>
+              </a:rPr>
+              <a:t>)</a:t>
+            </a:r>
+          </a:p>
           <a:p>
             <a:endParaRPr lang="en-US" dirty="0">
               <a:solidFill>
@@ -5924,8 +5991,319 @@
               </a:solidFill>
             </a:endParaRPr>
           </a:p>
+          <a:p>
+            <a:endParaRPr lang="en-US" dirty="0">
+              <a:solidFill>
+                <a:schemeClr val="tx1"/>
+              </a:solidFill>
+            </a:endParaRPr>
+          </a:p>
+          <a:p>
+            <a:r>
+              <a:rPr lang="en-US" b="1" dirty="0">
+                <a:solidFill>
+                  <a:schemeClr val="tx1"/>
+                </a:solidFill>
+              </a:rPr>
+              <a:t>if</a:t>
+            </a:r>
+            <a:r>
+              <a:rPr lang="en-US" dirty="0">
+                <a:solidFill>
+                  <a:schemeClr val="tx1"/>
+                </a:solidFill>
+              </a:rPr>
+              <a:t>(</a:t>
+            </a:r>
+            <a:r>
+              <a:rPr lang="en-US" b="1" dirty="0">
+                <a:solidFill>
+                  <a:srgbClr val="219EBC"/>
+                </a:solidFill>
+              </a:rPr>
+              <a:t>variable</a:t>
+            </a:r>
+            <a:r>
+              <a:rPr lang="en-US" dirty="0">
+                <a:solidFill>
+                  <a:schemeClr val="tx1"/>
+                </a:solidFill>
+              </a:rPr>
+              <a:t>)</a:t>
+            </a:r>
+          </a:p>
+          <a:p>
+            <a:r>
+              <a:rPr lang="en-US" dirty="0">
+                <a:solidFill>
+                  <a:schemeClr val="tx1"/>
+                </a:solidFill>
+              </a:rPr>
+              <a:t>	# </a:t>
+            </a:r>
+            <a:r>
+              <a:rPr lang="en-US" b="1" dirty="0">
+                <a:solidFill>
+                  <a:srgbClr val="219EBC"/>
+                </a:solidFill>
+              </a:rPr>
+              <a:t>variable</a:t>
+            </a:r>
+            <a:r>
+              <a:rPr lang="en-US" dirty="0">
+                <a:solidFill>
+                  <a:schemeClr val="tx1"/>
+                </a:solidFill>
+              </a:rPr>
+              <a:t> is `ON`, `YES`, `TRUE`, `Y`, … </a:t>
+            </a:r>
+          </a:p>
+          <a:p>
+            <a:r>
+              <a:rPr lang="en-US" b="1" dirty="0">
+                <a:solidFill>
+                  <a:schemeClr val="tx1"/>
+                </a:solidFill>
+              </a:rPr>
+              <a:t>else</a:t>
+            </a:r>
+            <a:r>
+              <a:rPr lang="en-US" dirty="0">
+                <a:solidFill>
+                  <a:schemeClr val="tx1"/>
+                </a:solidFill>
+              </a:rPr>
+              <a:t>()</a:t>
+            </a:r>
+          </a:p>
+          <a:p>
+            <a:r>
+              <a:rPr lang="en-US" dirty="0">
+                <a:solidFill>
+                  <a:schemeClr val="tx1"/>
+                </a:solidFill>
+              </a:rPr>
+              <a:t>   	# </a:t>
+            </a:r>
+            <a:r>
+              <a:rPr lang="en-US" b="1" dirty="0">
+                <a:solidFill>
+                  <a:srgbClr val="219EBC"/>
+                </a:solidFill>
+              </a:rPr>
+              <a:t>variable</a:t>
+            </a:r>
+            <a:r>
+              <a:rPr lang="en-US" dirty="0">
+                <a:solidFill>
+                  <a:schemeClr val="tx1"/>
+                </a:solidFill>
+              </a:rPr>
+              <a:t> is `0`, `OFF`, `NO`, `FALSE`, …</a:t>
+            </a:r>
+          </a:p>
+          <a:p>
+            <a:r>
+              <a:rPr lang="en-US" b="1" dirty="0">
+                <a:solidFill>
+                  <a:schemeClr val="tx1"/>
+                </a:solidFill>
+              </a:rPr>
+              <a:t>endif</a:t>
+            </a:r>
+            <a:r>
+              <a:rPr lang="en-US" dirty="0">
+                <a:solidFill>
+                  <a:schemeClr val="tx1"/>
+                </a:solidFill>
+              </a:rPr>
+              <a:t>()</a:t>
+            </a:r>
+          </a:p>
+          <a:p>
+            <a:endParaRPr lang="en-US" dirty="0">
+              <a:solidFill>
+                <a:schemeClr val="tx1"/>
+              </a:solidFill>
+            </a:endParaRPr>
+          </a:p>
+          <a:p>
+            <a:endParaRPr lang="en-US" dirty="0">
+              <a:solidFill>
+                <a:schemeClr val="tx1"/>
+              </a:solidFill>
+            </a:endParaRPr>
+          </a:p>
+          <a:p>
+            <a:r>
+              <a:rPr lang="en-US" b="1" dirty="0">
+                <a:solidFill>
+                  <a:schemeClr val="tx1"/>
+                </a:solidFill>
+              </a:rPr>
+              <a:t>function</a:t>
+            </a:r>
+            <a:r>
+              <a:rPr lang="en-US" dirty="0">
+                <a:solidFill>
+                  <a:schemeClr val="tx1"/>
+                </a:solidFill>
+              </a:rPr>
+              <a:t>(</a:t>
+            </a:r>
+            <a:r>
+              <a:rPr lang="en-US" b="1" dirty="0" err="1">
+                <a:solidFill>
+                  <a:srgbClr val="219EBC"/>
+                </a:solidFill>
+              </a:rPr>
+              <a:t>fooFunc</a:t>
+            </a:r>
+            <a:r>
+              <a:rPr lang="en-US" dirty="0">
+                <a:solidFill>
+                  <a:srgbClr val="333333"/>
+                </a:solidFill>
+                <a:latin typeface="Menlo"/>
+              </a:rPr>
+              <a:t> </a:t>
+            </a:r>
+            <a:r>
+              <a:rPr lang="en-US" b="1" dirty="0" err="1">
+                <a:solidFill>
+                  <a:srgbClr val="219EBC"/>
+                </a:solidFill>
+              </a:rPr>
+              <a:t>arg</a:t>
+            </a:r>
+            <a:r>
+              <a:rPr lang="en-US" dirty="0">
+                <a:solidFill>
+                  <a:srgbClr val="333333"/>
+                </a:solidFill>
+                <a:latin typeface="Menlo"/>
+              </a:rPr>
+              <a:t>… </a:t>
+            </a:r>
+            <a:r>
+              <a:rPr lang="en-US" dirty="0">
+                <a:solidFill>
+                  <a:schemeClr val="tx1"/>
+                </a:solidFill>
+              </a:rPr>
+              <a:t>)</a:t>
+            </a:r>
+          </a:p>
+          <a:p>
+            <a:r>
+              <a:rPr lang="en-US" dirty="0">
+                <a:solidFill>
+                  <a:schemeClr val="tx1"/>
+                </a:solidFill>
+              </a:rPr>
+              <a:t>	# do something in function</a:t>
+            </a:r>
+          </a:p>
+          <a:p>
+            <a:r>
+              <a:rPr lang="en-US" b="1" dirty="0" err="1">
+                <a:solidFill>
+                  <a:schemeClr val="tx1"/>
+                </a:solidFill>
+              </a:rPr>
+              <a:t>endfunction</a:t>
+            </a:r>
+            <a:r>
+              <a:rPr lang="en-US" dirty="0">
+                <a:solidFill>
+                  <a:schemeClr val="tx1"/>
+                </a:solidFill>
+              </a:rPr>
+              <a:t>()</a:t>
+            </a:r>
+          </a:p>
+          <a:p>
+            <a:endParaRPr lang="en-US" dirty="0">
+              <a:solidFill>
+                <a:schemeClr val="tx1"/>
+              </a:solidFill>
+            </a:endParaRPr>
+          </a:p>
+          <a:p>
+            <a:r>
+              <a:rPr lang="en-US" b="1" dirty="0">
+                <a:solidFill>
+                  <a:schemeClr val="tx1"/>
+                </a:solidFill>
+              </a:rPr>
+              <a:t>math</a:t>
+            </a:r>
+            <a:r>
+              <a:rPr lang="en-US" dirty="0">
+                <a:solidFill>
+                  <a:schemeClr val="tx1"/>
+                </a:solidFill>
+              </a:rPr>
+              <a:t>(EXPR </a:t>
+            </a:r>
+            <a:r>
+              <a:rPr lang="en-US" b="1" dirty="0">
+                <a:solidFill>
+                  <a:srgbClr val="219EBC"/>
+                </a:solidFill>
+              </a:rPr>
+              <a:t>var</a:t>
+            </a:r>
+            <a:r>
+              <a:rPr lang="en-US" dirty="0">
+                <a:solidFill>
+                  <a:schemeClr val="tx1"/>
+                </a:solidFill>
+              </a:rPr>
+              <a:t> "1 + 2 * 3")</a:t>
+            </a:r>
+          </a:p>
         </p:txBody>
       </p:sp>
+      <p:pic>
+        <p:nvPicPr>
+          <p:cNvPr id="9" name="圖片 15" descr="一張含有 螢幕擷取畫面 的圖片&#10;&#10;自動產生的描述">
+            <a:extLst>
+              <a:ext uri="{FF2B5EF4-FFF2-40B4-BE49-F238E27FC236}">
+                <a16:creationId xmlns:a16="http://schemas.microsoft.com/office/drawing/2014/main" id="{555EDAA0-744B-4233-88A3-D9D1CF87B80F}"/>
+              </a:ext>
+            </a:extLst>
+          </p:cNvPr>
+          <p:cNvPicPr>
+            <a:picLocks noChangeAspect="1"/>
+          </p:cNvPicPr>
+          <p:nvPr/>
+        </p:nvPicPr>
+        <p:blipFill>
+          <a:blip r:embed="rId3">
+            <a:extLst>
+              <a:ext uri="{28A0092B-C50C-407E-A947-70E740481C1C}">
+                <a14:useLocalDpi xmlns:a14="http://schemas.microsoft.com/office/drawing/2010/main" val="0"/>
+              </a:ext>
+            </a:extLst>
+          </a:blip>
+          <a:stretch>
+            <a:fillRect/>
+          </a:stretch>
+        </p:blipFill>
+        <p:spPr>
+          <a:xfrm>
+            <a:off x="-3520592" y="2981297"/>
+            <a:ext cx="2994454" cy="2245841"/>
+          </a:xfrm>
+          <a:prstGeom prst="rect">
+            <a:avLst/>
+          </a:prstGeom>
+          <a:solidFill>
+            <a:srgbClr val="FB8500"/>
+          </a:solidFill>
+        </p:spPr>
+      </p:pic>
     </p:spTree>
     <p:extLst>
       <p:ext uri="{BB962C8B-B14F-4D97-AF65-F5344CB8AC3E}">
@@ -5940,7 +6318,7 @@
 </file>
 
 <file path=ppt/slides/slide11.xml><?xml version="1.0" encoding="utf-8"?>
-<p:sld xmlns:a="http://schemas.openxmlformats.org/drawingml/2006/main" xmlns:r="http://schemas.openxmlformats.org/officeDocument/2006/relationships" xmlns:p="http://schemas.openxmlformats.org/presentationml/2006/main">
+<p:sld xmlns:a="http://schemas.openxmlformats.org/drawingml/2006/main" xmlns:r="http://schemas.openxmlformats.org/officeDocument/2006/relationships" xmlns:p="http://schemas.openxmlformats.org/presentationml/2006/main" show="0">
   <p:cSld>
     <p:spTree>
       <p:nvGrpSpPr>
@@ -6506,10 +6884,184 @@
       </p:sp>
       <p:sp>
         <p:nvSpPr>
-          <p:cNvPr id="2" name="文字方塊 1">
-            <a:extLst>
-              <a:ext uri="{FF2B5EF4-FFF2-40B4-BE49-F238E27FC236}">
-                <a16:creationId xmlns:a16="http://schemas.microsoft.com/office/drawing/2014/main" id="{A76828C2-972E-4613-9E56-ABF59971DEBF}"/>
+          <p:cNvPr id="9" name="矩形 8">
+            <a:extLst>
+              <a:ext uri="{FF2B5EF4-FFF2-40B4-BE49-F238E27FC236}">
+                <a16:creationId xmlns:a16="http://schemas.microsoft.com/office/drawing/2014/main" id="{8BB22445-A528-4415-994D-5C84DC9C245D}"/>
+              </a:ext>
+            </a:extLst>
+          </p:cNvPr>
+          <p:cNvSpPr/>
+          <p:nvPr/>
+        </p:nvSpPr>
+        <p:spPr>
+          <a:xfrm>
+            <a:off x="899347" y="1154855"/>
+            <a:ext cx="2569773" cy="461639"/>
+          </a:xfrm>
+          <a:prstGeom prst="rect">
+            <a:avLst/>
+          </a:prstGeom>
+          <a:solidFill>
+            <a:srgbClr val="FFB703"/>
+          </a:solidFill>
+          <a:ln>
+            <a:noFill/>
+          </a:ln>
+        </p:spPr>
+        <p:style>
+          <a:lnRef idx="2">
+            <a:schemeClr val="accent1">
+              <a:shade val="50000"/>
+            </a:schemeClr>
+          </a:lnRef>
+          <a:fillRef idx="1">
+            <a:schemeClr val="accent1"/>
+          </a:fillRef>
+          <a:effectRef idx="0">
+            <a:schemeClr val="accent1"/>
+          </a:effectRef>
+          <a:fontRef idx="minor">
+            <a:schemeClr val="lt1"/>
+          </a:fontRef>
+        </p:style>
+        <p:txBody>
+          <a:bodyPr rtlCol="0" anchor="ctr"/>
+          <a:lstStyle/>
+          <a:p>
+            <a:r>
+              <a:rPr lang="en-US" sz="2000" b="1" dirty="0">
+                <a:solidFill>
+                  <a:schemeClr val="tx1"/>
+                </a:solidFill>
+              </a:rPr>
+              <a:t>01_hello-world</a:t>
+            </a:r>
+          </a:p>
+        </p:txBody>
+      </p:sp>
+      <p:sp>
+        <p:nvSpPr>
+          <p:cNvPr id="11" name="矩形 10">
+            <a:extLst>
+              <a:ext uri="{FF2B5EF4-FFF2-40B4-BE49-F238E27FC236}">
+                <a16:creationId xmlns:a16="http://schemas.microsoft.com/office/drawing/2014/main" id="{8D7F949C-45AA-4DD6-9289-322504222842}"/>
+              </a:ext>
+            </a:extLst>
+          </p:cNvPr>
+          <p:cNvSpPr/>
+          <p:nvPr/>
+        </p:nvSpPr>
+        <p:spPr>
+          <a:xfrm>
+            <a:off x="899346" y="5234536"/>
+            <a:ext cx="2569775" cy="638578"/>
+          </a:xfrm>
+          <a:prstGeom prst="rect">
+            <a:avLst/>
+          </a:prstGeom>
+          <a:solidFill>
+            <a:srgbClr val="FFB703"/>
+          </a:solidFill>
+          <a:ln>
+            <a:noFill/>
+          </a:ln>
+        </p:spPr>
+        <p:style>
+          <a:lnRef idx="2">
+            <a:schemeClr val="accent1">
+              <a:shade val="50000"/>
+            </a:schemeClr>
+          </a:lnRef>
+          <a:fillRef idx="1">
+            <a:schemeClr val="accent1"/>
+          </a:fillRef>
+          <a:effectRef idx="0">
+            <a:schemeClr val="accent1"/>
+          </a:effectRef>
+          <a:fontRef idx="minor">
+            <a:schemeClr val="lt1"/>
+          </a:fontRef>
+        </p:style>
+        <p:txBody>
+          <a:bodyPr rtlCol="0" anchor="ctr"/>
+          <a:lstStyle/>
+          <a:p>
+            <a:r>
+              <a:rPr lang="en-US" sz="2000" b="1" dirty="0">
+                <a:solidFill>
+                  <a:schemeClr val="tx1"/>
+                </a:solidFill>
+              </a:rPr>
+              <a:t>03_static-library 04_shared-library</a:t>
+            </a:r>
+          </a:p>
+        </p:txBody>
+      </p:sp>
+      <p:sp>
+        <p:nvSpPr>
+          <p:cNvPr id="13" name="矩形 12">
+            <a:extLst>
+              <a:ext uri="{FF2B5EF4-FFF2-40B4-BE49-F238E27FC236}">
+                <a16:creationId xmlns:a16="http://schemas.microsoft.com/office/drawing/2014/main" id="{8DE5DFD6-AC71-4DA0-9C43-1A6CA3D57CB2}"/>
+              </a:ext>
+            </a:extLst>
+          </p:cNvPr>
+          <p:cNvSpPr/>
+          <p:nvPr/>
+        </p:nvSpPr>
+        <p:spPr>
+          <a:xfrm>
+            <a:off x="899347" y="3016402"/>
+            <a:ext cx="2569774" cy="461639"/>
+          </a:xfrm>
+          <a:prstGeom prst="rect">
+            <a:avLst/>
+          </a:prstGeom>
+          <a:solidFill>
+            <a:srgbClr val="FFB703"/>
+          </a:solidFill>
+          <a:ln>
+            <a:noFill/>
+          </a:ln>
+        </p:spPr>
+        <p:style>
+          <a:lnRef idx="2">
+            <a:schemeClr val="accent1">
+              <a:shade val="50000"/>
+            </a:schemeClr>
+          </a:lnRef>
+          <a:fillRef idx="1">
+            <a:schemeClr val="accent1"/>
+          </a:fillRef>
+          <a:effectRef idx="0">
+            <a:schemeClr val="accent1"/>
+          </a:effectRef>
+          <a:fontRef idx="minor">
+            <a:schemeClr val="lt1"/>
+          </a:fontRef>
+        </p:style>
+        <p:txBody>
+          <a:bodyPr rtlCol="0" anchor="ctr"/>
+          <a:lstStyle/>
+          <a:p>
+            <a:r>
+              <a:rPr lang="en-US" sz="2000" b="1" dirty="0">
+                <a:solidFill>
+                  <a:schemeClr val="tx1"/>
+                </a:solidFill>
+              </a:rPr>
+              <a:t>02_include-header</a:t>
+            </a:r>
+          </a:p>
+        </p:txBody>
+      </p:sp>
+      <p:sp>
+        <p:nvSpPr>
+          <p:cNvPr id="19" name="文字方塊 18">
+            <a:extLst>
+              <a:ext uri="{FF2B5EF4-FFF2-40B4-BE49-F238E27FC236}">
+                <a16:creationId xmlns:a16="http://schemas.microsoft.com/office/drawing/2014/main" id="{2239D3E8-3550-4BE3-9218-C30CB5CA29E4}"/>
               </a:ext>
             </a:extLst>
           </p:cNvPr>
@@ -6518,8 +7070,8 @@
         </p:nvSpPr>
         <p:spPr>
           <a:xfrm>
-            <a:off x="4165600" y="2120900"/>
-            <a:ext cx="2579617" cy="369332"/>
+            <a:off x="899346" y="1665506"/>
+            <a:ext cx="3729739" cy="967957"/>
           </a:xfrm>
           <a:prstGeom prst="rect">
             <a:avLst/>
@@ -6532,19 +7084,39 @@
           </a:bodyPr>
           <a:lstStyle/>
           <a:p>
-            <a:r>
-              <a:rPr lang="en-US" dirty="0"/>
-              <a:t>Source &amp; binary directory</a:t>
+            <a:pPr marL="285750" indent="-285750">
+              <a:lnSpc>
+                <a:spcPct val="150000"/>
+              </a:lnSpc>
+              <a:buFont typeface="Arial" panose="020B0604020202020204" pitchFamily="34" charset="0"/>
+              <a:buChar char="•"/>
+            </a:pPr>
+            <a:r>
+              <a:rPr lang="en-US" sz="2000" dirty="0"/>
+              <a:t>Specify Build System Generator</a:t>
+            </a:r>
+          </a:p>
+          <a:p>
+            <a:pPr marL="285750" indent="-285750">
+              <a:lnSpc>
+                <a:spcPct val="150000"/>
+              </a:lnSpc>
+              <a:buFont typeface="Arial" panose="020B0604020202020204" pitchFamily="34" charset="0"/>
+              <a:buChar char="•"/>
+            </a:pPr>
+            <a:r>
+              <a:rPr lang="en-US" sz="2000" dirty="0"/>
+              <a:t>Source &amp; Binary Directory</a:t>
             </a:r>
           </a:p>
         </p:txBody>
       </p:sp>
       <p:sp>
         <p:nvSpPr>
-          <p:cNvPr id="3" name="文字方塊 2">
-            <a:extLst>
-              <a:ext uri="{FF2B5EF4-FFF2-40B4-BE49-F238E27FC236}">
-                <a16:creationId xmlns:a16="http://schemas.microsoft.com/office/drawing/2014/main" id="{EE80F98D-258D-4F43-B969-01CBA857F251}"/>
+          <p:cNvPr id="21" name="文字方塊 20">
+            <a:extLst>
+              <a:ext uri="{FF2B5EF4-FFF2-40B4-BE49-F238E27FC236}">
+                <a16:creationId xmlns:a16="http://schemas.microsoft.com/office/drawing/2014/main" id="{7F393DB2-6017-418A-ABFB-5BE3EDB80498}"/>
               </a:ext>
             </a:extLst>
           </p:cNvPr>
@@ -6553,8 +7125,321 @@
         </p:nvSpPr>
         <p:spPr>
           <a:xfrm>
-            <a:off x="4165600" y="2705100"/>
-            <a:ext cx="1989455" cy="369332"/>
+            <a:off x="899346" y="3554758"/>
+            <a:ext cx="4255266" cy="1295868"/>
+          </a:xfrm>
+          <a:prstGeom prst="rect">
+            <a:avLst/>
+          </a:prstGeom>
+          <a:noFill/>
+        </p:spPr>
+        <p:txBody>
+          <a:bodyPr wrap="square">
+            <a:spAutoFit/>
+          </a:bodyPr>
+          <a:lstStyle/>
+          <a:p>
+            <a:pPr marL="285750" indent="-285750">
+              <a:lnSpc>
+                <a:spcPct val="150000"/>
+              </a:lnSpc>
+              <a:buFont typeface="Arial" panose="020B0604020202020204" pitchFamily="34" charset="0"/>
+              <a:buChar char="•"/>
+            </a:pPr>
+            <a:r>
+              <a:rPr lang="en-US" sz="1800" dirty="0"/>
+              <a:t>-S &lt;path-to-source&gt;  -B &lt;path-to-build&gt; </a:t>
+            </a:r>
+          </a:p>
+          <a:p>
+            <a:pPr marL="285750" indent="-285750">
+              <a:lnSpc>
+                <a:spcPct val="150000"/>
+              </a:lnSpc>
+              <a:buFont typeface="Arial" panose="020B0604020202020204" pitchFamily="34" charset="0"/>
+              <a:buChar char="•"/>
+            </a:pPr>
+            <a:r>
+              <a:rPr lang="en-US" sz="1800" dirty="0"/>
+              <a:t>-G &lt;generator-name&gt;</a:t>
+            </a:r>
+          </a:p>
+          <a:p>
+            <a:pPr marL="285750" indent="-285750">
+              <a:lnSpc>
+                <a:spcPct val="150000"/>
+              </a:lnSpc>
+              <a:buFont typeface="Arial" panose="020B0604020202020204" pitchFamily="34" charset="0"/>
+              <a:buChar char="•"/>
+            </a:pPr>
+            <a:r>
+              <a:rPr lang="en-US" sz="1800" dirty="0" err="1"/>
+              <a:t>target_include_directories</a:t>
+            </a:r>
+            <a:r>
+              <a:rPr lang="en-US" sz="1800" dirty="0"/>
+              <a:t>()</a:t>
+            </a:r>
+          </a:p>
+        </p:txBody>
+      </p:sp>
+      <p:sp>
+        <p:nvSpPr>
+          <p:cNvPr id="23" name="文字方塊 22">
+            <a:extLst>
+              <a:ext uri="{FF2B5EF4-FFF2-40B4-BE49-F238E27FC236}">
+                <a16:creationId xmlns:a16="http://schemas.microsoft.com/office/drawing/2014/main" id="{B847502D-B969-4545-9153-D2250A13AD6A}"/>
+              </a:ext>
+            </a:extLst>
+          </p:cNvPr>
+          <p:cNvSpPr txBox="1"/>
+          <p:nvPr/>
+        </p:nvSpPr>
+        <p:spPr>
+          <a:xfrm>
+            <a:off x="899346" y="5851268"/>
+            <a:ext cx="4255266" cy="880369"/>
+          </a:xfrm>
+          <a:prstGeom prst="rect">
+            <a:avLst/>
+          </a:prstGeom>
+          <a:noFill/>
+        </p:spPr>
+        <p:txBody>
+          <a:bodyPr wrap="square">
+            <a:spAutoFit/>
+          </a:bodyPr>
+          <a:lstStyle/>
+          <a:p>
+            <a:pPr marL="285750" indent="-285750">
+              <a:lnSpc>
+                <a:spcPct val="150000"/>
+              </a:lnSpc>
+              <a:buFont typeface="Arial" panose="020B0604020202020204" pitchFamily="34" charset="0"/>
+              <a:buChar char="•"/>
+            </a:pPr>
+            <a:r>
+              <a:rPr lang="en-US" sz="1800" dirty="0"/>
+              <a:t>Building Configuration Type</a:t>
+            </a:r>
+          </a:p>
+          <a:p>
+            <a:pPr marL="285750" indent="-285750">
+              <a:lnSpc>
+                <a:spcPct val="150000"/>
+              </a:lnSpc>
+              <a:buFont typeface="Arial" panose="020B0604020202020204" pitchFamily="34" charset="0"/>
+              <a:buChar char="•"/>
+            </a:pPr>
+            <a:r>
+              <a:rPr lang="en-US" sz="1800" dirty="0" err="1"/>
+              <a:t>add_library</a:t>
+            </a:r>
+            <a:r>
+              <a:rPr lang="en-US" sz="1800" dirty="0"/>
+              <a:t>(), </a:t>
+            </a:r>
+            <a:r>
+              <a:rPr lang="en-US" sz="1800" dirty="0" err="1"/>
+              <a:t>target_link_libraries</a:t>
+            </a:r>
+            <a:r>
+              <a:rPr lang="en-US" sz="1800" dirty="0"/>
+              <a:t>()</a:t>
+            </a:r>
+          </a:p>
+        </p:txBody>
+      </p:sp>
+      <p:sp>
+        <p:nvSpPr>
+          <p:cNvPr id="27" name="矩形 26">
+            <a:extLst>
+              <a:ext uri="{FF2B5EF4-FFF2-40B4-BE49-F238E27FC236}">
+                <a16:creationId xmlns:a16="http://schemas.microsoft.com/office/drawing/2014/main" id="{EA200FF8-1803-4B52-8DA2-EC38C5E0A158}"/>
+              </a:ext>
+            </a:extLst>
+          </p:cNvPr>
+          <p:cNvSpPr/>
+          <p:nvPr/>
+        </p:nvSpPr>
+        <p:spPr>
+          <a:xfrm>
+            <a:off x="6516351" y="1176701"/>
+            <a:ext cx="2648669" cy="461639"/>
+          </a:xfrm>
+          <a:prstGeom prst="rect">
+            <a:avLst/>
+          </a:prstGeom>
+          <a:solidFill>
+            <a:srgbClr val="FFB703"/>
+          </a:solidFill>
+          <a:ln>
+            <a:noFill/>
+          </a:ln>
+        </p:spPr>
+        <p:style>
+          <a:lnRef idx="2">
+            <a:schemeClr val="accent1">
+              <a:shade val="50000"/>
+            </a:schemeClr>
+          </a:lnRef>
+          <a:fillRef idx="1">
+            <a:schemeClr val="accent1"/>
+          </a:fillRef>
+          <a:effectRef idx="0">
+            <a:schemeClr val="accent1"/>
+          </a:effectRef>
+          <a:fontRef idx="minor">
+            <a:schemeClr val="lt1"/>
+          </a:fontRef>
+        </p:style>
+        <p:txBody>
+          <a:bodyPr rtlCol="0" anchor="ctr"/>
+          <a:lstStyle/>
+          <a:p>
+            <a:r>
+              <a:rPr lang="en-US" sz="2000" b="1" dirty="0">
+                <a:solidFill>
+                  <a:schemeClr val="tx1"/>
+                </a:solidFill>
+              </a:rPr>
+              <a:t>05_installing</a:t>
+            </a:r>
+          </a:p>
+        </p:txBody>
+      </p:sp>
+      <p:sp>
+        <p:nvSpPr>
+          <p:cNvPr id="28" name="矩形 27">
+            <a:extLst>
+              <a:ext uri="{FF2B5EF4-FFF2-40B4-BE49-F238E27FC236}">
+                <a16:creationId xmlns:a16="http://schemas.microsoft.com/office/drawing/2014/main" id="{ECA25C71-5840-4319-B20E-A8CF5E7FB82F}"/>
+              </a:ext>
+            </a:extLst>
+          </p:cNvPr>
+          <p:cNvSpPr/>
+          <p:nvPr/>
+        </p:nvSpPr>
+        <p:spPr>
+          <a:xfrm>
+            <a:off x="6516350" y="5256382"/>
+            <a:ext cx="2648670" cy="461639"/>
+          </a:xfrm>
+          <a:prstGeom prst="rect">
+            <a:avLst/>
+          </a:prstGeom>
+          <a:solidFill>
+            <a:srgbClr val="FFB703"/>
+          </a:solidFill>
+          <a:ln>
+            <a:noFill/>
+          </a:ln>
+        </p:spPr>
+        <p:style>
+          <a:lnRef idx="2">
+            <a:schemeClr val="accent1">
+              <a:shade val="50000"/>
+            </a:schemeClr>
+          </a:lnRef>
+          <a:fillRef idx="1">
+            <a:schemeClr val="accent1"/>
+          </a:fillRef>
+          <a:effectRef idx="0">
+            <a:schemeClr val="accent1"/>
+          </a:effectRef>
+          <a:fontRef idx="minor">
+            <a:schemeClr val="lt1"/>
+          </a:fontRef>
+        </p:style>
+        <p:txBody>
+          <a:bodyPr rtlCol="0" anchor="ctr"/>
+          <a:lstStyle/>
+          <a:p>
+            <a:r>
+              <a:rPr lang="en-US" sz="2000" b="1" dirty="0">
+                <a:solidFill>
+                  <a:schemeClr val="tx1"/>
+                </a:solidFill>
+              </a:rPr>
+              <a:t>07_cmake-package</a:t>
+            </a:r>
+          </a:p>
+        </p:txBody>
+      </p:sp>
+      <p:sp>
+        <p:nvSpPr>
+          <p:cNvPr id="29" name="矩形 28">
+            <a:extLst>
+              <a:ext uri="{FF2B5EF4-FFF2-40B4-BE49-F238E27FC236}">
+                <a16:creationId xmlns:a16="http://schemas.microsoft.com/office/drawing/2014/main" id="{E427DCC7-E379-4DD5-A6B2-581100BA6C79}"/>
+              </a:ext>
+            </a:extLst>
+          </p:cNvPr>
+          <p:cNvSpPr/>
+          <p:nvPr/>
+        </p:nvSpPr>
+        <p:spPr>
+          <a:xfrm>
+            <a:off x="6516351" y="3038248"/>
+            <a:ext cx="2648670" cy="461639"/>
+          </a:xfrm>
+          <a:prstGeom prst="rect">
+            <a:avLst/>
+          </a:prstGeom>
+          <a:solidFill>
+            <a:srgbClr val="FFB703"/>
+          </a:solidFill>
+          <a:ln>
+            <a:noFill/>
+          </a:ln>
+        </p:spPr>
+        <p:style>
+          <a:lnRef idx="2">
+            <a:schemeClr val="accent1">
+              <a:shade val="50000"/>
+            </a:schemeClr>
+          </a:lnRef>
+          <a:fillRef idx="1">
+            <a:schemeClr val="accent1"/>
+          </a:fillRef>
+          <a:effectRef idx="0">
+            <a:schemeClr val="accent1"/>
+          </a:effectRef>
+          <a:fontRef idx="minor">
+            <a:schemeClr val="lt1"/>
+          </a:fontRef>
+        </p:style>
+        <p:txBody>
+          <a:bodyPr rtlCol="0" anchor="ctr"/>
+          <a:lstStyle/>
+          <a:p>
+            <a:r>
+              <a:rPr lang="en-US" sz="2000" b="1" dirty="0">
+                <a:solidFill>
+                  <a:schemeClr val="tx1"/>
+                </a:solidFill>
+              </a:rPr>
+              <a:t>06_using_subdirectory</a:t>
+            </a:r>
+          </a:p>
+        </p:txBody>
+      </p:sp>
+      <p:sp>
+        <p:nvSpPr>
+          <p:cNvPr id="30" name="文字方塊 29">
+            <a:extLst>
+              <a:ext uri="{FF2B5EF4-FFF2-40B4-BE49-F238E27FC236}">
+                <a16:creationId xmlns:a16="http://schemas.microsoft.com/office/drawing/2014/main" id="{D827B0E7-3C4E-464F-8ABF-02172E70F2AC}"/>
+              </a:ext>
+            </a:extLst>
+          </p:cNvPr>
+          <p:cNvSpPr txBox="1"/>
+          <p:nvPr/>
+        </p:nvSpPr>
+        <p:spPr>
+          <a:xfrm>
+            <a:off x="6516350" y="1687352"/>
+            <a:ext cx="3021020" cy="967957"/>
           </a:xfrm>
           <a:prstGeom prst="rect">
             <a:avLst/>
@@ -6567,19 +7452,39 @@
           </a:bodyPr>
           <a:lstStyle/>
           <a:p>
-            <a:r>
-              <a:rPr lang="en-US" dirty="0"/>
-              <a:t>Build Configuration</a:t>
+            <a:pPr marL="285750" indent="-285750">
+              <a:lnSpc>
+                <a:spcPct val="150000"/>
+              </a:lnSpc>
+              <a:buFont typeface="Arial" panose="020B0604020202020204" pitchFamily="34" charset="0"/>
+              <a:buChar char="•"/>
+            </a:pPr>
+            <a:r>
+              <a:rPr lang="en-US" sz="2000" dirty="0"/>
+              <a:t>CMAKE_INSTALL_PREFIX</a:t>
+            </a:r>
+          </a:p>
+          <a:p>
+            <a:pPr marL="285750" indent="-285750">
+              <a:lnSpc>
+                <a:spcPct val="150000"/>
+              </a:lnSpc>
+              <a:buFont typeface="Arial" panose="020B0604020202020204" pitchFamily="34" charset="0"/>
+              <a:buChar char="•"/>
+            </a:pPr>
+            <a:r>
+              <a:rPr lang="en-US" sz="2000" dirty="0"/>
+              <a:t>install ()</a:t>
             </a:r>
           </a:p>
         </p:txBody>
       </p:sp>
       <p:sp>
         <p:nvSpPr>
-          <p:cNvPr id="5" name="文字方塊 4">
-            <a:extLst>
-              <a:ext uri="{FF2B5EF4-FFF2-40B4-BE49-F238E27FC236}">
-                <a16:creationId xmlns:a16="http://schemas.microsoft.com/office/drawing/2014/main" id="{AE3FF0E0-D3E7-40BD-A1CD-9EAFD4DF2977}"/>
+          <p:cNvPr id="31" name="文字方塊 30">
+            <a:extLst>
+              <a:ext uri="{FF2B5EF4-FFF2-40B4-BE49-F238E27FC236}">
+                <a16:creationId xmlns:a16="http://schemas.microsoft.com/office/drawing/2014/main" id="{9AB5042F-077C-4ED9-9E8D-ABE773265B2F}"/>
               </a:ext>
             </a:extLst>
           </p:cNvPr>
@@ -6588,8 +7493,8 @@
         </p:nvSpPr>
         <p:spPr>
           <a:xfrm>
-            <a:off x="4315146" y="3678148"/>
-            <a:ext cx="2904000" cy="369332"/>
+            <a:off x="6516350" y="3576604"/>
+            <a:ext cx="4255266" cy="464871"/>
           </a:xfrm>
           <a:prstGeom prst="rect">
             <a:avLst/>
@@ -6597,32 +7502,26 @@
           <a:noFill/>
         </p:spPr>
         <p:txBody>
-          <a:bodyPr wrap="none" rtlCol="0">
+          <a:bodyPr wrap="square">
             <a:spAutoFit/>
           </a:bodyPr>
           <a:lstStyle/>
           <a:p>
-            <a:r>
-              <a:rPr lang="en-US" dirty="0" err="1"/>
-              <a:t>Generrator</a:t>
-            </a:r>
-            <a:r>
-              <a:rPr lang="en-US" dirty="0"/>
-              <a:t> type </a:t>
-            </a:r>
-            <a:r>
-              <a:rPr lang="en-US" dirty="0" err="1"/>
-              <a:t>msvc</a:t>
-            </a:r>
-            <a:r>
-              <a:rPr lang="en-US" dirty="0"/>
-              <a:t> </a:t>
-            </a:r>
-            <a:r>
-              <a:rPr lang="en-US" dirty="0" err="1"/>
-              <a:t>mingw</a:t>
-            </a:r>
-            <a:endParaRPr lang="en-US" dirty="0"/>
+            <a:pPr marL="285750" indent="-285750">
+              <a:lnSpc>
+                <a:spcPct val="150000"/>
+              </a:lnSpc>
+              <a:buFont typeface="Arial" panose="020B0604020202020204" pitchFamily="34" charset="0"/>
+              <a:buChar char="•"/>
+            </a:pPr>
+            <a:r>
+              <a:rPr lang="en-US" sz="1800" dirty="0" err="1"/>
+              <a:t>add_subdirectory</a:t>
+            </a:r>
+            <a:r>
+              <a:rPr lang="en-US" sz="1800" dirty="0"/>
+              <a:t>()</a:t>
+            </a:r>
           </a:p>
         </p:txBody>
       </p:sp>
@@ -6777,15 +7676,20 @@
           <a:p>
             <a:pPr algn="ctr"/>
             <a:r>
-              <a:rPr lang="en-US" sz="5400" dirty="0"/>
-              <a:t>Improve our </a:t>
-            </a:r>
+              <a:rPr lang="en-US" sz="5400" b="1" dirty="0"/>
+              <a:t>Improve</a:t>
+            </a:r>
+            <a:endParaRPr lang="en-US" sz="5400" dirty="0"/>
           </a:p>
           <a:p>
             <a:pPr algn="ctr"/>
             <a:r>
+              <a:rPr lang="en-US" sz="6600" dirty="0"/>
+              <a:t>CMakeLists.txt</a:t>
+            </a:r>
+            <a:r>
               <a:rPr lang="en-US" sz="6600" b="1" dirty="0"/>
-              <a:t>Building System.</a:t>
+              <a:t>.</a:t>
             </a:r>
           </a:p>
         </p:txBody>
@@ -7057,17 +7961,974 @@
           <a:p>
             <a:r>
               <a:rPr lang="en-US" dirty="0"/>
-              <a:t>Handle Dependencies Around Targets</a:t>
-            </a:r>
+              <a:t>Use </a:t>
+            </a:r>
+            <a:r>
+              <a:rPr lang="en-US" dirty="0" err="1"/>
+              <a:t>add_subdirectory</a:t>
+            </a:r>
+            <a:r>
+              <a:rPr lang="en-US"/>
+              <a:t>( )</a:t>
+            </a:r>
+            <a:endParaRPr lang="en-US" dirty="0"/>
           </a:p>
         </p:txBody>
       </p:sp>
-      <p:sp>
-        <p:nvSpPr>
-          <p:cNvPr id="2" name="文字方塊 1">
-            <a:extLst>
-              <a:ext uri="{FF2B5EF4-FFF2-40B4-BE49-F238E27FC236}">
-                <a16:creationId xmlns:a16="http://schemas.microsoft.com/office/drawing/2014/main" id="{A76828C2-972E-4613-9E56-ABF59971DEBF}"/>
+      <p:grpSp>
+        <p:nvGrpSpPr>
+          <p:cNvPr id="38" name="群組 37">
+            <a:extLst>
+              <a:ext uri="{FF2B5EF4-FFF2-40B4-BE49-F238E27FC236}">
+                <a16:creationId xmlns:a16="http://schemas.microsoft.com/office/drawing/2014/main" id="{3D682D3F-40D7-43AF-96C6-065306ACCAFA}"/>
+              </a:ext>
+            </a:extLst>
+          </p:cNvPr>
+          <p:cNvGrpSpPr/>
+          <p:nvPr/>
+        </p:nvGrpSpPr>
+        <p:grpSpPr>
+          <a:xfrm>
+            <a:off x="6157949" y="1188619"/>
+            <a:ext cx="1062657" cy="941661"/>
+            <a:chOff x="5828777" y="5189596"/>
+            <a:chExt cx="1287131" cy="1140576"/>
+          </a:xfrm>
+        </p:grpSpPr>
+        <p:grpSp>
+          <p:nvGrpSpPr>
+            <p:cNvPr id="9" name="Group 31">
+              <a:extLst>
+                <a:ext uri="{FF2B5EF4-FFF2-40B4-BE49-F238E27FC236}">
+                  <a16:creationId xmlns:a16="http://schemas.microsoft.com/office/drawing/2014/main" id="{E6B32A99-9C22-4F0A-9E16-1731CAAB65C5}"/>
+                </a:ext>
+              </a:extLst>
+            </p:cNvPr>
+            <p:cNvGrpSpPr/>
+            <p:nvPr/>
+          </p:nvGrpSpPr>
+          <p:grpSpPr>
+            <a:xfrm>
+              <a:off x="6122295" y="5189596"/>
+              <a:ext cx="705520" cy="705520"/>
+              <a:chOff x="2293283" y="1855010"/>
+              <a:chExt cx="2895731" cy="2895731"/>
+            </a:xfrm>
+          </p:grpSpPr>
+          <p:sp>
+            <p:nvSpPr>
+              <p:cNvPr id="12" name="Rectangle: Single Corner Snipped 36">
+                <a:extLst>
+                  <a:ext uri="{FF2B5EF4-FFF2-40B4-BE49-F238E27FC236}">
+                    <a16:creationId xmlns:a16="http://schemas.microsoft.com/office/drawing/2014/main" id="{9871252D-8AA6-43D1-B1FB-E4E6B2571BBC}"/>
+                  </a:ext>
+                </a:extLst>
+              </p:cNvPr>
+              <p:cNvSpPr/>
+              <p:nvPr/>
+            </p:nvSpPr>
+            <p:spPr>
+              <a:xfrm>
+                <a:off x="2591152" y="1914353"/>
+                <a:ext cx="2277731" cy="2699750"/>
+              </a:xfrm>
+              <a:prstGeom prst="snip1Rect">
+                <a:avLst>
+                  <a:gd name="adj" fmla="val 24487"/>
+                </a:avLst>
+              </a:prstGeom>
+              <a:solidFill>
+                <a:schemeClr val="bg1"/>
+              </a:solidFill>
+              <a:ln>
+                <a:noFill/>
+              </a:ln>
+            </p:spPr>
+            <p:style>
+              <a:lnRef idx="2">
+                <a:schemeClr val="accent1">
+                  <a:shade val="50000"/>
+                </a:schemeClr>
+              </a:lnRef>
+              <a:fillRef idx="1">
+                <a:schemeClr val="accent1"/>
+              </a:fillRef>
+              <a:effectRef idx="0">
+                <a:schemeClr val="accent1"/>
+              </a:effectRef>
+              <a:fontRef idx="minor">
+                <a:schemeClr val="lt1"/>
+              </a:fontRef>
+            </p:style>
+            <p:txBody>
+              <a:bodyPr rtlCol="0" anchor="ctr"/>
+              <a:lstStyle/>
+              <a:p>
+                <a:pPr algn="ctr"/>
+                <a:endParaRPr lang="en-US"/>
+              </a:p>
+            </p:txBody>
+          </p:sp>
+          <p:pic>
+            <p:nvPicPr>
+              <p:cNvPr id="13" name="Picture 37">
+                <a:extLst>
+                  <a:ext uri="{FF2B5EF4-FFF2-40B4-BE49-F238E27FC236}">
+                    <a16:creationId xmlns:a16="http://schemas.microsoft.com/office/drawing/2014/main" id="{BAB1A84A-88D2-49DB-A700-CE8A67C1EE1D}"/>
+                  </a:ext>
+                </a:extLst>
+              </p:cNvPr>
+              <p:cNvPicPr>
+                <a:picLocks noChangeAspect="1"/>
+              </p:cNvPicPr>
+              <p:nvPr/>
+            </p:nvPicPr>
+            <p:blipFill>
+              <a:blip r:embed="rId3">
+                <a:extLst>
+                  <a:ext uri="{28A0092B-C50C-407E-A947-70E740481C1C}">
+                    <a14:useLocalDpi xmlns:a14="http://schemas.microsoft.com/office/drawing/2010/main" val="0"/>
+                  </a:ext>
+                </a:extLst>
+              </a:blip>
+              <a:stretch>
+                <a:fillRect/>
+              </a:stretch>
+            </p:blipFill>
+            <p:spPr>
+              <a:xfrm>
+                <a:off x="2293283" y="1855010"/>
+                <a:ext cx="2895731" cy="2895731"/>
+              </a:xfrm>
+              <a:prstGeom prst="rect">
+                <a:avLst/>
+              </a:prstGeom>
+            </p:spPr>
+          </p:pic>
+        </p:grpSp>
+        <p:sp>
+          <p:nvSpPr>
+            <p:cNvPr id="11" name="TextBox 34">
+              <a:extLst>
+                <a:ext uri="{FF2B5EF4-FFF2-40B4-BE49-F238E27FC236}">
+                  <a16:creationId xmlns:a16="http://schemas.microsoft.com/office/drawing/2014/main" id="{6D957038-CDAD-444C-8F20-70A8D3F2DA39}"/>
+                </a:ext>
+              </a:extLst>
+            </p:cNvPr>
+            <p:cNvSpPr txBox="1"/>
+            <p:nvPr/>
+          </p:nvSpPr>
+          <p:spPr>
+            <a:xfrm>
+              <a:off x="5828777" y="6013300"/>
+              <a:ext cx="1287131" cy="316872"/>
+            </a:xfrm>
+            <a:prstGeom prst="rect">
+              <a:avLst/>
+            </a:prstGeom>
+            <a:noFill/>
+          </p:spPr>
+          <p:txBody>
+            <a:bodyPr wrap="square" rtlCol="0">
+              <a:spAutoFit/>
+            </a:bodyPr>
+            <a:lstStyle/>
+            <a:p>
+              <a:pPr algn="ctr"/>
+              <a:r>
+                <a:rPr lang="en-US" sz="1100" b="1" dirty="0"/>
+                <a:t>CMakeLists.txt</a:t>
+              </a:r>
+            </a:p>
+          </p:txBody>
+        </p:sp>
+      </p:grpSp>
+      <p:grpSp>
+        <p:nvGrpSpPr>
+          <p:cNvPr id="37" name="群組 36">
+            <a:extLst>
+              <a:ext uri="{FF2B5EF4-FFF2-40B4-BE49-F238E27FC236}">
+                <a16:creationId xmlns:a16="http://schemas.microsoft.com/office/drawing/2014/main" id="{E8FE10F0-E0B1-4611-AA5A-46DA84CC1E32}"/>
+              </a:ext>
+            </a:extLst>
+          </p:cNvPr>
+          <p:cNvGrpSpPr/>
+          <p:nvPr/>
+        </p:nvGrpSpPr>
+        <p:grpSpPr>
+          <a:xfrm>
+            <a:off x="3206203" y="3140765"/>
+            <a:ext cx="1322227" cy="1300559"/>
+            <a:chOff x="1062093" y="1870725"/>
+            <a:chExt cx="1322227" cy="1300559"/>
+          </a:xfrm>
+        </p:grpSpPr>
+        <p:pic>
+          <p:nvPicPr>
+            <p:cNvPr id="33" name="Picture 6">
+              <a:extLst>
+                <a:ext uri="{FF2B5EF4-FFF2-40B4-BE49-F238E27FC236}">
+                  <a16:creationId xmlns:a16="http://schemas.microsoft.com/office/drawing/2014/main" id="{0D0BE475-F6DC-44EE-9598-DE29CFC4E368}"/>
+                </a:ext>
+              </a:extLst>
+            </p:cNvPr>
+            <p:cNvPicPr>
+              <a:picLocks noChangeAspect="1"/>
+            </p:cNvPicPr>
+            <p:nvPr/>
+          </p:nvPicPr>
+          <p:blipFill>
+            <a:blip r:embed="rId3">
+              <a:extLst>
+                <a:ext uri="{28A0092B-C50C-407E-A947-70E740481C1C}">
+                  <a14:useLocalDpi xmlns:a14="http://schemas.microsoft.com/office/drawing/2010/main" val="0"/>
+                </a:ext>
+              </a:extLst>
+            </a:blip>
+            <a:stretch>
+              <a:fillRect/>
+            </a:stretch>
+          </p:blipFill>
+          <p:spPr>
+            <a:xfrm>
+              <a:off x="1223857" y="1870725"/>
+              <a:ext cx="933521" cy="908742"/>
+            </a:xfrm>
+            <a:prstGeom prst="rect">
+              <a:avLst/>
+            </a:prstGeom>
+          </p:spPr>
+        </p:pic>
+        <p:sp>
+          <p:nvSpPr>
+            <p:cNvPr id="28" name="TextBox 26">
+              <a:extLst>
+                <a:ext uri="{FF2B5EF4-FFF2-40B4-BE49-F238E27FC236}">
+                  <a16:creationId xmlns:a16="http://schemas.microsoft.com/office/drawing/2014/main" id="{68951A07-3EEC-4C45-B38D-D65CCE114AF7}"/>
+                </a:ext>
+              </a:extLst>
+            </p:cNvPr>
+            <p:cNvSpPr txBox="1"/>
+            <p:nvPr/>
+          </p:nvSpPr>
+          <p:spPr>
+            <a:xfrm>
+              <a:off x="1062093" y="2863507"/>
+              <a:ext cx="1322227" cy="307777"/>
+            </a:xfrm>
+            <a:prstGeom prst="rect">
+              <a:avLst/>
+            </a:prstGeom>
+            <a:noFill/>
+          </p:spPr>
+          <p:txBody>
+            <a:bodyPr wrap="square" rtlCol="0">
+              <a:spAutoFit/>
+            </a:bodyPr>
+            <a:lstStyle/>
+            <a:p>
+              <a:r>
+                <a:rPr lang="en-US" sz="1400" b="1" dirty="0"/>
+                <a:t>CMakeLists.txt</a:t>
+              </a:r>
+            </a:p>
+          </p:txBody>
+        </p:sp>
+      </p:grpSp>
+      <p:cxnSp>
+        <p:nvCxnSpPr>
+          <p:cNvPr id="40" name="接點: 肘形 39">
+            <a:extLst>
+              <a:ext uri="{FF2B5EF4-FFF2-40B4-BE49-F238E27FC236}">
+                <a16:creationId xmlns:a16="http://schemas.microsoft.com/office/drawing/2014/main" id="{A7192DDB-E9E0-4DDE-8B98-702BEA8EA436}"/>
+              </a:ext>
+            </a:extLst>
+          </p:cNvPr>
+          <p:cNvCxnSpPr>
+            <a:cxnSpLocks/>
+            <a:stCxn id="13" idx="1"/>
+            <a:endCxn id="33" idx="3"/>
+          </p:cNvCxnSpPr>
+          <p:nvPr/>
+        </p:nvCxnSpPr>
+        <p:spPr>
+          <a:xfrm rot="10800000" flipV="1">
+            <a:off x="4301488" y="1479858"/>
+            <a:ext cx="2098790" cy="2115278"/>
+          </a:xfrm>
+          <a:prstGeom prst="bentConnector3">
+            <a:avLst/>
+          </a:prstGeom>
+          <a:ln w="28575">
+            <a:solidFill>
+              <a:srgbClr val="219EBC"/>
+            </a:solidFill>
+            <a:tailEnd type="triangle"/>
+          </a:ln>
+        </p:spPr>
+        <p:style>
+          <a:lnRef idx="1">
+            <a:schemeClr val="accent1"/>
+          </a:lnRef>
+          <a:fillRef idx="0">
+            <a:schemeClr val="accent1"/>
+          </a:fillRef>
+          <a:effectRef idx="0">
+            <a:schemeClr val="accent1"/>
+          </a:effectRef>
+          <a:fontRef idx="minor">
+            <a:schemeClr val="tx1"/>
+          </a:fontRef>
+        </p:style>
+      </p:cxnSp>
+      <p:cxnSp>
+        <p:nvCxnSpPr>
+          <p:cNvPr id="41" name="接點: 肘形 40">
+            <a:extLst>
+              <a:ext uri="{FF2B5EF4-FFF2-40B4-BE49-F238E27FC236}">
+                <a16:creationId xmlns:a16="http://schemas.microsoft.com/office/drawing/2014/main" id="{298969B6-F588-487D-84CF-66A9B24DE7EF}"/>
+              </a:ext>
+            </a:extLst>
+          </p:cNvPr>
+          <p:cNvCxnSpPr>
+            <a:cxnSpLocks/>
+            <a:stCxn id="48" idx="1"/>
+            <a:endCxn id="33" idx="3"/>
+          </p:cNvCxnSpPr>
+          <p:nvPr/>
+        </p:nvCxnSpPr>
+        <p:spPr>
+          <a:xfrm rot="10800000">
+            <a:off x="4301488" y="3595137"/>
+            <a:ext cx="2098790" cy="680051"/>
+          </a:xfrm>
+          <a:prstGeom prst="bentConnector3">
+            <a:avLst/>
+          </a:prstGeom>
+          <a:ln w="28575">
+            <a:solidFill>
+              <a:srgbClr val="219EBC"/>
+            </a:solidFill>
+            <a:tailEnd type="triangle"/>
+          </a:ln>
+        </p:spPr>
+        <p:style>
+          <a:lnRef idx="1">
+            <a:schemeClr val="accent1"/>
+          </a:lnRef>
+          <a:fillRef idx="0">
+            <a:schemeClr val="accent1"/>
+          </a:fillRef>
+          <a:effectRef idx="0">
+            <a:schemeClr val="accent1"/>
+          </a:effectRef>
+          <a:fontRef idx="minor">
+            <a:schemeClr val="tx1"/>
+          </a:fontRef>
+        </p:style>
+      </p:cxnSp>
+      <p:grpSp>
+        <p:nvGrpSpPr>
+          <p:cNvPr id="44" name="群組 43">
+            <a:extLst>
+              <a:ext uri="{FF2B5EF4-FFF2-40B4-BE49-F238E27FC236}">
+                <a16:creationId xmlns:a16="http://schemas.microsoft.com/office/drawing/2014/main" id="{B5077752-225A-4D86-ABDC-DB472D84863F}"/>
+              </a:ext>
+            </a:extLst>
+          </p:cNvPr>
+          <p:cNvGrpSpPr/>
+          <p:nvPr/>
+        </p:nvGrpSpPr>
+        <p:grpSpPr>
+          <a:xfrm>
+            <a:off x="6157949" y="3983948"/>
+            <a:ext cx="1062657" cy="941661"/>
+            <a:chOff x="5828777" y="5189596"/>
+            <a:chExt cx="1287131" cy="1140576"/>
+          </a:xfrm>
+        </p:grpSpPr>
+        <p:grpSp>
+          <p:nvGrpSpPr>
+            <p:cNvPr id="45" name="Group 31">
+              <a:extLst>
+                <a:ext uri="{FF2B5EF4-FFF2-40B4-BE49-F238E27FC236}">
+                  <a16:creationId xmlns:a16="http://schemas.microsoft.com/office/drawing/2014/main" id="{D4EA7460-46A5-4D7A-A907-B3344CE8EE43}"/>
+                </a:ext>
+              </a:extLst>
+            </p:cNvPr>
+            <p:cNvGrpSpPr/>
+            <p:nvPr/>
+          </p:nvGrpSpPr>
+          <p:grpSpPr>
+            <a:xfrm>
+              <a:off x="6122295" y="5189596"/>
+              <a:ext cx="705520" cy="705520"/>
+              <a:chOff x="2293283" y="1855010"/>
+              <a:chExt cx="2895731" cy="2895731"/>
+            </a:xfrm>
+          </p:grpSpPr>
+          <p:sp>
+            <p:nvSpPr>
+              <p:cNvPr id="47" name="Rectangle: Single Corner Snipped 36">
+                <a:extLst>
+                  <a:ext uri="{FF2B5EF4-FFF2-40B4-BE49-F238E27FC236}">
+                    <a16:creationId xmlns:a16="http://schemas.microsoft.com/office/drawing/2014/main" id="{09112B2B-B3C0-4A7D-A10C-9E092CB71B9D}"/>
+                  </a:ext>
+                </a:extLst>
+              </p:cNvPr>
+              <p:cNvSpPr/>
+              <p:nvPr/>
+            </p:nvSpPr>
+            <p:spPr>
+              <a:xfrm>
+                <a:off x="2591152" y="1914353"/>
+                <a:ext cx="2277731" cy="2699750"/>
+              </a:xfrm>
+              <a:prstGeom prst="snip1Rect">
+                <a:avLst>
+                  <a:gd name="adj" fmla="val 24487"/>
+                </a:avLst>
+              </a:prstGeom>
+              <a:solidFill>
+                <a:schemeClr val="bg1"/>
+              </a:solidFill>
+              <a:ln>
+                <a:noFill/>
+              </a:ln>
+            </p:spPr>
+            <p:style>
+              <a:lnRef idx="2">
+                <a:schemeClr val="accent1">
+                  <a:shade val="50000"/>
+                </a:schemeClr>
+              </a:lnRef>
+              <a:fillRef idx="1">
+                <a:schemeClr val="accent1"/>
+              </a:fillRef>
+              <a:effectRef idx="0">
+                <a:schemeClr val="accent1"/>
+              </a:effectRef>
+              <a:fontRef idx="minor">
+                <a:schemeClr val="lt1"/>
+              </a:fontRef>
+            </p:style>
+            <p:txBody>
+              <a:bodyPr rtlCol="0" anchor="ctr"/>
+              <a:lstStyle/>
+              <a:p>
+                <a:pPr algn="ctr"/>
+                <a:endParaRPr lang="en-US"/>
+              </a:p>
+            </p:txBody>
+          </p:sp>
+          <p:pic>
+            <p:nvPicPr>
+              <p:cNvPr id="48" name="Picture 37">
+                <a:extLst>
+                  <a:ext uri="{FF2B5EF4-FFF2-40B4-BE49-F238E27FC236}">
+                    <a16:creationId xmlns:a16="http://schemas.microsoft.com/office/drawing/2014/main" id="{CC9C4D4B-0CF5-4447-A106-383223408A6D}"/>
+                  </a:ext>
+                </a:extLst>
+              </p:cNvPr>
+              <p:cNvPicPr>
+                <a:picLocks noChangeAspect="1"/>
+              </p:cNvPicPr>
+              <p:nvPr/>
+            </p:nvPicPr>
+            <p:blipFill>
+              <a:blip r:embed="rId3">
+                <a:extLst>
+                  <a:ext uri="{28A0092B-C50C-407E-A947-70E740481C1C}">
+                    <a14:useLocalDpi xmlns:a14="http://schemas.microsoft.com/office/drawing/2010/main" val="0"/>
+                  </a:ext>
+                </a:extLst>
+              </a:blip>
+              <a:stretch>
+                <a:fillRect/>
+              </a:stretch>
+            </p:blipFill>
+            <p:spPr>
+              <a:xfrm>
+                <a:off x="2293283" y="1855010"/>
+                <a:ext cx="2895731" cy="2895731"/>
+              </a:xfrm>
+              <a:prstGeom prst="rect">
+                <a:avLst/>
+              </a:prstGeom>
+            </p:spPr>
+          </p:pic>
+        </p:grpSp>
+        <p:sp>
+          <p:nvSpPr>
+            <p:cNvPr id="46" name="TextBox 34">
+              <a:extLst>
+                <a:ext uri="{FF2B5EF4-FFF2-40B4-BE49-F238E27FC236}">
+                  <a16:creationId xmlns:a16="http://schemas.microsoft.com/office/drawing/2014/main" id="{D4E80C58-ED22-4AF0-A5C4-8E67CF6A7D33}"/>
+                </a:ext>
+              </a:extLst>
+            </p:cNvPr>
+            <p:cNvSpPr txBox="1"/>
+            <p:nvPr/>
+          </p:nvSpPr>
+          <p:spPr>
+            <a:xfrm>
+              <a:off x="5828777" y="6013300"/>
+              <a:ext cx="1287131" cy="316872"/>
+            </a:xfrm>
+            <a:prstGeom prst="rect">
+              <a:avLst/>
+            </a:prstGeom>
+            <a:noFill/>
+          </p:spPr>
+          <p:txBody>
+            <a:bodyPr wrap="square" rtlCol="0">
+              <a:spAutoFit/>
+            </a:bodyPr>
+            <a:lstStyle/>
+            <a:p>
+              <a:pPr algn="ctr"/>
+              <a:r>
+                <a:rPr lang="en-US" sz="1100" b="1" dirty="0"/>
+                <a:t>CMakeLists.txt</a:t>
+              </a:r>
+            </a:p>
+          </p:txBody>
+        </p:sp>
+      </p:grpSp>
+      <p:grpSp>
+        <p:nvGrpSpPr>
+          <p:cNvPr id="51" name="群組 50">
+            <a:extLst>
+              <a:ext uri="{FF2B5EF4-FFF2-40B4-BE49-F238E27FC236}">
+                <a16:creationId xmlns:a16="http://schemas.microsoft.com/office/drawing/2014/main" id="{68F236E5-58A4-46A5-ABA2-00A7005E0CEA}"/>
+              </a:ext>
+            </a:extLst>
+          </p:cNvPr>
+          <p:cNvGrpSpPr/>
+          <p:nvPr/>
+        </p:nvGrpSpPr>
+        <p:grpSpPr>
+          <a:xfrm>
+            <a:off x="6157949" y="5586775"/>
+            <a:ext cx="1062657" cy="941661"/>
+            <a:chOff x="5828777" y="5189596"/>
+            <a:chExt cx="1287131" cy="1140576"/>
+          </a:xfrm>
+        </p:grpSpPr>
+        <p:grpSp>
+          <p:nvGrpSpPr>
+            <p:cNvPr id="52" name="Group 31">
+              <a:extLst>
+                <a:ext uri="{FF2B5EF4-FFF2-40B4-BE49-F238E27FC236}">
+                  <a16:creationId xmlns:a16="http://schemas.microsoft.com/office/drawing/2014/main" id="{6F4326D2-4D0A-4004-88F2-282E169F68B5}"/>
+                </a:ext>
+              </a:extLst>
+            </p:cNvPr>
+            <p:cNvGrpSpPr/>
+            <p:nvPr/>
+          </p:nvGrpSpPr>
+          <p:grpSpPr>
+            <a:xfrm>
+              <a:off x="6122295" y="5189596"/>
+              <a:ext cx="705520" cy="705520"/>
+              <a:chOff x="2293283" y="1855010"/>
+              <a:chExt cx="2895731" cy="2895731"/>
+            </a:xfrm>
+          </p:grpSpPr>
+          <p:sp>
+            <p:nvSpPr>
+              <p:cNvPr id="54" name="Rectangle: Single Corner Snipped 36">
+                <a:extLst>
+                  <a:ext uri="{FF2B5EF4-FFF2-40B4-BE49-F238E27FC236}">
+                    <a16:creationId xmlns:a16="http://schemas.microsoft.com/office/drawing/2014/main" id="{100B6223-3FE4-4CA5-9452-3505D01DDED0}"/>
+                  </a:ext>
+                </a:extLst>
+              </p:cNvPr>
+              <p:cNvSpPr/>
+              <p:nvPr/>
+            </p:nvSpPr>
+            <p:spPr>
+              <a:xfrm>
+                <a:off x="2591152" y="1914353"/>
+                <a:ext cx="2277731" cy="2699750"/>
+              </a:xfrm>
+              <a:prstGeom prst="snip1Rect">
+                <a:avLst>
+                  <a:gd name="adj" fmla="val 24487"/>
+                </a:avLst>
+              </a:prstGeom>
+              <a:solidFill>
+                <a:schemeClr val="bg1"/>
+              </a:solidFill>
+              <a:ln>
+                <a:noFill/>
+              </a:ln>
+            </p:spPr>
+            <p:style>
+              <a:lnRef idx="2">
+                <a:schemeClr val="accent1">
+                  <a:shade val="50000"/>
+                </a:schemeClr>
+              </a:lnRef>
+              <a:fillRef idx="1">
+                <a:schemeClr val="accent1"/>
+              </a:fillRef>
+              <a:effectRef idx="0">
+                <a:schemeClr val="accent1"/>
+              </a:effectRef>
+              <a:fontRef idx="minor">
+                <a:schemeClr val="lt1"/>
+              </a:fontRef>
+            </p:style>
+            <p:txBody>
+              <a:bodyPr rtlCol="0" anchor="ctr"/>
+              <a:lstStyle/>
+              <a:p>
+                <a:pPr algn="ctr"/>
+                <a:endParaRPr lang="en-US"/>
+              </a:p>
+            </p:txBody>
+          </p:sp>
+          <p:pic>
+            <p:nvPicPr>
+              <p:cNvPr id="55" name="Picture 37">
+                <a:extLst>
+                  <a:ext uri="{FF2B5EF4-FFF2-40B4-BE49-F238E27FC236}">
+                    <a16:creationId xmlns:a16="http://schemas.microsoft.com/office/drawing/2014/main" id="{B159737C-E923-482C-B5E8-703E3DE77CE2}"/>
+                  </a:ext>
+                </a:extLst>
+              </p:cNvPr>
+              <p:cNvPicPr>
+                <a:picLocks noChangeAspect="1"/>
+              </p:cNvPicPr>
+              <p:nvPr/>
+            </p:nvPicPr>
+            <p:blipFill>
+              <a:blip r:embed="rId3">
+                <a:extLst>
+                  <a:ext uri="{28A0092B-C50C-407E-A947-70E740481C1C}">
+                    <a14:useLocalDpi xmlns:a14="http://schemas.microsoft.com/office/drawing/2010/main" val="0"/>
+                  </a:ext>
+                </a:extLst>
+              </a:blip>
+              <a:stretch>
+                <a:fillRect/>
+              </a:stretch>
+            </p:blipFill>
+            <p:spPr>
+              <a:xfrm>
+                <a:off x="2293283" y="1855010"/>
+                <a:ext cx="2895731" cy="2895731"/>
+              </a:xfrm>
+              <a:prstGeom prst="rect">
+                <a:avLst/>
+              </a:prstGeom>
+            </p:spPr>
+          </p:pic>
+        </p:grpSp>
+        <p:sp>
+          <p:nvSpPr>
+            <p:cNvPr id="53" name="TextBox 34">
+              <a:extLst>
+                <a:ext uri="{FF2B5EF4-FFF2-40B4-BE49-F238E27FC236}">
+                  <a16:creationId xmlns:a16="http://schemas.microsoft.com/office/drawing/2014/main" id="{2EA46F68-0661-4083-9DB7-4528EA1CFE45}"/>
+                </a:ext>
+              </a:extLst>
+            </p:cNvPr>
+            <p:cNvSpPr txBox="1"/>
+            <p:nvPr/>
+          </p:nvSpPr>
+          <p:spPr>
+            <a:xfrm>
+              <a:off x="5828777" y="6013300"/>
+              <a:ext cx="1287131" cy="316872"/>
+            </a:xfrm>
+            <a:prstGeom prst="rect">
+              <a:avLst/>
+            </a:prstGeom>
+            <a:noFill/>
+          </p:spPr>
+          <p:txBody>
+            <a:bodyPr wrap="square" rtlCol="0">
+              <a:spAutoFit/>
+            </a:bodyPr>
+            <a:lstStyle/>
+            <a:p>
+              <a:pPr algn="ctr"/>
+              <a:r>
+                <a:rPr lang="en-US" sz="1100" b="1" dirty="0"/>
+                <a:t>CMakeLists.txt</a:t>
+              </a:r>
+            </a:p>
+          </p:txBody>
+        </p:sp>
+      </p:grpSp>
+      <p:cxnSp>
+        <p:nvCxnSpPr>
+          <p:cNvPr id="56" name="接點: 肘形 55">
+            <a:extLst>
+              <a:ext uri="{FF2B5EF4-FFF2-40B4-BE49-F238E27FC236}">
+                <a16:creationId xmlns:a16="http://schemas.microsoft.com/office/drawing/2014/main" id="{321D5F6C-7541-4BB7-9B28-C6B8EBB6DE36}"/>
+              </a:ext>
+            </a:extLst>
+          </p:cNvPr>
+          <p:cNvCxnSpPr>
+            <a:cxnSpLocks/>
+            <a:stCxn id="55" idx="1"/>
+            <a:endCxn id="33" idx="3"/>
+          </p:cNvCxnSpPr>
+          <p:nvPr/>
+        </p:nvCxnSpPr>
+        <p:spPr>
+          <a:xfrm rot="10800000">
+            <a:off x="4301488" y="3595136"/>
+            <a:ext cx="2098790" cy="2282878"/>
+          </a:xfrm>
+          <a:prstGeom prst="bentConnector3">
+            <a:avLst/>
+          </a:prstGeom>
+          <a:ln w="28575">
+            <a:solidFill>
+              <a:srgbClr val="219EBC"/>
+            </a:solidFill>
+            <a:tailEnd type="triangle"/>
+          </a:ln>
+        </p:spPr>
+        <p:style>
+          <a:lnRef idx="1">
+            <a:schemeClr val="accent1"/>
+          </a:lnRef>
+          <a:fillRef idx="0">
+            <a:schemeClr val="accent1"/>
+          </a:fillRef>
+          <a:effectRef idx="0">
+            <a:schemeClr val="accent1"/>
+          </a:effectRef>
+          <a:fontRef idx="minor">
+            <a:schemeClr val="tx1"/>
+          </a:fontRef>
+        </p:style>
+      </p:cxnSp>
+      <p:grpSp>
+        <p:nvGrpSpPr>
+          <p:cNvPr id="59" name="群組 58">
+            <a:extLst>
+              <a:ext uri="{FF2B5EF4-FFF2-40B4-BE49-F238E27FC236}">
+                <a16:creationId xmlns:a16="http://schemas.microsoft.com/office/drawing/2014/main" id="{A2225124-9810-4908-A95A-58470E9C9FE2}"/>
+              </a:ext>
+            </a:extLst>
+          </p:cNvPr>
+          <p:cNvGrpSpPr/>
+          <p:nvPr/>
+        </p:nvGrpSpPr>
+        <p:grpSpPr>
+          <a:xfrm>
+            <a:off x="6157948" y="2487339"/>
+            <a:ext cx="1062657" cy="941661"/>
+            <a:chOff x="5828777" y="5189596"/>
+            <a:chExt cx="1287131" cy="1140576"/>
+          </a:xfrm>
+        </p:grpSpPr>
+        <p:grpSp>
+          <p:nvGrpSpPr>
+            <p:cNvPr id="60" name="Group 31">
+              <a:extLst>
+                <a:ext uri="{FF2B5EF4-FFF2-40B4-BE49-F238E27FC236}">
+                  <a16:creationId xmlns:a16="http://schemas.microsoft.com/office/drawing/2014/main" id="{F6707621-40F5-4DD5-A08E-518F61D53BCF}"/>
+                </a:ext>
+              </a:extLst>
+            </p:cNvPr>
+            <p:cNvGrpSpPr/>
+            <p:nvPr/>
+          </p:nvGrpSpPr>
+          <p:grpSpPr>
+            <a:xfrm>
+              <a:off x="6122295" y="5189596"/>
+              <a:ext cx="705520" cy="705520"/>
+              <a:chOff x="2293283" y="1855010"/>
+              <a:chExt cx="2895731" cy="2895731"/>
+            </a:xfrm>
+          </p:grpSpPr>
+          <p:sp>
+            <p:nvSpPr>
+              <p:cNvPr id="62" name="Rectangle: Single Corner Snipped 36">
+                <a:extLst>
+                  <a:ext uri="{FF2B5EF4-FFF2-40B4-BE49-F238E27FC236}">
+                    <a16:creationId xmlns:a16="http://schemas.microsoft.com/office/drawing/2014/main" id="{658E8BC3-5EF5-41A4-983F-22CDD3FB615D}"/>
+                  </a:ext>
+                </a:extLst>
+              </p:cNvPr>
+              <p:cNvSpPr/>
+              <p:nvPr/>
+            </p:nvSpPr>
+            <p:spPr>
+              <a:xfrm>
+                <a:off x="2591152" y="1914353"/>
+                <a:ext cx="2277731" cy="2699750"/>
+              </a:xfrm>
+              <a:prstGeom prst="snip1Rect">
+                <a:avLst>
+                  <a:gd name="adj" fmla="val 24487"/>
+                </a:avLst>
+              </a:prstGeom>
+              <a:solidFill>
+                <a:schemeClr val="bg1"/>
+              </a:solidFill>
+              <a:ln>
+                <a:noFill/>
+              </a:ln>
+            </p:spPr>
+            <p:style>
+              <a:lnRef idx="2">
+                <a:schemeClr val="accent1">
+                  <a:shade val="50000"/>
+                </a:schemeClr>
+              </a:lnRef>
+              <a:fillRef idx="1">
+                <a:schemeClr val="accent1"/>
+              </a:fillRef>
+              <a:effectRef idx="0">
+                <a:schemeClr val="accent1"/>
+              </a:effectRef>
+              <a:fontRef idx="minor">
+                <a:schemeClr val="lt1"/>
+              </a:fontRef>
+            </p:style>
+            <p:txBody>
+              <a:bodyPr rtlCol="0" anchor="ctr"/>
+              <a:lstStyle/>
+              <a:p>
+                <a:pPr algn="ctr"/>
+                <a:endParaRPr lang="en-US"/>
+              </a:p>
+            </p:txBody>
+          </p:sp>
+          <p:pic>
+            <p:nvPicPr>
+              <p:cNvPr id="63" name="Picture 37">
+                <a:extLst>
+                  <a:ext uri="{FF2B5EF4-FFF2-40B4-BE49-F238E27FC236}">
+                    <a16:creationId xmlns:a16="http://schemas.microsoft.com/office/drawing/2014/main" id="{7061BF2D-F6F8-4A17-9A8D-9BB3BE2D7556}"/>
+                  </a:ext>
+                </a:extLst>
+              </p:cNvPr>
+              <p:cNvPicPr>
+                <a:picLocks noChangeAspect="1"/>
+              </p:cNvPicPr>
+              <p:nvPr/>
+            </p:nvPicPr>
+            <p:blipFill>
+              <a:blip r:embed="rId3">
+                <a:extLst>
+                  <a:ext uri="{28A0092B-C50C-407E-A947-70E740481C1C}">
+                    <a14:useLocalDpi xmlns:a14="http://schemas.microsoft.com/office/drawing/2010/main" val="0"/>
+                  </a:ext>
+                </a:extLst>
+              </a:blip>
+              <a:stretch>
+                <a:fillRect/>
+              </a:stretch>
+            </p:blipFill>
+            <p:spPr>
+              <a:xfrm>
+                <a:off x="2293283" y="1855010"/>
+                <a:ext cx="2895731" cy="2895731"/>
+              </a:xfrm>
+              <a:prstGeom prst="rect">
+                <a:avLst/>
+              </a:prstGeom>
+            </p:spPr>
+          </p:pic>
+        </p:grpSp>
+        <p:sp>
+          <p:nvSpPr>
+            <p:cNvPr id="61" name="TextBox 34">
+              <a:extLst>
+                <a:ext uri="{FF2B5EF4-FFF2-40B4-BE49-F238E27FC236}">
+                  <a16:creationId xmlns:a16="http://schemas.microsoft.com/office/drawing/2014/main" id="{2F3C28D2-D7CC-4E4F-A4DE-DD3F53F7DF74}"/>
+                </a:ext>
+              </a:extLst>
+            </p:cNvPr>
+            <p:cNvSpPr txBox="1"/>
+            <p:nvPr/>
+          </p:nvSpPr>
+          <p:spPr>
+            <a:xfrm>
+              <a:off x="5828777" y="6013300"/>
+              <a:ext cx="1287131" cy="316872"/>
+            </a:xfrm>
+            <a:prstGeom prst="rect">
+              <a:avLst/>
+            </a:prstGeom>
+            <a:noFill/>
+          </p:spPr>
+          <p:txBody>
+            <a:bodyPr wrap="square" rtlCol="0">
+              <a:spAutoFit/>
+            </a:bodyPr>
+            <a:lstStyle/>
+            <a:p>
+              <a:pPr algn="ctr"/>
+              <a:r>
+                <a:rPr lang="en-US" sz="1100" b="1" dirty="0"/>
+                <a:t>CMakeLists.txt</a:t>
+              </a:r>
+            </a:p>
+          </p:txBody>
+        </p:sp>
+      </p:grpSp>
+      <p:cxnSp>
+        <p:nvCxnSpPr>
+          <p:cNvPr id="65" name="接點: 肘形 64">
+            <a:extLst>
+              <a:ext uri="{FF2B5EF4-FFF2-40B4-BE49-F238E27FC236}">
+                <a16:creationId xmlns:a16="http://schemas.microsoft.com/office/drawing/2014/main" id="{14CE6D2F-40D0-4F02-B24B-39192B0F04A6}"/>
+              </a:ext>
+            </a:extLst>
+          </p:cNvPr>
+          <p:cNvCxnSpPr>
+            <a:cxnSpLocks/>
+            <a:stCxn id="63" idx="1"/>
+            <a:endCxn id="33" idx="3"/>
+          </p:cNvCxnSpPr>
+          <p:nvPr/>
+        </p:nvCxnSpPr>
+        <p:spPr>
+          <a:xfrm rot="10800000" flipV="1">
+            <a:off x="4301489" y="2778578"/>
+            <a:ext cx="2098789" cy="816558"/>
+          </a:xfrm>
+          <a:prstGeom prst="bentConnector3">
+            <a:avLst/>
+          </a:prstGeom>
+          <a:ln w="28575">
+            <a:solidFill>
+              <a:srgbClr val="219EBC"/>
+            </a:solidFill>
+            <a:tailEnd type="triangle"/>
+          </a:ln>
+        </p:spPr>
+        <p:style>
+          <a:lnRef idx="1">
+            <a:schemeClr val="accent1"/>
+          </a:lnRef>
+          <a:fillRef idx="0">
+            <a:schemeClr val="accent1"/>
+          </a:fillRef>
+          <a:effectRef idx="0">
+            <a:schemeClr val="accent1"/>
+          </a:effectRef>
+          <a:fontRef idx="minor">
+            <a:schemeClr val="tx1"/>
+          </a:fontRef>
+        </p:style>
+      </p:cxnSp>
+      <p:sp>
+        <p:nvSpPr>
+          <p:cNvPr id="68" name="文字方塊 67">
+            <a:extLst>
+              <a:ext uri="{FF2B5EF4-FFF2-40B4-BE49-F238E27FC236}">
+                <a16:creationId xmlns:a16="http://schemas.microsoft.com/office/drawing/2014/main" id="{10D533B0-45D7-4F13-88F6-21031C94B953}"/>
               </a:ext>
             </a:extLst>
           </p:cNvPr>
@@ -7076,13 +8937,15 @@
         </p:nvSpPr>
         <p:spPr>
           <a:xfrm>
-            <a:off x="4165600" y="2120900"/>
-            <a:ext cx="2579617" cy="369332"/>
+            <a:off x="7572607" y="1295192"/>
+            <a:ext cx="1508939" cy="369332"/>
           </a:xfrm>
           <a:prstGeom prst="rect">
             <a:avLst/>
           </a:prstGeom>
-          <a:noFill/>
+          <a:solidFill>
+            <a:srgbClr val="FFB703"/>
+          </a:solidFill>
         </p:spPr>
         <p:txBody>
           <a:bodyPr wrap="none" rtlCol="0">
@@ -7092,17 +8955,17 @@
           <a:p>
             <a:r>
               <a:rPr lang="en-US" dirty="0"/>
-              <a:t>Source &amp; binary directory</a:t>
+              <a:t>APP Organizer</a:t>
             </a:r>
           </a:p>
         </p:txBody>
       </p:sp>
       <p:sp>
         <p:nvSpPr>
-          <p:cNvPr id="3" name="文字方塊 2">
-            <a:extLst>
-              <a:ext uri="{FF2B5EF4-FFF2-40B4-BE49-F238E27FC236}">
-                <a16:creationId xmlns:a16="http://schemas.microsoft.com/office/drawing/2014/main" id="{EE80F98D-258D-4F43-B969-01CBA857F251}"/>
+          <p:cNvPr id="70" name="文字方塊 69">
+            <a:extLst>
+              <a:ext uri="{FF2B5EF4-FFF2-40B4-BE49-F238E27FC236}">
+                <a16:creationId xmlns:a16="http://schemas.microsoft.com/office/drawing/2014/main" id="{83E97898-ECB4-467F-8511-32088B8823DF}"/>
               </a:ext>
             </a:extLst>
           </p:cNvPr>
@@ -7111,13 +8974,15 @@
         </p:nvSpPr>
         <p:spPr>
           <a:xfrm>
-            <a:off x="4165600" y="2705100"/>
-            <a:ext cx="1989455" cy="369332"/>
+            <a:off x="7572606" y="2593912"/>
+            <a:ext cx="998607" cy="369332"/>
           </a:xfrm>
           <a:prstGeom prst="rect">
             <a:avLst/>
           </a:prstGeom>
-          <a:noFill/>
+          <a:solidFill>
+            <a:srgbClr val="FFB703"/>
+          </a:solidFill>
         </p:spPr>
         <p:txBody>
           <a:bodyPr wrap="none" rtlCol="0">
@@ -7127,17 +8992,17 @@
           <a:p>
             <a:r>
               <a:rPr lang="en-US" dirty="0"/>
-              <a:t>Build Configuration</a:t>
+              <a:t>Library 1</a:t>
             </a:r>
           </a:p>
         </p:txBody>
       </p:sp>
       <p:sp>
         <p:nvSpPr>
-          <p:cNvPr id="5" name="文字方塊 4">
-            <a:extLst>
-              <a:ext uri="{FF2B5EF4-FFF2-40B4-BE49-F238E27FC236}">
-                <a16:creationId xmlns:a16="http://schemas.microsoft.com/office/drawing/2014/main" id="{AE3FF0E0-D3E7-40BD-A1CD-9EAFD4DF2977}"/>
+          <p:cNvPr id="72" name="文字方塊 71">
+            <a:extLst>
+              <a:ext uri="{FF2B5EF4-FFF2-40B4-BE49-F238E27FC236}">
+                <a16:creationId xmlns:a16="http://schemas.microsoft.com/office/drawing/2014/main" id="{9F27B1B0-1A96-46C4-8488-A38E58E32E36}"/>
               </a:ext>
             </a:extLst>
           </p:cNvPr>
@@ -7146,13 +9011,15 @@
         </p:nvSpPr>
         <p:spPr>
           <a:xfrm>
-            <a:off x="4315146" y="3678148"/>
-            <a:ext cx="2904000" cy="369332"/>
+            <a:off x="7572606" y="4090521"/>
+            <a:ext cx="998607" cy="369332"/>
           </a:xfrm>
           <a:prstGeom prst="rect">
             <a:avLst/>
           </a:prstGeom>
-          <a:noFill/>
+          <a:solidFill>
+            <a:srgbClr val="FFB703"/>
+          </a:solidFill>
         </p:spPr>
         <p:txBody>
           <a:bodyPr wrap="none" rtlCol="0">
@@ -7161,33 +9028,90 @@
           <a:lstStyle/>
           <a:p>
             <a:r>
-              <a:rPr lang="en-US" dirty="0" err="1"/>
-              <a:t>Generrator</a:t>
-            </a:r>
-            <a:r>
               <a:rPr lang="en-US" dirty="0"/>
-              <a:t> type </a:t>
-            </a:r>
-            <a:r>
-              <a:rPr lang="en-US" dirty="0" err="1"/>
-              <a:t>msvc</a:t>
-            </a:r>
+              <a:t>Library 2</a:t>
+            </a:r>
+          </a:p>
+        </p:txBody>
+      </p:sp>
+      <p:sp>
+        <p:nvSpPr>
+          <p:cNvPr id="74" name="文字方塊 73">
+            <a:extLst>
+              <a:ext uri="{FF2B5EF4-FFF2-40B4-BE49-F238E27FC236}">
+                <a16:creationId xmlns:a16="http://schemas.microsoft.com/office/drawing/2014/main" id="{CB22DAD8-5FE9-46EF-BA8A-CE1253D5C998}"/>
+              </a:ext>
+            </a:extLst>
+          </p:cNvPr>
+          <p:cNvSpPr txBox="1"/>
+          <p:nvPr/>
+        </p:nvSpPr>
+        <p:spPr>
+          <a:xfrm>
+            <a:off x="7635668" y="5772436"/>
+            <a:ext cx="839653" cy="369332"/>
+          </a:xfrm>
+          <a:prstGeom prst="rect">
+            <a:avLst/>
+          </a:prstGeom>
+          <a:solidFill>
+            <a:srgbClr val="FFB703"/>
+          </a:solidFill>
+        </p:spPr>
+        <p:txBody>
+          <a:bodyPr wrap="none" rtlCol="0">
+            <a:spAutoFit/>
+          </a:bodyPr>
+          <a:lstStyle/>
+          <a:p>
             <a:r>
               <a:rPr lang="en-US" dirty="0"/>
-              <a:t> </a:t>
-            </a:r>
-            <a:r>
-              <a:rPr lang="en-US" dirty="0" err="1"/>
-              <a:t>mingw</a:t>
-            </a:r>
-            <a:endParaRPr lang="en-US" dirty="0"/>
+              <a:t>Testing</a:t>
+            </a:r>
+          </a:p>
+        </p:txBody>
+      </p:sp>
+      <p:sp>
+        <p:nvSpPr>
+          <p:cNvPr id="78" name="文字方塊 77">
+            <a:extLst>
+              <a:ext uri="{FF2B5EF4-FFF2-40B4-BE49-F238E27FC236}">
+                <a16:creationId xmlns:a16="http://schemas.microsoft.com/office/drawing/2014/main" id="{54885DAD-8585-4BD7-B95C-6FDA44EA7DAE}"/>
+              </a:ext>
+            </a:extLst>
+          </p:cNvPr>
+          <p:cNvSpPr txBox="1"/>
+          <p:nvPr/>
+        </p:nvSpPr>
+        <p:spPr>
+          <a:xfrm>
+            <a:off x="1619868" y="3410470"/>
+            <a:ext cx="1200457" cy="369332"/>
+          </a:xfrm>
+          <a:prstGeom prst="rect">
+            <a:avLst/>
+          </a:prstGeom>
+          <a:solidFill>
+            <a:srgbClr val="FFB703"/>
+          </a:solidFill>
+        </p:spPr>
+        <p:txBody>
+          <a:bodyPr wrap="none" rtlCol="0">
+            <a:spAutoFit/>
+          </a:bodyPr>
+          <a:lstStyle/>
+          <a:p>
+            <a:r>
+              <a:rPr lang="en-US" dirty="0"/>
+              <a:t>My Project</a:t>
+            </a:r>
           </a:p>
         </p:txBody>
       </p:sp>
     </p:spTree>
     <p:extLst>
       <p:ext uri="{BB962C8B-B14F-4D97-AF65-F5344CB8AC3E}">
-        <p14:creationId xmlns:p14="http://schemas.microsoft.com/office/powerpoint/2010/main" val="619578966"/>
+        <p14:creationId xmlns:p14="http://schemas.microsoft.com/office/powerpoint/2010/main" val="852518284"/>
       </p:ext>
     </p:extLst>
   </p:cSld>
@@ -7237,26 +9161,17 @@
           <a:p>
             <a:r>
               <a:rPr lang="en-US" dirty="0"/>
-              <a:t>Use </a:t>
-            </a:r>
-            <a:r>
-              <a:rPr lang="en-US" dirty="0" err="1"/>
-              <a:t>add_subdirectory</a:t>
-            </a:r>
-            <a:r>
-              <a:rPr lang="en-US"/>
-              <a:t>( )</a:t>
-            </a:r>
-            <a:endParaRPr lang="en-US" dirty="0"/>
+              <a:t>Handle Dependencies Around Targets</a:t>
+            </a:r>
           </a:p>
         </p:txBody>
       </p:sp>
       <p:sp>
         <p:nvSpPr>
-          <p:cNvPr id="2" name="文字方塊 1">
-            <a:extLst>
-              <a:ext uri="{FF2B5EF4-FFF2-40B4-BE49-F238E27FC236}">
-                <a16:creationId xmlns:a16="http://schemas.microsoft.com/office/drawing/2014/main" id="{A76828C2-972E-4613-9E56-ABF59971DEBF}"/>
+          <p:cNvPr id="6" name="文字方塊 5">
+            <a:extLst>
+              <a:ext uri="{FF2B5EF4-FFF2-40B4-BE49-F238E27FC236}">
+                <a16:creationId xmlns:a16="http://schemas.microsoft.com/office/drawing/2014/main" id="{E0D16711-0F30-4B2E-8B1E-1E05B491BC75}"/>
               </a:ext>
             </a:extLst>
           </p:cNvPr>
@@ -7265,8 +9180,8 @@
         </p:nvSpPr>
         <p:spPr>
           <a:xfrm>
-            <a:off x="4165600" y="2120900"/>
-            <a:ext cx="2579617" cy="369332"/>
+            <a:off x="1607466" y="2627811"/>
+            <a:ext cx="2690673" cy="967957"/>
           </a:xfrm>
           <a:prstGeom prst="rect">
             <a:avLst/>
@@ -7279,19 +9194,47 @@
           </a:bodyPr>
           <a:lstStyle/>
           <a:p>
-            <a:r>
-              <a:rPr lang="en-US" dirty="0"/>
-              <a:t>Source &amp; binary directory</a:t>
+            <a:pPr marL="342900" indent="-342900">
+              <a:lnSpc>
+                <a:spcPct val="150000"/>
+              </a:lnSpc>
+              <a:buFont typeface="Arial" panose="020B0604020202020204" pitchFamily="34" charset="0"/>
+              <a:buChar char="•"/>
+            </a:pPr>
+            <a:r>
+              <a:rPr lang="en-US" sz="2000" dirty="0" err="1"/>
+              <a:t>include_directories</a:t>
+            </a:r>
+            <a:r>
+              <a:rPr lang="en-US" sz="2000" dirty="0"/>
+              <a:t>()</a:t>
+            </a:r>
+          </a:p>
+          <a:p>
+            <a:pPr marL="342900" indent="-342900">
+              <a:lnSpc>
+                <a:spcPct val="150000"/>
+              </a:lnSpc>
+              <a:buFont typeface="Arial" panose="020B0604020202020204" pitchFamily="34" charset="0"/>
+              <a:buChar char="•"/>
+            </a:pPr>
+            <a:r>
+              <a:rPr lang="en-US" sz="2000" dirty="0" err="1"/>
+              <a:t>link_libraries</a:t>
+            </a:r>
+            <a:r>
+              <a:rPr lang="en-US" sz="2000" dirty="0"/>
+              <a:t>()</a:t>
             </a:r>
           </a:p>
         </p:txBody>
       </p:sp>
       <p:sp>
         <p:nvSpPr>
-          <p:cNvPr id="3" name="文字方塊 2">
-            <a:extLst>
-              <a:ext uri="{FF2B5EF4-FFF2-40B4-BE49-F238E27FC236}">
-                <a16:creationId xmlns:a16="http://schemas.microsoft.com/office/drawing/2014/main" id="{EE80F98D-258D-4F43-B969-01CBA857F251}"/>
+          <p:cNvPr id="13" name="文字方塊 12">
+            <a:extLst>
+              <a:ext uri="{FF2B5EF4-FFF2-40B4-BE49-F238E27FC236}">
+                <a16:creationId xmlns:a16="http://schemas.microsoft.com/office/drawing/2014/main" id="{6A0C2939-A94A-4AAE-ABA3-0AA41D493555}"/>
               </a:ext>
             </a:extLst>
           </p:cNvPr>
@@ -7300,8 +9243,8 @@
         </p:nvSpPr>
         <p:spPr>
           <a:xfrm>
-            <a:off x="4165600" y="2705100"/>
-            <a:ext cx="1989455" cy="369332"/>
+            <a:off x="7130225" y="2671605"/>
+            <a:ext cx="3142595" cy="880369"/>
           </a:xfrm>
           <a:prstGeom prst="rect">
             <a:avLst/>
@@ -7309,175 +9252,102 @@
           <a:noFill/>
         </p:spPr>
         <p:txBody>
-          <a:bodyPr wrap="none" rtlCol="0">
+          <a:bodyPr wrap="square">
             <a:spAutoFit/>
           </a:bodyPr>
           <a:lstStyle/>
           <a:p>
+            <a:pPr marL="285750" indent="-285750">
+              <a:lnSpc>
+                <a:spcPct val="150000"/>
+              </a:lnSpc>
+              <a:buFont typeface="Arial" panose="020B0604020202020204" pitchFamily="34" charset="0"/>
+              <a:buChar char="•"/>
+            </a:pPr>
+            <a:r>
+              <a:rPr lang="en-US" dirty="0" err="1"/>
+              <a:t>target_include_directories</a:t>
+            </a:r>
             <a:r>
               <a:rPr lang="en-US" dirty="0"/>
-              <a:t>Build Configuration</a:t>
+              <a:t>()</a:t>
+            </a:r>
+          </a:p>
+          <a:p>
+            <a:pPr marL="285750" indent="-285750">
+              <a:lnSpc>
+                <a:spcPct val="150000"/>
+              </a:lnSpc>
+              <a:buFont typeface="Arial" panose="020B0604020202020204" pitchFamily="34" charset="0"/>
+              <a:buChar char="•"/>
+            </a:pPr>
+            <a:r>
+              <a:rPr lang="en-US" dirty="0" err="1"/>
+              <a:t>target_link_libraries</a:t>
+            </a:r>
+            <a:r>
+              <a:rPr lang="en-US" dirty="0"/>
+              <a:t>()</a:t>
             </a:r>
           </a:p>
         </p:txBody>
       </p:sp>
       <p:sp>
         <p:nvSpPr>
-          <p:cNvPr id="5" name="文字方塊 4">
-            <a:extLst>
-              <a:ext uri="{FF2B5EF4-FFF2-40B4-BE49-F238E27FC236}">
-                <a16:creationId xmlns:a16="http://schemas.microsoft.com/office/drawing/2014/main" id="{AE3FF0E0-D3E7-40BD-A1CD-9EAFD4DF2977}"/>
-              </a:ext>
-            </a:extLst>
-          </p:cNvPr>
-          <p:cNvSpPr txBox="1"/>
+          <p:cNvPr id="16" name="箭號: 向右 15">
+            <a:extLst>
+              <a:ext uri="{FF2B5EF4-FFF2-40B4-BE49-F238E27FC236}">
+                <a16:creationId xmlns:a16="http://schemas.microsoft.com/office/drawing/2014/main" id="{5F1E328C-9454-4FE3-88D8-629F55A03785}"/>
+              </a:ext>
+            </a:extLst>
+          </p:cNvPr>
+          <p:cNvSpPr/>
           <p:nvPr/>
         </p:nvSpPr>
         <p:spPr>
           <a:xfrm>
-            <a:off x="4315146" y="3678148"/>
-            <a:ext cx="2904000" cy="369332"/>
+            <a:off x="4964502" y="2964644"/>
+            <a:ext cx="1499360" cy="294290"/>
           </a:xfrm>
-          <a:prstGeom prst="rect">
+          <a:prstGeom prst="rightArrow">
             <a:avLst/>
           </a:prstGeom>
-          <a:noFill/>
+          <a:solidFill>
+            <a:srgbClr val="FFB703"/>
+          </a:solidFill>
+          <a:ln>
+            <a:noFill/>
+          </a:ln>
         </p:spPr>
+        <p:style>
+          <a:lnRef idx="2">
+            <a:schemeClr val="accent1">
+              <a:shade val="50000"/>
+            </a:schemeClr>
+          </a:lnRef>
+          <a:fillRef idx="1">
+            <a:schemeClr val="accent1"/>
+          </a:fillRef>
+          <a:effectRef idx="0">
+            <a:schemeClr val="accent1"/>
+          </a:effectRef>
+          <a:fontRef idx="minor">
+            <a:schemeClr val="lt1"/>
+          </a:fontRef>
+        </p:style>
         <p:txBody>
-          <a:bodyPr wrap="none" rtlCol="0">
-            <a:spAutoFit/>
-          </a:bodyPr>
+          <a:bodyPr rtlCol="0" anchor="ctr"/>
           <a:lstStyle/>
           <a:p>
-            <a:r>
-              <a:rPr lang="en-US" dirty="0" err="1"/>
-              <a:t>Generrator</a:t>
-            </a:r>
-            <a:r>
-              <a:rPr lang="en-US" dirty="0"/>
-              <a:t> type </a:t>
-            </a:r>
-            <a:r>
-              <a:rPr lang="en-US" dirty="0" err="1"/>
-              <a:t>msvc</a:t>
-            </a:r>
-            <a:r>
-              <a:rPr lang="en-US" dirty="0"/>
-              <a:t> </a:t>
-            </a:r>
-            <a:r>
-              <a:rPr lang="en-US" dirty="0" err="1"/>
-              <a:t>mingw</a:t>
-            </a:r>
-            <a:endParaRPr lang="en-US" dirty="0"/>
+            <a:pPr algn="ctr"/>
+            <a:endParaRPr lang="en-US"/>
           </a:p>
         </p:txBody>
       </p:sp>
     </p:spTree>
     <p:extLst>
       <p:ext uri="{BB962C8B-B14F-4D97-AF65-F5344CB8AC3E}">
-        <p14:creationId xmlns:p14="http://schemas.microsoft.com/office/powerpoint/2010/main" val="852518284"/>
-      </p:ext>
-    </p:extLst>
-  </p:cSld>
-  <p:clrMapOvr>
-    <a:masterClrMapping/>
-  </p:clrMapOvr>
-</p:sld>
-</file>
-
-<file path=ppt/slides/slide17.xml><?xml version="1.0" encoding="utf-8"?>
-<p:sld xmlns:a="http://schemas.openxmlformats.org/drawingml/2006/main" xmlns:r="http://schemas.openxmlformats.org/officeDocument/2006/relationships" xmlns:p="http://schemas.openxmlformats.org/presentationml/2006/main">
-  <p:cSld>
-    <p:spTree>
-      <p:nvGrpSpPr>
-        <p:cNvPr id="1" name=""/>
-        <p:cNvGrpSpPr/>
-        <p:nvPr/>
-      </p:nvGrpSpPr>
-      <p:grpSpPr>
-        <a:xfrm>
-          <a:off x="0" y="0"/>
-          <a:ext cx="0" cy="0"/>
-          <a:chOff x="0" y="0"/>
-          <a:chExt cx="0" cy="0"/>
-        </a:xfrm>
-      </p:grpSpPr>
-      <p:sp>
-        <p:nvSpPr>
-          <p:cNvPr id="4" name="標題 3">
-            <a:extLst>
-              <a:ext uri="{FF2B5EF4-FFF2-40B4-BE49-F238E27FC236}">
-                <a16:creationId xmlns:a16="http://schemas.microsoft.com/office/drawing/2014/main" id="{A974775A-EC56-4AF5-B534-DA5CF3AE2D19}"/>
-              </a:ext>
-            </a:extLst>
-          </p:cNvPr>
-          <p:cNvSpPr>
-            <a:spLocks noGrp="1"/>
-          </p:cNvSpPr>
-          <p:nvPr>
-            <p:ph type="title"/>
-          </p:nvPr>
-        </p:nvSpPr>
-        <p:spPr/>
-        <p:txBody>
-          <a:bodyPr/>
-          <a:lstStyle/>
-          <a:p>
-            <a:r>
-              <a:rPr lang="en-US" dirty="0"/>
-              <a:t>Use </a:t>
-            </a:r>
-            <a:r>
-              <a:rPr lang="en-US" dirty="0" err="1"/>
-              <a:t>add_subdirectory</a:t>
-            </a:r>
-            <a:r>
-              <a:rPr lang="en-US"/>
-              <a:t>( )</a:t>
-            </a:r>
-            <a:endParaRPr lang="en-US" dirty="0"/>
-          </a:p>
-        </p:txBody>
-      </p:sp>
-      <p:sp>
-        <p:nvSpPr>
-          <p:cNvPr id="6" name="Rectangle 5">
-            <a:extLst>
-              <a:ext uri="{FF2B5EF4-FFF2-40B4-BE49-F238E27FC236}">
-                <a16:creationId xmlns:a16="http://schemas.microsoft.com/office/drawing/2014/main" id="{D83B330C-22AF-48FD-AEDE-41D8917D4A97}"/>
-              </a:ext>
-            </a:extLst>
-          </p:cNvPr>
-          <p:cNvSpPr/>
-          <p:nvPr/>
-        </p:nvSpPr>
-        <p:spPr>
-          <a:xfrm>
-            <a:off x="2572987" y="4540287"/>
-            <a:ext cx="6096000" cy="646331"/>
-          </a:xfrm>
-          <a:prstGeom prst="rect">
-            <a:avLst/>
-          </a:prstGeom>
-        </p:spPr>
-        <p:txBody>
-          <a:bodyPr>
-            <a:spAutoFit/>
-          </a:bodyPr>
-          <a:lstStyle/>
-          <a:p>
-            <a:r>
-              <a:rPr lang="en-US" dirty="0"/>
-              <a:t>http://mesos.apache.org/documentation/latest/cmake-examples/</a:t>
-            </a:r>
-          </a:p>
-        </p:txBody>
-      </p:sp>
-    </p:spTree>
-    <p:extLst>
-      <p:ext uri="{BB962C8B-B14F-4D97-AF65-F5344CB8AC3E}">
-        <p14:creationId xmlns:p14="http://schemas.microsoft.com/office/powerpoint/2010/main" val="3476618971"/>
+        <p14:creationId xmlns:p14="http://schemas.microsoft.com/office/powerpoint/2010/main" val="619578966"/>
       </p:ext>
     </p:extLst>
   </p:cSld>
@@ -7572,8 +9442,8 @@
         </p:nvSpPr>
         <p:spPr>
           <a:xfrm>
-            <a:off x="2475345" y="1514764"/>
-            <a:ext cx="2325445" cy="1477328"/>
+            <a:off x="1538809" y="1726247"/>
+            <a:ext cx="3957045" cy="4280531"/>
           </a:xfrm>
           <a:prstGeom prst="rect">
             <a:avLst/>
@@ -7586,73 +9456,85 @@
           </a:bodyPr>
           <a:lstStyle/>
           <a:p>
-            <a:r>
-              <a:rPr lang="en-US" dirty="0"/>
-              <a:t>Why </a:t>
-            </a:r>
-            <a:r>
-              <a:rPr lang="en-US" dirty="0" err="1"/>
-              <a:t>Cmake</a:t>
-            </a:r>
-            <a:endParaRPr lang="en-US" dirty="0"/>
-          </a:p>
-          <a:p>
-            <a:r>
-              <a:rPr lang="en-US" dirty="0"/>
-              <a:t>workflow</a:t>
-            </a:r>
-          </a:p>
-          <a:p>
-            <a:r>
-              <a:rPr lang="en-US" dirty="0"/>
-              <a:t>Hello world case</a:t>
-            </a:r>
-          </a:p>
-          <a:p>
-            <a:r>
-              <a:rPr lang="en-US" dirty="0"/>
-              <a:t>Practice cases</a:t>
-            </a:r>
-          </a:p>
-          <a:p>
-            <a:r>
-              <a:rPr lang="en-US" dirty="0"/>
-              <a:t>Implement in our code</a:t>
-            </a:r>
-          </a:p>
-        </p:txBody>
-      </p:sp>
-      <p:sp>
-        <p:nvSpPr>
-          <p:cNvPr id="9" name="文字方塊 8">
-            <a:extLst>
-              <a:ext uri="{FF2B5EF4-FFF2-40B4-BE49-F238E27FC236}">
-                <a16:creationId xmlns:a16="http://schemas.microsoft.com/office/drawing/2014/main" id="{CEC3EC97-7DBA-4647-86C4-F6679AF48420}"/>
-              </a:ext>
-            </a:extLst>
-          </p:cNvPr>
-          <p:cNvSpPr txBox="1"/>
-          <p:nvPr/>
-        </p:nvSpPr>
-        <p:spPr>
-          <a:xfrm>
-            <a:off x="2872509" y="3726980"/>
-            <a:ext cx="6096000" cy="646331"/>
-          </a:xfrm>
-          <a:prstGeom prst="rect">
-            <a:avLst/>
-          </a:prstGeom>
-          <a:noFill/>
-        </p:spPr>
-        <p:txBody>
-          <a:bodyPr wrap="square">
-            <a:spAutoFit/>
-          </a:bodyPr>
-          <a:lstStyle/>
-          <a:p>
-            <a:r>
-              <a:rPr lang="en-US" dirty="0"/>
-              <a:t>https://stackoverflow.com/questions/25789644/difference-between-using-makefile-and-cmake-to-compile-the-code</a:t>
+            <a:pPr marL="285750" indent="-285750">
+              <a:lnSpc>
+                <a:spcPct val="200000"/>
+              </a:lnSpc>
+              <a:buFont typeface="Arial" panose="020B0604020202020204" pitchFamily="34" charset="0"/>
+              <a:buChar char="•"/>
+            </a:pPr>
+            <a:r>
+              <a:rPr lang="en-US" sz="2800" dirty="0"/>
+              <a:t>Why/What </a:t>
+            </a:r>
+            <a:r>
+              <a:rPr lang="en-US" sz="2800" dirty="0" err="1"/>
+              <a:t>CMake</a:t>
+            </a:r>
+            <a:endParaRPr lang="en-US" sz="2800" dirty="0"/>
+          </a:p>
+          <a:p>
+            <a:pPr marL="285750" indent="-285750">
+              <a:lnSpc>
+                <a:spcPct val="200000"/>
+              </a:lnSpc>
+              <a:buFont typeface="Arial" panose="020B0604020202020204" pitchFamily="34" charset="0"/>
+              <a:buChar char="•"/>
+            </a:pPr>
+            <a:r>
+              <a:rPr lang="en-US" sz="2800" dirty="0" err="1"/>
+              <a:t>CMake</a:t>
+            </a:r>
+            <a:r>
+              <a:rPr lang="en-US" sz="2800" dirty="0"/>
+              <a:t> Workflow</a:t>
+            </a:r>
+          </a:p>
+          <a:p>
+            <a:pPr marL="285750" indent="-285750">
+              <a:lnSpc>
+                <a:spcPct val="200000"/>
+              </a:lnSpc>
+              <a:buFont typeface="Arial" panose="020B0604020202020204" pitchFamily="34" charset="0"/>
+              <a:buChar char="•"/>
+            </a:pPr>
+            <a:r>
+              <a:rPr lang="en-US" sz="2800" dirty="0" err="1"/>
+              <a:t>CMake</a:t>
+            </a:r>
+            <a:r>
+              <a:rPr lang="en-US" sz="2800" dirty="0"/>
+              <a:t> Language </a:t>
+            </a:r>
+          </a:p>
+          <a:p>
+            <a:pPr marL="285750" indent="-285750">
+              <a:lnSpc>
+                <a:spcPct val="200000"/>
+              </a:lnSpc>
+              <a:buFont typeface="Arial" panose="020B0604020202020204" pitchFamily="34" charset="0"/>
+              <a:buChar char="•"/>
+            </a:pPr>
+            <a:r>
+              <a:rPr lang="en-US" sz="2800" dirty="0" err="1"/>
+              <a:t>CMake</a:t>
+            </a:r>
+            <a:r>
+              <a:rPr lang="en-US" sz="2800" dirty="0"/>
+              <a:t> Example</a:t>
+            </a:r>
+          </a:p>
+          <a:p>
+            <a:pPr marL="285750" indent="-285750">
+              <a:lnSpc>
+                <a:spcPct val="200000"/>
+              </a:lnSpc>
+              <a:buFont typeface="Arial" panose="020B0604020202020204" pitchFamily="34" charset="0"/>
+              <a:buChar char="•"/>
+            </a:pPr>
+            <a:r>
+              <a:rPr lang="en-US" sz="2800" dirty="0"/>
+              <a:t>Improve  CMakeLists.txt</a:t>
             </a:r>
           </a:p>
         </p:txBody>
@@ -7699,6 +9581,96 @@
           <a:lstStyle/>
           <a:p>
             <a:endParaRPr lang="en-US"/>
+          </a:p>
+        </p:txBody>
+      </p:sp>
+      <p:sp>
+        <p:nvSpPr>
+          <p:cNvPr id="4" name="橢圓 3">
+            <a:extLst>
+              <a:ext uri="{FF2B5EF4-FFF2-40B4-BE49-F238E27FC236}">
+                <a16:creationId xmlns:a16="http://schemas.microsoft.com/office/drawing/2014/main" id="{E2480FC4-67A1-4602-99B7-D420C5A14B6B}"/>
+              </a:ext>
+            </a:extLst>
+          </p:cNvPr>
+          <p:cNvSpPr/>
+          <p:nvPr/>
+        </p:nvSpPr>
+        <p:spPr>
+          <a:xfrm>
+            <a:off x="235527" y="211482"/>
+            <a:ext cx="1303282" cy="1303282"/>
+          </a:xfrm>
+          <a:prstGeom prst="ellipse">
+            <a:avLst/>
+          </a:prstGeom>
+          <a:solidFill>
+            <a:schemeClr val="bg1"/>
+          </a:solidFill>
+          <a:ln>
+            <a:noFill/>
+          </a:ln>
+        </p:spPr>
+        <p:style>
+          <a:lnRef idx="2">
+            <a:schemeClr val="accent1">
+              <a:shade val="50000"/>
+            </a:schemeClr>
+          </a:lnRef>
+          <a:fillRef idx="1">
+            <a:schemeClr val="accent1"/>
+          </a:fillRef>
+          <a:effectRef idx="0">
+            <a:schemeClr val="accent1"/>
+          </a:effectRef>
+          <a:fontRef idx="minor">
+            <a:schemeClr val="lt1"/>
+          </a:fontRef>
+        </p:style>
+        <p:txBody>
+          <a:bodyPr rtlCol="0" anchor="ctr"/>
+          <a:lstStyle/>
+          <a:p>
+            <a:pPr algn="ctr"/>
+            <a:endParaRPr lang="en-US"/>
+          </a:p>
+        </p:txBody>
+      </p:sp>
+      <p:sp>
+        <p:nvSpPr>
+          <p:cNvPr id="5" name="文字方塊 4">
+            <a:extLst>
+              <a:ext uri="{FF2B5EF4-FFF2-40B4-BE49-F238E27FC236}">
+                <a16:creationId xmlns:a16="http://schemas.microsoft.com/office/drawing/2014/main" id="{83CD0071-CCE5-44B3-843E-212F13FBA227}"/>
+              </a:ext>
+            </a:extLst>
+          </p:cNvPr>
+          <p:cNvSpPr txBox="1"/>
+          <p:nvPr/>
+        </p:nvSpPr>
+        <p:spPr>
+          <a:xfrm>
+            <a:off x="471055" y="262958"/>
+            <a:ext cx="4185761" cy="1200329"/>
+          </a:xfrm>
+          <a:prstGeom prst="rect">
+            <a:avLst/>
+          </a:prstGeom>
+          <a:noFill/>
+        </p:spPr>
+        <p:txBody>
+          <a:bodyPr wrap="none" rtlCol="0">
+            <a:spAutoFit/>
+          </a:bodyPr>
+          <a:lstStyle/>
+          <a:p>
+            <a:r>
+              <a:rPr lang="en-US" sz="7200" b="1" dirty="0">
+                <a:latin typeface="Arial" panose="020B0604020202020204" pitchFamily="34" charset="0"/>
+                <a:cs typeface="Arial" panose="020B0604020202020204" pitchFamily="34" charset="0"/>
+              </a:rPr>
+              <a:t>Contents</a:t>
+            </a:r>
           </a:p>
         </p:txBody>
       </p:sp>
@@ -8181,7 +10153,7 @@
                   <a:schemeClr val="bg1"/>
                 </a:solidFill>
               </a:rPr>
-              <a:t>+ boo.cpp</a:t>
+              <a:t>Source code</a:t>
             </a:r>
           </a:p>
         </p:txBody>
@@ -8517,7 +10489,7 @@
                   <a:schemeClr val="bg1"/>
                 </a:solidFill>
               </a:rPr>
-              <a:t>+ boo.cpp</a:t>
+              <a:t>Source code</a:t>
             </a:r>
           </a:p>
         </p:txBody>
@@ -9343,6 +11315,230 @@
           </a:solidFill>
         </p:spPr>
       </p:pic>
+      <p:sp>
+        <p:nvSpPr>
+          <p:cNvPr id="2" name="矩形: 圓角 1">
+            <a:extLst>
+              <a:ext uri="{FF2B5EF4-FFF2-40B4-BE49-F238E27FC236}">
+                <a16:creationId xmlns:a16="http://schemas.microsoft.com/office/drawing/2014/main" id="{87FF14CA-EEFB-4797-BD00-F7B4B5794EE0}"/>
+              </a:ext>
+            </a:extLst>
+          </p:cNvPr>
+          <p:cNvSpPr/>
+          <p:nvPr/>
+        </p:nvSpPr>
+        <p:spPr>
+          <a:xfrm>
+            <a:off x="345057" y="2929796"/>
+            <a:ext cx="1360191" cy="646331"/>
+          </a:xfrm>
+          <a:prstGeom prst="roundRect">
+            <a:avLst>
+              <a:gd name="adj" fmla="val 6600"/>
+            </a:avLst>
+          </a:prstGeom>
+          <a:solidFill>
+            <a:srgbClr val="FFB703"/>
+          </a:solidFill>
+          <a:ln>
+            <a:noFill/>
+          </a:ln>
+        </p:spPr>
+        <p:style>
+          <a:lnRef idx="2">
+            <a:schemeClr val="accent1">
+              <a:shade val="50000"/>
+            </a:schemeClr>
+          </a:lnRef>
+          <a:fillRef idx="1">
+            <a:schemeClr val="accent1"/>
+          </a:fillRef>
+          <a:effectRef idx="0">
+            <a:schemeClr val="accent1"/>
+          </a:effectRef>
+          <a:fontRef idx="minor">
+            <a:schemeClr val="lt1"/>
+          </a:fontRef>
+        </p:style>
+        <p:txBody>
+          <a:bodyPr rtlCol="0" anchor="ctr"/>
+          <a:lstStyle/>
+          <a:p>
+            <a:pPr algn="ctr"/>
+            <a:r>
+              <a:rPr lang="en-US" sz="1600" dirty="0">
+                <a:solidFill>
+                  <a:schemeClr val="bg1"/>
+                </a:solidFill>
+              </a:rPr>
+              <a:t>+ boo.cpp</a:t>
+            </a:r>
+          </a:p>
+        </p:txBody>
+      </p:sp>
+      <p:sp>
+        <p:nvSpPr>
+          <p:cNvPr id="11" name="矩形: 圓角 10">
+            <a:extLst>
+              <a:ext uri="{FF2B5EF4-FFF2-40B4-BE49-F238E27FC236}">
+                <a16:creationId xmlns:a16="http://schemas.microsoft.com/office/drawing/2014/main" id="{75F78863-0573-45C2-88CA-14189073EF80}"/>
+              </a:ext>
+            </a:extLst>
+          </p:cNvPr>
+          <p:cNvSpPr/>
+          <p:nvPr/>
+        </p:nvSpPr>
+        <p:spPr>
+          <a:xfrm>
+            <a:off x="6690671" y="1261590"/>
+            <a:ext cx="1360191" cy="646331"/>
+          </a:xfrm>
+          <a:prstGeom prst="roundRect">
+            <a:avLst>
+              <a:gd name="adj" fmla="val 6600"/>
+            </a:avLst>
+          </a:prstGeom>
+          <a:solidFill>
+            <a:srgbClr val="FFB703"/>
+          </a:solidFill>
+          <a:ln>
+            <a:noFill/>
+          </a:ln>
+        </p:spPr>
+        <p:style>
+          <a:lnRef idx="2">
+            <a:schemeClr val="accent1">
+              <a:shade val="50000"/>
+            </a:schemeClr>
+          </a:lnRef>
+          <a:fillRef idx="1">
+            <a:schemeClr val="accent1"/>
+          </a:fillRef>
+          <a:effectRef idx="0">
+            <a:schemeClr val="accent1"/>
+          </a:effectRef>
+          <a:fontRef idx="minor">
+            <a:schemeClr val="lt1"/>
+          </a:fontRef>
+        </p:style>
+        <p:txBody>
+          <a:bodyPr rtlCol="0" anchor="ctr"/>
+          <a:lstStyle/>
+          <a:p>
+            <a:pPr algn="ctr"/>
+            <a:r>
+              <a:rPr lang="en-US" sz="1600" dirty="0">
+                <a:solidFill>
+                  <a:schemeClr val="bg1"/>
+                </a:solidFill>
+              </a:rPr>
+              <a:t>+ boo.cpp</a:t>
+            </a:r>
+          </a:p>
+        </p:txBody>
+      </p:sp>
+      <p:sp>
+        <p:nvSpPr>
+          <p:cNvPr id="13" name="十字形 12">
+            <a:extLst>
+              <a:ext uri="{FF2B5EF4-FFF2-40B4-BE49-F238E27FC236}">
+                <a16:creationId xmlns:a16="http://schemas.microsoft.com/office/drawing/2014/main" id="{5C9AF0D8-2697-460C-BB26-2FC0A8107B87}"/>
+              </a:ext>
+            </a:extLst>
+          </p:cNvPr>
+          <p:cNvSpPr/>
+          <p:nvPr/>
+        </p:nvSpPr>
+        <p:spPr>
+          <a:xfrm>
+            <a:off x="1789490" y="3140595"/>
+            <a:ext cx="277734" cy="277734"/>
+          </a:xfrm>
+          <a:prstGeom prst="plus">
+            <a:avLst>
+              <a:gd name="adj" fmla="val 38431"/>
+            </a:avLst>
+          </a:prstGeom>
+          <a:ln>
+            <a:noFill/>
+          </a:ln>
+        </p:spPr>
+        <p:style>
+          <a:lnRef idx="2">
+            <a:schemeClr val="accent1">
+              <a:shade val="50000"/>
+            </a:schemeClr>
+          </a:lnRef>
+          <a:fillRef idx="1">
+            <a:schemeClr val="accent1"/>
+          </a:fillRef>
+          <a:effectRef idx="0">
+            <a:schemeClr val="accent1"/>
+          </a:effectRef>
+          <a:fontRef idx="minor">
+            <a:schemeClr val="lt1"/>
+          </a:fontRef>
+        </p:style>
+        <p:txBody>
+          <a:bodyPr rtlCol="0" anchor="ctr"/>
+          <a:lstStyle/>
+          <a:p>
+            <a:pPr algn="ctr"/>
+            <a:endParaRPr lang="en-US"/>
+          </a:p>
+        </p:txBody>
+      </p:sp>
+      <p:sp>
+        <p:nvSpPr>
+          <p:cNvPr id="15" name="十字形 14">
+            <a:extLst>
+              <a:ext uri="{FF2B5EF4-FFF2-40B4-BE49-F238E27FC236}">
+                <a16:creationId xmlns:a16="http://schemas.microsoft.com/office/drawing/2014/main" id="{9447420A-68A6-4DE3-8694-7DBA0DF65458}"/>
+              </a:ext>
+            </a:extLst>
+          </p:cNvPr>
+          <p:cNvSpPr/>
+          <p:nvPr/>
+        </p:nvSpPr>
+        <p:spPr>
+          <a:xfrm>
+            <a:off x="8110577" y="1459824"/>
+            <a:ext cx="277734" cy="277734"/>
+          </a:xfrm>
+          <a:prstGeom prst="plus">
+            <a:avLst>
+              <a:gd name="adj" fmla="val 38431"/>
+            </a:avLst>
+          </a:prstGeom>
+          <a:ln>
+            <a:noFill/>
+          </a:ln>
+        </p:spPr>
+        <p:style>
+          <a:lnRef idx="2">
+            <a:schemeClr val="accent1">
+              <a:shade val="50000"/>
+            </a:schemeClr>
+          </a:lnRef>
+          <a:fillRef idx="1">
+            <a:schemeClr val="accent1"/>
+          </a:fillRef>
+          <a:effectRef idx="0">
+            <a:schemeClr val="accent1"/>
+          </a:effectRef>
+          <a:fontRef idx="minor">
+            <a:schemeClr val="lt1"/>
+          </a:fontRef>
+        </p:style>
+        <p:txBody>
+          <a:bodyPr rtlCol="0" anchor="ctr"/>
+          <a:lstStyle/>
+          <a:p>
+            <a:pPr algn="ctr"/>
+            <a:endParaRPr lang="en-US"/>
+          </a:p>
+        </p:txBody>
+      </p:sp>
     </p:spTree>
     <p:extLst>
       <p:ext uri="{BB962C8B-B14F-4D97-AF65-F5344CB8AC3E}">
@@ -10677,7 +12873,7 @@
         </p:blipFill>
         <p:spPr>
           <a:xfrm>
-            <a:off x="7807956" y="1065205"/>
+            <a:off x="7904775" y="3833235"/>
             <a:ext cx="3970146" cy="2768030"/>
           </a:xfrm>
           <a:prstGeom prst="rect">
@@ -11138,8 +13334,8 @@
         </p:blipFill>
         <p:spPr>
           <a:xfrm>
-            <a:off x="7132529" y="3509685"/>
-            <a:ext cx="4645573" cy="2988015"/>
+            <a:off x="7904775" y="1040954"/>
+            <a:ext cx="3970146" cy="2553583"/>
           </a:xfrm>
           <a:prstGeom prst="rect">
             <a:avLst/>
@@ -12702,7 +14898,15 @@
               <a:pPr algn="just"/>
               <a:r>
                 <a:rPr lang="en-US" dirty="0"/>
-                <a:t>Before processing the CMakeLists.txt file in the directory. Copy all variable bindings defined in the parent directory and initialize the </a:t>
+                <a:t>Before processing the CMakeLists.txt file in the directory. </a:t>
+              </a:r>
+              <a:r>
+                <a:rPr lang="en-US" b="1" dirty="0"/>
+                <a:t>Copy all variable bindings </a:t>
+              </a:r>
+              <a:r>
+                <a:rPr lang="en-US" dirty="0"/>
+                <a:t>defined in the parent directory and initialize the </a:t>
               </a:r>
               <a:r>
                 <a:rPr lang="en-US" b="1" dirty="0"/>
@@ -12834,53 +15038,6 @@
       </p:grpSp>
       <p:pic>
         <p:nvPicPr>
-          <p:cNvPr id="1026" name="Picture 2" descr="Learn CMake's Scripting Language in 15 Minutes">
-            <a:extLst>
-              <a:ext uri="{FF2B5EF4-FFF2-40B4-BE49-F238E27FC236}">
-                <a16:creationId xmlns:a16="http://schemas.microsoft.com/office/drawing/2014/main" id="{494EFCAD-329D-4121-BFE0-6E32C6DFFFF0}"/>
-              </a:ext>
-            </a:extLst>
-          </p:cNvPr>
-          <p:cNvPicPr>
-            <a:picLocks noChangeAspect="1" noChangeArrowheads="1"/>
-          </p:cNvPicPr>
-          <p:nvPr/>
-        </p:nvPicPr>
-        <p:blipFill>
-          <a:blip r:embed="rId3">
-            <a:extLst>
-              <a:ext uri="{28A0092B-C50C-407E-A947-70E740481C1C}">
-                <a14:useLocalDpi xmlns:a14="http://schemas.microsoft.com/office/drawing/2010/main" val="0"/>
-              </a:ext>
-            </a:extLst>
-          </a:blip>
-          <a:srcRect/>
-          <a:stretch>
-            <a:fillRect/>
-          </a:stretch>
-        </p:blipFill>
-        <p:spPr bwMode="auto">
-          <a:xfrm>
-            <a:off x="-3885834" y="1460298"/>
-            <a:ext cx="3590925" cy="4276725"/>
-          </a:xfrm>
-          <a:prstGeom prst="rect">
-            <a:avLst/>
-          </a:prstGeom>
-          <a:noFill/>
-          <a:extLst>
-            <a:ext uri="{909E8E84-426E-40DD-AFC4-6F175D3DCCD1}">
-              <a14:hiddenFill xmlns:a14="http://schemas.microsoft.com/office/drawing/2010/main">
-                <a:solidFill>
-                  <a:srgbClr val="FFFFFF"/>
-                </a:solidFill>
-              </a14:hiddenFill>
-            </a:ext>
-          </a:extLst>
-        </p:spPr>
-      </p:pic>
-      <p:pic>
-        <p:nvPicPr>
           <p:cNvPr id="17" name="圖片 15" descr="一張含有 螢幕擷取畫面 的圖片&#10;&#10;自動產生的描述">
             <a:extLst>
               <a:ext uri="{FF2B5EF4-FFF2-40B4-BE49-F238E27FC236}">
@@ -12894,7 +15051,7 @@
           <p:nvPr/>
         </p:nvPicPr>
         <p:blipFill>
-          <a:blip r:embed="rId4">
+          <a:blip r:embed="rId3">
             <a:extLst>
               <a:ext uri="{28A0092B-C50C-407E-A947-70E740481C1C}">
                 <a14:useLocalDpi xmlns:a14="http://schemas.microsoft.com/office/drawing/2010/main" val="0"/>
@@ -13127,7 +15284,7 @@
               <p:nvPr/>
             </p:nvPicPr>
             <p:blipFill>
-              <a:blip r:embed="rId5">
+              <a:blip r:embed="rId4">
                 <a:extLst>
                   <a:ext uri="{28A0092B-C50C-407E-A947-70E740481C1C}">
                     <a14:useLocalDpi xmlns:a14="http://schemas.microsoft.com/office/drawing/2010/main" val="0"/>
@@ -13391,7 +15548,7 @@
               <p:nvPr/>
             </p:nvPicPr>
             <p:blipFill>
-              <a:blip r:embed="rId5">
+              <a:blip r:embed="rId4">
                 <a:extLst>
                   <a:ext uri="{28A0092B-C50C-407E-A947-70E740481C1C}">
                     <a14:useLocalDpi xmlns:a14="http://schemas.microsoft.com/office/drawing/2010/main" val="0"/>
@@ -13679,8 +15836,8 @@
             <a:xfrm>
               <a:off x="706742" y="1895917"/>
               <a:ext cx="933521" cy="908742"/>
-              <a:chOff x="2293283" y="1855010"/>
-              <a:chExt cx="2895731" cy="2895731"/>
+              <a:chOff x="2293285" y="1855010"/>
+              <a:chExt cx="2895732" cy="2895731"/>
             </a:xfrm>
           </p:grpSpPr>
           <p:sp>
@@ -13752,7 +15909,7 @@
               <p:nvPr/>
             </p:nvPicPr>
             <p:blipFill>
-              <a:blip r:embed="rId5">
+              <a:blip r:embed="rId4">
                 <a:extLst>
                   <a:ext uri="{28A0092B-C50C-407E-A947-70E740481C1C}">
                     <a14:useLocalDpi xmlns:a14="http://schemas.microsoft.com/office/drawing/2010/main" val="0"/>
@@ -13765,8 +15922,8 @@
             </p:blipFill>
             <p:spPr>
               <a:xfrm>
-                <a:off x="2293283" y="1855010"/>
-                <a:ext cx="2895731" cy="2895731"/>
+                <a:off x="2293285" y="1855010"/>
+                <a:ext cx="2895732" cy="2895731"/>
               </a:xfrm>
               <a:prstGeom prst="rect">
                 <a:avLst/>
@@ -13956,6 +16113,7 @@
               </a:extLst>
             </p:cNvPr>
             <p:cNvCxnSpPr>
+              <a:cxnSpLocks/>
               <a:stCxn id="7" idx="3"/>
               <a:endCxn id="28" idx="1"/>
             </p:cNvCxnSpPr>
@@ -14294,8 +16452,42 @@
           </a:fontRef>
         </p:style>
         <p:txBody>
-          <a:bodyPr rtlCol="0" anchor="ctr"/>
+          <a:bodyPr rtlCol="0" anchor="t"/>
           <a:lstStyle/>
+          <a:p>
+            <a:r>
+              <a:rPr lang="en-US" b="1" dirty="0" err="1">
+                <a:solidFill>
+                  <a:schemeClr val="tx1"/>
+                </a:solidFill>
+              </a:rPr>
+              <a:t>add_executable</a:t>
+            </a:r>
+            <a:r>
+              <a:rPr lang="en-US" dirty="0">
+                <a:solidFill>
+                  <a:schemeClr val="tx1"/>
+                </a:solidFill>
+              </a:rPr>
+              <a:t>(</a:t>
+            </a:r>
+            <a:r>
+              <a:rPr lang="en-US" b="1" dirty="0" err="1">
+                <a:solidFill>
+                  <a:srgbClr val="219EBC"/>
+                </a:solidFill>
+              </a:rPr>
+              <a:t>myApp</a:t>
+            </a:r>
+            <a:r>
+              <a:rPr lang="en-US" dirty="0">
+                <a:solidFill>
+                  <a:schemeClr val="tx1"/>
+                </a:solidFill>
+              </a:rPr>
+              <a:t> main.cpp)</a:t>
+            </a:r>
+          </a:p>
           <a:p>
             <a:endParaRPr lang="en-US" dirty="0">
               <a:solidFill>
@@ -14303,40 +16495,167 @@
               </a:solidFill>
             </a:endParaRPr>
           </a:p>
-        </p:txBody>
-      </p:sp>
-      <p:sp>
-        <p:nvSpPr>
-          <p:cNvPr id="10" name="文字方塊 9">
-            <a:extLst>
-              <a:ext uri="{FF2B5EF4-FFF2-40B4-BE49-F238E27FC236}">
-                <a16:creationId xmlns:a16="http://schemas.microsoft.com/office/drawing/2014/main" id="{AB324298-8530-4ECF-940D-0D396371CF97}"/>
-              </a:ext>
-            </a:extLst>
-          </p:cNvPr>
-          <p:cNvSpPr txBox="1"/>
-          <p:nvPr/>
-        </p:nvSpPr>
-        <p:spPr>
-          <a:xfrm>
-            <a:off x="-2362517" y="5595457"/>
-            <a:ext cx="1828800" cy="923330"/>
-          </a:xfrm>
-          <a:prstGeom prst="rect">
-            <a:avLst/>
-          </a:prstGeom>
-          <a:noFill/>
-        </p:spPr>
-        <p:txBody>
-          <a:bodyPr wrap="square" rtlCol="0">
-            <a:spAutoFit/>
-          </a:bodyPr>
-          <a:lstStyle/>
-          <a:p>
-            <a:r>
-              <a:rPr lang="en-US" dirty="0"/>
-              <a:t>Confliction between target and variable?</a:t>
-            </a:r>
+          <a:p>
+            <a:br>
+              <a:rPr lang="en-US" dirty="0">
+                <a:solidFill>
+                  <a:schemeClr val="tx1"/>
+                </a:solidFill>
+              </a:rPr>
+            </a:br>
+            <a:r>
+              <a:rPr lang="en-US" b="1" dirty="0" err="1">
+                <a:solidFill>
+                  <a:schemeClr val="tx1"/>
+                </a:solidFill>
+              </a:rPr>
+              <a:t>target_include_directories</a:t>
+            </a:r>
+            <a:r>
+              <a:rPr lang="en-US" dirty="0">
+                <a:solidFill>
+                  <a:schemeClr val="tx1"/>
+                </a:solidFill>
+              </a:rPr>
+              <a:t>(</a:t>
+            </a:r>
+            <a:r>
+              <a:rPr lang="en-US" b="1" dirty="0" err="1">
+                <a:solidFill>
+                  <a:srgbClr val="219EBC"/>
+                </a:solidFill>
+              </a:rPr>
+              <a:t>myApp</a:t>
+            </a:r>
+            <a:r>
+              <a:rPr lang="en-US" dirty="0">
+                <a:solidFill>
+                  <a:schemeClr val="tx1"/>
+                </a:solidFill>
+              </a:rPr>
+              <a:t>  </a:t>
+            </a:r>
+          </a:p>
+          <a:p>
+            <a:r>
+              <a:rPr lang="en-US" dirty="0">
+                <a:solidFill>
+                  <a:schemeClr val="tx1"/>
+                </a:solidFill>
+              </a:rPr>
+              <a:t>  PRIVATE</a:t>
+            </a:r>
+          </a:p>
+          <a:p>
+            <a:r>
+              <a:rPr lang="en-US" dirty="0">
+                <a:solidFill>
+                  <a:schemeClr val="tx1"/>
+                </a:solidFill>
+              </a:rPr>
+              <a:t>    ${PROJECT_SOURCE_DIR}/include</a:t>
+            </a:r>
+          </a:p>
+          <a:p>
+            <a:r>
+              <a:rPr lang="en-US" dirty="0">
+                <a:solidFill>
+                  <a:schemeClr val="tx1"/>
+                </a:solidFill>
+              </a:rPr>
+              <a:t>)</a:t>
+            </a:r>
+          </a:p>
+          <a:p>
+            <a:endParaRPr lang="en-US" dirty="0">
+              <a:solidFill>
+                <a:schemeClr val="tx1"/>
+              </a:solidFill>
+            </a:endParaRPr>
+          </a:p>
+          <a:p>
+            <a:endParaRPr lang="en-US" dirty="0">
+              <a:solidFill>
+                <a:schemeClr val="tx1"/>
+              </a:solidFill>
+            </a:endParaRPr>
+          </a:p>
+          <a:p>
+            <a:r>
+              <a:rPr lang="en-US" b="1" dirty="0" err="1">
+                <a:solidFill>
+                  <a:schemeClr val="tx1"/>
+                </a:solidFill>
+              </a:rPr>
+              <a:t>get_target_property</a:t>
+            </a:r>
+            <a:r>
+              <a:rPr lang="en-US" dirty="0">
+                <a:solidFill>
+                  <a:schemeClr val="tx1"/>
+                </a:solidFill>
+              </a:rPr>
+              <a:t>(</a:t>
+            </a:r>
+            <a:r>
+              <a:rPr lang="en-US" b="1" dirty="0" err="1">
+                <a:solidFill>
+                  <a:srgbClr val="219EBC"/>
+                </a:solidFill>
+              </a:rPr>
+              <a:t>includeDirectory</a:t>
+            </a:r>
+            <a:r>
+              <a:rPr lang="en-US" dirty="0">
+                <a:solidFill>
+                  <a:schemeClr val="tx1"/>
+                </a:solidFill>
+              </a:rPr>
+              <a:t> </a:t>
+            </a:r>
+          </a:p>
+          <a:p>
+            <a:r>
+              <a:rPr lang="en-US" b="1" dirty="0" err="1">
+                <a:solidFill>
+                  <a:srgbClr val="219EBC"/>
+                </a:solidFill>
+              </a:rPr>
+              <a:t>myApp</a:t>
+            </a:r>
+            <a:r>
+              <a:rPr lang="en-US" b="1" dirty="0">
+                <a:solidFill>
+                  <a:schemeClr val="tx1"/>
+                </a:solidFill>
+              </a:rPr>
+              <a:t> </a:t>
+            </a:r>
+            <a:r>
+              <a:rPr lang="en-US" dirty="0">
+                <a:solidFill>
+                  <a:schemeClr val="tx1"/>
+                </a:solidFill>
+              </a:rPr>
+              <a:t>INCLUDE_DIRECTORIES</a:t>
+            </a:r>
+          </a:p>
+          <a:p>
+            <a:r>
+              <a:rPr lang="en-US" dirty="0">
+                <a:solidFill>
+                  <a:schemeClr val="tx1"/>
+                </a:solidFill>
+              </a:rPr>
+              <a:t>)</a:t>
+            </a:r>
+          </a:p>
+          <a:p>
+            <a:endParaRPr lang="en-US" dirty="0">
+              <a:solidFill>
+                <a:schemeClr val="tx1"/>
+              </a:solidFill>
+            </a:endParaRPr>
           </a:p>
         </p:txBody>
       </p:sp>

--- a/cmake notes.pptx
+++ b/cmake notes.pptx
@@ -212,7 +212,7 @@
           <a:p>
             <a:fld id="{C3A0BED4-E6FD-4935-BDDC-43A309B75F06}" type="datetimeFigureOut">
               <a:rPr lang="en-US" smtClean="0"/>
-              <a:t>9/7/2020</a:t>
+              <a:t>9/8/2020</a:t>
             </a:fld>
             <a:endParaRPr lang="en-US"/>
           </a:p>
@@ -2050,7 +2050,7 @@
           <a:p>
             <a:fld id="{FE48B3A6-4442-4618-BE4D-B5675E38C8ED}" type="datetimeFigureOut">
               <a:rPr lang="en-US" smtClean="0"/>
-              <a:t>9/7/2020</a:t>
+              <a:t>9/8/2020</a:t>
             </a:fld>
             <a:endParaRPr lang="en-US"/>
           </a:p>
@@ -2447,7 +2447,7 @@
           <a:p>
             <a:fld id="{FE48B3A6-4442-4618-BE4D-B5675E38C8ED}" type="datetimeFigureOut">
               <a:rPr lang="en-US" smtClean="0"/>
-              <a:t>9/7/2020</a:t>
+              <a:t>9/8/2020</a:t>
             </a:fld>
             <a:endParaRPr lang="en-US"/>
           </a:p>
@@ -2647,7 +2647,7 @@
           <a:p>
             <a:fld id="{FE48B3A6-4442-4618-BE4D-B5675E38C8ED}" type="datetimeFigureOut">
               <a:rPr lang="en-US" smtClean="0"/>
-              <a:t>9/7/2020</a:t>
+              <a:t>9/8/2020</a:t>
             </a:fld>
             <a:endParaRPr lang="en-US"/>
           </a:p>
@@ -2857,7 +2857,7 @@
           <a:p>
             <a:fld id="{FE48B3A6-4442-4618-BE4D-B5675E38C8ED}" type="datetimeFigureOut">
               <a:rPr lang="en-US" smtClean="0"/>
-              <a:t>9/7/2020</a:t>
+              <a:t>9/8/2020</a:t>
             </a:fld>
             <a:endParaRPr lang="en-US"/>
           </a:p>
@@ -2999,7 +2999,7 @@
           <a:p>
             <a:fld id="{FE48B3A6-4442-4618-BE4D-B5675E38C8ED}" type="datetimeFigureOut">
               <a:rPr lang="en-US" smtClean="0"/>
-              <a:t>9/7/2020</a:t>
+              <a:t>9/8/2020</a:t>
             </a:fld>
             <a:endParaRPr lang="en-US"/>
           </a:p>
@@ -3327,7 +3327,7 @@
           <a:p>
             <a:fld id="{FE48B3A6-4442-4618-BE4D-B5675E38C8ED}" type="datetimeFigureOut">
               <a:rPr lang="en-US" smtClean="0"/>
-              <a:t>9/7/2020</a:t>
+              <a:t>9/8/2020</a:t>
             </a:fld>
             <a:endParaRPr lang="en-US"/>
           </a:p>
@@ -3603,7 +3603,7 @@
           <a:p>
             <a:fld id="{FE48B3A6-4442-4618-BE4D-B5675E38C8ED}" type="datetimeFigureOut">
               <a:rPr lang="en-US" smtClean="0"/>
-              <a:t>9/7/2020</a:t>
+              <a:t>9/8/2020</a:t>
             </a:fld>
             <a:endParaRPr lang="en-US"/>
           </a:p>
@@ -3871,7 +3871,7 @@
           <a:p>
             <a:fld id="{FE48B3A6-4442-4618-BE4D-B5675E38C8ED}" type="datetimeFigureOut">
               <a:rPr lang="en-US" smtClean="0"/>
-              <a:t>9/7/2020</a:t>
+              <a:t>9/8/2020</a:t>
             </a:fld>
             <a:endParaRPr lang="en-US"/>
           </a:p>
@@ -4286,7 +4286,7 @@
           <a:p>
             <a:fld id="{FE48B3A6-4442-4618-BE4D-B5675E38C8ED}" type="datetimeFigureOut">
               <a:rPr lang="en-US" smtClean="0"/>
-              <a:t>9/7/2020</a:t>
+              <a:t>9/8/2020</a:t>
             </a:fld>
             <a:endParaRPr lang="en-US"/>
           </a:p>
@@ -4428,7 +4428,7 @@
           <a:p>
             <a:fld id="{FE48B3A6-4442-4618-BE4D-B5675E38C8ED}" type="datetimeFigureOut">
               <a:rPr lang="en-US" smtClean="0"/>
-              <a:t>9/7/2020</a:t>
+              <a:t>9/8/2020</a:t>
             </a:fld>
             <a:endParaRPr lang="en-US"/>
           </a:p>
@@ -4541,7 +4541,7 @@
           <a:p>
             <a:fld id="{FE48B3A6-4442-4618-BE4D-B5675E38C8ED}" type="datetimeFigureOut">
               <a:rPr lang="en-US" smtClean="0"/>
-              <a:t>9/7/2020</a:t>
+              <a:t>9/8/2020</a:t>
             </a:fld>
             <a:endParaRPr lang="en-US"/>
           </a:p>
@@ -4854,7 +4854,7 @@
           <a:p>
             <a:fld id="{FE48B3A6-4442-4618-BE4D-B5675E38C8ED}" type="datetimeFigureOut">
               <a:rPr lang="en-US" smtClean="0"/>
-              <a:t>9/7/2020</a:t>
+              <a:t>9/8/2020</a:t>
             </a:fld>
             <a:endParaRPr lang="en-US"/>
           </a:p>
@@ -5097,7 +5097,7 @@
           <a:p>
             <a:fld id="{FE48B3A6-4442-4618-BE4D-B5675E38C8ED}" type="datetimeFigureOut">
               <a:rPr lang="en-US" smtClean="0"/>
-              <a:t>9/7/2020</a:t>
+              <a:t>9/8/2020</a:t>
             </a:fld>
             <a:endParaRPr lang="en-US"/>
           </a:p>

--- a/cmake notes.pptx
+++ b/cmake notes.pptx
@@ -499,7 +499,7 @@
       </p:grpSpPr>
       <p:sp>
         <p:nvSpPr>
-          <p:cNvPr id="2" name="投影片影像版面配置區 1"/>
+          <p:cNvPr id="2" name="Slide Image Placeholder 1"/>
           <p:cNvSpPr>
             <a:spLocks noGrp="1" noRot="1" noChangeAspect="1"/>
           </p:cNvSpPr>
@@ -511,7 +511,7 @@
       </p:sp>
       <p:sp>
         <p:nvSpPr>
-          <p:cNvPr id="3" name="備忘稿版面配置區 2"/>
+          <p:cNvPr id="3" name="Notes Placeholder 2"/>
           <p:cNvSpPr>
             <a:spLocks noGrp="1"/>
           </p:cNvSpPr>
@@ -524,36 +524,13 @@
           <a:bodyPr/>
           <a:lstStyle/>
           <a:p>
-            <a:pPr marL="0" marR="0" lvl="0" indent="0" algn="l" defTabSz="914400" rtl="0" eaLnBrk="1" fontAlgn="auto" latinLnBrk="0" hangingPunct="1">
-              <a:lnSpc>
-                <a:spcPct val="100000"/>
-              </a:lnSpc>
-              <a:spcBef>
-                <a:spcPts val="0"/>
-              </a:spcBef>
-              <a:spcAft>
-                <a:spcPts val="0"/>
-              </a:spcAft>
-              <a:buClrTx/>
-              <a:buSzTx/>
-              <a:buFontTx/>
-              <a:buNone/>
-              <a:tabLst/>
-              <a:defRPr/>
-            </a:pPr>
-            <a:r>
-              <a:rPr lang="en-US" dirty="0"/>
-              <a:t>https://stackoverflow.com/questions/25789644/difference-between-using-makefile-and-cmake-to-compile-the-code</a:t>
-            </a:r>
-          </a:p>
-          <a:p>
             <a:endParaRPr lang="en-US" dirty="0"/>
           </a:p>
         </p:txBody>
       </p:sp>
       <p:sp>
         <p:nvSpPr>
-          <p:cNvPr id="4" name="投影片編號版面配置區 3"/>
+          <p:cNvPr id="4" name="Slide Number Placeholder 3"/>
           <p:cNvSpPr>
             <a:spLocks noGrp="1"/>
           </p:cNvSpPr>
@@ -568,7 +545,7 @@
           <a:p>
             <a:fld id="{B98D41D3-80D1-41B8-B9EF-F8F84EBADC06}" type="slidenum">
               <a:rPr lang="en-US" smtClean="0"/>
-              <a:t>2</a:t>
+              <a:t>1</a:t>
             </a:fld>
             <a:endParaRPr lang="en-US"/>
           </a:p>
@@ -577,7 +554,7 @@
     </p:spTree>
     <p:extLst>
       <p:ext uri="{BB962C8B-B14F-4D97-AF65-F5344CB8AC3E}">
-        <p14:creationId xmlns:p14="http://schemas.microsoft.com/office/powerpoint/2010/main" val="2285002043"/>
+        <p14:creationId xmlns:p14="http://schemas.microsoft.com/office/powerpoint/2010/main" val="2156680484"/>
       </p:ext>
     </p:extLst>
   </p:cSld>
@@ -632,55 +609,14 @@
           <a:lstStyle/>
           <a:p>
             <a:r>
-              <a:rPr lang="en-US" dirty="0">
-                <a:hlinkClick r:id="rId3"/>
-              </a:rPr>
-              <a:t>https://www.slideshare.net/oliora/introduction-to-cmake-in-30-minutes</a:t>
-            </a:r>
+              <a:rPr lang="en-US" dirty="0"/>
+              <a:t>https://cmake.org/cmake/help/v3.7/manual/cmake-language.7.html</a:t>
+            </a:r>
+          </a:p>
+          <a:p>
             <a:endParaRPr lang="en-US" dirty="0"/>
           </a:p>
           <a:p>
-            <a:pPr marL="0" marR="0" lvl="0" indent="0" algn="l" defTabSz="914400" rtl="0" eaLnBrk="1" fontAlgn="auto" latinLnBrk="0" hangingPunct="1">
-              <a:lnSpc>
-                <a:spcPct val="100000"/>
-              </a:lnSpc>
-              <a:spcBef>
-                <a:spcPts val="0"/>
-              </a:spcBef>
-              <a:spcAft>
-                <a:spcPts val="0"/>
-              </a:spcAft>
-              <a:buClrTx/>
-              <a:buSzTx/>
-              <a:buFontTx/>
-              <a:buNone/>
-              <a:tabLst/>
-              <a:defRPr/>
-            </a:pPr>
-            <a:r>
-              <a:rPr lang="en-US" dirty="0">
-                <a:hlinkClick r:id="rId4"/>
-              </a:rPr>
-              <a:t>https://www.slideshare.net/DanielPfeifer1/cmake-48475415</a:t>
-            </a:r>
-            <a:endParaRPr lang="en-US" dirty="0"/>
-          </a:p>
-          <a:p>
-            <a:r>
-              <a:rPr lang="en-US" dirty="0">
-                <a:hlinkClick r:id="rId5"/>
-              </a:rPr>
-              <a:t>https://myslide.cn/slides/12169</a:t>
-            </a:r>
-            <a:endParaRPr lang="en-US" dirty="0"/>
-          </a:p>
-          <a:p>
-            <a:r>
-              <a:rPr lang="en-US" dirty="0">
-                <a:hlinkClick r:id="rId6"/>
-              </a:rPr>
-              <a:t>https://zh.wikibooks.org/wiki/CMake_%E5%85%A5%E9%96%80/%E8%BC%B8%E5%87%BA%E4%BD%8D%E7%BD%AE%E8%88%87%E5%AE%89%E8%A3%9D</a:t>
-            </a:r>
             <a:endParaRPr lang="en-US" dirty="0"/>
           </a:p>
         </p:txBody>
@@ -702,7 +638,7 @@
           <a:p>
             <a:fld id="{B98D41D3-80D1-41B8-B9EF-F8F84EBADC06}" type="slidenum">
               <a:rPr lang="en-US" smtClean="0"/>
-              <a:t>13</a:t>
+              <a:t>11</a:t>
             </a:fld>
             <a:endParaRPr lang="en-US"/>
           </a:p>
@@ -711,7 +647,7 @@
     </p:spTree>
     <p:extLst>
       <p:ext uri="{BB962C8B-B14F-4D97-AF65-F5344CB8AC3E}">
-        <p14:creationId xmlns:p14="http://schemas.microsoft.com/office/powerpoint/2010/main" val="2882470297"/>
+        <p14:creationId xmlns:p14="http://schemas.microsoft.com/office/powerpoint/2010/main" val="1652468921"/>
       </p:ext>
     </p:extLst>
   </p:cSld>
@@ -836,6 +772,140 @@
           <a:p>
             <a:fld id="{B98D41D3-80D1-41B8-B9EF-F8F84EBADC06}" type="slidenum">
               <a:rPr lang="en-US" smtClean="0"/>
+              <a:t>13</a:t>
+            </a:fld>
+            <a:endParaRPr lang="en-US"/>
+          </a:p>
+        </p:txBody>
+      </p:sp>
+    </p:spTree>
+    <p:extLst>
+      <p:ext uri="{BB962C8B-B14F-4D97-AF65-F5344CB8AC3E}">
+        <p14:creationId xmlns:p14="http://schemas.microsoft.com/office/powerpoint/2010/main" val="2882470297"/>
+      </p:ext>
+    </p:extLst>
+  </p:cSld>
+  <p:clrMapOvr>
+    <a:masterClrMapping/>
+  </p:clrMapOvr>
+</p:notes>
+</file>
+
+<file path=ppt/notesSlides/notesSlide12.xml><?xml version="1.0" encoding="utf-8"?>
+<p:notes xmlns:a="http://schemas.openxmlformats.org/drawingml/2006/main" xmlns:r="http://schemas.openxmlformats.org/officeDocument/2006/relationships" xmlns:p="http://schemas.openxmlformats.org/presentationml/2006/main">
+  <p:cSld>
+    <p:spTree>
+      <p:nvGrpSpPr>
+        <p:cNvPr id="1" name=""/>
+        <p:cNvGrpSpPr/>
+        <p:nvPr/>
+      </p:nvGrpSpPr>
+      <p:grpSpPr>
+        <a:xfrm>
+          <a:off x="0" y="0"/>
+          <a:ext cx="0" cy="0"/>
+          <a:chOff x="0" y="0"/>
+          <a:chExt cx="0" cy="0"/>
+        </a:xfrm>
+      </p:grpSpPr>
+      <p:sp>
+        <p:nvSpPr>
+          <p:cNvPr id="2" name="投影片影像版面配置區 1"/>
+          <p:cNvSpPr>
+            <a:spLocks noGrp="1" noRot="1" noChangeAspect="1"/>
+          </p:cNvSpPr>
+          <p:nvPr>
+            <p:ph type="sldImg"/>
+          </p:nvPr>
+        </p:nvSpPr>
+        <p:spPr/>
+      </p:sp>
+      <p:sp>
+        <p:nvSpPr>
+          <p:cNvPr id="3" name="備忘稿版面配置區 2"/>
+          <p:cNvSpPr>
+            <a:spLocks noGrp="1"/>
+          </p:cNvSpPr>
+          <p:nvPr>
+            <p:ph type="body" idx="1"/>
+          </p:nvPr>
+        </p:nvSpPr>
+        <p:spPr/>
+        <p:txBody>
+          <a:bodyPr/>
+          <a:lstStyle/>
+          <a:p>
+            <a:r>
+              <a:rPr lang="en-US" dirty="0">
+                <a:hlinkClick r:id="rId3"/>
+              </a:rPr>
+              <a:t>https://www.slideshare.net/oliora/introduction-to-cmake-in-30-minutes</a:t>
+            </a:r>
+            <a:endParaRPr lang="en-US" dirty="0"/>
+          </a:p>
+          <a:p>
+            <a:pPr marL="0" marR="0" lvl="0" indent="0" algn="l" defTabSz="914400" rtl="0" eaLnBrk="1" fontAlgn="auto" latinLnBrk="0" hangingPunct="1">
+              <a:lnSpc>
+                <a:spcPct val="100000"/>
+              </a:lnSpc>
+              <a:spcBef>
+                <a:spcPts val="0"/>
+              </a:spcBef>
+              <a:spcAft>
+                <a:spcPts val="0"/>
+              </a:spcAft>
+              <a:buClrTx/>
+              <a:buSzTx/>
+              <a:buFontTx/>
+              <a:buNone/>
+              <a:tabLst/>
+              <a:defRPr/>
+            </a:pPr>
+            <a:r>
+              <a:rPr lang="en-US" dirty="0">
+                <a:hlinkClick r:id="rId4"/>
+              </a:rPr>
+              <a:t>https://www.slideshare.net/DanielPfeifer1/cmake-48475415</a:t>
+            </a:r>
+            <a:endParaRPr lang="en-US" dirty="0"/>
+          </a:p>
+          <a:p>
+            <a:r>
+              <a:rPr lang="en-US" dirty="0">
+                <a:hlinkClick r:id="rId5"/>
+              </a:rPr>
+              <a:t>https://myslide.cn/slides/12169</a:t>
+            </a:r>
+            <a:endParaRPr lang="en-US" dirty="0"/>
+          </a:p>
+          <a:p>
+            <a:r>
+              <a:rPr lang="en-US" dirty="0">
+                <a:hlinkClick r:id="rId6"/>
+              </a:rPr>
+              <a:t>https://zh.wikibooks.org/wiki/CMake_%E5%85%A5%E9%96%80/%E8%BC%B8%E5%87%BA%E4%BD%8D%E7%BD%AE%E8%88%87%E5%AE%89%E8%A3%9D</a:t>
+            </a:r>
+            <a:endParaRPr lang="en-US" dirty="0"/>
+          </a:p>
+        </p:txBody>
+      </p:sp>
+      <p:sp>
+        <p:nvSpPr>
+          <p:cNvPr id="4" name="投影片編號版面配置區 3"/>
+          <p:cNvSpPr>
+            <a:spLocks noGrp="1"/>
+          </p:cNvSpPr>
+          <p:nvPr>
+            <p:ph type="sldNum" sz="quarter" idx="5"/>
+          </p:nvPr>
+        </p:nvSpPr>
+        <p:spPr/>
+        <p:txBody>
+          <a:bodyPr/>
+          <a:lstStyle/>
+          <a:p>
+            <a:fld id="{B98D41D3-80D1-41B8-B9EF-F8F84EBADC06}" type="slidenum">
+              <a:rPr lang="en-US" smtClean="0"/>
               <a:t>15</a:t>
             </a:fld>
             <a:endParaRPr lang="en-US"/>
@@ -855,7 +925,7 @@
 </p:notes>
 </file>
 
-<file path=ppt/notesSlides/notesSlide12.xml><?xml version="1.0" encoding="utf-8"?>
+<file path=ppt/notesSlides/notesSlide13.xml><?xml version="1.0" encoding="utf-8"?>
 <p:notes xmlns:a="http://schemas.openxmlformats.org/drawingml/2006/main" xmlns:r="http://schemas.openxmlformats.org/officeDocument/2006/relationships" xmlns:p="http://schemas.openxmlformats.org/presentationml/2006/main">
   <p:cSld>
     <p:spTree>
@@ -1054,22 +1124,30 @@
           <a:bodyPr/>
           <a:lstStyle/>
           <a:p>
-            <a:r>
-              <a:rPr lang="en-US" dirty="0">
-                <a:hlinkClick r:id="rId3"/>
-              </a:rPr>
+            <a:pPr marL="0" marR="0" lvl="0" indent="0" algn="l" defTabSz="914400" rtl="0" eaLnBrk="1" fontAlgn="auto" latinLnBrk="0" hangingPunct="1">
+              <a:lnSpc>
+                <a:spcPct val="100000"/>
+              </a:lnSpc>
+              <a:spcBef>
+                <a:spcPts val="0"/>
+              </a:spcBef>
+              <a:spcAft>
+                <a:spcPts val="0"/>
+              </a:spcAft>
+              <a:buClrTx/>
+              <a:buSzTx/>
+              <a:buFontTx/>
+              <a:buNone/>
+              <a:tabLst/>
+              <a:defRPr/>
+            </a:pPr>
+            <a:r>
+              <a:rPr lang="en-US" dirty="0"/>
               <a:t>https://stackoverflow.com/questions/25789644/difference-between-using-makefile-and-cmake-to-compile-the-code</a:t>
             </a:r>
+          </a:p>
+          <a:p>
             <a:endParaRPr lang="en-US" dirty="0"/>
-          </a:p>
-          <a:p>
-            <a:endParaRPr lang="en-US" dirty="0"/>
-          </a:p>
-          <a:p>
-            <a:r>
-              <a:rPr lang="en-US" dirty="0"/>
-              <a:t>https://cmake.org/cmake/help/v3.4/manual/cmake-buildsystem.7.html#runtime-output-artifacts</a:t>
-            </a:r>
           </a:p>
         </p:txBody>
       </p:sp>
@@ -1090,7 +1168,7 @@
           <a:p>
             <a:fld id="{B98D41D3-80D1-41B8-B9EF-F8F84EBADC06}" type="slidenum">
               <a:rPr lang="en-US" smtClean="0"/>
-              <a:t>3</a:t>
+              <a:t>2</a:t>
             </a:fld>
             <a:endParaRPr lang="en-US"/>
           </a:p>
@@ -1099,7 +1177,7 @@
     </p:spTree>
     <p:extLst>
       <p:ext uri="{BB962C8B-B14F-4D97-AF65-F5344CB8AC3E}">
-        <p14:creationId xmlns:p14="http://schemas.microsoft.com/office/powerpoint/2010/main" val="3412503010"/>
+        <p14:creationId xmlns:p14="http://schemas.microsoft.com/office/powerpoint/2010/main" val="2285002043"/>
       </p:ext>
     </p:extLst>
   </p:cSld>
@@ -1157,9 +1235,18 @@
               <a:rPr lang="en-US" dirty="0">
                 <a:hlinkClick r:id="rId3"/>
               </a:rPr>
-              <a:t>https://cgold.readthedocs.io/en/latest/overview/cmake-can.html</a:t>
+              <a:t>https://stackoverflow.com/questions/25789644/difference-between-using-makefile-and-cmake-to-compile-the-code</a:t>
             </a:r>
             <a:endParaRPr lang="en-US" dirty="0"/>
+          </a:p>
+          <a:p>
+            <a:endParaRPr lang="en-US" dirty="0"/>
+          </a:p>
+          <a:p>
+            <a:r>
+              <a:rPr lang="en-US" dirty="0"/>
+              <a:t>https://cmake.org/cmake/help/v3.4/manual/cmake-buildsystem.7.html#runtime-output-artifacts</a:t>
+            </a:r>
           </a:p>
         </p:txBody>
       </p:sp>
@@ -1180,7 +1267,7 @@
           <a:p>
             <a:fld id="{B98D41D3-80D1-41B8-B9EF-F8F84EBADC06}" type="slidenum">
               <a:rPr lang="en-US" smtClean="0"/>
-              <a:t>4</a:t>
+              <a:t>3</a:t>
             </a:fld>
             <a:endParaRPr lang="en-US"/>
           </a:p>
@@ -1189,7 +1276,7 @@
     </p:spTree>
     <p:extLst>
       <p:ext uri="{BB962C8B-B14F-4D97-AF65-F5344CB8AC3E}">
-        <p14:creationId xmlns:p14="http://schemas.microsoft.com/office/powerpoint/2010/main" val="1125134035"/>
+        <p14:creationId xmlns:p14="http://schemas.microsoft.com/office/powerpoint/2010/main" val="3412503010"/>
       </p:ext>
     </p:extLst>
   </p:cSld>
@@ -1244,13 +1331,12 @@
           <a:lstStyle/>
           <a:p>
             <a:r>
-              <a:rPr lang="en-US" dirty="0" err="1"/>
-              <a:t>Cmake</a:t>
-            </a:r>
-            <a:r>
-              <a:rPr lang="en-US" dirty="0"/>
-              <a:t>/help/latest/manual/cmake.1.html</a:t>
-            </a:r>
+              <a:rPr lang="en-US" dirty="0">
+                <a:hlinkClick r:id="rId3"/>
+              </a:rPr>
+              <a:t>https://cgold.readthedocs.io/en/latest/overview/cmake-can.html</a:t>
+            </a:r>
+            <a:endParaRPr lang="en-US" dirty="0"/>
           </a:p>
         </p:txBody>
       </p:sp>
@@ -1271,7 +1357,7 @@
           <a:p>
             <a:fld id="{B98D41D3-80D1-41B8-B9EF-F8F84EBADC06}" type="slidenum">
               <a:rPr lang="en-US" smtClean="0"/>
-              <a:t>5</a:t>
+              <a:t>4</a:t>
             </a:fld>
             <a:endParaRPr lang="en-US"/>
           </a:p>
@@ -1280,7 +1366,7 @@
     </p:spTree>
     <p:extLst>
       <p:ext uri="{BB962C8B-B14F-4D97-AF65-F5344CB8AC3E}">
-        <p14:creationId xmlns:p14="http://schemas.microsoft.com/office/powerpoint/2010/main" val="34302326"/>
+        <p14:creationId xmlns:p14="http://schemas.microsoft.com/office/powerpoint/2010/main" val="1125134035"/>
       </p:ext>
     </p:extLst>
   </p:cSld>
@@ -1309,7 +1395,7 @@
       </p:grpSpPr>
       <p:sp>
         <p:nvSpPr>
-          <p:cNvPr id="2" name="Slide Image Placeholder 1"/>
+          <p:cNvPr id="2" name="投影片影像版面配置區 1"/>
           <p:cNvSpPr>
             <a:spLocks noGrp="1" noRot="1" noChangeAspect="1"/>
           </p:cNvSpPr>
@@ -1321,7 +1407,7 @@
       </p:sp>
       <p:sp>
         <p:nvSpPr>
-          <p:cNvPr id="3" name="Notes Placeholder 2"/>
+          <p:cNvPr id="3" name="備忘稿版面配置區 2"/>
           <p:cNvSpPr>
             <a:spLocks noGrp="1"/>
           </p:cNvSpPr>
@@ -1335,15 +1421,19 @@
           <a:lstStyle/>
           <a:p>
             <a:r>
-              <a:rPr lang="en-US" b="1" dirty="0"/>
-              <a:t>https://stackoverflow.com/questions/31037882/whats-the-cmake-syntax-to-set-and-use-variables</a:t>
+              <a:rPr lang="en-US" dirty="0" err="1"/>
+              <a:t>Cmake</a:t>
+            </a:r>
+            <a:r>
+              <a:rPr lang="en-US" dirty="0"/>
+              <a:t>/help/latest/manual/cmake.1.html</a:t>
             </a:r>
           </a:p>
         </p:txBody>
       </p:sp>
       <p:sp>
         <p:nvSpPr>
-          <p:cNvPr id="4" name="Slide Number Placeholder 3"/>
+          <p:cNvPr id="4" name="投影片編號版面配置區 3"/>
           <p:cNvSpPr>
             <a:spLocks noGrp="1"/>
           </p:cNvSpPr>
@@ -1358,7 +1448,7 @@
           <a:p>
             <a:fld id="{B98D41D3-80D1-41B8-B9EF-F8F84EBADC06}" type="slidenum">
               <a:rPr lang="en-US" smtClean="0"/>
-              <a:t>7</a:t>
+              <a:t>5</a:t>
             </a:fld>
             <a:endParaRPr lang="en-US"/>
           </a:p>
@@ -1367,7 +1457,7 @@
     </p:spTree>
     <p:extLst>
       <p:ext uri="{BB962C8B-B14F-4D97-AF65-F5344CB8AC3E}">
-        <p14:creationId xmlns:p14="http://schemas.microsoft.com/office/powerpoint/2010/main" val="3485913306"/>
+        <p14:creationId xmlns:p14="http://schemas.microsoft.com/office/powerpoint/2010/main" val="34302326"/>
       </p:ext>
     </p:extLst>
   </p:cSld>
@@ -1396,7 +1486,7 @@
       </p:grpSpPr>
       <p:sp>
         <p:nvSpPr>
-          <p:cNvPr id="2" name="投影片影像版面配置區 1"/>
+          <p:cNvPr id="2" name="Slide Image Placeholder 1"/>
           <p:cNvSpPr>
             <a:spLocks noGrp="1" noRot="1" noChangeAspect="1"/>
           </p:cNvSpPr>
@@ -1408,7 +1498,7 @@
       </p:sp>
       <p:sp>
         <p:nvSpPr>
-          <p:cNvPr id="3" name="備忘稿版面配置區 2"/>
+          <p:cNvPr id="3" name="Notes Placeholder 2"/>
           <p:cNvSpPr>
             <a:spLocks noGrp="1"/>
           </p:cNvSpPr>
@@ -1422,47 +1512,15 @@
           <a:lstStyle/>
           <a:p>
             <a:r>
-              <a:rPr lang="en-US" dirty="0"/>
-              <a:t>https://cliutils.gitlab.io/modern-cmake/chapters/basics/variables.html</a:t>
-            </a:r>
-          </a:p>
-          <a:p>
-            <a:endParaRPr lang="en-US" dirty="0"/>
-          </a:p>
-          <a:p>
-            <a:pPr marL="0" marR="0" lvl="0" indent="0" algn="l" defTabSz="914400" rtl="0" eaLnBrk="1" fontAlgn="auto" latinLnBrk="0" hangingPunct="1">
-              <a:lnSpc>
-                <a:spcPct val="100000"/>
-              </a:lnSpc>
-              <a:spcBef>
-                <a:spcPts val="0"/>
-              </a:spcBef>
-              <a:spcAft>
-                <a:spcPts val="0"/>
-              </a:spcAft>
-              <a:buClrTx/>
-              <a:buSzTx/>
-              <a:buFontTx/>
-              <a:buNone/>
-              <a:tabLst/>
-              <a:defRPr/>
-            </a:pPr>
-            <a:r>
-              <a:rPr lang="en-US" dirty="0">
-                <a:hlinkClick r:id="rId3"/>
-              </a:rPr>
-              <a:t>https://preshing.com/20170522/learn-cmakes-scripting-language-in-15-minutes/</a:t>
-            </a:r>
-            <a:endParaRPr lang="en-US" dirty="0"/>
-          </a:p>
-          <a:p>
-            <a:endParaRPr lang="en-US" dirty="0"/>
+              <a:rPr lang="en-US" b="1" dirty="0"/>
+              <a:t>https://stackoverflow.com/questions/31037882/whats-the-cmake-syntax-to-set-and-use-variables</a:t>
+            </a:r>
           </a:p>
         </p:txBody>
       </p:sp>
       <p:sp>
         <p:nvSpPr>
-          <p:cNvPr id="4" name="投影片編號版面配置區 3"/>
+          <p:cNvPr id="4" name="Slide Number Placeholder 3"/>
           <p:cNvSpPr>
             <a:spLocks noGrp="1"/>
           </p:cNvSpPr>
@@ -1477,7 +1535,7 @@
           <a:p>
             <a:fld id="{B98D41D3-80D1-41B8-B9EF-F8F84EBADC06}" type="slidenum">
               <a:rPr lang="en-US" smtClean="0"/>
-              <a:t>8</a:t>
+              <a:t>7</a:t>
             </a:fld>
             <a:endParaRPr lang="en-US"/>
           </a:p>
@@ -1486,7 +1544,7 @@
     </p:spTree>
     <p:extLst>
       <p:ext uri="{BB962C8B-B14F-4D97-AF65-F5344CB8AC3E}">
-        <p14:creationId xmlns:p14="http://schemas.microsoft.com/office/powerpoint/2010/main" val="1771750061"/>
+        <p14:creationId xmlns:p14="http://schemas.microsoft.com/office/powerpoint/2010/main" val="3485913306"/>
       </p:ext>
     </p:extLst>
   </p:cSld>
@@ -1541,146 +1599,40 @@
           <a:lstStyle/>
           <a:p>
             <a:r>
-              <a:rPr lang="en-US" altLang="zh-CN" dirty="0"/>
-              <a:t>https://zhuanlan.zhihu.com/p/76975231</a:t>
-            </a:r>
-          </a:p>
-          <a:p>
-            <a:endParaRPr lang="en-US" altLang="zh-CN" dirty="0"/>
-          </a:p>
-          <a:p>
-            <a:r>
-              <a:rPr lang="en-US" altLang="zh-CN" dirty="0"/>
-              <a:t>https://ukabuer.me/blog/more-modern-cmake/</a:t>
-            </a:r>
-          </a:p>
-          <a:p>
-            <a:endParaRPr lang="en-US" altLang="zh-CN" dirty="0"/>
-          </a:p>
-          <a:p>
-            <a:r>
-              <a:rPr lang="en-US" altLang="zh-CN" dirty="0"/>
-              <a:t>https://cmake.org/cmake/help/latest/manual/cmake-properties.7.html</a:t>
-            </a:r>
-          </a:p>
-          <a:p>
-            <a:r>
-              <a:rPr lang="en-US" altLang="zh-CN" dirty="0"/>
-              <a:t>https://cmake.org/cmake/help/latest/manual/cmake-commands.7.html</a:t>
-            </a:r>
-          </a:p>
-          <a:p>
-            <a:endParaRPr lang="en-US" altLang="zh-CN" dirty="0"/>
-          </a:p>
-          <a:p>
-            <a:r>
-              <a:rPr lang="zh-CN" altLang="en-US" dirty="0"/>
-              <a:t>现代化的</a:t>
-            </a:r>
-            <a:r>
-              <a:rPr lang="en-US" altLang="zh-CN" dirty="0" err="1"/>
-              <a:t>CMake</a:t>
-            </a:r>
-            <a:r>
-              <a:rPr lang="zh-CN" altLang="en-US" dirty="0"/>
-              <a:t>是围绕 </a:t>
-            </a:r>
-            <a:r>
-              <a:rPr lang="en-US" altLang="zh-CN" dirty="0"/>
-              <a:t>Target </a:t>
-            </a:r>
-            <a:r>
-              <a:rPr lang="zh-CN" altLang="en-US" dirty="0"/>
-              <a:t>和 </a:t>
-            </a:r>
-            <a:r>
-              <a:rPr lang="en-US" altLang="zh-CN" dirty="0"/>
-              <a:t>Property </a:t>
-            </a:r>
-            <a:r>
-              <a:rPr lang="zh-CN" altLang="en-US" dirty="0"/>
-              <a:t>来定义的，并且竭力避免出现变量</a:t>
-            </a:r>
-            <a:r>
-              <a:rPr lang="en-US" altLang="zh-CN" dirty="0"/>
-              <a:t>variable</a:t>
-            </a:r>
-            <a:r>
-              <a:rPr lang="zh-CN" altLang="en-US" dirty="0"/>
-              <a:t>的定义。</a:t>
-            </a:r>
-            <a:r>
-              <a:rPr lang="en-US" altLang="zh-CN" dirty="0"/>
-              <a:t>Variable</a:t>
-            </a:r>
-            <a:r>
-              <a:rPr lang="zh-CN" altLang="en-US" dirty="0"/>
-              <a:t>横行是典型</a:t>
-            </a:r>
-            <a:r>
-              <a:rPr lang="en-US" altLang="zh-CN" dirty="0"/>
-              <a:t>CMake2.8</a:t>
-            </a:r>
-            <a:r>
-              <a:rPr lang="zh-CN" altLang="en-US" dirty="0"/>
-              <a:t>时期的风格。现代版的</a:t>
-            </a:r>
-            <a:r>
-              <a:rPr lang="en-US" altLang="zh-CN" dirty="0" err="1"/>
-              <a:t>CMake</a:t>
-            </a:r>
-            <a:r>
-              <a:rPr lang="zh-CN" altLang="en-US" dirty="0"/>
-              <a:t>更像是在遵循</a:t>
-            </a:r>
-            <a:r>
-              <a:rPr lang="en-US" altLang="zh-CN" dirty="0"/>
-              <a:t>OOP</a:t>
-            </a:r>
-            <a:r>
-              <a:rPr lang="zh-CN" altLang="en-US" dirty="0"/>
-              <a:t>的规则，通过</a:t>
-            </a:r>
-            <a:r>
-              <a:rPr lang="en-US" altLang="zh-CN" dirty="0"/>
-              <a:t>target</a:t>
-            </a:r>
-            <a:r>
-              <a:rPr lang="zh-CN" altLang="en-US" dirty="0"/>
-              <a:t>来约束</a:t>
-            </a:r>
-            <a:r>
-              <a:rPr lang="en-US" altLang="zh-CN" dirty="0"/>
-              <a:t>link</a:t>
-            </a:r>
-            <a:r>
-              <a:rPr lang="zh-CN" altLang="en-US" dirty="0"/>
-              <a:t>、</a:t>
-            </a:r>
-            <a:r>
-              <a:rPr lang="en-US" altLang="zh-CN" dirty="0"/>
-              <a:t>compile</a:t>
-            </a:r>
-            <a:r>
-              <a:rPr lang="zh-CN" altLang="en-US" dirty="0"/>
-              <a:t>等相关属性的作用域。如果把一个</a:t>
-            </a:r>
-            <a:r>
-              <a:rPr lang="en-US" altLang="zh-CN" dirty="0"/>
-              <a:t>Target</a:t>
-            </a:r>
-            <a:r>
-              <a:rPr lang="zh-CN" altLang="en-US" dirty="0"/>
-              <a:t>想象成一个对象（</a:t>
-            </a:r>
-            <a:r>
-              <a:rPr lang="en-US" altLang="zh-CN" dirty="0"/>
-              <a:t>Object</a:t>
-            </a:r>
-            <a:r>
-              <a:rPr lang="zh-CN" altLang="en-US" dirty="0"/>
-              <a:t>），会发现两者的组织方式非常相似：</a:t>
-            </a:r>
+              <a:rPr lang="en-US" dirty="0"/>
+              <a:t>https://cliutils.gitlab.io/modern-cmake/chapters/basics/variables.html</a:t>
+            </a:r>
+          </a:p>
+          <a:p>
+            <a:endParaRPr lang="en-US" dirty="0"/>
+          </a:p>
+          <a:p>
+            <a:pPr marL="0" marR="0" lvl="0" indent="0" algn="l" defTabSz="914400" rtl="0" eaLnBrk="1" fontAlgn="auto" latinLnBrk="0" hangingPunct="1">
+              <a:lnSpc>
+                <a:spcPct val="100000"/>
+              </a:lnSpc>
+              <a:spcBef>
+                <a:spcPts val="0"/>
+              </a:spcBef>
+              <a:spcAft>
+                <a:spcPts val="0"/>
+              </a:spcAft>
+              <a:buClrTx/>
+              <a:buSzTx/>
+              <a:buFontTx/>
+              <a:buNone/>
+              <a:tabLst/>
+              <a:defRPr/>
+            </a:pPr>
+            <a:r>
+              <a:rPr lang="en-US" dirty="0">
+                <a:hlinkClick r:id="rId3"/>
+              </a:rPr>
+              <a:t>https://preshing.com/20170522/learn-cmakes-scripting-language-in-15-minutes/</a:t>
+            </a:r>
+            <a:endParaRPr lang="en-US" dirty="0"/>
+          </a:p>
+          <a:p>
             <a:endParaRPr lang="en-US" dirty="0"/>
           </a:p>
         </p:txBody>
@@ -1702,7 +1654,7 @@
           <a:p>
             <a:fld id="{B98D41D3-80D1-41B8-B9EF-F8F84EBADC06}" type="slidenum">
               <a:rPr lang="en-US" smtClean="0"/>
-              <a:t>9</a:t>
+              <a:t>8</a:t>
             </a:fld>
             <a:endParaRPr lang="en-US"/>
           </a:p>
@@ -1711,7 +1663,7 @@
     </p:spTree>
     <p:extLst>
       <p:ext uri="{BB962C8B-B14F-4D97-AF65-F5344CB8AC3E}">
-        <p14:creationId xmlns:p14="http://schemas.microsoft.com/office/powerpoint/2010/main" val="2956216541"/>
+        <p14:creationId xmlns:p14="http://schemas.microsoft.com/office/powerpoint/2010/main" val="1771750061"/>
       </p:ext>
     </p:extLst>
   </p:cSld>
@@ -1766,9 +1718,147 @@
           <a:lstStyle/>
           <a:p>
             <a:r>
-              <a:rPr lang="en-US" dirty="0"/>
-              <a:t>https://stackoverflow.com/questions/60317621/namespace-notation-in-cmakelists-txt</a:t>
-            </a:r>
+              <a:rPr lang="en-US" altLang="zh-CN" dirty="0"/>
+              <a:t>https://zhuanlan.zhihu.com/p/76975231</a:t>
+            </a:r>
+          </a:p>
+          <a:p>
+            <a:endParaRPr lang="en-US" altLang="zh-CN" dirty="0"/>
+          </a:p>
+          <a:p>
+            <a:r>
+              <a:rPr lang="en-US" altLang="zh-CN" dirty="0"/>
+              <a:t>https://ukabuer.me/blog/more-modern-cmake/</a:t>
+            </a:r>
+          </a:p>
+          <a:p>
+            <a:endParaRPr lang="en-US" altLang="zh-CN" dirty="0"/>
+          </a:p>
+          <a:p>
+            <a:r>
+              <a:rPr lang="en-US" altLang="zh-CN" dirty="0"/>
+              <a:t>https://cmake.org/cmake/help/latest/manual/cmake-properties.7.html</a:t>
+            </a:r>
+          </a:p>
+          <a:p>
+            <a:r>
+              <a:rPr lang="en-US" altLang="zh-CN" dirty="0"/>
+              <a:t>https://cmake.org/cmake/help/latest/manual/cmake-commands.7.html</a:t>
+            </a:r>
+          </a:p>
+          <a:p>
+            <a:endParaRPr lang="en-US" altLang="zh-CN" dirty="0"/>
+          </a:p>
+          <a:p>
+            <a:r>
+              <a:rPr lang="zh-CN" altLang="en-US" dirty="0"/>
+              <a:t>现代化的</a:t>
+            </a:r>
+            <a:r>
+              <a:rPr lang="en-US" altLang="zh-CN" dirty="0" err="1"/>
+              <a:t>CMake</a:t>
+            </a:r>
+            <a:r>
+              <a:rPr lang="zh-CN" altLang="en-US" dirty="0"/>
+              <a:t>是围绕 </a:t>
+            </a:r>
+            <a:r>
+              <a:rPr lang="en-US" altLang="zh-CN" dirty="0"/>
+              <a:t>Target </a:t>
+            </a:r>
+            <a:r>
+              <a:rPr lang="zh-CN" altLang="en-US" dirty="0"/>
+              <a:t>和 </a:t>
+            </a:r>
+            <a:r>
+              <a:rPr lang="en-US" altLang="zh-CN" dirty="0"/>
+              <a:t>Property </a:t>
+            </a:r>
+            <a:r>
+              <a:rPr lang="zh-CN" altLang="en-US" dirty="0"/>
+              <a:t>来定义的，并且竭力避免出现变量</a:t>
+            </a:r>
+            <a:r>
+              <a:rPr lang="en-US" altLang="zh-CN" dirty="0"/>
+              <a:t>variable</a:t>
+            </a:r>
+            <a:r>
+              <a:rPr lang="zh-CN" altLang="en-US" dirty="0"/>
+              <a:t>的定义。</a:t>
+            </a:r>
+            <a:r>
+              <a:rPr lang="en-US" altLang="zh-CN" dirty="0"/>
+              <a:t>Variable</a:t>
+            </a:r>
+            <a:r>
+              <a:rPr lang="zh-CN" altLang="en-US" dirty="0"/>
+              <a:t>横行是典型</a:t>
+            </a:r>
+            <a:r>
+              <a:rPr lang="en-US" altLang="zh-CN" dirty="0"/>
+              <a:t>CMake2.8</a:t>
+            </a:r>
+            <a:r>
+              <a:rPr lang="zh-CN" altLang="en-US" dirty="0"/>
+              <a:t>时期的风格。现代版的</a:t>
+            </a:r>
+            <a:r>
+              <a:rPr lang="en-US" altLang="zh-CN" dirty="0" err="1"/>
+              <a:t>CMake</a:t>
+            </a:r>
+            <a:r>
+              <a:rPr lang="zh-CN" altLang="en-US" dirty="0"/>
+              <a:t>更像是在遵循</a:t>
+            </a:r>
+            <a:r>
+              <a:rPr lang="en-US" altLang="zh-CN" dirty="0"/>
+              <a:t>OOP</a:t>
+            </a:r>
+            <a:r>
+              <a:rPr lang="zh-CN" altLang="en-US" dirty="0"/>
+              <a:t>的规则，通过</a:t>
+            </a:r>
+            <a:r>
+              <a:rPr lang="en-US" altLang="zh-CN" dirty="0"/>
+              <a:t>target</a:t>
+            </a:r>
+            <a:r>
+              <a:rPr lang="zh-CN" altLang="en-US" dirty="0"/>
+              <a:t>来约束</a:t>
+            </a:r>
+            <a:r>
+              <a:rPr lang="en-US" altLang="zh-CN" dirty="0"/>
+              <a:t>link</a:t>
+            </a:r>
+            <a:r>
+              <a:rPr lang="zh-CN" altLang="en-US" dirty="0"/>
+              <a:t>、</a:t>
+            </a:r>
+            <a:r>
+              <a:rPr lang="en-US" altLang="zh-CN" dirty="0"/>
+              <a:t>compile</a:t>
+            </a:r>
+            <a:r>
+              <a:rPr lang="zh-CN" altLang="en-US" dirty="0"/>
+              <a:t>等相关属性的作用域。如果把一个</a:t>
+            </a:r>
+            <a:r>
+              <a:rPr lang="en-US" altLang="zh-CN" dirty="0"/>
+              <a:t>Target</a:t>
+            </a:r>
+            <a:r>
+              <a:rPr lang="zh-CN" altLang="en-US" dirty="0"/>
+              <a:t>想象成一个对象（</a:t>
+            </a:r>
+            <a:r>
+              <a:rPr lang="en-US" altLang="zh-CN" dirty="0"/>
+              <a:t>Object</a:t>
+            </a:r>
+            <a:r>
+              <a:rPr lang="zh-CN" altLang="en-US" dirty="0"/>
+              <a:t>），会发现两者的组织方式非常相似：</a:t>
+            </a:r>
+            <a:endParaRPr lang="en-US" dirty="0"/>
           </a:p>
         </p:txBody>
       </p:sp>
@@ -1789,7 +1879,7 @@
           <a:p>
             <a:fld id="{B98D41D3-80D1-41B8-B9EF-F8F84EBADC06}" type="slidenum">
               <a:rPr lang="en-US" smtClean="0"/>
-              <a:t>10</a:t>
+              <a:t>9</a:t>
             </a:fld>
             <a:endParaRPr lang="en-US"/>
           </a:p>
@@ -1798,7 +1888,7 @@
     </p:spTree>
     <p:extLst>
       <p:ext uri="{BB962C8B-B14F-4D97-AF65-F5344CB8AC3E}">
-        <p14:creationId xmlns:p14="http://schemas.microsoft.com/office/powerpoint/2010/main" val="2801612377"/>
+        <p14:creationId xmlns:p14="http://schemas.microsoft.com/office/powerpoint/2010/main" val="2956216541"/>
       </p:ext>
     </p:extLst>
   </p:cSld>
@@ -1854,14 +1944,8 @@
           <a:p>
             <a:r>
               <a:rPr lang="en-US" dirty="0"/>
-              <a:t>https://cmake.org/cmake/help/v3.7/manual/cmake-language.7.html</a:t>
-            </a:r>
-          </a:p>
-          <a:p>
-            <a:endParaRPr lang="en-US" dirty="0"/>
-          </a:p>
-          <a:p>
-            <a:endParaRPr lang="en-US" dirty="0"/>
+              <a:t>https://stackoverflow.com/questions/60317621/namespace-notation-in-cmakelists-txt</a:t>
+            </a:r>
           </a:p>
         </p:txBody>
       </p:sp>
@@ -1882,7 +1966,7 @@
           <a:p>
             <a:fld id="{B98D41D3-80D1-41B8-B9EF-F8F84EBADC06}" type="slidenum">
               <a:rPr lang="en-US" smtClean="0"/>
-              <a:t>11</a:t>
+              <a:t>10</a:t>
             </a:fld>
             <a:endParaRPr lang="en-US"/>
           </a:p>
@@ -1891,7 +1975,7 @@
     </p:spTree>
     <p:extLst>
       <p:ext uri="{BB962C8B-B14F-4D97-AF65-F5344CB8AC3E}">
-        <p14:creationId xmlns:p14="http://schemas.microsoft.com/office/powerpoint/2010/main" val="1652468921"/>
+        <p14:creationId xmlns:p14="http://schemas.microsoft.com/office/powerpoint/2010/main" val="2801612377"/>
       </p:ext>
     </p:extLst>
   </p:cSld>
@@ -5614,7 +5698,7 @@
           <p:nvPr/>
         </p:nvPicPr>
         <p:blipFill>
-          <a:blip r:embed="rId2">
+          <a:blip r:embed="rId3">
             <a:extLst>
               <a:ext uri="{28A0092B-C50C-407E-A947-70E740481C1C}">
                 <a14:useLocalDpi xmlns:a14="http://schemas.microsoft.com/office/drawing/2010/main" val="0"/>
@@ -5699,7 +5783,7 @@
           <p:nvPr/>
         </p:nvPicPr>
         <p:blipFill>
-          <a:blip r:embed="rId3">
+          <a:blip r:embed="rId4">
             <a:extLst>
               <a:ext uri="{28A0092B-C50C-407E-A947-70E740481C1C}">
                 <a14:useLocalDpi xmlns:a14="http://schemas.microsoft.com/office/drawing/2010/main" val="0"/>
@@ -11539,6 +11623,60 @@
           </a:p>
         </p:txBody>
       </p:sp>
+      <p:sp>
+        <p:nvSpPr>
+          <p:cNvPr id="5" name="Rectangle 4">
+            <a:extLst>
+              <a:ext uri="{FF2B5EF4-FFF2-40B4-BE49-F238E27FC236}">
+                <a16:creationId xmlns:a16="http://schemas.microsoft.com/office/drawing/2014/main" id="{5FDB8F58-E6F0-44C7-AEF8-4F7EB8DB2E99}"/>
+              </a:ext>
+            </a:extLst>
+          </p:cNvPr>
+          <p:cNvSpPr/>
+          <p:nvPr/>
+        </p:nvSpPr>
+        <p:spPr>
+          <a:xfrm>
+            <a:off x="6096000" y="802257"/>
+            <a:ext cx="6096000" cy="6055743"/>
+          </a:xfrm>
+          <a:prstGeom prst="rect">
+            <a:avLst/>
+          </a:prstGeom>
+          <a:solidFill>
+            <a:schemeClr val="dk1">
+              <a:alpha val="90000"/>
+            </a:schemeClr>
+          </a:solidFill>
+          <a:ln>
+            <a:noFill/>
+          </a:ln>
+        </p:spPr>
+        <p:style>
+          <a:lnRef idx="2">
+            <a:schemeClr val="dk1">
+              <a:shade val="50000"/>
+            </a:schemeClr>
+          </a:lnRef>
+          <a:fillRef idx="1">
+            <a:schemeClr val="dk1"/>
+          </a:fillRef>
+          <a:effectRef idx="0">
+            <a:schemeClr val="dk1"/>
+          </a:effectRef>
+          <a:fontRef idx="minor">
+            <a:schemeClr val="lt1"/>
+          </a:fontRef>
+        </p:style>
+        <p:txBody>
+          <a:bodyPr rtlCol="0" anchor="ctr"/>
+          <a:lstStyle/>
+          <a:p>
+            <a:pPr algn="ctr"/>
+            <a:endParaRPr lang="en-US"/>
+          </a:p>
+        </p:txBody>
+      </p:sp>
     </p:spTree>
     <p:extLst>
       <p:ext uri="{BB962C8B-B14F-4D97-AF65-F5344CB8AC3E}">
@@ -11549,6 +11687,79 @@
   <p:clrMapOvr>
     <a:masterClrMapping/>
   </p:clrMapOvr>
+  <p:timing>
+    <p:tnLst>
+      <p:par>
+        <p:cTn id="1" dur="indefinite" restart="never" nodeType="tmRoot">
+          <p:childTnLst>
+            <p:seq concurrent="1" nextAc="seek">
+              <p:cTn id="2" dur="indefinite" nodeType="mainSeq">
+                <p:childTnLst>
+                  <p:par>
+                    <p:cTn id="3" fill="hold">
+                      <p:stCondLst>
+                        <p:cond delay="indefinite"/>
+                      </p:stCondLst>
+                      <p:childTnLst>
+                        <p:par>
+                          <p:cTn id="4" fill="hold">
+                            <p:stCondLst>
+                              <p:cond delay="0"/>
+                            </p:stCondLst>
+                            <p:childTnLst>
+                              <p:par>
+                                <p:cTn id="5" presetID="35" presetClass="path" presetSubtype="0" accel="50000" decel="50000" fill="hold" grpId="0" nodeType="clickEffect">
+                                  <p:stCondLst>
+                                    <p:cond delay="0"/>
+                                  </p:stCondLst>
+                                  <p:childTnLst>
+                                    <p:animMotion origin="layout" path="M 1.66667E-6 -4.81481E-6 L -0.5 0.00023 " pathEditMode="relative" rAng="0" ptsTypes="AA">
+                                      <p:cBhvr>
+                                        <p:cTn id="6" dur="2000" fill="hold"/>
+                                        <p:tgtEl>
+                                          <p:spTgt spid="5"/>
+                                        </p:tgtEl>
+                                        <p:attrNameLst>
+                                          <p:attrName>ppt_x</p:attrName>
+                                          <p:attrName>ppt_y</p:attrName>
+                                        </p:attrNameLst>
+                                      </p:cBhvr>
+                                      <p:rCtr x="-24948" y="0"/>
+                                    </p:animMotion>
+                                  </p:childTnLst>
+                                </p:cTn>
+                              </p:par>
+                            </p:childTnLst>
+                          </p:cTn>
+                        </p:par>
+                      </p:childTnLst>
+                    </p:cTn>
+                  </p:par>
+                </p:childTnLst>
+              </p:cTn>
+              <p:prevCondLst>
+                <p:cond evt="onPrev" delay="0">
+                  <p:tgtEl>
+                    <p:sldTgt/>
+                  </p:tgtEl>
+                </p:cond>
+              </p:prevCondLst>
+              <p:nextCondLst>
+                <p:cond evt="onNext" delay="0">
+                  <p:tgtEl>
+                    <p:sldTgt/>
+                  </p:tgtEl>
+                </p:cond>
+              </p:nextCondLst>
+            </p:seq>
+          </p:childTnLst>
+        </p:cTn>
+      </p:par>
+    </p:tnLst>
+    <p:bldLst>
+      <p:bldP spid="5" grpId="0" animBg="1"/>
+    </p:bldLst>
+  </p:timing>
 </p:sld>
 </file>
 

--- a/cmake notes.pptx
+++ b/cmake notes.pptx
@@ -212,7 +212,7 @@
           <a:p>
             <a:fld id="{C3A0BED4-E6FD-4935-BDDC-43A309B75F06}" type="datetimeFigureOut">
               <a:rPr lang="en-US" smtClean="0"/>
-              <a:t>9/8/2020</a:t>
+              <a:t>9/13/2020</a:t>
             </a:fld>
             <a:endParaRPr lang="en-US"/>
           </a:p>
@@ -2134,7 +2134,7 @@
           <a:p>
             <a:fld id="{FE48B3A6-4442-4618-BE4D-B5675E38C8ED}" type="datetimeFigureOut">
               <a:rPr lang="en-US" smtClean="0"/>
-              <a:t>9/8/2020</a:t>
+              <a:t>9/13/2020</a:t>
             </a:fld>
             <a:endParaRPr lang="en-US"/>
           </a:p>
@@ -2531,7 +2531,7 @@
           <a:p>
             <a:fld id="{FE48B3A6-4442-4618-BE4D-B5675E38C8ED}" type="datetimeFigureOut">
               <a:rPr lang="en-US" smtClean="0"/>
-              <a:t>9/8/2020</a:t>
+              <a:t>9/13/2020</a:t>
             </a:fld>
             <a:endParaRPr lang="en-US"/>
           </a:p>
@@ -2731,7 +2731,7 @@
           <a:p>
             <a:fld id="{FE48B3A6-4442-4618-BE4D-B5675E38C8ED}" type="datetimeFigureOut">
               <a:rPr lang="en-US" smtClean="0"/>
-              <a:t>9/8/2020</a:t>
+              <a:t>9/13/2020</a:t>
             </a:fld>
             <a:endParaRPr lang="en-US"/>
           </a:p>
@@ -2941,7 +2941,7 @@
           <a:p>
             <a:fld id="{FE48B3A6-4442-4618-BE4D-B5675E38C8ED}" type="datetimeFigureOut">
               <a:rPr lang="en-US" smtClean="0"/>
-              <a:t>9/8/2020</a:t>
+              <a:t>9/13/2020</a:t>
             </a:fld>
             <a:endParaRPr lang="en-US"/>
           </a:p>
@@ -3083,7 +3083,7 @@
           <a:p>
             <a:fld id="{FE48B3A6-4442-4618-BE4D-B5675E38C8ED}" type="datetimeFigureOut">
               <a:rPr lang="en-US" smtClean="0"/>
-              <a:t>9/8/2020</a:t>
+              <a:t>9/13/2020</a:t>
             </a:fld>
             <a:endParaRPr lang="en-US"/>
           </a:p>
@@ -3411,7 +3411,7 @@
           <a:p>
             <a:fld id="{FE48B3A6-4442-4618-BE4D-B5675E38C8ED}" type="datetimeFigureOut">
               <a:rPr lang="en-US" smtClean="0"/>
-              <a:t>9/8/2020</a:t>
+              <a:t>9/13/2020</a:t>
             </a:fld>
             <a:endParaRPr lang="en-US"/>
           </a:p>
@@ -3687,7 +3687,7 @@
           <a:p>
             <a:fld id="{FE48B3A6-4442-4618-BE4D-B5675E38C8ED}" type="datetimeFigureOut">
               <a:rPr lang="en-US" smtClean="0"/>
-              <a:t>9/8/2020</a:t>
+              <a:t>9/13/2020</a:t>
             </a:fld>
             <a:endParaRPr lang="en-US"/>
           </a:p>
@@ -3955,7 +3955,7 @@
           <a:p>
             <a:fld id="{FE48B3A6-4442-4618-BE4D-B5675E38C8ED}" type="datetimeFigureOut">
               <a:rPr lang="en-US" smtClean="0"/>
-              <a:t>9/8/2020</a:t>
+              <a:t>9/13/2020</a:t>
             </a:fld>
             <a:endParaRPr lang="en-US"/>
           </a:p>
@@ -4370,7 +4370,7 @@
           <a:p>
             <a:fld id="{FE48B3A6-4442-4618-BE4D-B5675E38C8ED}" type="datetimeFigureOut">
               <a:rPr lang="en-US" smtClean="0"/>
-              <a:t>9/8/2020</a:t>
+              <a:t>9/13/2020</a:t>
             </a:fld>
             <a:endParaRPr lang="en-US"/>
           </a:p>
@@ -4512,7 +4512,7 @@
           <a:p>
             <a:fld id="{FE48B3A6-4442-4618-BE4D-B5675E38C8ED}" type="datetimeFigureOut">
               <a:rPr lang="en-US" smtClean="0"/>
-              <a:t>9/8/2020</a:t>
+              <a:t>9/13/2020</a:t>
             </a:fld>
             <a:endParaRPr lang="en-US"/>
           </a:p>
@@ -4625,7 +4625,7 @@
           <a:p>
             <a:fld id="{FE48B3A6-4442-4618-BE4D-B5675E38C8ED}" type="datetimeFigureOut">
               <a:rPr lang="en-US" smtClean="0"/>
-              <a:t>9/8/2020</a:t>
+              <a:t>9/13/2020</a:t>
             </a:fld>
             <a:endParaRPr lang="en-US"/>
           </a:p>
@@ -4938,7 +4938,7 @@
           <a:p>
             <a:fld id="{FE48B3A6-4442-4618-BE4D-B5675E38C8ED}" type="datetimeFigureOut">
               <a:rPr lang="en-US" smtClean="0"/>
-              <a:t>9/8/2020</a:t>
+              <a:t>9/13/2020</a:t>
             </a:fld>
             <a:endParaRPr lang="en-US"/>
           </a:p>
@@ -5181,7 +5181,7 @@
           <a:p>
             <a:fld id="{FE48B3A6-4442-4618-BE4D-B5675E38C8ED}" type="datetimeFigureOut">
               <a:rPr lang="en-US" smtClean="0"/>
-              <a:t>9/8/2020</a:t>
+              <a:t>9/13/2020</a:t>
             </a:fld>
             <a:endParaRPr lang="en-US"/>
           </a:p>
@@ -5796,7 +5796,7 @@
         </p:blipFill>
         <p:spPr>
           <a:xfrm>
-            <a:off x="-3585600" y="2790393"/>
+            <a:off x="-4345615" y="349317"/>
             <a:ext cx="2994454" cy="2245841"/>
           </a:xfrm>
           <a:prstGeom prst="rect">
@@ -11623,60 +11623,6 @@
           </a:p>
         </p:txBody>
       </p:sp>
-      <p:sp>
-        <p:nvSpPr>
-          <p:cNvPr id="5" name="Rectangle 4">
-            <a:extLst>
-              <a:ext uri="{FF2B5EF4-FFF2-40B4-BE49-F238E27FC236}">
-                <a16:creationId xmlns:a16="http://schemas.microsoft.com/office/drawing/2014/main" id="{5FDB8F58-E6F0-44C7-AEF8-4F7EB8DB2E99}"/>
-              </a:ext>
-            </a:extLst>
-          </p:cNvPr>
-          <p:cNvSpPr/>
-          <p:nvPr/>
-        </p:nvSpPr>
-        <p:spPr>
-          <a:xfrm>
-            <a:off x="6096000" y="802257"/>
-            <a:ext cx="6096000" cy="6055743"/>
-          </a:xfrm>
-          <a:prstGeom prst="rect">
-            <a:avLst/>
-          </a:prstGeom>
-          <a:solidFill>
-            <a:schemeClr val="dk1">
-              <a:alpha val="90000"/>
-            </a:schemeClr>
-          </a:solidFill>
-          <a:ln>
-            <a:noFill/>
-          </a:ln>
-        </p:spPr>
-        <p:style>
-          <a:lnRef idx="2">
-            <a:schemeClr val="dk1">
-              <a:shade val="50000"/>
-            </a:schemeClr>
-          </a:lnRef>
-          <a:fillRef idx="1">
-            <a:schemeClr val="dk1"/>
-          </a:fillRef>
-          <a:effectRef idx="0">
-            <a:schemeClr val="dk1"/>
-          </a:effectRef>
-          <a:fontRef idx="minor">
-            <a:schemeClr val="lt1"/>
-          </a:fontRef>
-        </p:style>
-        <p:txBody>
-          <a:bodyPr rtlCol="0" anchor="ctr"/>
-          <a:lstStyle/>
-          <a:p>
-            <a:pPr algn="ctr"/>
-            <a:endParaRPr lang="en-US"/>
-          </a:p>
-        </p:txBody>
-      </p:sp>
     </p:spTree>
     <p:extLst>
       <p:ext uri="{BB962C8B-B14F-4D97-AF65-F5344CB8AC3E}">
@@ -11687,79 +11633,6 @@
   <p:clrMapOvr>
     <a:masterClrMapping/>
   </p:clrMapOvr>
-  <p:timing>
-    <p:tnLst>
-      <p:par>
-        <p:cTn id="1" dur="indefinite" restart="never" nodeType="tmRoot">
-          <p:childTnLst>
-            <p:seq concurrent="1" nextAc="seek">
-              <p:cTn id="2" dur="indefinite" nodeType="mainSeq">
-                <p:childTnLst>
-                  <p:par>
-                    <p:cTn id="3" fill="hold">
-                      <p:stCondLst>
-                        <p:cond delay="indefinite"/>
-                      </p:stCondLst>
-                      <p:childTnLst>
-                        <p:par>
-                          <p:cTn id="4" fill="hold">
-                            <p:stCondLst>
-                              <p:cond delay="0"/>
-                            </p:stCondLst>
-                            <p:childTnLst>
-                              <p:par>
-                                <p:cTn id="5" presetID="35" presetClass="path" presetSubtype="0" accel="50000" decel="50000" fill="hold" grpId="0" nodeType="clickEffect">
-                                  <p:stCondLst>
-                                    <p:cond delay="0"/>
-                                  </p:stCondLst>
-                                  <p:childTnLst>
-                                    <p:animMotion origin="layout" path="M 1.66667E-6 -4.81481E-6 L -0.5 0.00023 " pathEditMode="relative" rAng="0" ptsTypes="AA">
-                                      <p:cBhvr>
-                                        <p:cTn id="6" dur="2000" fill="hold"/>
-                                        <p:tgtEl>
-                                          <p:spTgt spid="5"/>
-                                        </p:tgtEl>
-                                        <p:attrNameLst>
-                                          <p:attrName>ppt_x</p:attrName>
-                                          <p:attrName>ppt_y</p:attrName>
-                                        </p:attrNameLst>
-                                      </p:cBhvr>
-                                      <p:rCtr x="-24948" y="0"/>
-                                    </p:animMotion>
-                                  </p:childTnLst>
-                                </p:cTn>
-                              </p:par>
-                            </p:childTnLst>
-                          </p:cTn>
-                        </p:par>
-                      </p:childTnLst>
-                    </p:cTn>
-                  </p:par>
-                </p:childTnLst>
-              </p:cTn>
-              <p:prevCondLst>
-                <p:cond evt="onPrev" delay="0">
-                  <p:tgtEl>
-                    <p:sldTgt/>
-                  </p:tgtEl>
-                </p:cond>
-              </p:prevCondLst>
-              <p:nextCondLst>
-                <p:cond evt="onNext" delay="0">
-                  <p:tgtEl>
-                    <p:sldTgt/>
-                  </p:tgtEl>
-                </p:cond>
-              </p:nextCondLst>
-            </p:seq>
-          </p:childTnLst>
-        </p:cTn>
-      </p:par>
-    </p:tnLst>
-    <p:bldLst>
-      <p:bldP spid="5" grpId="0" animBg="1"/>
-    </p:bldLst>
-  </p:timing>
 </p:sld>
 </file>
 
